--- a/doc/prezentacja-01/UCT_visualization_presentation.pptx
+++ b/doc/prezentacja-01/UCT_visualization_presentation.pptx
@@ -33,8 +33,8 @@
     <p:sldId id="308" r:id="rId24"/>
     <p:sldId id="263" r:id="rId25"/>
     <p:sldId id="264" r:id="rId26"/>
-    <p:sldId id="310" r:id="rId27"/>
-    <p:sldId id="311" r:id="rId28"/>
+    <p:sldId id="330" r:id="rId27"/>
+    <p:sldId id="331" r:id="rId28"/>
     <p:sldId id="267" r:id="rId29"/>
     <p:sldId id="312" r:id="rId30"/>
     <p:sldId id="268" r:id="rId31"/>
@@ -27430,8 +27430,8 @@
           </a:p>
         </p:txBody>
       </p:sp>
-      <mc:AlternateContent xmlns:mc="http://schemas.openxmlformats.org/markup-compatibility/2006">
-        <mc:Choice xmlns:a14="http://schemas.microsoft.com/office/drawing/2010/main" Requires="a14">
+      <mc:AlternateContent xmlns:mc="http://schemas.openxmlformats.org/markup-compatibility/2006" xmlns:a14="http://schemas.microsoft.com/office/drawing/2010/main">
+        <mc:Choice Requires="a14">
           <p:sp>
             <p:nvSpPr>
               <p:cNvPr id="3" name="pole tekstowe 2">
@@ -27460,6 +27460,7 @@
               </a:bodyPr>
               <a:lstStyle/>
               <a:p>
+                <a:pPr/>
                 <a14:m>
                   <m:oMathPara xmlns:m="http://schemas.openxmlformats.org/officeDocument/2006/math">
                     <m:oMathParaPr>
@@ -27664,7 +27665,7 @@
             </p:txBody>
           </p:sp>
         </mc:Choice>
-        <mc:Fallback>
+        <mc:Fallback xmlns="">
           <p:sp>
             <p:nvSpPr>
               <p:cNvPr id="3" name="pole tekstowe 2">
@@ -27709,8 +27710,8 @@
           </p:sp>
         </mc:Fallback>
       </mc:AlternateContent>
-      <mc:AlternateContent xmlns:mc="http://schemas.openxmlformats.org/markup-compatibility/2006">
-        <mc:Choice xmlns:a14="http://schemas.microsoft.com/office/drawing/2010/main" Requires="a14">
+      <mc:AlternateContent xmlns:mc="http://schemas.openxmlformats.org/markup-compatibility/2006" xmlns:a14="http://schemas.microsoft.com/office/drawing/2010/main">
+        <mc:Choice Requires="a14">
           <p:sp>
             <p:nvSpPr>
               <p:cNvPr id="4" name="pole tekstowe 3">
@@ -27862,7 +27863,7 @@
             </p:txBody>
           </p:sp>
         </mc:Choice>
-        <mc:Fallback>
+        <mc:Fallback xmlns="">
           <p:sp>
             <p:nvSpPr>
               <p:cNvPr id="4" name="pole tekstowe 3">
@@ -28948,6 +28949,41 @@
 <file path=ppt/slides/slide25.xml><?xml version="1.0" encoding="utf-8"?>
 <p:sld xmlns:a="http://schemas.openxmlformats.org/drawingml/2006/main" xmlns:r="http://schemas.openxmlformats.org/officeDocument/2006/relationships" xmlns:p="http://schemas.openxmlformats.org/presentationml/2006/main">
   <p:cSld>
+    <p:bg>
+      <p:bgPr>
+        <a:gradFill rotWithShape="1">
+          <a:gsLst>
+            <a:gs pos="0">
+              <a:schemeClr val="bg2">
+                <a:tint val="96000"/>
+                <a:shade val="100000"/>
+                <a:hueMod val="270000"/>
+                <a:satMod val="200000"/>
+                <a:lumMod val="128000"/>
+              </a:schemeClr>
+            </a:gs>
+            <a:gs pos="50000">
+              <a:schemeClr val="bg2">
+                <a:shade val="100000"/>
+                <a:hueMod val="100000"/>
+                <a:satMod val="110000"/>
+                <a:lumMod val="130000"/>
+              </a:schemeClr>
+            </a:gs>
+            <a:gs pos="100000">
+              <a:schemeClr val="bg2">
+                <a:shade val="78000"/>
+                <a:hueMod val="44000"/>
+                <a:satMod val="200000"/>
+                <a:lumMod val="69000"/>
+              </a:schemeClr>
+            </a:gs>
+          </a:gsLst>
+          <a:lin ang="2520000" scaled="0"/>
+        </a:gradFill>
+        <a:effectLst/>
+      </p:bgPr>
+    </p:bg>
     <p:spTree>
       <p:nvGrpSpPr>
         <p:cNvPr id="1" name=""/>
@@ -28962,35 +28998,142 @@
           <a:chExt cx="0" cy="0"/>
         </a:xfrm>
       </p:grpSpPr>
-      <p:sp>
-        <p:nvSpPr>
-          <p:cNvPr id="2" name="Tytuł 1">
+      <p:grpSp>
+        <p:nvGrpSpPr>
+          <p:cNvPr id="71" name="Group 70">
             <a:extLst>
               <a:ext uri="{FF2B5EF4-FFF2-40B4-BE49-F238E27FC236}">
-                <a16:creationId xmlns:a16="http://schemas.microsoft.com/office/drawing/2014/main" id="{4279EEF8-C63E-4692-9E3B-EEB7874E7DC2}"/>
+                <a16:creationId xmlns:a16="http://schemas.microsoft.com/office/drawing/2014/main" id="{7A865E47-4365-4F21-B8EA-13B2C12BCB98}"/>
+              </a:ext>
+              <a:ext uri="{C183D7F6-B498-43B3-948B-1728B52AA6E4}">
+                <adec:decorative xmlns:adec="http://schemas.microsoft.com/office/drawing/2017/decorative" val="1"/>
               </a:ext>
             </a:extLst>
           </p:cNvPr>
-          <p:cNvSpPr>
-            <a:spLocks noGrp="1"/>
-          </p:cNvSpPr>
-          <p:nvPr>
-            <p:ph type="title"/>
-          </p:nvPr>
-        </p:nvSpPr>
-        <p:spPr/>
-        <p:txBody>
-          <a:bodyPr/>
-          <a:lstStyle/>
-          <a:p>
-            <a:r>
-              <a:rPr lang="pl-PL" dirty="0" err="1"/>
-              <a:t>Serializacja</a:t>
-            </a:r>
-            <a:endParaRPr lang="pl-PL" dirty="0"/>
-          </a:p>
-        </p:txBody>
-      </p:sp>
+          <p:cNvGrpSpPr>
+            <a:grpSpLocks noGrp="1" noUngrp="1" noRot="1" noChangeAspect="1" noMove="1" noResize="1"/>
+          </p:cNvGrpSpPr>
+          <p:nvPr>
+            <p:extLst>
+              <p:ext uri="{386F3935-93C4-4BCD-93E2-E3B085C9AB24}">
+                <p16:designElem xmlns:p16="http://schemas.microsoft.com/office/powerpoint/2015/main" val="1"/>
+              </p:ext>
+            </p:extLst>
+          </p:nvPr>
+        </p:nvGrpSpPr>
+        <p:grpSpPr>
+          <a:xfrm>
+            <a:off x="-3176" y="0"/>
+            <a:ext cx="12192000" cy="6858001"/>
+            <a:chOff x="-3176" y="0"/>
+            <a:chExt cx="12192000" cy="6858001"/>
+          </a:xfrm>
+        </p:grpSpPr>
+        <p:sp useBgFill="1">
+          <p:nvSpPr>
+            <p:cNvPr id="72" name="Rectangle 71">
+              <a:extLst>
+                <a:ext uri="{FF2B5EF4-FFF2-40B4-BE49-F238E27FC236}">
+                  <a16:creationId xmlns:a16="http://schemas.microsoft.com/office/drawing/2014/main" id="{0CE24988-BB27-40E5-A961-9FA7ED0DB9B3}"/>
+                </a:ext>
+                <a:ext uri="{C183D7F6-B498-43B3-948B-1728B52AA6E4}">
+                  <adec:decorative xmlns:adec="http://schemas.microsoft.com/office/drawing/2017/decorative" val="1"/>
+                </a:ext>
+              </a:extLst>
+            </p:cNvPr>
+            <p:cNvSpPr/>
+            <p:nvPr>
+              <p:extLst>
+                <p:ext uri="{386F3935-93C4-4BCD-93E2-E3B085C9AB24}">
+                  <p16:designElem xmlns:p16="http://schemas.microsoft.com/office/powerpoint/2015/main" val="1"/>
+                </p:ext>
+              </p:extLst>
+            </p:nvPr>
+          </p:nvSpPr>
+          <p:spPr>
+            <a:xfrm>
+              <a:off x="0" y="0"/>
+              <a:ext cx="12188824" cy="6858001"/>
+            </a:xfrm>
+            <a:prstGeom prst="rect">
+              <a:avLst/>
+            </a:prstGeom>
+            <a:ln>
+              <a:noFill/>
+            </a:ln>
+          </p:spPr>
+          <p:style>
+            <a:lnRef idx="2">
+              <a:schemeClr val="accent1">
+                <a:shade val="50000"/>
+              </a:schemeClr>
+            </a:lnRef>
+            <a:fillRef idx="1">
+              <a:schemeClr val="accent1"/>
+            </a:fillRef>
+            <a:effectRef idx="0">
+              <a:schemeClr val="accent1"/>
+            </a:effectRef>
+            <a:fontRef idx="minor">
+              <a:schemeClr val="lt1"/>
+            </a:fontRef>
+          </p:style>
+          <p:txBody>
+            <a:bodyPr rtlCol="0" anchor="ctr"/>
+            <a:lstStyle/>
+            <a:p>
+              <a:pPr algn="ctr"/>
+              <a:endParaRPr lang="en-US"/>
+            </a:p>
+          </p:txBody>
+        </p:sp>
+        <p:pic>
+          <p:nvPicPr>
+            <p:cNvPr id="73" name="Picture 72">
+              <a:extLst>
+                <a:ext uri="{FF2B5EF4-FFF2-40B4-BE49-F238E27FC236}">
+                  <a16:creationId xmlns:a16="http://schemas.microsoft.com/office/drawing/2014/main" id="{80BDE80E-ADE0-4E16-8F80-306A15F4D3FB}"/>
+                </a:ext>
+                <a:ext uri="{C183D7F6-B498-43B3-948B-1728B52AA6E4}">
+                  <adec:decorative xmlns:adec="http://schemas.microsoft.com/office/drawing/2017/decorative" val="1"/>
+                </a:ext>
+              </a:extLst>
+            </p:cNvPr>
+            <p:cNvPicPr>
+              <a:picLocks noChangeAspect="1"/>
+            </p:cNvPicPr>
+            <p:nvPr>
+              <p:extLst>
+                <p:ext uri="{386F3935-93C4-4BCD-93E2-E3B085C9AB24}">
+                  <p16:designElem xmlns:p16="http://schemas.microsoft.com/office/powerpoint/2015/main" val="1"/>
+                </p:ext>
+              </p:extLst>
+            </p:nvPr>
+          </p:nvPicPr>
+          <p:blipFill>
+            <a:blip r:embed="rId2">
+              <a:alphaModFix amt="10000"/>
+              <a:extLst>
+                <a:ext uri="{28A0092B-C50C-407E-A947-70E740481C1C}">
+                  <a14:useLocalDpi xmlns:a14="http://schemas.microsoft.com/office/drawing/2010/main" val="0"/>
+                </a:ext>
+              </a:extLst>
+            </a:blip>
+            <a:stretch>
+              <a:fillRect/>
+            </a:stretch>
+          </p:blipFill>
+          <p:spPr>
+            <a:xfrm>
+              <a:off x="-3176" y="0"/>
+              <a:ext cx="12192000" cy="6858000"/>
+            </a:xfrm>
+            <a:prstGeom prst="rect">
+              <a:avLst/>
+            </a:prstGeom>
+          </p:spPr>
+        </p:pic>
+      </p:grpSp>
       <p:sp>
         <p:nvSpPr>
           <p:cNvPr id="3" name="Symbol zastępczy zawartości 2">
@@ -29009,8 +29152,8 @@
         </p:nvSpPr>
         <p:spPr>
           <a:xfrm>
-            <a:off x="680321" y="2505456"/>
-            <a:ext cx="9613861" cy="3599316"/>
+            <a:off x="680322" y="2336873"/>
+            <a:ext cx="5041628" cy="3599316"/>
           </a:xfrm>
         </p:spPr>
         <p:txBody>
@@ -29031,16 +29174,204 @@
             <a:pPr marL="0" indent="0">
               <a:buNone/>
             </a:pPr>
-            <a:endParaRPr lang="pl-PL" sz="2800" dirty="0"/>
+            <a:endParaRPr lang="pl-PL" sz="2000" dirty="0"/>
           </a:p>
           <a:p>
             <a:pPr marL="0" indent="0">
               <a:buNone/>
             </a:pPr>
+            <a:endParaRPr lang="pl-PL" sz="2000" dirty="0"/>
+          </a:p>
+        </p:txBody>
+      </p:sp>
+      <p:pic>
+        <p:nvPicPr>
+          <p:cNvPr id="1026" name="Picture 2" descr="Podobny obraz">
+            <a:extLst>
+              <a:ext uri="{FF2B5EF4-FFF2-40B4-BE49-F238E27FC236}">
+                <a16:creationId xmlns:a16="http://schemas.microsoft.com/office/drawing/2014/main" id="{1700C59E-C3B3-43F3-8722-94F4635BDC0B}"/>
+              </a:ext>
+            </a:extLst>
+          </p:cNvPr>
+          <p:cNvPicPr>
+            <a:picLocks noChangeAspect="1" noChangeArrowheads="1"/>
+          </p:cNvPicPr>
+          <p:nvPr/>
+        </p:nvPicPr>
+        <p:blipFill rotWithShape="1">
+          <a:blip r:embed="rId3">
+            <a:extLst>
+              <a:ext uri="{28A0092B-C50C-407E-A947-70E740481C1C}">
+                <a14:useLocalDpi xmlns:a14="http://schemas.microsoft.com/office/drawing/2010/main" val="0"/>
+              </a:ext>
+            </a:extLst>
+          </a:blip>
+          <a:srcRect l="37701" r="24754"/>
+          <a:stretch/>
+        </p:blipFill>
+        <p:spPr bwMode="auto">
+          <a:xfrm>
+            <a:off x="6096000" y="10"/>
+            <a:ext cx="6092823" cy="6856310"/>
+          </a:xfrm>
+          <a:prstGeom prst="rect">
+            <a:avLst/>
+          </a:prstGeom>
+          <a:noFill/>
+          <a:ln>
+            <a:noFill/>
+          </a:ln>
+          <a:effectLst/>
+          <a:extLst>
+            <a:ext uri="{909E8E84-426E-40DD-AFC4-6F175D3DCCD1}">
+              <a14:hiddenFill xmlns:a14="http://schemas.microsoft.com/office/drawing/2010/main">
+                <a:solidFill>
+                  <a:srgbClr val="FFFFFF"/>
+                </a:solidFill>
+              </a14:hiddenFill>
+            </a:ext>
+          </a:extLst>
+        </p:spPr>
+      </p:pic>
+      <p:sp>
+        <p:nvSpPr>
+          <p:cNvPr id="75" name="Rectangle 74">
+            <a:extLst>
+              <a:ext uri="{FF2B5EF4-FFF2-40B4-BE49-F238E27FC236}">
+                <a16:creationId xmlns:a16="http://schemas.microsoft.com/office/drawing/2014/main" id="{13BC1C09-8FD1-4619-B317-E9EED5E55DD8}"/>
+              </a:ext>
+              <a:ext uri="{C183D7F6-B498-43B3-948B-1728B52AA6E4}">
+                <adec:decorative xmlns:adec="http://schemas.microsoft.com/office/drawing/2017/decorative" val="1"/>
+              </a:ext>
+            </a:extLst>
+          </p:cNvPr>
+          <p:cNvSpPr>
+            <a:spLocks noGrp="1" noRot="1" noChangeAspect="1" noMove="1" noResize="1" noEditPoints="1" noAdjustHandles="1" noChangeArrowheads="1" noChangeShapeType="1" noTextEdit="1"/>
+          </p:cNvSpPr>
+          <p:nvPr>
+            <p:extLst>
+              <p:ext uri="{386F3935-93C4-4BCD-93E2-E3B085C9AB24}">
+                <p16:designElem xmlns:p16="http://schemas.microsoft.com/office/powerpoint/2015/main" val="1"/>
+              </p:ext>
+            </p:extLst>
+          </p:nvPr>
+        </p:nvSpPr>
+        <p:spPr bwMode="grayWhite">
+          <a:xfrm>
+            <a:off x="2" y="609600"/>
+            <a:ext cx="6499753" cy="1368198"/>
+          </a:xfrm>
+          <a:prstGeom prst="rect">
+            <a:avLst/>
+          </a:prstGeom>
+          <a:solidFill>
+            <a:schemeClr val="bg1">
+              <a:lumMod val="85000"/>
+              <a:lumOff val="15000"/>
+            </a:schemeClr>
+          </a:solidFill>
+          <a:ln>
+            <a:noFill/>
+          </a:ln>
+        </p:spPr>
+        <p:style>
+          <a:lnRef idx="2">
+            <a:schemeClr val="accent1">
+              <a:shade val="50000"/>
+            </a:schemeClr>
+          </a:lnRef>
+          <a:fillRef idx="1">
+            <a:schemeClr val="accent1"/>
+          </a:fillRef>
+          <a:effectRef idx="0">
+            <a:schemeClr val="accent1"/>
+          </a:effectRef>
+          <a:fontRef idx="minor">
+            <a:schemeClr val="lt1"/>
+          </a:fontRef>
+        </p:style>
+      </p:sp>
+      <p:sp>
+        <p:nvSpPr>
+          <p:cNvPr id="2" name="Tytuł 1">
+            <a:extLst>
+              <a:ext uri="{FF2B5EF4-FFF2-40B4-BE49-F238E27FC236}">
+                <a16:creationId xmlns:a16="http://schemas.microsoft.com/office/drawing/2014/main" id="{4279EEF8-C63E-4692-9E3B-EEB7874E7DC2}"/>
+              </a:ext>
+            </a:extLst>
+          </p:cNvPr>
+          <p:cNvSpPr>
+            <a:spLocks noGrp="1"/>
+          </p:cNvSpPr>
+          <p:nvPr>
+            <p:ph type="title"/>
+          </p:nvPr>
+        </p:nvSpPr>
+        <p:spPr>
+          <a:xfrm>
+            <a:off x="680321" y="753228"/>
+            <a:ext cx="5041629" cy="1080938"/>
+          </a:xfrm>
+        </p:spPr>
+        <p:txBody>
+          <a:bodyPr>
+            <a:normAutofit/>
+          </a:bodyPr>
+          <a:lstStyle/>
+          <a:p>
+            <a:r>
+              <a:rPr lang="pl-PL" dirty="0" err="1"/>
+              <a:t>Serializacja</a:t>
+            </a:r>
             <a:endParaRPr lang="pl-PL" dirty="0"/>
           </a:p>
         </p:txBody>
       </p:sp>
+      <p:pic>
+        <p:nvPicPr>
+          <p:cNvPr id="77" name="Picture 76">
+            <a:extLst>
+              <a:ext uri="{FF2B5EF4-FFF2-40B4-BE49-F238E27FC236}">
+                <a16:creationId xmlns:a16="http://schemas.microsoft.com/office/drawing/2014/main" id="{D3143E80-C928-46DB-9299-0BD06348A928}"/>
+              </a:ext>
+              <a:ext uri="{C183D7F6-B498-43B3-948B-1728B52AA6E4}">
+                <adec:decorative xmlns:adec="http://schemas.microsoft.com/office/drawing/2017/decorative" val="1"/>
+              </a:ext>
+            </a:extLst>
+          </p:cNvPr>
+          <p:cNvPicPr>
+            <a:picLocks noGrp="1" noRot="1" noChangeAspect="1" noMove="1" noResize="1" noEditPoints="1" noAdjustHandles="1" noChangeArrowheads="1" noChangeShapeType="1" noCrop="1"/>
+          </p:cNvPicPr>
+          <p:nvPr>
+            <p:extLst>
+              <p:ext uri="{386F3935-93C4-4BCD-93E2-E3B085C9AB24}">
+                <p16:designElem xmlns:p16="http://schemas.microsoft.com/office/powerpoint/2015/main" val="1"/>
+              </p:ext>
+            </p:extLst>
+          </p:nvPr>
+        </p:nvPicPr>
+        <p:blipFill>
+          <a:blip r:embed="rId4">
+            <a:extLst>
+              <a:ext uri="{28A0092B-C50C-407E-A947-70E740481C1C}">
+                <a14:useLocalDpi xmlns:a14="http://schemas.microsoft.com/office/drawing/2010/main" val="0"/>
+              </a:ext>
+            </a:extLst>
+          </a:blip>
+          <a:stretch>
+            <a:fillRect/>
+          </a:stretch>
+        </p:blipFill>
+        <p:spPr>
+          <a:xfrm>
+            <a:off x="2" y="1970240"/>
+            <a:ext cx="6492240" cy="261714"/>
+          </a:xfrm>
+          <a:prstGeom prst="rect">
+            <a:avLst/>
+          </a:prstGeom>
+        </p:spPr>
+      </p:pic>
     </p:spTree>
     <p:extLst>
       <p:ext uri="{BB962C8B-B14F-4D97-AF65-F5344CB8AC3E}">
@@ -29069,6 +29400,41 @@
 <file path=ppt/slides/slide26.xml><?xml version="1.0" encoding="utf-8"?>
 <p:sld xmlns:a="http://schemas.openxmlformats.org/drawingml/2006/main" xmlns:r="http://schemas.openxmlformats.org/officeDocument/2006/relationships" xmlns:p="http://schemas.openxmlformats.org/presentationml/2006/main">
   <p:cSld>
+    <p:bg>
+      <p:bgPr>
+        <a:gradFill rotWithShape="1">
+          <a:gsLst>
+            <a:gs pos="0">
+              <a:schemeClr val="bg2">
+                <a:tint val="96000"/>
+                <a:shade val="100000"/>
+                <a:hueMod val="270000"/>
+                <a:satMod val="200000"/>
+                <a:lumMod val="128000"/>
+              </a:schemeClr>
+            </a:gs>
+            <a:gs pos="50000">
+              <a:schemeClr val="bg2">
+                <a:shade val="100000"/>
+                <a:hueMod val="100000"/>
+                <a:satMod val="110000"/>
+                <a:lumMod val="130000"/>
+              </a:schemeClr>
+            </a:gs>
+            <a:gs pos="100000">
+              <a:schemeClr val="bg2">
+                <a:shade val="78000"/>
+                <a:hueMod val="44000"/>
+                <a:satMod val="200000"/>
+                <a:lumMod val="69000"/>
+              </a:schemeClr>
+            </a:gs>
+          </a:gsLst>
+          <a:lin ang="2520000" scaled="0"/>
+        </a:gradFill>
+        <a:effectLst/>
+      </p:bgPr>
+    </p:bg>
     <p:spTree>
       <p:nvGrpSpPr>
         <p:cNvPr id="1" name=""/>
@@ -29083,35 +29449,142 @@
           <a:chExt cx="0" cy="0"/>
         </a:xfrm>
       </p:grpSpPr>
-      <p:sp>
-        <p:nvSpPr>
-          <p:cNvPr id="2" name="Tytuł 1">
+      <p:grpSp>
+        <p:nvGrpSpPr>
+          <p:cNvPr id="71" name="Group 70">
             <a:extLst>
               <a:ext uri="{FF2B5EF4-FFF2-40B4-BE49-F238E27FC236}">
-                <a16:creationId xmlns:a16="http://schemas.microsoft.com/office/drawing/2014/main" id="{4279EEF8-C63E-4692-9E3B-EEB7874E7DC2}"/>
+                <a16:creationId xmlns:a16="http://schemas.microsoft.com/office/drawing/2014/main" id="{7A865E47-4365-4F21-B8EA-13B2C12BCB98}"/>
+              </a:ext>
+              <a:ext uri="{C183D7F6-B498-43B3-948B-1728B52AA6E4}">
+                <adec:decorative xmlns:adec="http://schemas.microsoft.com/office/drawing/2017/decorative" val="1"/>
               </a:ext>
             </a:extLst>
           </p:cNvPr>
-          <p:cNvSpPr>
-            <a:spLocks noGrp="1"/>
-          </p:cNvSpPr>
-          <p:nvPr>
-            <p:ph type="title"/>
-          </p:nvPr>
-        </p:nvSpPr>
-        <p:spPr/>
-        <p:txBody>
-          <a:bodyPr/>
-          <a:lstStyle/>
-          <a:p>
-            <a:r>
-              <a:rPr lang="pl-PL" dirty="0" err="1"/>
-              <a:t>Serializacja</a:t>
-            </a:r>
-            <a:endParaRPr lang="pl-PL" dirty="0"/>
-          </a:p>
-        </p:txBody>
-      </p:sp>
+          <p:cNvGrpSpPr>
+            <a:grpSpLocks noGrp="1" noUngrp="1" noRot="1" noChangeAspect="1" noMove="1" noResize="1"/>
+          </p:cNvGrpSpPr>
+          <p:nvPr>
+            <p:extLst>
+              <p:ext uri="{386F3935-93C4-4BCD-93E2-E3B085C9AB24}">
+                <p16:designElem xmlns:p16="http://schemas.microsoft.com/office/powerpoint/2015/main" val="1"/>
+              </p:ext>
+            </p:extLst>
+          </p:nvPr>
+        </p:nvGrpSpPr>
+        <p:grpSpPr>
+          <a:xfrm>
+            <a:off x="-3176" y="0"/>
+            <a:ext cx="12192000" cy="6858001"/>
+            <a:chOff x="-3176" y="0"/>
+            <a:chExt cx="12192000" cy="6858001"/>
+          </a:xfrm>
+        </p:grpSpPr>
+        <p:sp useBgFill="1">
+          <p:nvSpPr>
+            <p:cNvPr id="72" name="Rectangle 71">
+              <a:extLst>
+                <a:ext uri="{FF2B5EF4-FFF2-40B4-BE49-F238E27FC236}">
+                  <a16:creationId xmlns:a16="http://schemas.microsoft.com/office/drawing/2014/main" id="{0CE24988-BB27-40E5-A961-9FA7ED0DB9B3}"/>
+                </a:ext>
+                <a:ext uri="{C183D7F6-B498-43B3-948B-1728B52AA6E4}">
+                  <adec:decorative xmlns:adec="http://schemas.microsoft.com/office/drawing/2017/decorative" val="1"/>
+                </a:ext>
+              </a:extLst>
+            </p:cNvPr>
+            <p:cNvSpPr/>
+            <p:nvPr>
+              <p:extLst>
+                <p:ext uri="{386F3935-93C4-4BCD-93E2-E3B085C9AB24}">
+                  <p16:designElem xmlns:p16="http://schemas.microsoft.com/office/powerpoint/2015/main" val="1"/>
+                </p:ext>
+              </p:extLst>
+            </p:nvPr>
+          </p:nvSpPr>
+          <p:spPr>
+            <a:xfrm>
+              <a:off x="0" y="0"/>
+              <a:ext cx="12188824" cy="6858001"/>
+            </a:xfrm>
+            <a:prstGeom prst="rect">
+              <a:avLst/>
+            </a:prstGeom>
+            <a:ln>
+              <a:noFill/>
+            </a:ln>
+          </p:spPr>
+          <p:style>
+            <a:lnRef idx="2">
+              <a:schemeClr val="accent1">
+                <a:shade val="50000"/>
+              </a:schemeClr>
+            </a:lnRef>
+            <a:fillRef idx="1">
+              <a:schemeClr val="accent1"/>
+            </a:fillRef>
+            <a:effectRef idx="0">
+              <a:schemeClr val="accent1"/>
+            </a:effectRef>
+            <a:fontRef idx="minor">
+              <a:schemeClr val="lt1"/>
+            </a:fontRef>
+          </p:style>
+          <p:txBody>
+            <a:bodyPr rtlCol="0" anchor="ctr"/>
+            <a:lstStyle/>
+            <a:p>
+              <a:pPr algn="ctr"/>
+              <a:endParaRPr lang="en-US"/>
+            </a:p>
+          </p:txBody>
+        </p:sp>
+        <p:pic>
+          <p:nvPicPr>
+            <p:cNvPr id="73" name="Picture 72">
+              <a:extLst>
+                <a:ext uri="{FF2B5EF4-FFF2-40B4-BE49-F238E27FC236}">
+                  <a16:creationId xmlns:a16="http://schemas.microsoft.com/office/drawing/2014/main" id="{80BDE80E-ADE0-4E16-8F80-306A15F4D3FB}"/>
+                </a:ext>
+                <a:ext uri="{C183D7F6-B498-43B3-948B-1728B52AA6E4}">
+                  <adec:decorative xmlns:adec="http://schemas.microsoft.com/office/drawing/2017/decorative" val="1"/>
+                </a:ext>
+              </a:extLst>
+            </p:cNvPr>
+            <p:cNvPicPr>
+              <a:picLocks noChangeAspect="1"/>
+            </p:cNvPicPr>
+            <p:nvPr>
+              <p:extLst>
+                <p:ext uri="{386F3935-93C4-4BCD-93E2-E3B085C9AB24}">
+                  <p16:designElem xmlns:p16="http://schemas.microsoft.com/office/powerpoint/2015/main" val="1"/>
+                </p:ext>
+              </p:extLst>
+            </p:nvPr>
+          </p:nvPicPr>
+          <p:blipFill>
+            <a:blip r:embed="rId2">
+              <a:alphaModFix amt="10000"/>
+              <a:extLst>
+                <a:ext uri="{28A0092B-C50C-407E-A947-70E740481C1C}">
+                  <a14:useLocalDpi xmlns:a14="http://schemas.microsoft.com/office/drawing/2010/main" val="0"/>
+                </a:ext>
+              </a:extLst>
+            </a:blip>
+            <a:stretch>
+              <a:fillRect/>
+            </a:stretch>
+          </p:blipFill>
+          <p:spPr>
+            <a:xfrm>
+              <a:off x="-3176" y="0"/>
+              <a:ext cx="12192000" cy="6858000"/>
+            </a:xfrm>
+            <a:prstGeom prst="rect">
+              <a:avLst/>
+            </a:prstGeom>
+          </p:spPr>
+        </p:pic>
+      </p:grpSp>
       <p:sp>
         <p:nvSpPr>
           <p:cNvPr id="3" name="Symbol zastępczy zawartości 2">
@@ -29130,8 +29603,8 @@
         </p:nvSpPr>
         <p:spPr>
           <a:xfrm>
-            <a:off x="680321" y="2505456"/>
-            <a:ext cx="9613861" cy="3599316"/>
+            <a:off x="680322" y="2336873"/>
+            <a:ext cx="5041628" cy="3599316"/>
           </a:xfrm>
         </p:spPr>
         <p:txBody>
@@ -29167,20 +29640,208 @@
             <a:pPr marL="0" indent="0">
               <a:buNone/>
             </a:pPr>
-            <a:endParaRPr lang="pl-PL" sz="2800" dirty="0"/>
+            <a:endParaRPr lang="pl-PL" sz="2000" dirty="0"/>
           </a:p>
           <a:p>
             <a:pPr marL="0" indent="0">
               <a:buNone/>
             </a:pPr>
+            <a:endParaRPr lang="pl-PL" sz="2000" dirty="0"/>
+          </a:p>
+        </p:txBody>
+      </p:sp>
+      <p:pic>
+        <p:nvPicPr>
+          <p:cNvPr id="1026" name="Picture 2" descr="Podobny obraz">
+            <a:extLst>
+              <a:ext uri="{FF2B5EF4-FFF2-40B4-BE49-F238E27FC236}">
+                <a16:creationId xmlns:a16="http://schemas.microsoft.com/office/drawing/2014/main" id="{1700C59E-C3B3-43F3-8722-94F4635BDC0B}"/>
+              </a:ext>
+            </a:extLst>
+          </p:cNvPr>
+          <p:cNvPicPr>
+            <a:picLocks noChangeAspect="1" noChangeArrowheads="1"/>
+          </p:cNvPicPr>
+          <p:nvPr/>
+        </p:nvPicPr>
+        <p:blipFill rotWithShape="1">
+          <a:blip r:embed="rId3">
+            <a:extLst>
+              <a:ext uri="{28A0092B-C50C-407E-A947-70E740481C1C}">
+                <a14:useLocalDpi xmlns:a14="http://schemas.microsoft.com/office/drawing/2010/main" val="0"/>
+              </a:ext>
+            </a:extLst>
+          </a:blip>
+          <a:srcRect l="37701" r="24754"/>
+          <a:stretch/>
+        </p:blipFill>
+        <p:spPr bwMode="auto">
+          <a:xfrm>
+            <a:off x="6096000" y="10"/>
+            <a:ext cx="6092823" cy="6856310"/>
+          </a:xfrm>
+          <a:prstGeom prst="rect">
+            <a:avLst/>
+          </a:prstGeom>
+          <a:noFill/>
+          <a:ln>
+            <a:noFill/>
+          </a:ln>
+          <a:effectLst/>
+          <a:extLst>
+            <a:ext uri="{909E8E84-426E-40DD-AFC4-6F175D3DCCD1}">
+              <a14:hiddenFill xmlns:a14="http://schemas.microsoft.com/office/drawing/2010/main">
+                <a:solidFill>
+                  <a:srgbClr val="FFFFFF"/>
+                </a:solidFill>
+              </a14:hiddenFill>
+            </a:ext>
+          </a:extLst>
+        </p:spPr>
+      </p:pic>
+      <p:sp>
+        <p:nvSpPr>
+          <p:cNvPr id="75" name="Rectangle 74">
+            <a:extLst>
+              <a:ext uri="{FF2B5EF4-FFF2-40B4-BE49-F238E27FC236}">
+                <a16:creationId xmlns:a16="http://schemas.microsoft.com/office/drawing/2014/main" id="{13BC1C09-8FD1-4619-B317-E9EED5E55DD8}"/>
+              </a:ext>
+              <a:ext uri="{C183D7F6-B498-43B3-948B-1728B52AA6E4}">
+                <adec:decorative xmlns:adec="http://schemas.microsoft.com/office/drawing/2017/decorative" val="1"/>
+              </a:ext>
+            </a:extLst>
+          </p:cNvPr>
+          <p:cNvSpPr>
+            <a:spLocks noGrp="1" noRot="1" noChangeAspect="1" noMove="1" noResize="1" noEditPoints="1" noAdjustHandles="1" noChangeArrowheads="1" noChangeShapeType="1" noTextEdit="1"/>
+          </p:cNvSpPr>
+          <p:nvPr>
+            <p:extLst>
+              <p:ext uri="{386F3935-93C4-4BCD-93E2-E3B085C9AB24}">
+                <p16:designElem xmlns:p16="http://schemas.microsoft.com/office/powerpoint/2015/main" val="1"/>
+              </p:ext>
+            </p:extLst>
+          </p:nvPr>
+        </p:nvSpPr>
+        <p:spPr bwMode="grayWhite">
+          <a:xfrm>
+            <a:off x="2" y="609600"/>
+            <a:ext cx="6499753" cy="1368198"/>
+          </a:xfrm>
+          <a:prstGeom prst="rect">
+            <a:avLst/>
+          </a:prstGeom>
+          <a:solidFill>
+            <a:schemeClr val="bg1">
+              <a:lumMod val="85000"/>
+              <a:lumOff val="15000"/>
+            </a:schemeClr>
+          </a:solidFill>
+          <a:ln>
+            <a:noFill/>
+          </a:ln>
+        </p:spPr>
+        <p:style>
+          <a:lnRef idx="2">
+            <a:schemeClr val="accent1">
+              <a:shade val="50000"/>
+            </a:schemeClr>
+          </a:lnRef>
+          <a:fillRef idx="1">
+            <a:schemeClr val="accent1"/>
+          </a:fillRef>
+          <a:effectRef idx="0">
+            <a:schemeClr val="accent1"/>
+          </a:effectRef>
+          <a:fontRef idx="minor">
+            <a:schemeClr val="lt1"/>
+          </a:fontRef>
+        </p:style>
+      </p:sp>
+      <p:sp>
+        <p:nvSpPr>
+          <p:cNvPr id="2" name="Tytuł 1">
+            <a:extLst>
+              <a:ext uri="{FF2B5EF4-FFF2-40B4-BE49-F238E27FC236}">
+                <a16:creationId xmlns:a16="http://schemas.microsoft.com/office/drawing/2014/main" id="{4279EEF8-C63E-4692-9E3B-EEB7874E7DC2}"/>
+              </a:ext>
+            </a:extLst>
+          </p:cNvPr>
+          <p:cNvSpPr>
+            <a:spLocks noGrp="1"/>
+          </p:cNvSpPr>
+          <p:nvPr>
+            <p:ph type="title"/>
+          </p:nvPr>
+        </p:nvSpPr>
+        <p:spPr>
+          <a:xfrm>
+            <a:off x="680321" y="753228"/>
+            <a:ext cx="5041629" cy="1080938"/>
+          </a:xfrm>
+        </p:spPr>
+        <p:txBody>
+          <a:bodyPr>
+            <a:normAutofit/>
+          </a:bodyPr>
+          <a:lstStyle/>
+          <a:p>
+            <a:r>
+              <a:rPr lang="pl-PL" dirty="0" err="1"/>
+              <a:t>Serializacja</a:t>
+            </a:r>
             <a:endParaRPr lang="pl-PL" dirty="0"/>
           </a:p>
         </p:txBody>
       </p:sp>
+      <p:pic>
+        <p:nvPicPr>
+          <p:cNvPr id="77" name="Picture 76">
+            <a:extLst>
+              <a:ext uri="{FF2B5EF4-FFF2-40B4-BE49-F238E27FC236}">
+                <a16:creationId xmlns:a16="http://schemas.microsoft.com/office/drawing/2014/main" id="{D3143E80-C928-46DB-9299-0BD06348A928}"/>
+              </a:ext>
+              <a:ext uri="{C183D7F6-B498-43B3-948B-1728B52AA6E4}">
+                <adec:decorative xmlns:adec="http://schemas.microsoft.com/office/drawing/2017/decorative" val="1"/>
+              </a:ext>
+            </a:extLst>
+          </p:cNvPr>
+          <p:cNvPicPr>
+            <a:picLocks noGrp="1" noRot="1" noChangeAspect="1" noMove="1" noResize="1" noEditPoints="1" noAdjustHandles="1" noChangeArrowheads="1" noChangeShapeType="1" noCrop="1"/>
+          </p:cNvPicPr>
+          <p:nvPr>
+            <p:extLst>
+              <p:ext uri="{386F3935-93C4-4BCD-93E2-E3B085C9AB24}">
+                <p16:designElem xmlns:p16="http://schemas.microsoft.com/office/powerpoint/2015/main" val="1"/>
+              </p:ext>
+            </p:extLst>
+          </p:nvPr>
+        </p:nvPicPr>
+        <p:blipFill>
+          <a:blip r:embed="rId4">
+            <a:extLst>
+              <a:ext uri="{28A0092B-C50C-407E-A947-70E740481C1C}">
+                <a14:useLocalDpi xmlns:a14="http://schemas.microsoft.com/office/drawing/2010/main" val="0"/>
+              </a:ext>
+            </a:extLst>
+          </a:blip>
+          <a:stretch>
+            <a:fillRect/>
+          </a:stretch>
+        </p:blipFill>
+        <p:spPr>
+          <a:xfrm>
+            <a:off x="2" y="1970240"/>
+            <a:ext cx="6492240" cy="261714"/>
+          </a:xfrm>
+          <a:prstGeom prst="rect">
+            <a:avLst/>
+          </a:prstGeom>
+        </p:spPr>
+      </p:pic>
     </p:spTree>
     <p:extLst>
       <p:ext uri="{BB962C8B-B14F-4D97-AF65-F5344CB8AC3E}">
-        <p14:creationId xmlns:p14="http://schemas.microsoft.com/office/powerpoint/2010/main" val="4048827301"/>
+        <p14:creationId xmlns:p14="http://schemas.microsoft.com/office/powerpoint/2010/main" val="545139819"/>
       </p:ext>
     </p:extLst>
   </p:cSld>
@@ -29205,6 +29866,41 @@
 <file path=ppt/slides/slide27.xml><?xml version="1.0" encoding="utf-8"?>
 <p:sld xmlns:a="http://schemas.openxmlformats.org/drawingml/2006/main" xmlns:r="http://schemas.openxmlformats.org/officeDocument/2006/relationships" xmlns:p="http://schemas.openxmlformats.org/presentationml/2006/main">
   <p:cSld>
+    <p:bg>
+      <p:bgPr>
+        <a:gradFill rotWithShape="1">
+          <a:gsLst>
+            <a:gs pos="0">
+              <a:schemeClr val="bg2">
+                <a:tint val="96000"/>
+                <a:shade val="100000"/>
+                <a:hueMod val="270000"/>
+                <a:satMod val="200000"/>
+                <a:lumMod val="128000"/>
+              </a:schemeClr>
+            </a:gs>
+            <a:gs pos="50000">
+              <a:schemeClr val="bg2">
+                <a:shade val="100000"/>
+                <a:hueMod val="100000"/>
+                <a:satMod val="110000"/>
+                <a:lumMod val="130000"/>
+              </a:schemeClr>
+            </a:gs>
+            <a:gs pos="100000">
+              <a:schemeClr val="bg2">
+                <a:shade val="78000"/>
+                <a:hueMod val="44000"/>
+                <a:satMod val="200000"/>
+                <a:lumMod val="69000"/>
+              </a:schemeClr>
+            </a:gs>
+          </a:gsLst>
+          <a:lin ang="2520000" scaled="0"/>
+        </a:gradFill>
+        <a:effectLst/>
+      </p:bgPr>
+    </p:bg>
     <p:spTree>
       <p:nvGrpSpPr>
         <p:cNvPr id="1" name=""/>
@@ -29219,35 +29915,142 @@
           <a:chExt cx="0" cy="0"/>
         </a:xfrm>
       </p:grpSpPr>
-      <p:sp>
-        <p:nvSpPr>
-          <p:cNvPr id="2" name="Tytuł 1">
+      <p:grpSp>
+        <p:nvGrpSpPr>
+          <p:cNvPr id="71" name="Group 70">
             <a:extLst>
               <a:ext uri="{FF2B5EF4-FFF2-40B4-BE49-F238E27FC236}">
-                <a16:creationId xmlns:a16="http://schemas.microsoft.com/office/drawing/2014/main" id="{4279EEF8-C63E-4692-9E3B-EEB7874E7DC2}"/>
+                <a16:creationId xmlns:a16="http://schemas.microsoft.com/office/drawing/2014/main" id="{7A865E47-4365-4F21-B8EA-13B2C12BCB98}"/>
+              </a:ext>
+              <a:ext uri="{C183D7F6-B498-43B3-948B-1728B52AA6E4}">
+                <adec:decorative xmlns:adec="http://schemas.microsoft.com/office/drawing/2017/decorative" val="1"/>
               </a:ext>
             </a:extLst>
           </p:cNvPr>
-          <p:cNvSpPr>
-            <a:spLocks noGrp="1"/>
-          </p:cNvSpPr>
-          <p:nvPr>
-            <p:ph type="title"/>
-          </p:nvPr>
-        </p:nvSpPr>
-        <p:spPr/>
-        <p:txBody>
-          <a:bodyPr/>
-          <a:lstStyle/>
-          <a:p>
-            <a:r>
-              <a:rPr lang="pl-PL" dirty="0" err="1"/>
-              <a:t>Serializacja</a:t>
-            </a:r>
-            <a:endParaRPr lang="pl-PL" dirty="0"/>
-          </a:p>
-        </p:txBody>
-      </p:sp>
+          <p:cNvGrpSpPr>
+            <a:grpSpLocks noGrp="1" noUngrp="1" noRot="1" noChangeAspect="1" noMove="1" noResize="1"/>
+          </p:cNvGrpSpPr>
+          <p:nvPr>
+            <p:extLst>
+              <p:ext uri="{386F3935-93C4-4BCD-93E2-E3B085C9AB24}">
+                <p16:designElem xmlns:p16="http://schemas.microsoft.com/office/powerpoint/2015/main" val="1"/>
+              </p:ext>
+            </p:extLst>
+          </p:nvPr>
+        </p:nvGrpSpPr>
+        <p:grpSpPr>
+          <a:xfrm>
+            <a:off x="-3176" y="0"/>
+            <a:ext cx="12192000" cy="6858001"/>
+            <a:chOff x="-3176" y="0"/>
+            <a:chExt cx="12192000" cy="6858001"/>
+          </a:xfrm>
+        </p:grpSpPr>
+        <p:sp useBgFill="1">
+          <p:nvSpPr>
+            <p:cNvPr id="72" name="Rectangle 71">
+              <a:extLst>
+                <a:ext uri="{FF2B5EF4-FFF2-40B4-BE49-F238E27FC236}">
+                  <a16:creationId xmlns:a16="http://schemas.microsoft.com/office/drawing/2014/main" id="{0CE24988-BB27-40E5-A961-9FA7ED0DB9B3}"/>
+                </a:ext>
+                <a:ext uri="{C183D7F6-B498-43B3-948B-1728B52AA6E4}">
+                  <adec:decorative xmlns:adec="http://schemas.microsoft.com/office/drawing/2017/decorative" val="1"/>
+                </a:ext>
+              </a:extLst>
+            </p:cNvPr>
+            <p:cNvSpPr/>
+            <p:nvPr>
+              <p:extLst>
+                <p:ext uri="{386F3935-93C4-4BCD-93E2-E3B085C9AB24}">
+                  <p16:designElem xmlns:p16="http://schemas.microsoft.com/office/powerpoint/2015/main" val="1"/>
+                </p:ext>
+              </p:extLst>
+            </p:nvPr>
+          </p:nvSpPr>
+          <p:spPr>
+            <a:xfrm>
+              <a:off x="0" y="0"/>
+              <a:ext cx="12188824" cy="6858001"/>
+            </a:xfrm>
+            <a:prstGeom prst="rect">
+              <a:avLst/>
+            </a:prstGeom>
+            <a:ln>
+              <a:noFill/>
+            </a:ln>
+          </p:spPr>
+          <p:style>
+            <a:lnRef idx="2">
+              <a:schemeClr val="accent1">
+                <a:shade val="50000"/>
+              </a:schemeClr>
+            </a:lnRef>
+            <a:fillRef idx="1">
+              <a:schemeClr val="accent1"/>
+            </a:fillRef>
+            <a:effectRef idx="0">
+              <a:schemeClr val="accent1"/>
+            </a:effectRef>
+            <a:fontRef idx="minor">
+              <a:schemeClr val="lt1"/>
+            </a:fontRef>
+          </p:style>
+          <p:txBody>
+            <a:bodyPr rtlCol="0" anchor="ctr"/>
+            <a:lstStyle/>
+            <a:p>
+              <a:pPr algn="ctr"/>
+              <a:endParaRPr lang="en-US"/>
+            </a:p>
+          </p:txBody>
+        </p:sp>
+        <p:pic>
+          <p:nvPicPr>
+            <p:cNvPr id="73" name="Picture 72">
+              <a:extLst>
+                <a:ext uri="{FF2B5EF4-FFF2-40B4-BE49-F238E27FC236}">
+                  <a16:creationId xmlns:a16="http://schemas.microsoft.com/office/drawing/2014/main" id="{80BDE80E-ADE0-4E16-8F80-306A15F4D3FB}"/>
+                </a:ext>
+                <a:ext uri="{C183D7F6-B498-43B3-948B-1728B52AA6E4}">
+                  <adec:decorative xmlns:adec="http://schemas.microsoft.com/office/drawing/2017/decorative" val="1"/>
+                </a:ext>
+              </a:extLst>
+            </p:cNvPr>
+            <p:cNvPicPr>
+              <a:picLocks noChangeAspect="1"/>
+            </p:cNvPicPr>
+            <p:nvPr>
+              <p:extLst>
+                <p:ext uri="{386F3935-93C4-4BCD-93E2-E3B085C9AB24}">
+                  <p16:designElem xmlns:p16="http://schemas.microsoft.com/office/powerpoint/2015/main" val="1"/>
+                </p:ext>
+              </p:extLst>
+            </p:nvPr>
+          </p:nvPicPr>
+          <p:blipFill>
+            <a:blip r:embed="rId2">
+              <a:alphaModFix amt="10000"/>
+              <a:extLst>
+                <a:ext uri="{28A0092B-C50C-407E-A947-70E740481C1C}">
+                  <a14:useLocalDpi xmlns:a14="http://schemas.microsoft.com/office/drawing/2010/main" val="0"/>
+                </a:ext>
+              </a:extLst>
+            </a:blip>
+            <a:stretch>
+              <a:fillRect/>
+            </a:stretch>
+          </p:blipFill>
+          <p:spPr>
+            <a:xfrm>
+              <a:off x="-3176" y="0"/>
+              <a:ext cx="12192000" cy="6858000"/>
+            </a:xfrm>
+            <a:prstGeom prst="rect">
+              <a:avLst/>
+            </a:prstGeom>
+          </p:spPr>
+        </p:pic>
+      </p:grpSp>
       <p:sp>
         <p:nvSpPr>
           <p:cNvPr id="3" name="Symbol zastępczy zawartości 2">
@@ -29266,8 +30069,8 @@
         </p:nvSpPr>
         <p:spPr>
           <a:xfrm>
-            <a:off x="680321" y="2505456"/>
-            <a:ext cx="9613861" cy="3599316"/>
+            <a:off x="680322" y="2336873"/>
+            <a:ext cx="5041628" cy="3599316"/>
           </a:xfrm>
         </p:spPr>
         <p:txBody>
@@ -29311,27 +30114,215 @@
             </a:pPr>
             <a:r>
               <a:rPr lang="pl-PL" sz="2800" dirty="0"/>
-              <a:t>Plik grafiki rastrowej</a:t>
+              <a:t>Plik z grafiką rastrową</a:t>
             </a:r>
           </a:p>
           <a:p>
             <a:pPr marL="0" indent="0">
               <a:buNone/>
             </a:pPr>
-            <a:endParaRPr lang="pl-PL" sz="2800" dirty="0"/>
+            <a:endParaRPr lang="pl-PL" sz="2000" dirty="0"/>
           </a:p>
           <a:p>
             <a:pPr marL="0" indent="0">
               <a:buNone/>
             </a:pPr>
+            <a:endParaRPr lang="pl-PL" sz="2000" dirty="0"/>
+          </a:p>
+        </p:txBody>
+      </p:sp>
+      <p:pic>
+        <p:nvPicPr>
+          <p:cNvPr id="1026" name="Picture 2" descr="Podobny obraz">
+            <a:extLst>
+              <a:ext uri="{FF2B5EF4-FFF2-40B4-BE49-F238E27FC236}">
+                <a16:creationId xmlns:a16="http://schemas.microsoft.com/office/drawing/2014/main" id="{1700C59E-C3B3-43F3-8722-94F4635BDC0B}"/>
+              </a:ext>
+            </a:extLst>
+          </p:cNvPr>
+          <p:cNvPicPr>
+            <a:picLocks noChangeAspect="1" noChangeArrowheads="1"/>
+          </p:cNvPicPr>
+          <p:nvPr/>
+        </p:nvPicPr>
+        <p:blipFill rotWithShape="1">
+          <a:blip r:embed="rId3">
+            <a:extLst>
+              <a:ext uri="{28A0092B-C50C-407E-A947-70E740481C1C}">
+                <a14:useLocalDpi xmlns:a14="http://schemas.microsoft.com/office/drawing/2010/main" val="0"/>
+              </a:ext>
+            </a:extLst>
+          </a:blip>
+          <a:srcRect l="37701" r="24754"/>
+          <a:stretch/>
+        </p:blipFill>
+        <p:spPr bwMode="auto">
+          <a:xfrm>
+            <a:off x="6096000" y="10"/>
+            <a:ext cx="6092823" cy="6856310"/>
+          </a:xfrm>
+          <a:prstGeom prst="rect">
+            <a:avLst/>
+          </a:prstGeom>
+          <a:noFill/>
+          <a:ln>
+            <a:noFill/>
+          </a:ln>
+          <a:effectLst/>
+          <a:extLst>
+            <a:ext uri="{909E8E84-426E-40DD-AFC4-6F175D3DCCD1}">
+              <a14:hiddenFill xmlns:a14="http://schemas.microsoft.com/office/drawing/2010/main">
+                <a:solidFill>
+                  <a:srgbClr val="FFFFFF"/>
+                </a:solidFill>
+              </a14:hiddenFill>
+            </a:ext>
+          </a:extLst>
+        </p:spPr>
+      </p:pic>
+      <p:sp>
+        <p:nvSpPr>
+          <p:cNvPr id="75" name="Rectangle 74">
+            <a:extLst>
+              <a:ext uri="{FF2B5EF4-FFF2-40B4-BE49-F238E27FC236}">
+                <a16:creationId xmlns:a16="http://schemas.microsoft.com/office/drawing/2014/main" id="{13BC1C09-8FD1-4619-B317-E9EED5E55DD8}"/>
+              </a:ext>
+              <a:ext uri="{C183D7F6-B498-43B3-948B-1728B52AA6E4}">
+                <adec:decorative xmlns:adec="http://schemas.microsoft.com/office/drawing/2017/decorative" val="1"/>
+              </a:ext>
+            </a:extLst>
+          </p:cNvPr>
+          <p:cNvSpPr>
+            <a:spLocks noGrp="1" noRot="1" noChangeAspect="1" noMove="1" noResize="1" noEditPoints="1" noAdjustHandles="1" noChangeArrowheads="1" noChangeShapeType="1" noTextEdit="1"/>
+          </p:cNvSpPr>
+          <p:nvPr>
+            <p:extLst>
+              <p:ext uri="{386F3935-93C4-4BCD-93E2-E3B085C9AB24}">
+                <p16:designElem xmlns:p16="http://schemas.microsoft.com/office/powerpoint/2015/main" val="1"/>
+              </p:ext>
+            </p:extLst>
+          </p:nvPr>
+        </p:nvSpPr>
+        <p:spPr bwMode="grayWhite">
+          <a:xfrm>
+            <a:off x="2" y="609600"/>
+            <a:ext cx="6499753" cy="1368198"/>
+          </a:xfrm>
+          <a:prstGeom prst="rect">
+            <a:avLst/>
+          </a:prstGeom>
+          <a:solidFill>
+            <a:schemeClr val="bg1">
+              <a:lumMod val="85000"/>
+              <a:lumOff val="15000"/>
+            </a:schemeClr>
+          </a:solidFill>
+          <a:ln>
+            <a:noFill/>
+          </a:ln>
+        </p:spPr>
+        <p:style>
+          <a:lnRef idx="2">
+            <a:schemeClr val="accent1">
+              <a:shade val="50000"/>
+            </a:schemeClr>
+          </a:lnRef>
+          <a:fillRef idx="1">
+            <a:schemeClr val="accent1"/>
+          </a:fillRef>
+          <a:effectRef idx="0">
+            <a:schemeClr val="accent1"/>
+          </a:effectRef>
+          <a:fontRef idx="minor">
+            <a:schemeClr val="lt1"/>
+          </a:fontRef>
+        </p:style>
+      </p:sp>
+      <p:sp>
+        <p:nvSpPr>
+          <p:cNvPr id="2" name="Tytuł 1">
+            <a:extLst>
+              <a:ext uri="{FF2B5EF4-FFF2-40B4-BE49-F238E27FC236}">
+                <a16:creationId xmlns:a16="http://schemas.microsoft.com/office/drawing/2014/main" id="{4279EEF8-C63E-4692-9E3B-EEB7874E7DC2}"/>
+              </a:ext>
+            </a:extLst>
+          </p:cNvPr>
+          <p:cNvSpPr>
+            <a:spLocks noGrp="1"/>
+          </p:cNvSpPr>
+          <p:nvPr>
+            <p:ph type="title"/>
+          </p:nvPr>
+        </p:nvSpPr>
+        <p:spPr>
+          <a:xfrm>
+            <a:off x="680321" y="753228"/>
+            <a:ext cx="5041629" cy="1080938"/>
+          </a:xfrm>
+        </p:spPr>
+        <p:txBody>
+          <a:bodyPr>
+            <a:normAutofit/>
+          </a:bodyPr>
+          <a:lstStyle/>
+          <a:p>
+            <a:r>
+              <a:rPr lang="pl-PL" dirty="0" err="1"/>
+              <a:t>Serializacja</a:t>
+            </a:r>
             <a:endParaRPr lang="pl-PL" dirty="0"/>
           </a:p>
         </p:txBody>
       </p:sp>
+      <p:pic>
+        <p:nvPicPr>
+          <p:cNvPr id="77" name="Picture 76">
+            <a:extLst>
+              <a:ext uri="{FF2B5EF4-FFF2-40B4-BE49-F238E27FC236}">
+                <a16:creationId xmlns:a16="http://schemas.microsoft.com/office/drawing/2014/main" id="{D3143E80-C928-46DB-9299-0BD06348A928}"/>
+              </a:ext>
+              <a:ext uri="{C183D7F6-B498-43B3-948B-1728B52AA6E4}">
+                <adec:decorative xmlns:adec="http://schemas.microsoft.com/office/drawing/2017/decorative" val="1"/>
+              </a:ext>
+            </a:extLst>
+          </p:cNvPr>
+          <p:cNvPicPr>
+            <a:picLocks noGrp="1" noRot="1" noChangeAspect="1" noMove="1" noResize="1" noEditPoints="1" noAdjustHandles="1" noChangeArrowheads="1" noChangeShapeType="1" noCrop="1"/>
+          </p:cNvPicPr>
+          <p:nvPr>
+            <p:extLst>
+              <p:ext uri="{386F3935-93C4-4BCD-93E2-E3B085C9AB24}">
+                <p16:designElem xmlns:p16="http://schemas.microsoft.com/office/powerpoint/2015/main" val="1"/>
+              </p:ext>
+            </p:extLst>
+          </p:nvPr>
+        </p:nvPicPr>
+        <p:blipFill>
+          <a:blip r:embed="rId4">
+            <a:extLst>
+              <a:ext uri="{28A0092B-C50C-407E-A947-70E740481C1C}">
+                <a14:useLocalDpi xmlns:a14="http://schemas.microsoft.com/office/drawing/2010/main" val="0"/>
+              </a:ext>
+            </a:extLst>
+          </a:blip>
+          <a:stretch>
+            <a:fillRect/>
+          </a:stretch>
+        </p:blipFill>
+        <p:spPr>
+          <a:xfrm>
+            <a:off x="2" y="1970240"/>
+            <a:ext cx="6492240" cy="261714"/>
+          </a:xfrm>
+          <a:prstGeom prst="rect">
+            <a:avLst/>
+          </a:prstGeom>
+        </p:spPr>
+      </p:pic>
     </p:spTree>
     <p:extLst>
       <p:ext uri="{BB962C8B-B14F-4D97-AF65-F5344CB8AC3E}">
-        <p14:creationId xmlns:p14="http://schemas.microsoft.com/office/powerpoint/2010/main" val="451528074"/>
+        <p14:creationId xmlns:p14="http://schemas.microsoft.com/office/powerpoint/2010/main" val="3725259939"/>
       </p:ext>
     </p:extLst>
   </p:cSld>

--- a/doc/prezentacja-01/UCT_visualization_presentation.pptx
+++ b/doc/prezentacja-01/UCT_visualization_presentation.pptx
@@ -8950,7 +8950,7 @@
           <a:p>
             <a:fld id="{7F68DFA0-A708-4187-90DA-E47D5F053D0F}" type="datetimeFigureOut">
               <a:rPr lang="pl-PL" smtClean="0"/>
-              <a:t>24.11.2019</a:t>
+              <a:t>25.11.2019</a:t>
             </a:fld>
             <a:endParaRPr lang="pl-PL"/>
           </a:p>
@@ -14049,7 +14049,18 @@
           <a:bodyPr/>
           <a:lstStyle/>
           <a:p>
-            <a:endParaRPr lang="pl-PL" dirty="0"/>
+            <a:r>
+              <a:rPr lang="pl-PL" dirty="0"/>
+              <a:t>+ ładniejszy layout do </a:t>
+            </a:r>
+            <a:r>
+              <a:rPr lang="pl-PL" dirty="0" err="1"/>
+              <a:t>mancali</a:t>
+            </a:r>
+            <a:r>
+              <a:rPr lang="pl-PL" dirty="0"/>
+              <a:t>, różnych okien</a:t>
+            </a:r>
           </a:p>
         </p:txBody>
       </p:sp>
@@ -14070,7 +14081,7 @@
           <a:p>
             <a:fld id="{C81F7037-7095-43F4-B3A1-A3FA3BD84113}" type="slidenum">
               <a:rPr lang="pl-PL" smtClean="0"/>
-              <a:t>56</a:t>
+              <a:t>55</a:t>
             </a:fld>
             <a:endParaRPr lang="pl-PL"/>
           </a:p>
@@ -14079,7 +14090,7 @@
     </p:spTree>
     <p:extLst>
       <p:ext uri="{BB962C8B-B14F-4D97-AF65-F5344CB8AC3E}">
-        <p14:creationId xmlns:p14="http://schemas.microsoft.com/office/powerpoint/2010/main" val="540136414"/>
+        <p14:creationId xmlns:p14="http://schemas.microsoft.com/office/powerpoint/2010/main" val="3285622536"/>
       </p:ext>
     </p:extLst>
   </p:cSld>
@@ -14181,6 +14192,90 @@
     <p:extLst>
       <p:ext uri="{BB962C8B-B14F-4D97-AF65-F5344CB8AC3E}">
         <p14:creationId xmlns:p14="http://schemas.microsoft.com/office/powerpoint/2010/main" val="913285524"/>
+      </p:ext>
+    </p:extLst>
+  </p:cSld>
+  <p:clrMapOvr>
+    <a:masterClrMapping/>
+  </p:clrMapOvr>
+</p:notes>
+</file>
+
+<file path=ppt/notesSlides/notesSlide50.xml><?xml version="1.0" encoding="utf-8"?>
+<p:notes xmlns:a="http://schemas.openxmlformats.org/drawingml/2006/main" xmlns:r="http://schemas.openxmlformats.org/officeDocument/2006/relationships" xmlns:p="http://schemas.openxmlformats.org/presentationml/2006/main">
+  <p:cSld>
+    <p:spTree>
+      <p:nvGrpSpPr>
+        <p:cNvPr id="1" name=""/>
+        <p:cNvGrpSpPr/>
+        <p:nvPr/>
+      </p:nvGrpSpPr>
+      <p:grpSpPr>
+        <a:xfrm>
+          <a:off x="0" y="0"/>
+          <a:ext cx="0" cy="0"/>
+          <a:chOff x="0" y="0"/>
+          <a:chExt cx="0" cy="0"/>
+        </a:xfrm>
+      </p:grpSpPr>
+      <p:sp>
+        <p:nvSpPr>
+          <p:cNvPr id="2" name="Symbol zastępczy obrazu slajdu 1"/>
+          <p:cNvSpPr>
+            <a:spLocks noGrp="1" noRot="1" noChangeAspect="1"/>
+          </p:cNvSpPr>
+          <p:nvPr>
+            <p:ph type="sldImg"/>
+          </p:nvPr>
+        </p:nvSpPr>
+        <p:spPr/>
+      </p:sp>
+      <p:sp>
+        <p:nvSpPr>
+          <p:cNvPr id="3" name="Symbol zastępczy notatek 2"/>
+          <p:cNvSpPr>
+            <a:spLocks noGrp="1"/>
+          </p:cNvSpPr>
+          <p:nvPr>
+            <p:ph type="body" idx="1"/>
+          </p:nvPr>
+        </p:nvSpPr>
+        <p:spPr/>
+        <p:txBody>
+          <a:bodyPr/>
+          <a:lstStyle/>
+          <a:p>
+            <a:endParaRPr lang="pl-PL" dirty="0"/>
+          </a:p>
+        </p:txBody>
+      </p:sp>
+      <p:sp>
+        <p:nvSpPr>
+          <p:cNvPr id="4" name="Symbol zastępczy numeru slajdu 3"/>
+          <p:cNvSpPr>
+            <a:spLocks noGrp="1"/>
+          </p:cNvSpPr>
+          <p:nvPr>
+            <p:ph type="sldNum" sz="quarter" idx="5"/>
+          </p:nvPr>
+        </p:nvSpPr>
+        <p:spPr/>
+        <p:txBody>
+          <a:bodyPr/>
+          <a:lstStyle/>
+          <a:p>
+            <a:fld id="{C81F7037-7095-43F4-B3A1-A3FA3BD84113}" type="slidenum">
+              <a:rPr lang="pl-PL" smtClean="0"/>
+              <a:t>56</a:t>
+            </a:fld>
+            <a:endParaRPr lang="pl-PL"/>
+          </a:p>
+        </p:txBody>
+      </p:sp>
+    </p:spTree>
+    <p:extLst>
+      <p:ext uri="{BB962C8B-B14F-4D97-AF65-F5344CB8AC3E}">
+        <p14:creationId xmlns:p14="http://schemas.microsoft.com/office/powerpoint/2010/main" val="540136414"/>
       </p:ext>
     </p:extLst>
   </p:cSld>
@@ -14812,7 +14907,7 @@
           <a:p>
             <a:fld id="{1324B145-9795-4C17-94CE-20DE88E02DBF}" type="datetimeFigureOut">
               <a:rPr lang="pl-PL" smtClean="0"/>
-              <a:t>24.11.2019</a:t>
+              <a:t>25.11.2019</a:t>
             </a:fld>
             <a:endParaRPr lang="pl-PL"/>
           </a:p>
@@ -15226,7 +15321,7 @@
           <a:p>
             <a:fld id="{1324B145-9795-4C17-94CE-20DE88E02DBF}" type="datetimeFigureOut">
               <a:rPr lang="pl-PL" smtClean="0"/>
-              <a:t>24.11.2019</a:t>
+              <a:t>25.11.2019</a:t>
             </a:fld>
             <a:endParaRPr lang="pl-PL"/>
           </a:p>
@@ -15562,7 +15657,7 @@
           <a:p>
             <a:fld id="{1324B145-9795-4C17-94CE-20DE88E02DBF}" type="datetimeFigureOut">
               <a:rPr lang="pl-PL" smtClean="0"/>
-              <a:t>24.11.2019</a:t>
+              <a:t>25.11.2019</a:t>
             </a:fld>
             <a:endParaRPr lang="pl-PL"/>
           </a:p>
@@ -15967,7 +16062,7 @@
           <a:p>
             <a:fld id="{1324B145-9795-4C17-94CE-20DE88E02DBF}" type="datetimeFigureOut">
               <a:rPr lang="pl-PL" smtClean="0"/>
-              <a:t>24.11.2019</a:t>
+              <a:t>25.11.2019</a:t>
             </a:fld>
             <a:endParaRPr lang="pl-PL"/>
           </a:p>
@@ -16535,7 +16630,7 @@
           <a:p>
             <a:fld id="{1324B145-9795-4C17-94CE-20DE88E02DBF}" type="datetimeFigureOut">
               <a:rPr lang="pl-PL" smtClean="0"/>
-              <a:t>24.11.2019</a:t>
+              <a:t>25.11.2019</a:t>
             </a:fld>
             <a:endParaRPr lang="pl-PL"/>
           </a:p>
@@ -17216,7 +17311,7 @@
           <a:p>
             <a:fld id="{1324B145-9795-4C17-94CE-20DE88E02DBF}" type="datetimeFigureOut">
               <a:rPr lang="pl-PL" smtClean="0"/>
-              <a:t>24.11.2019</a:t>
+              <a:t>25.11.2019</a:t>
             </a:fld>
             <a:endParaRPr lang="pl-PL"/>
           </a:p>
@@ -18129,7 +18224,7 @@
           <a:p>
             <a:fld id="{1324B145-9795-4C17-94CE-20DE88E02DBF}" type="datetimeFigureOut">
               <a:rPr lang="pl-PL" smtClean="0"/>
-              <a:t>24.11.2019</a:t>
+              <a:t>25.11.2019</a:t>
             </a:fld>
             <a:endParaRPr lang="pl-PL"/>
           </a:p>
@@ -18442,7 +18537,7 @@
           <a:p>
             <a:fld id="{1324B145-9795-4C17-94CE-20DE88E02DBF}" type="datetimeFigureOut">
               <a:rPr lang="pl-PL" smtClean="0"/>
-              <a:t>24.11.2019</a:t>
+              <a:t>25.11.2019</a:t>
             </a:fld>
             <a:endParaRPr lang="pl-PL"/>
           </a:p>
@@ -18706,7 +18801,7 @@
           <a:p>
             <a:fld id="{1324B145-9795-4C17-94CE-20DE88E02DBF}" type="datetimeFigureOut">
               <a:rPr lang="pl-PL" smtClean="0"/>
-              <a:t>24.11.2019</a:t>
+              <a:t>25.11.2019</a:t>
             </a:fld>
             <a:endParaRPr lang="pl-PL"/>
           </a:p>
@@ -19029,7 +19124,7 @@
           <a:p>
             <a:fld id="{1324B145-9795-4C17-94CE-20DE88E02DBF}" type="datetimeFigureOut">
               <a:rPr lang="pl-PL" smtClean="0"/>
-              <a:t>24.11.2019</a:t>
+              <a:t>25.11.2019</a:t>
             </a:fld>
             <a:endParaRPr lang="pl-PL"/>
           </a:p>
@@ -19418,7 +19513,7 @@
           <a:p>
             <a:fld id="{1324B145-9795-4C17-94CE-20DE88E02DBF}" type="datetimeFigureOut">
               <a:rPr lang="pl-PL" smtClean="0"/>
-              <a:t>24.11.2019</a:t>
+              <a:t>25.11.2019</a:t>
             </a:fld>
             <a:endParaRPr lang="pl-PL"/>
           </a:p>
@@ -19794,7 +19889,7 @@
           <a:p>
             <a:fld id="{1324B145-9795-4C17-94CE-20DE88E02DBF}" type="datetimeFigureOut">
               <a:rPr lang="pl-PL" smtClean="0"/>
-              <a:t>24.11.2019</a:t>
+              <a:t>25.11.2019</a:t>
             </a:fld>
             <a:endParaRPr lang="pl-PL"/>
           </a:p>
@@ -20305,7 +20400,7 @@
           <a:p>
             <a:fld id="{1324B145-9795-4C17-94CE-20DE88E02DBF}" type="datetimeFigureOut">
               <a:rPr lang="pl-PL" smtClean="0"/>
-              <a:t>24.11.2019</a:t>
+              <a:t>25.11.2019</a:t>
             </a:fld>
             <a:endParaRPr lang="pl-PL"/>
           </a:p>
@@ -20567,7 +20662,7 @@
           <a:p>
             <a:fld id="{1324B145-9795-4C17-94CE-20DE88E02DBF}" type="datetimeFigureOut">
               <a:rPr lang="pl-PL" smtClean="0"/>
-              <a:t>24.11.2019</a:t>
+              <a:t>25.11.2019</a:t>
             </a:fld>
             <a:endParaRPr lang="pl-PL"/>
           </a:p>
@@ -20730,7 +20825,7 @@
           <a:p>
             <a:fld id="{1324B145-9795-4C17-94CE-20DE88E02DBF}" type="datetimeFigureOut">
               <a:rPr lang="pl-PL" smtClean="0"/>
-              <a:t>24.11.2019</a:t>
+              <a:t>25.11.2019</a:t>
             </a:fld>
             <a:endParaRPr lang="pl-PL"/>
           </a:p>
@@ -21120,7 +21215,7 @@
           <a:p>
             <a:fld id="{1324B145-9795-4C17-94CE-20DE88E02DBF}" type="datetimeFigureOut">
               <a:rPr lang="pl-PL" smtClean="0"/>
-              <a:t>24.11.2019</a:t>
+              <a:t>25.11.2019</a:t>
             </a:fld>
             <a:endParaRPr lang="pl-PL"/>
           </a:p>
@@ -21534,7 +21629,7 @@
           <a:p>
             <a:fld id="{1324B145-9795-4C17-94CE-20DE88E02DBF}" type="datetimeFigureOut">
               <a:rPr lang="pl-PL" smtClean="0"/>
-              <a:t>24.11.2019</a:t>
+              <a:t>25.11.2019</a:t>
             </a:fld>
             <a:endParaRPr lang="pl-PL"/>
           </a:p>
@@ -21778,7 +21873,7 @@
           <a:p>
             <a:fld id="{1324B145-9795-4C17-94CE-20DE88E02DBF}" type="datetimeFigureOut">
               <a:rPr lang="pl-PL" smtClean="0"/>
-              <a:t>24.11.2019</a:t>
+              <a:t>25.11.2019</a:t>
             </a:fld>
             <a:endParaRPr lang="pl-PL"/>
           </a:p>
@@ -27067,7 +27162,7 @@
             </a:pPr>
             <a:r>
               <a:rPr lang="pl-PL" dirty="0"/>
-              <a:t>Usprawnienie MCTS</a:t>
+              <a:t>Wariant MCTS</a:t>
             </a:r>
           </a:p>
         </p:txBody>
@@ -27225,7 +27320,7 @@
             </a:pPr>
             <a:r>
               <a:rPr lang="pl-PL" dirty="0"/>
-              <a:t>Usprawnienie MCTS</a:t>
+              <a:t>Wariant MCTS</a:t>
             </a:r>
           </a:p>
           <a:p>
@@ -27404,7 +27499,7 @@
             </a:pPr>
             <a:r>
               <a:rPr lang="pl-PL" dirty="0"/>
-              <a:t>Usprawnienie MCTS</a:t>
+              <a:t>Wariant MCTS</a:t>
             </a:r>
           </a:p>
           <a:p>
@@ -32094,7 +32189,7 @@
             </a:pPr>
             <a:r>
               <a:rPr lang="pl-PL" sz="2200" dirty="0"/>
-              <a:t>Czas rysowania: </a:t>
+              <a:t>Złożoność czasowa: </a:t>
             </a:r>
             <a:r>
               <a:rPr lang="pl-PL" sz="2200" b="1" dirty="0"/>
@@ -35393,7 +35488,7 @@
             </a:pPr>
             <a:r>
               <a:rPr lang="pl-PL" dirty="0"/>
-              <a:t>Brak książki otwarć</a:t>
+              <a:t>Brak księgi otwarć</a:t>
             </a:r>
           </a:p>
           <a:p>
@@ -35593,7 +35688,7 @@
             </a:pPr>
             <a:r>
               <a:rPr lang="pl-PL" dirty="0"/>
-              <a:t>Brak książki otwarć</a:t>
+              <a:t>Brak księgi otwarć</a:t>
             </a:r>
           </a:p>
           <a:p>
@@ -35816,7 +35911,7 @@
             </a:pPr>
             <a:r>
               <a:rPr lang="pl-PL" dirty="0"/>
-              <a:t>Brak książki otwarć</a:t>
+              <a:t>Brak księgi otwarć</a:t>
             </a:r>
           </a:p>
           <a:p>
@@ -38479,7 +38574,7 @@
         </p:spPr>
         <p:txBody>
           <a:bodyPr>
-            <a:normAutofit fontScale="92500" lnSpcReduction="10000"/>
+            <a:normAutofit fontScale="92500" lnSpcReduction="20000"/>
           </a:bodyPr>
           <a:lstStyle/>
           <a:p>
@@ -38488,7 +38583,7 @@
             </a:pPr>
             <a:r>
               <a:rPr lang="pl-PL" dirty="0"/>
-              <a:t>Cel gry: zebranie jak największej ilości kamieni</a:t>
+              <a:t>Cel gry: zebranie jak największej liczby kamieni</a:t>
             </a:r>
           </a:p>
           <a:p>

--- a/doc/prezentacja-01/UCT_visualization_presentation.pptx
+++ b/doc/prezentacja-01/UCT_visualization_presentation.pptx
@@ -26431,8 +26431,13 @@
             </a:r>
             <a:r>
               <a:rPr lang="pl-PL" dirty="0"/>
-              <a:t> - założenia</a:t>
-            </a:r>
+              <a:t> </a:t>
+            </a:r>
+            <a:r>
+              <a:rPr lang="pl-PL"/>
+              <a:t>– nasze założenia</a:t>
+            </a:r>
+            <a:endParaRPr lang="pl-PL" dirty="0"/>
           </a:p>
         </p:txBody>
       </p:sp>

--- a/doc/prezentacja-01/UCT_visualization_presentation.pptx
+++ b/doc/prezentacja-01/UCT_visualization_presentation.pptx
@@ -9,23 +9,23 @@
   </p:notesMasterIdLst>
   <p:sldIdLst>
     <p:sldId id="256" r:id="rId2"/>
-    <p:sldId id="282" r:id="rId3"/>
-    <p:sldId id="288" r:id="rId4"/>
-    <p:sldId id="289" r:id="rId5"/>
-    <p:sldId id="290" r:id="rId6"/>
-    <p:sldId id="284" r:id="rId7"/>
-    <p:sldId id="261" r:id="rId8"/>
-    <p:sldId id="291" r:id="rId9"/>
-    <p:sldId id="292" r:id="rId10"/>
-    <p:sldId id="293" r:id="rId11"/>
-    <p:sldId id="294" r:id="rId12"/>
-    <p:sldId id="295" r:id="rId13"/>
-    <p:sldId id="296" r:id="rId14"/>
-    <p:sldId id="297" r:id="rId15"/>
-    <p:sldId id="299" r:id="rId16"/>
-    <p:sldId id="300" r:id="rId17"/>
-    <p:sldId id="301" r:id="rId18"/>
-    <p:sldId id="302" r:id="rId19"/>
+    <p:sldId id="288" r:id="rId3"/>
+    <p:sldId id="289" r:id="rId4"/>
+    <p:sldId id="290" r:id="rId5"/>
+    <p:sldId id="284" r:id="rId6"/>
+    <p:sldId id="261" r:id="rId7"/>
+    <p:sldId id="291" r:id="rId8"/>
+    <p:sldId id="292" r:id="rId9"/>
+    <p:sldId id="293" r:id="rId10"/>
+    <p:sldId id="294" r:id="rId11"/>
+    <p:sldId id="295" r:id="rId12"/>
+    <p:sldId id="296" r:id="rId13"/>
+    <p:sldId id="297" r:id="rId14"/>
+    <p:sldId id="299" r:id="rId15"/>
+    <p:sldId id="300" r:id="rId16"/>
+    <p:sldId id="301" r:id="rId17"/>
+    <p:sldId id="302" r:id="rId18"/>
+    <p:sldId id="282" r:id="rId19"/>
     <p:sldId id="258" r:id="rId20"/>
     <p:sldId id="303" r:id="rId21"/>
     <p:sldId id="306" r:id="rId22"/>
@@ -1093,6 +1093,755 @@
 </file>
 
 <file path=ppt/diagrams/colors2.xml><?xml version="1.0" encoding="utf-8"?>
+<dgm:colorsDef xmlns:dgm="http://schemas.openxmlformats.org/drawingml/2006/diagram" xmlns:a="http://schemas.openxmlformats.org/drawingml/2006/main" uniqueId="urn:microsoft.com/office/officeart/2018/5/colors/Iconchunking_neutralbg_accent1_2">
+  <dgm:title val=""/>
+  <dgm:desc val=""/>
+  <dgm:catLst>
+    <dgm:cat type="accent1" pri="11200"/>
+  </dgm:catLst>
+  <dgm:styleLbl name="node0">
+    <dgm:fillClrLst meth="repeat">
+      <a:schemeClr val="accent1"/>
+    </dgm:fillClrLst>
+    <dgm:linClrLst meth="repeat">
+      <a:schemeClr val="lt1"/>
+    </dgm:linClrLst>
+    <dgm:effectClrLst/>
+    <dgm:txLinClrLst/>
+    <dgm:txFillClrLst/>
+    <dgm:txEffectClrLst/>
+  </dgm:styleLbl>
+  <dgm:styleLbl name="alignNode1">
+    <dgm:fillClrLst meth="repeat">
+      <a:schemeClr val="accent1"/>
+    </dgm:fillClrLst>
+    <dgm:linClrLst meth="repeat">
+      <a:schemeClr val="accent1"/>
+    </dgm:linClrLst>
+    <dgm:effectClrLst/>
+    <dgm:txLinClrLst/>
+    <dgm:txFillClrLst/>
+    <dgm:txEffectClrLst/>
+  </dgm:styleLbl>
+  <dgm:styleLbl name="node1">
+    <dgm:fillClrLst meth="repeat">
+      <a:schemeClr val="accent1"/>
+    </dgm:fillClrLst>
+    <dgm:linClrLst meth="repeat">
+      <a:schemeClr val="lt1">
+        <a:alpha val="0"/>
+      </a:schemeClr>
+    </dgm:linClrLst>
+    <dgm:effectClrLst/>
+    <dgm:txLinClrLst/>
+    <dgm:txFillClrLst/>
+    <dgm:txEffectClrLst/>
+  </dgm:styleLbl>
+  <dgm:styleLbl name="lnNode1">
+    <dgm:fillClrLst meth="repeat">
+      <a:schemeClr val="accent1"/>
+    </dgm:fillClrLst>
+    <dgm:linClrLst meth="repeat">
+      <a:schemeClr val="lt1"/>
+    </dgm:linClrLst>
+    <dgm:effectClrLst/>
+    <dgm:txLinClrLst/>
+    <dgm:txFillClrLst/>
+    <dgm:txEffectClrLst/>
+  </dgm:styleLbl>
+  <dgm:styleLbl name="vennNode1">
+    <dgm:fillClrLst meth="repeat">
+      <a:schemeClr val="accent1">
+        <a:alpha val="50000"/>
+      </a:schemeClr>
+    </dgm:fillClrLst>
+    <dgm:linClrLst meth="repeat">
+      <a:schemeClr val="lt1"/>
+    </dgm:linClrLst>
+    <dgm:effectClrLst/>
+    <dgm:txLinClrLst/>
+    <dgm:txFillClrLst/>
+    <dgm:txEffectClrLst/>
+  </dgm:styleLbl>
+  <dgm:styleLbl name="node2">
+    <dgm:fillClrLst meth="repeat">
+      <a:schemeClr val="accent1"/>
+    </dgm:fillClrLst>
+    <dgm:linClrLst meth="repeat">
+      <a:schemeClr val="lt1"/>
+    </dgm:linClrLst>
+    <dgm:effectClrLst/>
+    <dgm:txLinClrLst/>
+    <dgm:txFillClrLst/>
+    <dgm:txEffectClrLst/>
+  </dgm:styleLbl>
+  <dgm:styleLbl name="node3">
+    <dgm:fillClrLst meth="repeat">
+      <a:schemeClr val="accent1"/>
+    </dgm:fillClrLst>
+    <dgm:linClrLst meth="repeat">
+      <a:schemeClr val="lt1"/>
+    </dgm:linClrLst>
+    <dgm:effectClrLst/>
+    <dgm:txLinClrLst/>
+    <dgm:txFillClrLst/>
+    <dgm:txEffectClrLst/>
+  </dgm:styleLbl>
+  <dgm:styleLbl name="node4">
+    <dgm:fillClrLst meth="repeat">
+      <a:schemeClr val="accent1"/>
+    </dgm:fillClrLst>
+    <dgm:linClrLst meth="repeat">
+      <a:schemeClr val="lt1"/>
+    </dgm:linClrLst>
+    <dgm:effectClrLst/>
+    <dgm:txLinClrLst/>
+    <dgm:txFillClrLst/>
+    <dgm:txEffectClrLst/>
+  </dgm:styleLbl>
+  <dgm:styleLbl name="fgImgPlace1">
+    <dgm:fillClrLst meth="repeat">
+      <a:schemeClr val="accent1">
+        <a:tint val="50000"/>
+      </a:schemeClr>
+    </dgm:fillClrLst>
+    <dgm:linClrLst meth="repeat">
+      <a:schemeClr val="lt1"/>
+    </dgm:linClrLst>
+    <dgm:effectClrLst/>
+    <dgm:txLinClrLst/>
+    <dgm:txFillClrLst meth="repeat">
+      <a:schemeClr val="lt1"/>
+    </dgm:txFillClrLst>
+    <dgm:txEffectClrLst/>
+  </dgm:styleLbl>
+  <dgm:styleLbl name="alignImgPlace1">
+    <dgm:fillClrLst meth="repeat">
+      <a:schemeClr val="accent1">
+        <a:tint val="50000"/>
+      </a:schemeClr>
+    </dgm:fillClrLst>
+    <dgm:linClrLst meth="repeat">
+      <a:schemeClr val="lt1"/>
+    </dgm:linClrLst>
+    <dgm:effectClrLst/>
+    <dgm:txLinClrLst/>
+    <dgm:txFillClrLst meth="repeat">
+      <a:schemeClr val="lt1"/>
+    </dgm:txFillClrLst>
+    <dgm:txEffectClrLst/>
+  </dgm:styleLbl>
+  <dgm:styleLbl name="bgImgPlace1">
+    <dgm:fillClrLst meth="repeat">
+      <a:schemeClr val="accent1">
+        <a:tint val="50000"/>
+      </a:schemeClr>
+    </dgm:fillClrLst>
+    <dgm:linClrLst meth="repeat">
+      <a:schemeClr val="lt1"/>
+    </dgm:linClrLst>
+    <dgm:effectClrLst/>
+    <dgm:txLinClrLst/>
+    <dgm:txFillClrLst meth="repeat">
+      <a:schemeClr val="lt1"/>
+    </dgm:txFillClrLst>
+    <dgm:txEffectClrLst/>
+  </dgm:styleLbl>
+  <dgm:styleLbl name="sibTrans2D1">
+    <dgm:fillClrLst meth="repeat">
+      <a:schemeClr val="accent1">
+        <a:tint val="60000"/>
+      </a:schemeClr>
+    </dgm:fillClrLst>
+    <dgm:linClrLst meth="repeat">
+      <a:schemeClr val="accent1">
+        <a:tint val="60000"/>
+      </a:schemeClr>
+    </dgm:linClrLst>
+    <dgm:effectClrLst/>
+    <dgm:txLinClrLst/>
+    <dgm:txFillClrLst/>
+    <dgm:txEffectClrLst/>
+  </dgm:styleLbl>
+  <dgm:styleLbl name="fgSibTrans2D1">
+    <dgm:fillClrLst meth="repeat">
+      <a:schemeClr val="accent1">
+        <a:tint val="60000"/>
+      </a:schemeClr>
+    </dgm:fillClrLst>
+    <dgm:linClrLst meth="repeat">
+      <a:schemeClr val="accent1">
+        <a:tint val="60000"/>
+      </a:schemeClr>
+    </dgm:linClrLst>
+    <dgm:effectClrLst/>
+    <dgm:txLinClrLst/>
+    <dgm:txFillClrLst/>
+    <dgm:txEffectClrLst/>
+  </dgm:styleLbl>
+  <dgm:styleLbl name="bgSibTrans2D1">
+    <dgm:fillClrLst meth="repeat">
+      <a:schemeClr val="accent1">
+        <a:tint val="60000"/>
+      </a:schemeClr>
+    </dgm:fillClrLst>
+    <dgm:linClrLst meth="repeat">
+      <a:schemeClr val="accent1">
+        <a:tint val="60000"/>
+      </a:schemeClr>
+    </dgm:linClrLst>
+    <dgm:effectClrLst/>
+    <dgm:txLinClrLst/>
+    <dgm:txFillClrLst/>
+    <dgm:txEffectClrLst/>
+  </dgm:styleLbl>
+  <dgm:styleLbl name="sibTrans1D1">
+    <dgm:fillClrLst meth="repeat">
+      <a:schemeClr val="accent1"/>
+    </dgm:fillClrLst>
+    <dgm:linClrLst meth="repeat">
+      <a:schemeClr val="accent1"/>
+    </dgm:linClrLst>
+    <dgm:effectClrLst/>
+    <dgm:txLinClrLst/>
+    <dgm:txFillClrLst meth="repeat">
+      <a:schemeClr val="tx1"/>
+    </dgm:txFillClrLst>
+    <dgm:txEffectClrLst/>
+  </dgm:styleLbl>
+  <dgm:styleLbl name="callout">
+    <dgm:fillClrLst meth="repeat">
+      <a:schemeClr val="accent1"/>
+    </dgm:fillClrLst>
+    <dgm:linClrLst meth="repeat">
+      <a:schemeClr val="accent1">
+        <a:tint val="50000"/>
+      </a:schemeClr>
+    </dgm:linClrLst>
+    <dgm:effectClrLst/>
+    <dgm:txLinClrLst/>
+    <dgm:txFillClrLst meth="repeat">
+      <a:schemeClr val="tx1"/>
+    </dgm:txFillClrLst>
+    <dgm:txEffectClrLst/>
+  </dgm:styleLbl>
+  <dgm:styleLbl name="asst0">
+    <dgm:fillClrLst meth="repeat">
+      <a:schemeClr val="accent1"/>
+    </dgm:fillClrLst>
+    <dgm:linClrLst meth="repeat">
+      <a:schemeClr val="lt1"/>
+    </dgm:linClrLst>
+    <dgm:effectClrLst/>
+    <dgm:txLinClrLst/>
+    <dgm:txFillClrLst/>
+    <dgm:txEffectClrLst/>
+  </dgm:styleLbl>
+  <dgm:styleLbl name="asst1">
+    <dgm:fillClrLst meth="repeat">
+      <a:schemeClr val="accent1"/>
+    </dgm:fillClrLst>
+    <dgm:linClrLst meth="repeat">
+      <a:schemeClr val="lt1"/>
+    </dgm:linClrLst>
+    <dgm:effectClrLst/>
+    <dgm:txLinClrLst/>
+    <dgm:txFillClrLst/>
+    <dgm:txEffectClrLst/>
+  </dgm:styleLbl>
+  <dgm:styleLbl name="asst2">
+    <dgm:fillClrLst meth="repeat">
+      <a:schemeClr val="accent1"/>
+    </dgm:fillClrLst>
+    <dgm:linClrLst meth="repeat">
+      <a:schemeClr val="lt1"/>
+    </dgm:linClrLst>
+    <dgm:effectClrLst/>
+    <dgm:txLinClrLst/>
+    <dgm:txFillClrLst/>
+    <dgm:txEffectClrLst/>
+  </dgm:styleLbl>
+  <dgm:styleLbl name="asst3">
+    <dgm:fillClrLst meth="repeat">
+      <a:schemeClr val="accent1"/>
+    </dgm:fillClrLst>
+    <dgm:linClrLst meth="repeat">
+      <a:schemeClr val="lt1"/>
+    </dgm:linClrLst>
+    <dgm:effectClrLst/>
+    <dgm:txLinClrLst/>
+    <dgm:txFillClrLst/>
+    <dgm:txEffectClrLst/>
+  </dgm:styleLbl>
+  <dgm:styleLbl name="asst4">
+    <dgm:fillClrLst meth="repeat">
+      <a:schemeClr val="accent1"/>
+    </dgm:fillClrLst>
+    <dgm:linClrLst meth="repeat">
+      <a:schemeClr val="lt1"/>
+    </dgm:linClrLst>
+    <dgm:effectClrLst/>
+    <dgm:txLinClrLst/>
+    <dgm:txFillClrLst/>
+    <dgm:txEffectClrLst/>
+  </dgm:styleLbl>
+  <dgm:styleLbl name="parChTrans2D1">
+    <dgm:fillClrLst meth="repeat">
+      <a:schemeClr val="accent1">
+        <a:tint val="60000"/>
+      </a:schemeClr>
+    </dgm:fillClrLst>
+    <dgm:linClrLst meth="repeat">
+      <a:schemeClr val="accent1">
+        <a:tint val="60000"/>
+      </a:schemeClr>
+    </dgm:linClrLst>
+    <dgm:effectClrLst/>
+    <dgm:txLinClrLst/>
+    <dgm:txFillClrLst meth="repeat">
+      <a:schemeClr val="lt1"/>
+    </dgm:txFillClrLst>
+    <dgm:txEffectClrLst/>
+  </dgm:styleLbl>
+  <dgm:styleLbl name="parChTrans2D2">
+    <dgm:fillClrLst meth="repeat">
+      <a:schemeClr val="accent1"/>
+    </dgm:fillClrLst>
+    <dgm:linClrLst meth="repeat">
+      <a:schemeClr val="accent1"/>
+    </dgm:linClrLst>
+    <dgm:effectClrLst/>
+    <dgm:txLinClrLst/>
+    <dgm:txFillClrLst meth="repeat">
+      <a:schemeClr val="lt1"/>
+    </dgm:txFillClrLst>
+    <dgm:txEffectClrLst/>
+  </dgm:styleLbl>
+  <dgm:styleLbl name="parChTrans2D3">
+    <dgm:fillClrLst meth="repeat">
+      <a:schemeClr val="accent1"/>
+    </dgm:fillClrLst>
+    <dgm:linClrLst meth="repeat">
+      <a:schemeClr val="accent1"/>
+    </dgm:linClrLst>
+    <dgm:effectClrLst/>
+    <dgm:txLinClrLst/>
+    <dgm:txFillClrLst meth="repeat">
+      <a:schemeClr val="lt1"/>
+    </dgm:txFillClrLst>
+    <dgm:txEffectClrLst/>
+  </dgm:styleLbl>
+  <dgm:styleLbl name="parChTrans2D4">
+    <dgm:fillClrLst meth="repeat">
+      <a:schemeClr val="accent1"/>
+    </dgm:fillClrLst>
+    <dgm:linClrLst meth="repeat">
+      <a:schemeClr val="accent1"/>
+    </dgm:linClrLst>
+    <dgm:effectClrLst/>
+    <dgm:txLinClrLst/>
+    <dgm:txFillClrLst meth="repeat">
+      <a:schemeClr val="lt1"/>
+    </dgm:txFillClrLst>
+    <dgm:txEffectClrLst/>
+  </dgm:styleLbl>
+  <dgm:styleLbl name="parChTrans1D1">
+    <dgm:fillClrLst meth="repeat">
+      <a:schemeClr val="accent1"/>
+    </dgm:fillClrLst>
+    <dgm:linClrLst meth="repeat">
+      <a:schemeClr val="accent1">
+        <a:shade val="60000"/>
+      </a:schemeClr>
+    </dgm:linClrLst>
+    <dgm:effectClrLst/>
+    <dgm:txLinClrLst/>
+    <dgm:txFillClrLst meth="repeat">
+      <a:schemeClr val="tx1"/>
+    </dgm:txFillClrLst>
+    <dgm:txEffectClrLst/>
+  </dgm:styleLbl>
+  <dgm:styleLbl name="parChTrans1D2">
+    <dgm:fillClrLst meth="repeat">
+      <a:schemeClr val="accent1"/>
+    </dgm:fillClrLst>
+    <dgm:linClrLst meth="repeat">
+      <a:schemeClr val="accent1">
+        <a:shade val="60000"/>
+      </a:schemeClr>
+    </dgm:linClrLst>
+    <dgm:effectClrLst/>
+    <dgm:txLinClrLst/>
+    <dgm:txFillClrLst meth="repeat">
+      <a:schemeClr val="tx1"/>
+    </dgm:txFillClrLst>
+    <dgm:txEffectClrLst/>
+  </dgm:styleLbl>
+  <dgm:styleLbl name="parChTrans1D3">
+    <dgm:fillClrLst meth="repeat">
+      <a:schemeClr val="accent1"/>
+    </dgm:fillClrLst>
+    <dgm:linClrLst meth="repeat">
+      <a:schemeClr val="accent1">
+        <a:shade val="80000"/>
+      </a:schemeClr>
+    </dgm:linClrLst>
+    <dgm:effectClrLst/>
+    <dgm:txLinClrLst/>
+    <dgm:txFillClrLst meth="repeat">
+      <a:schemeClr val="tx1"/>
+    </dgm:txFillClrLst>
+    <dgm:txEffectClrLst/>
+  </dgm:styleLbl>
+  <dgm:styleLbl name="parChTrans1D4">
+    <dgm:fillClrLst meth="repeat">
+      <a:schemeClr val="accent1"/>
+    </dgm:fillClrLst>
+    <dgm:linClrLst meth="repeat">
+      <a:schemeClr val="accent1">
+        <a:shade val="80000"/>
+      </a:schemeClr>
+    </dgm:linClrLst>
+    <dgm:effectClrLst/>
+    <dgm:txLinClrLst/>
+    <dgm:txFillClrLst meth="repeat">
+      <a:schemeClr val="tx1"/>
+    </dgm:txFillClrLst>
+    <dgm:txEffectClrLst/>
+  </dgm:styleLbl>
+  <dgm:styleLbl name="fgAcc1">
+    <dgm:fillClrLst meth="repeat">
+      <a:schemeClr val="lt1">
+        <a:alpha val="90000"/>
+      </a:schemeClr>
+    </dgm:fillClrLst>
+    <dgm:linClrLst meth="repeat">
+      <a:schemeClr val="accent1"/>
+    </dgm:linClrLst>
+    <dgm:effectClrLst/>
+    <dgm:txLinClrLst/>
+    <dgm:txFillClrLst meth="repeat">
+      <a:schemeClr val="dk1"/>
+    </dgm:txFillClrLst>
+    <dgm:txEffectClrLst/>
+  </dgm:styleLbl>
+  <dgm:styleLbl name="conFgAcc1">
+    <dgm:fillClrLst meth="repeat">
+      <a:schemeClr val="lt1">
+        <a:alpha val="90000"/>
+      </a:schemeClr>
+    </dgm:fillClrLst>
+    <dgm:linClrLst meth="repeat">
+      <a:schemeClr val="accent1"/>
+    </dgm:linClrLst>
+    <dgm:effectClrLst/>
+    <dgm:txLinClrLst/>
+    <dgm:txFillClrLst meth="repeat">
+      <a:schemeClr val="dk1"/>
+    </dgm:txFillClrLst>
+    <dgm:txEffectClrLst/>
+  </dgm:styleLbl>
+  <dgm:styleLbl name="alignAcc1">
+    <dgm:fillClrLst meth="repeat">
+      <a:schemeClr val="lt1">
+        <a:alpha val="90000"/>
+      </a:schemeClr>
+    </dgm:fillClrLst>
+    <dgm:linClrLst meth="repeat">
+      <a:schemeClr val="accent1"/>
+    </dgm:linClrLst>
+    <dgm:effectClrLst/>
+    <dgm:txLinClrLst/>
+    <dgm:txFillClrLst meth="repeat">
+      <a:schemeClr val="dk1"/>
+    </dgm:txFillClrLst>
+    <dgm:txEffectClrLst/>
+  </dgm:styleLbl>
+  <dgm:styleLbl name="trAlignAcc1">
+    <dgm:fillClrLst meth="repeat">
+      <a:schemeClr val="lt1">
+        <a:alpha val="40000"/>
+      </a:schemeClr>
+    </dgm:fillClrLst>
+    <dgm:linClrLst meth="repeat">
+      <a:schemeClr val="accent1"/>
+    </dgm:linClrLst>
+    <dgm:effectClrLst/>
+    <dgm:txLinClrLst/>
+    <dgm:txFillClrLst meth="repeat">
+      <a:schemeClr val="dk1"/>
+    </dgm:txFillClrLst>
+    <dgm:txEffectClrLst/>
+  </dgm:styleLbl>
+  <dgm:styleLbl name="bgAcc1">
+    <dgm:fillClrLst meth="repeat">
+      <a:schemeClr val="lt1">
+        <a:alpha val="90000"/>
+      </a:schemeClr>
+    </dgm:fillClrLst>
+    <dgm:linClrLst meth="repeat">
+      <a:schemeClr val="accent1"/>
+    </dgm:linClrLst>
+    <dgm:effectClrLst/>
+    <dgm:txLinClrLst/>
+    <dgm:txFillClrLst meth="repeat">
+      <a:schemeClr val="dk1"/>
+    </dgm:txFillClrLst>
+    <dgm:txEffectClrLst/>
+  </dgm:styleLbl>
+  <dgm:styleLbl name="solidFgAcc1">
+    <dgm:fillClrLst meth="repeat">
+      <a:schemeClr val="lt1"/>
+    </dgm:fillClrLst>
+    <dgm:linClrLst meth="repeat">
+      <a:schemeClr val="accent1"/>
+    </dgm:linClrLst>
+    <dgm:effectClrLst/>
+    <dgm:txLinClrLst/>
+    <dgm:txFillClrLst meth="repeat">
+      <a:schemeClr val="dk1"/>
+    </dgm:txFillClrLst>
+    <dgm:txEffectClrLst/>
+  </dgm:styleLbl>
+  <dgm:styleLbl name="solidAlignAcc1">
+    <dgm:fillClrLst meth="repeat">
+      <a:schemeClr val="lt1"/>
+    </dgm:fillClrLst>
+    <dgm:linClrLst meth="repeat">
+      <a:schemeClr val="accent1"/>
+    </dgm:linClrLst>
+    <dgm:effectClrLst/>
+    <dgm:txLinClrLst/>
+    <dgm:txFillClrLst meth="repeat">
+      <a:schemeClr val="dk1"/>
+    </dgm:txFillClrLst>
+    <dgm:txEffectClrLst/>
+  </dgm:styleLbl>
+  <dgm:styleLbl name="solidBgAcc1">
+    <dgm:fillClrLst meth="repeat">
+      <a:schemeClr val="lt1"/>
+    </dgm:fillClrLst>
+    <dgm:linClrLst meth="repeat">
+      <a:schemeClr val="accent1"/>
+    </dgm:linClrLst>
+    <dgm:effectClrLst/>
+    <dgm:txLinClrLst/>
+    <dgm:txFillClrLst meth="repeat">
+      <a:schemeClr val="dk1"/>
+    </dgm:txFillClrLst>
+    <dgm:txEffectClrLst/>
+  </dgm:styleLbl>
+  <dgm:styleLbl name="fgAccFollowNode1">
+    <dgm:fillClrLst meth="repeat">
+      <a:schemeClr val="accent1">
+        <a:alpha val="90000"/>
+        <a:tint val="40000"/>
+      </a:schemeClr>
+    </dgm:fillClrLst>
+    <dgm:linClrLst meth="repeat">
+      <a:schemeClr val="accent1">
+        <a:alpha val="90000"/>
+        <a:tint val="40000"/>
+      </a:schemeClr>
+    </dgm:linClrLst>
+    <dgm:effectClrLst/>
+    <dgm:txLinClrLst/>
+    <dgm:txFillClrLst meth="repeat">
+      <a:schemeClr val="dk1"/>
+    </dgm:txFillClrLst>
+    <dgm:txEffectClrLst/>
+  </dgm:styleLbl>
+  <dgm:styleLbl name="alignAccFollowNode1">
+    <dgm:fillClrLst meth="repeat">
+      <a:schemeClr val="accent1">
+        <a:alpha val="90000"/>
+        <a:tint val="40000"/>
+      </a:schemeClr>
+    </dgm:fillClrLst>
+    <dgm:linClrLst meth="repeat">
+      <a:schemeClr val="accent1">
+        <a:alpha val="90000"/>
+        <a:tint val="40000"/>
+      </a:schemeClr>
+    </dgm:linClrLst>
+    <dgm:effectClrLst/>
+    <dgm:txLinClrLst/>
+    <dgm:txFillClrLst meth="repeat">
+      <a:schemeClr val="dk1"/>
+    </dgm:txFillClrLst>
+    <dgm:txEffectClrLst/>
+  </dgm:styleLbl>
+  <dgm:styleLbl name="bgAccFollowNode1">
+    <dgm:fillClrLst meth="repeat">
+      <a:schemeClr val="accent1">
+        <a:alpha val="90000"/>
+        <a:tint val="40000"/>
+      </a:schemeClr>
+    </dgm:fillClrLst>
+    <dgm:linClrLst meth="repeat">
+      <a:schemeClr val="accent1">
+        <a:alpha val="90000"/>
+        <a:tint val="40000"/>
+      </a:schemeClr>
+    </dgm:linClrLst>
+    <dgm:effectClrLst/>
+    <dgm:txLinClrLst/>
+    <dgm:txFillClrLst meth="repeat">
+      <a:schemeClr val="dk1"/>
+    </dgm:txFillClrLst>
+    <dgm:txEffectClrLst/>
+  </dgm:styleLbl>
+  <dgm:styleLbl name="fgAcc0">
+    <dgm:fillClrLst meth="repeat">
+      <a:schemeClr val="lt1">
+        <a:alpha val="90000"/>
+      </a:schemeClr>
+    </dgm:fillClrLst>
+    <dgm:linClrLst meth="repeat">
+      <a:schemeClr val="accent1"/>
+    </dgm:linClrLst>
+    <dgm:effectClrLst/>
+    <dgm:txLinClrLst/>
+    <dgm:txFillClrLst meth="repeat">
+      <a:schemeClr val="dk1"/>
+    </dgm:txFillClrLst>
+    <dgm:txEffectClrLst/>
+  </dgm:styleLbl>
+  <dgm:styleLbl name="fgAcc2">
+    <dgm:fillClrLst meth="repeat">
+      <a:schemeClr val="lt1">
+        <a:alpha val="90000"/>
+      </a:schemeClr>
+    </dgm:fillClrLst>
+    <dgm:linClrLst meth="repeat">
+      <a:schemeClr val="accent1"/>
+    </dgm:linClrLst>
+    <dgm:effectClrLst/>
+    <dgm:txLinClrLst/>
+    <dgm:txFillClrLst meth="repeat">
+      <a:schemeClr val="dk1"/>
+    </dgm:txFillClrLst>
+    <dgm:txEffectClrLst/>
+  </dgm:styleLbl>
+  <dgm:styleLbl name="fgAcc3">
+    <dgm:fillClrLst meth="repeat">
+      <a:schemeClr val="lt1">
+        <a:alpha val="90000"/>
+      </a:schemeClr>
+    </dgm:fillClrLst>
+    <dgm:linClrLst meth="repeat">
+      <a:schemeClr val="accent1"/>
+    </dgm:linClrLst>
+    <dgm:effectClrLst/>
+    <dgm:txLinClrLst/>
+    <dgm:txFillClrLst meth="repeat">
+      <a:schemeClr val="dk1"/>
+    </dgm:txFillClrLst>
+    <dgm:txEffectClrLst/>
+  </dgm:styleLbl>
+  <dgm:styleLbl name="fgAcc4">
+    <dgm:fillClrLst meth="repeat">
+      <a:schemeClr val="lt1">
+        <a:alpha val="90000"/>
+      </a:schemeClr>
+    </dgm:fillClrLst>
+    <dgm:linClrLst meth="repeat">
+      <a:schemeClr val="accent1"/>
+    </dgm:linClrLst>
+    <dgm:effectClrLst/>
+    <dgm:txLinClrLst/>
+    <dgm:txFillClrLst meth="repeat">
+      <a:schemeClr val="dk1"/>
+    </dgm:txFillClrLst>
+    <dgm:txEffectClrLst/>
+  </dgm:styleLbl>
+  <dgm:styleLbl name="bgShp">
+    <dgm:fillClrLst meth="repeat">
+      <a:schemeClr val="bg1">
+        <a:lumMod val="95000"/>
+      </a:schemeClr>
+    </dgm:fillClrLst>
+    <dgm:linClrLst meth="repeat">
+      <a:schemeClr val="accent1"/>
+    </dgm:linClrLst>
+    <dgm:effectClrLst/>
+    <dgm:txLinClrLst/>
+    <dgm:txFillClrLst meth="repeat">
+      <a:schemeClr val="dk1"/>
+    </dgm:txFillClrLst>
+    <dgm:txEffectClrLst/>
+  </dgm:styleLbl>
+  <dgm:styleLbl name="dkBgShp">
+    <dgm:fillClrLst meth="repeat">
+      <a:schemeClr val="accent1">
+        <a:shade val="80000"/>
+      </a:schemeClr>
+    </dgm:fillClrLst>
+    <dgm:linClrLst meth="repeat">
+      <a:schemeClr val="accent1"/>
+    </dgm:linClrLst>
+    <dgm:effectClrLst/>
+    <dgm:txLinClrLst/>
+    <dgm:txFillClrLst meth="repeat">
+      <a:schemeClr val="lt1"/>
+    </dgm:txFillClrLst>
+    <dgm:txEffectClrLst/>
+  </dgm:styleLbl>
+  <dgm:styleLbl name="trBgShp">
+    <dgm:fillClrLst meth="repeat">
+      <a:schemeClr val="accent1">
+        <a:tint val="50000"/>
+        <a:alpha val="40000"/>
+      </a:schemeClr>
+    </dgm:fillClrLst>
+    <dgm:linClrLst meth="repeat">
+      <a:schemeClr val="accent1"/>
+    </dgm:linClrLst>
+    <dgm:effectClrLst/>
+    <dgm:txLinClrLst/>
+    <dgm:txFillClrLst meth="repeat">
+      <a:schemeClr val="lt1"/>
+    </dgm:txFillClrLst>
+    <dgm:txEffectClrLst/>
+  </dgm:styleLbl>
+  <dgm:styleLbl name="fgShp">
+    <dgm:fillClrLst meth="repeat">
+      <a:schemeClr val="accent1">
+        <a:tint val="60000"/>
+      </a:schemeClr>
+    </dgm:fillClrLst>
+    <dgm:linClrLst meth="repeat">
+      <a:schemeClr val="lt1"/>
+    </dgm:linClrLst>
+    <dgm:effectClrLst/>
+    <dgm:txLinClrLst/>
+    <dgm:txFillClrLst meth="repeat">
+      <a:schemeClr val="dk1"/>
+    </dgm:txFillClrLst>
+    <dgm:txEffectClrLst/>
+  </dgm:styleLbl>
+  <dgm:styleLbl name="revTx">
+    <dgm:fillClrLst meth="repeat">
+      <a:schemeClr val="lt1">
+        <a:alpha val="0"/>
+      </a:schemeClr>
+    </dgm:fillClrLst>
+    <dgm:linClrLst meth="repeat">
+      <a:schemeClr val="dk1">
+        <a:alpha val="0"/>
+      </a:schemeClr>
+    </dgm:linClrLst>
+    <dgm:effectClrLst/>
+    <dgm:txLinClrLst/>
+    <dgm:txFillClrLst meth="repeat">
+      <a:schemeClr val="tx1"/>
+    </dgm:txFillClrLst>
+    <dgm:txEffectClrLst/>
+  </dgm:styleLbl>
+</dgm:colorsDef>
+</file>
+
+<file path=ppt/diagrams/colors3.xml><?xml version="1.0" encoding="utf-8"?>
 <dgm:colorsDef xmlns:dgm="http://schemas.openxmlformats.org/drawingml/2006/diagram" xmlns:a="http://schemas.openxmlformats.org/drawingml/2006/main" uniqueId="urn:microsoft.com/office/officeart/2018/5/colors/Iconchunking_neutralicontext_colorful1">
   <dgm:title val=""/>
   <dgm:desc val=""/>
@@ -2013,1094 +2762,7 @@
 </dgm:colorsDef>
 </file>
 
-<file path=ppt/diagrams/colors3.xml><?xml version="1.0" encoding="utf-8"?>
-<dgm:colorsDef xmlns:dgm="http://schemas.openxmlformats.org/drawingml/2006/diagram" xmlns:a="http://schemas.openxmlformats.org/drawingml/2006/main" uniqueId="urn:microsoft.com/office/officeart/2018/5/colors/Iconchunking_neutralbg_accent1_2">
-  <dgm:title val=""/>
-  <dgm:desc val=""/>
-  <dgm:catLst>
-    <dgm:cat type="accent1" pri="11200"/>
-  </dgm:catLst>
-  <dgm:styleLbl name="node0">
-    <dgm:fillClrLst meth="repeat">
-      <a:schemeClr val="accent1"/>
-    </dgm:fillClrLst>
-    <dgm:linClrLst meth="repeat">
-      <a:schemeClr val="lt1"/>
-    </dgm:linClrLst>
-    <dgm:effectClrLst/>
-    <dgm:txLinClrLst/>
-    <dgm:txFillClrLst/>
-    <dgm:txEffectClrLst/>
-  </dgm:styleLbl>
-  <dgm:styleLbl name="alignNode1">
-    <dgm:fillClrLst meth="repeat">
-      <a:schemeClr val="accent1"/>
-    </dgm:fillClrLst>
-    <dgm:linClrLst meth="repeat">
-      <a:schemeClr val="accent1"/>
-    </dgm:linClrLst>
-    <dgm:effectClrLst/>
-    <dgm:txLinClrLst/>
-    <dgm:txFillClrLst/>
-    <dgm:txEffectClrLst/>
-  </dgm:styleLbl>
-  <dgm:styleLbl name="node1">
-    <dgm:fillClrLst meth="repeat">
-      <a:schemeClr val="accent1"/>
-    </dgm:fillClrLst>
-    <dgm:linClrLst meth="repeat">
-      <a:schemeClr val="lt1">
-        <a:alpha val="0"/>
-      </a:schemeClr>
-    </dgm:linClrLst>
-    <dgm:effectClrLst/>
-    <dgm:txLinClrLst/>
-    <dgm:txFillClrLst/>
-    <dgm:txEffectClrLst/>
-  </dgm:styleLbl>
-  <dgm:styleLbl name="lnNode1">
-    <dgm:fillClrLst meth="repeat">
-      <a:schemeClr val="accent1"/>
-    </dgm:fillClrLst>
-    <dgm:linClrLst meth="repeat">
-      <a:schemeClr val="lt1"/>
-    </dgm:linClrLst>
-    <dgm:effectClrLst/>
-    <dgm:txLinClrLst/>
-    <dgm:txFillClrLst/>
-    <dgm:txEffectClrLst/>
-  </dgm:styleLbl>
-  <dgm:styleLbl name="vennNode1">
-    <dgm:fillClrLst meth="repeat">
-      <a:schemeClr val="accent1">
-        <a:alpha val="50000"/>
-      </a:schemeClr>
-    </dgm:fillClrLst>
-    <dgm:linClrLst meth="repeat">
-      <a:schemeClr val="lt1"/>
-    </dgm:linClrLst>
-    <dgm:effectClrLst/>
-    <dgm:txLinClrLst/>
-    <dgm:txFillClrLst/>
-    <dgm:txEffectClrLst/>
-  </dgm:styleLbl>
-  <dgm:styleLbl name="node2">
-    <dgm:fillClrLst meth="repeat">
-      <a:schemeClr val="accent1"/>
-    </dgm:fillClrLst>
-    <dgm:linClrLst meth="repeat">
-      <a:schemeClr val="lt1"/>
-    </dgm:linClrLst>
-    <dgm:effectClrLst/>
-    <dgm:txLinClrLst/>
-    <dgm:txFillClrLst/>
-    <dgm:txEffectClrLst/>
-  </dgm:styleLbl>
-  <dgm:styleLbl name="node3">
-    <dgm:fillClrLst meth="repeat">
-      <a:schemeClr val="accent1"/>
-    </dgm:fillClrLst>
-    <dgm:linClrLst meth="repeat">
-      <a:schemeClr val="lt1"/>
-    </dgm:linClrLst>
-    <dgm:effectClrLst/>
-    <dgm:txLinClrLst/>
-    <dgm:txFillClrLst/>
-    <dgm:txEffectClrLst/>
-  </dgm:styleLbl>
-  <dgm:styleLbl name="node4">
-    <dgm:fillClrLst meth="repeat">
-      <a:schemeClr val="accent1"/>
-    </dgm:fillClrLst>
-    <dgm:linClrLst meth="repeat">
-      <a:schemeClr val="lt1"/>
-    </dgm:linClrLst>
-    <dgm:effectClrLst/>
-    <dgm:txLinClrLst/>
-    <dgm:txFillClrLst/>
-    <dgm:txEffectClrLst/>
-  </dgm:styleLbl>
-  <dgm:styleLbl name="fgImgPlace1">
-    <dgm:fillClrLst meth="repeat">
-      <a:schemeClr val="accent1">
-        <a:tint val="50000"/>
-      </a:schemeClr>
-    </dgm:fillClrLst>
-    <dgm:linClrLst meth="repeat">
-      <a:schemeClr val="lt1"/>
-    </dgm:linClrLst>
-    <dgm:effectClrLst/>
-    <dgm:txLinClrLst/>
-    <dgm:txFillClrLst meth="repeat">
-      <a:schemeClr val="lt1"/>
-    </dgm:txFillClrLst>
-    <dgm:txEffectClrLst/>
-  </dgm:styleLbl>
-  <dgm:styleLbl name="alignImgPlace1">
-    <dgm:fillClrLst meth="repeat">
-      <a:schemeClr val="accent1">
-        <a:tint val="50000"/>
-      </a:schemeClr>
-    </dgm:fillClrLst>
-    <dgm:linClrLst meth="repeat">
-      <a:schemeClr val="lt1"/>
-    </dgm:linClrLst>
-    <dgm:effectClrLst/>
-    <dgm:txLinClrLst/>
-    <dgm:txFillClrLst meth="repeat">
-      <a:schemeClr val="lt1"/>
-    </dgm:txFillClrLst>
-    <dgm:txEffectClrLst/>
-  </dgm:styleLbl>
-  <dgm:styleLbl name="bgImgPlace1">
-    <dgm:fillClrLst meth="repeat">
-      <a:schemeClr val="accent1">
-        <a:tint val="50000"/>
-      </a:schemeClr>
-    </dgm:fillClrLst>
-    <dgm:linClrLst meth="repeat">
-      <a:schemeClr val="lt1"/>
-    </dgm:linClrLst>
-    <dgm:effectClrLst/>
-    <dgm:txLinClrLst/>
-    <dgm:txFillClrLst meth="repeat">
-      <a:schemeClr val="lt1"/>
-    </dgm:txFillClrLst>
-    <dgm:txEffectClrLst/>
-  </dgm:styleLbl>
-  <dgm:styleLbl name="sibTrans2D1">
-    <dgm:fillClrLst meth="repeat">
-      <a:schemeClr val="accent1">
-        <a:tint val="60000"/>
-      </a:schemeClr>
-    </dgm:fillClrLst>
-    <dgm:linClrLst meth="repeat">
-      <a:schemeClr val="accent1">
-        <a:tint val="60000"/>
-      </a:schemeClr>
-    </dgm:linClrLst>
-    <dgm:effectClrLst/>
-    <dgm:txLinClrLst/>
-    <dgm:txFillClrLst/>
-    <dgm:txEffectClrLst/>
-  </dgm:styleLbl>
-  <dgm:styleLbl name="fgSibTrans2D1">
-    <dgm:fillClrLst meth="repeat">
-      <a:schemeClr val="accent1">
-        <a:tint val="60000"/>
-      </a:schemeClr>
-    </dgm:fillClrLst>
-    <dgm:linClrLst meth="repeat">
-      <a:schemeClr val="accent1">
-        <a:tint val="60000"/>
-      </a:schemeClr>
-    </dgm:linClrLst>
-    <dgm:effectClrLst/>
-    <dgm:txLinClrLst/>
-    <dgm:txFillClrLst/>
-    <dgm:txEffectClrLst/>
-  </dgm:styleLbl>
-  <dgm:styleLbl name="bgSibTrans2D1">
-    <dgm:fillClrLst meth="repeat">
-      <a:schemeClr val="accent1">
-        <a:tint val="60000"/>
-      </a:schemeClr>
-    </dgm:fillClrLst>
-    <dgm:linClrLst meth="repeat">
-      <a:schemeClr val="accent1">
-        <a:tint val="60000"/>
-      </a:schemeClr>
-    </dgm:linClrLst>
-    <dgm:effectClrLst/>
-    <dgm:txLinClrLst/>
-    <dgm:txFillClrLst/>
-    <dgm:txEffectClrLst/>
-  </dgm:styleLbl>
-  <dgm:styleLbl name="sibTrans1D1">
-    <dgm:fillClrLst meth="repeat">
-      <a:schemeClr val="accent1"/>
-    </dgm:fillClrLst>
-    <dgm:linClrLst meth="repeat">
-      <a:schemeClr val="accent1"/>
-    </dgm:linClrLst>
-    <dgm:effectClrLst/>
-    <dgm:txLinClrLst/>
-    <dgm:txFillClrLst meth="repeat">
-      <a:schemeClr val="tx1"/>
-    </dgm:txFillClrLst>
-    <dgm:txEffectClrLst/>
-  </dgm:styleLbl>
-  <dgm:styleLbl name="callout">
-    <dgm:fillClrLst meth="repeat">
-      <a:schemeClr val="accent1"/>
-    </dgm:fillClrLst>
-    <dgm:linClrLst meth="repeat">
-      <a:schemeClr val="accent1">
-        <a:tint val="50000"/>
-      </a:schemeClr>
-    </dgm:linClrLst>
-    <dgm:effectClrLst/>
-    <dgm:txLinClrLst/>
-    <dgm:txFillClrLst meth="repeat">
-      <a:schemeClr val="tx1"/>
-    </dgm:txFillClrLst>
-    <dgm:txEffectClrLst/>
-  </dgm:styleLbl>
-  <dgm:styleLbl name="asst0">
-    <dgm:fillClrLst meth="repeat">
-      <a:schemeClr val="accent1"/>
-    </dgm:fillClrLst>
-    <dgm:linClrLst meth="repeat">
-      <a:schemeClr val="lt1"/>
-    </dgm:linClrLst>
-    <dgm:effectClrLst/>
-    <dgm:txLinClrLst/>
-    <dgm:txFillClrLst/>
-    <dgm:txEffectClrLst/>
-  </dgm:styleLbl>
-  <dgm:styleLbl name="asst1">
-    <dgm:fillClrLst meth="repeat">
-      <a:schemeClr val="accent1"/>
-    </dgm:fillClrLst>
-    <dgm:linClrLst meth="repeat">
-      <a:schemeClr val="lt1"/>
-    </dgm:linClrLst>
-    <dgm:effectClrLst/>
-    <dgm:txLinClrLst/>
-    <dgm:txFillClrLst/>
-    <dgm:txEffectClrLst/>
-  </dgm:styleLbl>
-  <dgm:styleLbl name="asst2">
-    <dgm:fillClrLst meth="repeat">
-      <a:schemeClr val="accent1"/>
-    </dgm:fillClrLst>
-    <dgm:linClrLst meth="repeat">
-      <a:schemeClr val="lt1"/>
-    </dgm:linClrLst>
-    <dgm:effectClrLst/>
-    <dgm:txLinClrLst/>
-    <dgm:txFillClrLst/>
-    <dgm:txEffectClrLst/>
-  </dgm:styleLbl>
-  <dgm:styleLbl name="asst3">
-    <dgm:fillClrLst meth="repeat">
-      <a:schemeClr val="accent1"/>
-    </dgm:fillClrLst>
-    <dgm:linClrLst meth="repeat">
-      <a:schemeClr val="lt1"/>
-    </dgm:linClrLst>
-    <dgm:effectClrLst/>
-    <dgm:txLinClrLst/>
-    <dgm:txFillClrLst/>
-    <dgm:txEffectClrLst/>
-  </dgm:styleLbl>
-  <dgm:styleLbl name="asst4">
-    <dgm:fillClrLst meth="repeat">
-      <a:schemeClr val="accent1"/>
-    </dgm:fillClrLst>
-    <dgm:linClrLst meth="repeat">
-      <a:schemeClr val="lt1"/>
-    </dgm:linClrLst>
-    <dgm:effectClrLst/>
-    <dgm:txLinClrLst/>
-    <dgm:txFillClrLst/>
-    <dgm:txEffectClrLst/>
-  </dgm:styleLbl>
-  <dgm:styleLbl name="parChTrans2D1">
-    <dgm:fillClrLst meth="repeat">
-      <a:schemeClr val="accent1">
-        <a:tint val="60000"/>
-      </a:schemeClr>
-    </dgm:fillClrLst>
-    <dgm:linClrLst meth="repeat">
-      <a:schemeClr val="accent1">
-        <a:tint val="60000"/>
-      </a:schemeClr>
-    </dgm:linClrLst>
-    <dgm:effectClrLst/>
-    <dgm:txLinClrLst/>
-    <dgm:txFillClrLst meth="repeat">
-      <a:schemeClr val="lt1"/>
-    </dgm:txFillClrLst>
-    <dgm:txEffectClrLst/>
-  </dgm:styleLbl>
-  <dgm:styleLbl name="parChTrans2D2">
-    <dgm:fillClrLst meth="repeat">
-      <a:schemeClr val="accent1"/>
-    </dgm:fillClrLst>
-    <dgm:linClrLst meth="repeat">
-      <a:schemeClr val="accent1"/>
-    </dgm:linClrLst>
-    <dgm:effectClrLst/>
-    <dgm:txLinClrLst/>
-    <dgm:txFillClrLst meth="repeat">
-      <a:schemeClr val="lt1"/>
-    </dgm:txFillClrLst>
-    <dgm:txEffectClrLst/>
-  </dgm:styleLbl>
-  <dgm:styleLbl name="parChTrans2D3">
-    <dgm:fillClrLst meth="repeat">
-      <a:schemeClr val="accent1"/>
-    </dgm:fillClrLst>
-    <dgm:linClrLst meth="repeat">
-      <a:schemeClr val="accent1"/>
-    </dgm:linClrLst>
-    <dgm:effectClrLst/>
-    <dgm:txLinClrLst/>
-    <dgm:txFillClrLst meth="repeat">
-      <a:schemeClr val="lt1"/>
-    </dgm:txFillClrLst>
-    <dgm:txEffectClrLst/>
-  </dgm:styleLbl>
-  <dgm:styleLbl name="parChTrans2D4">
-    <dgm:fillClrLst meth="repeat">
-      <a:schemeClr val="accent1"/>
-    </dgm:fillClrLst>
-    <dgm:linClrLst meth="repeat">
-      <a:schemeClr val="accent1"/>
-    </dgm:linClrLst>
-    <dgm:effectClrLst/>
-    <dgm:txLinClrLst/>
-    <dgm:txFillClrLst meth="repeat">
-      <a:schemeClr val="lt1"/>
-    </dgm:txFillClrLst>
-    <dgm:txEffectClrLst/>
-  </dgm:styleLbl>
-  <dgm:styleLbl name="parChTrans1D1">
-    <dgm:fillClrLst meth="repeat">
-      <a:schemeClr val="accent1"/>
-    </dgm:fillClrLst>
-    <dgm:linClrLst meth="repeat">
-      <a:schemeClr val="accent1">
-        <a:shade val="60000"/>
-      </a:schemeClr>
-    </dgm:linClrLst>
-    <dgm:effectClrLst/>
-    <dgm:txLinClrLst/>
-    <dgm:txFillClrLst meth="repeat">
-      <a:schemeClr val="tx1"/>
-    </dgm:txFillClrLst>
-    <dgm:txEffectClrLst/>
-  </dgm:styleLbl>
-  <dgm:styleLbl name="parChTrans1D2">
-    <dgm:fillClrLst meth="repeat">
-      <a:schemeClr val="accent1"/>
-    </dgm:fillClrLst>
-    <dgm:linClrLst meth="repeat">
-      <a:schemeClr val="accent1">
-        <a:shade val="60000"/>
-      </a:schemeClr>
-    </dgm:linClrLst>
-    <dgm:effectClrLst/>
-    <dgm:txLinClrLst/>
-    <dgm:txFillClrLst meth="repeat">
-      <a:schemeClr val="tx1"/>
-    </dgm:txFillClrLst>
-    <dgm:txEffectClrLst/>
-  </dgm:styleLbl>
-  <dgm:styleLbl name="parChTrans1D3">
-    <dgm:fillClrLst meth="repeat">
-      <a:schemeClr val="accent1"/>
-    </dgm:fillClrLst>
-    <dgm:linClrLst meth="repeat">
-      <a:schemeClr val="accent1">
-        <a:shade val="80000"/>
-      </a:schemeClr>
-    </dgm:linClrLst>
-    <dgm:effectClrLst/>
-    <dgm:txLinClrLst/>
-    <dgm:txFillClrLst meth="repeat">
-      <a:schemeClr val="tx1"/>
-    </dgm:txFillClrLst>
-    <dgm:txEffectClrLst/>
-  </dgm:styleLbl>
-  <dgm:styleLbl name="parChTrans1D4">
-    <dgm:fillClrLst meth="repeat">
-      <a:schemeClr val="accent1"/>
-    </dgm:fillClrLst>
-    <dgm:linClrLst meth="repeat">
-      <a:schemeClr val="accent1">
-        <a:shade val="80000"/>
-      </a:schemeClr>
-    </dgm:linClrLst>
-    <dgm:effectClrLst/>
-    <dgm:txLinClrLst/>
-    <dgm:txFillClrLst meth="repeat">
-      <a:schemeClr val="tx1"/>
-    </dgm:txFillClrLst>
-    <dgm:txEffectClrLst/>
-  </dgm:styleLbl>
-  <dgm:styleLbl name="fgAcc1">
-    <dgm:fillClrLst meth="repeat">
-      <a:schemeClr val="lt1">
-        <a:alpha val="90000"/>
-      </a:schemeClr>
-    </dgm:fillClrLst>
-    <dgm:linClrLst meth="repeat">
-      <a:schemeClr val="accent1"/>
-    </dgm:linClrLst>
-    <dgm:effectClrLst/>
-    <dgm:txLinClrLst/>
-    <dgm:txFillClrLst meth="repeat">
-      <a:schemeClr val="dk1"/>
-    </dgm:txFillClrLst>
-    <dgm:txEffectClrLst/>
-  </dgm:styleLbl>
-  <dgm:styleLbl name="conFgAcc1">
-    <dgm:fillClrLst meth="repeat">
-      <a:schemeClr val="lt1">
-        <a:alpha val="90000"/>
-      </a:schemeClr>
-    </dgm:fillClrLst>
-    <dgm:linClrLst meth="repeat">
-      <a:schemeClr val="accent1"/>
-    </dgm:linClrLst>
-    <dgm:effectClrLst/>
-    <dgm:txLinClrLst/>
-    <dgm:txFillClrLst meth="repeat">
-      <a:schemeClr val="dk1"/>
-    </dgm:txFillClrLst>
-    <dgm:txEffectClrLst/>
-  </dgm:styleLbl>
-  <dgm:styleLbl name="alignAcc1">
-    <dgm:fillClrLst meth="repeat">
-      <a:schemeClr val="lt1">
-        <a:alpha val="90000"/>
-      </a:schemeClr>
-    </dgm:fillClrLst>
-    <dgm:linClrLst meth="repeat">
-      <a:schemeClr val="accent1"/>
-    </dgm:linClrLst>
-    <dgm:effectClrLst/>
-    <dgm:txLinClrLst/>
-    <dgm:txFillClrLst meth="repeat">
-      <a:schemeClr val="dk1"/>
-    </dgm:txFillClrLst>
-    <dgm:txEffectClrLst/>
-  </dgm:styleLbl>
-  <dgm:styleLbl name="trAlignAcc1">
-    <dgm:fillClrLst meth="repeat">
-      <a:schemeClr val="lt1">
-        <a:alpha val="40000"/>
-      </a:schemeClr>
-    </dgm:fillClrLst>
-    <dgm:linClrLst meth="repeat">
-      <a:schemeClr val="accent1"/>
-    </dgm:linClrLst>
-    <dgm:effectClrLst/>
-    <dgm:txLinClrLst/>
-    <dgm:txFillClrLst meth="repeat">
-      <a:schemeClr val="dk1"/>
-    </dgm:txFillClrLst>
-    <dgm:txEffectClrLst/>
-  </dgm:styleLbl>
-  <dgm:styleLbl name="bgAcc1">
-    <dgm:fillClrLst meth="repeat">
-      <a:schemeClr val="lt1">
-        <a:alpha val="90000"/>
-      </a:schemeClr>
-    </dgm:fillClrLst>
-    <dgm:linClrLst meth="repeat">
-      <a:schemeClr val="accent1"/>
-    </dgm:linClrLst>
-    <dgm:effectClrLst/>
-    <dgm:txLinClrLst/>
-    <dgm:txFillClrLst meth="repeat">
-      <a:schemeClr val="dk1"/>
-    </dgm:txFillClrLst>
-    <dgm:txEffectClrLst/>
-  </dgm:styleLbl>
-  <dgm:styleLbl name="solidFgAcc1">
-    <dgm:fillClrLst meth="repeat">
-      <a:schemeClr val="lt1"/>
-    </dgm:fillClrLst>
-    <dgm:linClrLst meth="repeat">
-      <a:schemeClr val="accent1"/>
-    </dgm:linClrLst>
-    <dgm:effectClrLst/>
-    <dgm:txLinClrLst/>
-    <dgm:txFillClrLst meth="repeat">
-      <a:schemeClr val="dk1"/>
-    </dgm:txFillClrLst>
-    <dgm:txEffectClrLst/>
-  </dgm:styleLbl>
-  <dgm:styleLbl name="solidAlignAcc1">
-    <dgm:fillClrLst meth="repeat">
-      <a:schemeClr val="lt1"/>
-    </dgm:fillClrLst>
-    <dgm:linClrLst meth="repeat">
-      <a:schemeClr val="accent1"/>
-    </dgm:linClrLst>
-    <dgm:effectClrLst/>
-    <dgm:txLinClrLst/>
-    <dgm:txFillClrLst meth="repeat">
-      <a:schemeClr val="dk1"/>
-    </dgm:txFillClrLst>
-    <dgm:txEffectClrLst/>
-  </dgm:styleLbl>
-  <dgm:styleLbl name="solidBgAcc1">
-    <dgm:fillClrLst meth="repeat">
-      <a:schemeClr val="lt1"/>
-    </dgm:fillClrLst>
-    <dgm:linClrLst meth="repeat">
-      <a:schemeClr val="accent1"/>
-    </dgm:linClrLst>
-    <dgm:effectClrLst/>
-    <dgm:txLinClrLst/>
-    <dgm:txFillClrLst meth="repeat">
-      <a:schemeClr val="dk1"/>
-    </dgm:txFillClrLst>
-    <dgm:txEffectClrLst/>
-  </dgm:styleLbl>
-  <dgm:styleLbl name="fgAccFollowNode1">
-    <dgm:fillClrLst meth="repeat">
-      <a:schemeClr val="accent1">
-        <a:alpha val="90000"/>
-        <a:tint val="40000"/>
-      </a:schemeClr>
-    </dgm:fillClrLst>
-    <dgm:linClrLst meth="repeat">
-      <a:schemeClr val="accent1">
-        <a:alpha val="90000"/>
-        <a:tint val="40000"/>
-      </a:schemeClr>
-    </dgm:linClrLst>
-    <dgm:effectClrLst/>
-    <dgm:txLinClrLst/>
-    <dgm:txFillClrLst meth="repeat">
-      <a:schemeClr val="dk1"/>
-    </dgm:txFillClrLst>
-    <dgm:txEffectClrLst/>
-  </dgm:styleLbl>
-  <dgm:styleLbl name="alignAccFollowNode1">
-    <dgm:fillClrLst meth="repeat">
-      <a:schemeClr val="accent1">
-        <a:alpha val="90000"/>
-        <a:tint val="40000"/>
-      </a:schemeClr>
-    </dgm:fillClrLst>
-    <dgm:linClrLst meth="repeat">
-      <a:schemeClr val="accent1">
-        <a:alpha val="90000"/>
-        <a:tint val="40000"/>
-      </a:schemeClr>
-    </dgm:linClrLst>
-    <dgm:effectClrLst/>
-    <dgm:txLinClrLst/>
-    <dgm:txFillClrLst meth="repeat">
-      <a:schemeClr val="dk1"/>
-    </dgm:txFillClrLst>
-    <dgm:txEffectClrLst/>
-  </dgm:styleLbl>
-  <dgm:styleLbl name="bgAccFollowNode1">
-    <dgm:fillClrLst meth="repeat">
-      <a:schemeClr val="accent1">
-        <a:alpha val="90000"/>
-        <a:tint val="40000"/>
-      </a:schemeClr>
-    </dgm:fillClrLst>
-    <dgm:linClrLst meth="repeat">
-      <a:schemeClr val="accent1">
-        <a:alpha val="90000"/>
-        <a:tint val="40000"/>
-      </a:schemeClr>
-    </dgm:linClrLst>
-    <dgm:effectClrLst/>
-    <dgm:txLinClrLst/>
-    <dgm:txFillClrLst meth="repeat">
-      <a:schemeClr val="dk1"/>
-    </dgm:txFillClrLst>
-    <dgm:txEffectClrLst/>
-  </dgm:styleLbl>
-  <dgm:styleLbl name="fgAcc0">
-    <dgm:fillClrLst meth="repeat">
-      <a:schemeClr val="lt1">
-        <a:alpha val="90000"/>
-      </a:schemeClr>
-    </dgm:fillClrLst>
-    <dgm:linClrLst meth="repeat">
-      <a:schemeClr val="accent1"/>
-    </dgm:linClrLst>
-    <dgm:effectClrLst/>
-    <dgm:txLinClrLst/>
-    <dgm:txFillClrLst meth="repeat">
-      <a:schemeClr val="dk1"/>
-    </dgm:txFillClrLst>
-    <dgm:txEffectClrLst/>
-  </dgm:styleLbl>
-  <dgm:styleLbl name="fgAcc2">
-    <dgm:fillClrLst meth="repeat">
-      <a:schemeClr val="lt1">
-        <a:alpha val="90000"/>
-      </a:schemeClr>
-    </dgm:fillClrLst>
-    <dgm:linClrLst meth="repeat">
-      <a:schemeClr val="accent1"/>
-    </dgm:linClrLst>
-    <dgm:effectClrLst/>
-    <dgm:txLinClrLst/>
-    <dgm:txFillClrLst meth="repeat">
-      <a:schemeClr val="dk1"/>
-    </dgm:txFillClrLst>
-    <dgm:txEffectClrLst/>
-  </dgm:styleLbl>
-  <dgm:styleLbl name="fgAcc3">
-    <dgm:fillClrLst meth="repeat">
-      <a:schemeClr val="lt1">
-        <a:alpha val="90000"/>
-      </a:schemeClr>
-    </dgm:fillClrLst>
-    <dgm:linClrLst meth="repeat">
-      <a:schemeClr val="accent1"/>
-    </dgm:linClrLst>
-    <dgm:effectClrLst/>
-    <dgm:txLinClrLst/>
-    <dgm:txFillClrLst meth="repeat">
-      <a:schemeClr val="dk1"/>
-    </dgm:txFillClrLst>
-    <dgm:txEffectClrLst/>
-  </dgm:styleLbl>
-  <dgm:styleLbl name="fgAcc4">
-    <dgm:fillClrLst meth="repeat">
-      <a:schemeClr val="lt1">
-        <a:alpha val="90000"/>
-      </a:schemeClr>
-    </dgm:fillClrLst>
-    <dgm:linClrLst meth="repeat">
-      <a:schemeClr val="accent1"/>
-    </dgm:linClrLst>
-    <dgm:effectClrLst/>
-    <dgm:txLinClrLst/>
-    <dgm:txFillClrLst meth="repeat">
-      <a:schemeClr val="dk1"/>
-    </dgm:txFillClrLst>
-    <dgm:txEffectClrLst/>
-  </dgm:styleLbl>
-  <dgm:styleLbl name="bgShp">
-    <dgm:fillClrLst meth="repeat">
-      <a:schemeClr val="bg1">
-        <a:lumMod val="95000"/>
-      </a:schemeClr>
-    </dgm:fillClrLst>
-    <dgm:linClrLst meth="repeat">
-      <a:schemeClr val="accent1"/>
-    </dgm:linClrLst>
-    <dgm:effectClrLst/>
-    <dgm:txLinClrLst/>
-    <dgm:txFillClrLst meth="repeat">
-      <a:schemeClr val="dk1"/>
-    </dgm:txFillClrLst>
-    <dgm:txEffectClrLst/>
-  </dgm:styleLbl>
-  <dgm:styleLbl name="dkBgShp">
-    <dgm:fillClrLst meth="repeat">
-      <a:schemeClr val="accent1">
-        <a:shade val="80000"/>
-      </a:schemeClr>
-    </dgm:fillClrLst>
-    <dgm:linClrLst meth="repeat">
-      <a:schemeClr val="accent1"/>
-    </dgm:linClrLst>
-    <dgm:effectClrLst/>
-    <dgm:txLinClrLst/>
-    <dgm:txFillClrLst meth="repeat">
-      <a:schemeClr val="lt1"/>
-    </dgm:txFillClrLst>
-    <dgm:txEffectClrLst/>
-  </dgm:styleLbl>
-  <dgm:styleLbl name="trBgShp">
-    <dgm:fillClrLst meth="repeat">
-      <a:schemeClr val="accent1">
-        <a:tint val="50000"/>
-        <a:alpha val="40000"/>
-      </a:schemeClr>
-    </dgm:fillClrLst>
-    <dgm:linClrLst meth="repeat">
-      <a:schemeClr val="accent1"/>
-    </dgm:linClrLst>
-    <dgm:effectClrLst/>
-    <dgm:txLinClrLst/>
-    <dgm:txFillClrLst meth="repeat">
-      <a:schemeClr val="lt1"/>
-    </dgm:txFillClrLst>
-    <dgm:txEffectClrLst/>
-  </dgm:styleLbl>
-  <dgm:styleLbl name="fgShp">
-    <dgm:fillClrLst meth="repeat">
-      <a:schemeClr val="accent1">
-        <a:tint val="60000"/>
-      </a:schemeClr>
-    </dgm:fillClrLst>
-    <dgm:linClrLst meth="repeat">
-      <a:schemeClr val="lt1"/>
-    </dgm:linClrLst>
-    <dgm:effectClrLst/>
-    <dgm:txLinClrLst/>
-    <dgm:txFillClrLst meth="repeat">
-      <a:schemeClr val="dk1"/>
-    </dgm:txFillClrLst>
-    <dgm:txEffectClrLst/>
-  </dgm:styleLbl>
-  <dgm:styleLbl name="revTx">
-    <dgm:fillClrLst meth="repeat">
-      <a:schemeClr val="lt1">
-        <a:alpha val="0"/>
-      </a:schemeClr>
-    </dgm:fillClrLst>
-    <dgm:linClrLst meth="repeat">
-      <a:schemeClr val="dk1">
-        <a:alpha val="0"/>
-      </a:schemeClr>
-    </dgm:linClrLst>
-    <dgm:effectClrLst/>
-    <dgm:txLinClrLst/>
-    <dgm:txFillClrLst meth="repeat">
-      <a:schemeClr val="tx1"/>
-    </dgm:txFillClrLst>
-    <dgm:txEffectClrLst/>
-  </dgm:styleLbl>
-</dgm:colorsDef>
-</file>
-
 <file path=ppt/diagrams/data1.xml><?xml version="1.0" encoding="utf-8"?>
-<dgm:dataModel xmlns:dgm="http://schemas.openxmlformats.org/drawingml/2006/diagram" xmlns:a="http://schemas.openxmlformats.org/drawingml/2006/main">
-  <dgm:ptLst>
-    <dgm:pt modelId="{BC9983E8-37C3-4D5B-938C-41099B389EA8}" type="doc">
-      <dgm:prSet loTypeId="urn:microsoft.com/office/officeart/2018/2/layout/IconVerticalSolidList" loCatId="icon" qsTypeId="urn:microsoft.com/office/officeart/2005/8/quickstyle/simple1" qsCatId="simple" csTypeId="urn:microsoft.com/office/officeart/2018/5/colors/Iconchunking_neutralicontext_colorful1" csCatId="colorful" phldr="1"/>
-      <dgm:spPr/>
-      <dgm:t>
-        <a:bodyPr/>
-        <a:lstStyle/>
-        <a:p>
-          <a:endParaRPr lang="en-US"/>
-        </a:p>
-      </dgm:t>
-    </dgm:pt>
-    <dgm:pt modelId="{1A5BEBB7-B935-415D-9BBF-814F54501A9B}">
-      <dgm:prSet/>
-      <dgm:spPr/>
-      <dgm:t>
-        <a:bodyPr/>
-        <a:lstStyle/>
-        <a:p>
-          <a:r>
-            <a:rPr lang="pl-PL"/>
-            <a:t>Heurystyka podejmowania decyzji w pewnych zadaniach sztucznej inteligencji, używana zwłaszcza do wyboru ruchów w grach</a:t>
-          </a:r>
-          <a:endParaRPr lang="en-US"/>
-        </a:p>
-      </dgm:t>
-    </dgm:pt>
-    <dgm:pt modelId="{7E25C743-4C55-4DB8-A8BF-DD5A7517B1BF}" type="parTrans" cxnId="{DF4B9857-72EE-4504-95F0-4657D01F4311}">
-      <dgm:prSet/>
-      <dgm:spPr/>
-      <dgm:t>
-        <a:bodyPr/>
-        <a:lstStyle/>
-        <a:p>
-          <a:endParaRPr lang="en-US"/>
-        </a:p>
-      </dgm:t>
-    </dgm:pt>
-    <dgm:pt modelId="{FF5C40AC-C066-4598-8CE9-724BE0371367}" type="sibTrans" cxnId="{DF4B9857-72EE-4504-95F0-4657D01F4311}">
-      <dgm:prSet/>
-      <dgm:spPr/>
-      <dgm:t>
-        <a:bodyPr/>
-        <a:lstStyle/>
-        <a:p>
-          <a:endParaRPr lang="en-US"/>
-        </a:p>
-      </dgm:t>
-    </dgm:pt>
-    <dgm:pt modelId="{B4923790-3F98-428A-89C9-B4A23F4016FC}">
-      <dgm:prSet/>
-      <dgm:spPr/>
-      <dgm:t>
-        <a:bodyPr/>
-        <a:lstStyle/>
-        <a:p>
-          <a:r>
-            <a:rPr lang="pl-PL"/>
-            <a:t>Analiza najbardziej obiecujących ruchów</a:t>
-          </a:r>
-          <a:endParaRPr lang="en-US"/>
-        </a:p>
-      </dgm:t>
-    </dgm:pt>
-    <dgm:pt modelId="{C206B6A1-9292-427A-BD54-EA5260243998}" type="parTrans" cxnId="{0DC91BE4-42F4-4BDF-AF40-120681DAC38F}">
-      <dgm:prSet/>
-      <dgm:spPr/>
-      <dgm:t>
-        <a:bodyPr/>
-        <a:lstStyle/>
-        <a:p>
-          <a:endParaRPr lang="en-US"/>
-        </a:p>
-      </dgm:t>
-    </dgm:pt>
-    <dgm:pt modelId="{F1EA715B-AB64-4EDC-BC7C-1F6853831C30}" type="sibTrans" cxnId="{0DC91BE4-42F4-4BDF-AF40-120681DAC38F}">
-      <dgm:prSet/>
-      <dgm:spPr/>
-      <dgm:t>
-        <a:bodyPr/>
-        <a:lstStyle/>
-        <a:p>
-          <a:endParaRPr lang="en-US"/>
-        </a:p>
-      </dgm:t>
-    </dgm:pt>
-    <dgm:pt modelId="{EE7C3DF6-8286-4204-8A9F-E318764E4FAF}">
-      <dgm:prSet/>
-      <dgm:spPr/>
-      <dgm:t>
-        <a:bodyPr/>
-        <a:lstStyle/>
-        <a:p>
-          <a:r>
-            <a:rPr lang="pl-PL"/>
-            <a:t>Rozrost drzewa wariantów oparty na </a:t>
-          </a:r>
-          <a:r>
-            <a:rPr lang="pl-PL" b="1" u="sng"/>
-            <a:t>losowym</a:t>
-          </a:r>
-          <a:r>
-            <a:rPr lang="pl-PL" b="1"/>
-            <a:t> </a:t>
-          </a:r>
-          <a:r>
-            <a:rPr lang="pl-PL"/>
-            <a:t>próbkowaniu przestrzeni przeszukiwań</a:t>
-          </a:r>
-          <a:endParaRPr lang="en-US"/>
-        </a:p>
-      </dgm:t>
-    </dgm:pt>
-    <dgm:pt modelId="{8EC46AB4-8231-46ED-BA33-16A8BC16FD79}" type="parTrans" cxnId="{4684D9F4-231F-40A4-A72B-C7CE6C35337D}">
-      <dgm:prSet/>
-      <dgm:spPr/>
-      <dgm:t>
-        <a:bodyPr/>
-        <a:lstStyle/>
-        <a:p>
-          <a:endParaRPr lang="en-US"/>
-        </a:p>
-      </dgm:t>
-    </dgm:pt>
-    <dgm:pt modelId="{BBC55D47-B613-4E8E-9707-85660A901CF5}" type="sibTrans" cxnId="{4684D9F4-231F-40A4-A72B-C7CE6C35337D}">
-      <dgm:prSet/>
-      <dgm:spPr/>
-      <dgm:t>
-        <a:bodyPr/>
-        <a:lstStyle/>
-        <a:p>
-          <a:endParaRPr lang="en-US"/>
-        </a:p>
-      </dgm:t>
-    </dgm:pt>
-    <dgm:pt modelId="{F01F28B3-CDA1-4986-8BB3-97B77C90D691}" type="pres">
-      <dgm:prSet presAssocID="{BC9983E8-37C3-4D5B-938C-41099B389EA8}" presName="root" presStyleCnt="0">
-        <dgm:presLayoutVars>
-          <dgm:dir/>
-          <dgm:resizeHandles val="exact"/>
-        </dgm:presLayoutVars>
-      </dgm:prSet>
-      <dgm:spPr/>
-    </dgm:pt>
-    <dgm:pt modelId="{1203B0D8-6E73-4F3F-8909-F7DD7DED4854}" type="pres">
-      <dgm:prSet presAssocID="{1A5BEBB7-B935-415D-9BBF-814F54501A9B}" presName="compNode" presStyleCnt="0"/>
-      <dgm:spPr/>
-    </dgm:pt>
-    <dgm:pt modelId="{79BE015E-0886-49C1-A32F-288EDCBC768C}" type="pres">
-      <dgm:prSet presAssocID="{1A5BEBB7-B935-415D-9BBF-814F54501A9B}" presName="bgRect" presStyleLbl="bgShp" presStyleIdx="0" presStyleCnt="3"/>
-      <dgm:spPr/>
-    </dgm:pt>
-    <dgm:pt modelId="{EC1F5AB1-4682-497B-A9A0-A38082A08366}" type="pres">
-      <dgm:prSet presAssocID="{1A5BEBB7-B935-415D-9BBF-814F54501A9B}" presName="iconRect" presStyleLbl="node1" presStyleIdx="0" presStyleCnt="3"/>
-      <dgm:spPr>
-        <a:blipFill>
-          <a:blip xmlns:r="http://schemas.openxmlformats.org/officeDocument/2006/relationships" r:embed="rId1">
-            <a:extLst>
-              <a:ext uri="{28A0092B-C50C-407E-A947-70E740481C1C}">
-                <a14:useLocalDpi xmlns:a14="http://schemas.microsoft.com/office/drawing/2010/main" val="0"/>
-              </a:ext>
-              <a:ext uri="{96DAC541-7B7A-43D3-8B79-37D633B846F1}">
-                <asvg:svgBlip xmlns:asvg="http://schemas.microsoft.com/office/drawing/2016/SVG/main" r:embed="rId2"/>
-              </a:ext>
-            </a:extLst>
-          </a:blip>
-          <a:stretch>
-            <a:fillRect/>
-          </a:stretch>
-        </a:blipFill>
-        <a:ln>
-          <a:noFill/>
-        </a:ln>
-      </dgm:spPr>
-      <dgm:extLst>
-        <a:ext uri="{E40237B7-FDA0-4F09-8148-C483321AD2D9}">
-          <dgm14:cNvPr xmlns:dgm14="http://schemas.microsoft.com/office/drawing/2010/diagram" id="0" name="" descr="Skeleton"/>
-        </a:ext>
-      </dgm:extLst>
-    </dgm:pt>
-    <dgm:pt modelId="{37A56F75-B9C6-4107-A75B-5A76621DF020}" type="pres">
-      <dgm:prSet presAssocID="{1A5BEBB7-B935-415D-9BBF-814F54501A9B}" presName="spaceRect" presStyleCnt="0"/>
-      <dgm:spPr/>
-    </dgm:pt>
-    <dgm:pt modelId="{9C76D22B-DE91-49CF-8873-C76B9F1D4977}" type="pres">
-      <dgm:prSet presAssocID="{1A5BEBB7-B935-415D-9BBF-814F54501A9B}" presName="parTx" presStyleLbl="revTx" presStyleIdx="0" presStyleCnt="3">
-        <dgm:presLayoutVars>
-          <dgm:chMax val="0"/>
-          <dgm:chPref val="0"/>
-        </dgm:presLayoutVars>
-      </dgm:prSet>
-      <dgm:spPr/>
-    </dgm:pt>
-    <dgm:pt modelId="{E4237A14-35F7-4DBE-8E85-068325E2E2C5}" type="pres">
-      <dgm:prSet presAssocID="{FF5C40AC-C066-4598-8CE9-724BE0371367}" presName="sibTrans" presStyleCnt="0"/>
-      <dgm:spPr/>
-    </dgm:pt>
-    <dgm:pt modelId="{728BF8DE-9418-461B-852C-6DBA676FA375}" type="pres">
-      <dgm:prSet presAssocID="{B4923790-3F98-428A-89C9-B4A23F4016FC}" presName="compNode" presStyleCnt="0"/>
-      <dgm:spPr/>
-    </dgm:pt>
-    <dgm:pt modelId="{E1388BBD-C8D6-4ECA-B862-15AA5E4A4472}" type="pres">
-      <dgm:prSet presAssocID="{B4923790-3F98-428A-89C9-B4A23F4016FC}" presName="bgRect" presStyleLbl="bgShp" presStyleIdx="1" presStyleCnt="3"/>
-      <dgm:spPr/>
-    </dgm:pt>
-    <dgm:pt modelId="{7E31C25C-7C4D-4D9D-9662-B2D4692251EC}" type="pres">
-      <dgm:prSet presAssocID="{B4923790-3F98-428A-89C9-B4A23F4016FC}" presName="iconRect" presStyleLbl="node1" presStyleIdx="1" presStyleCnt="3"/>
-      <dgm:spPr>
-        <a:blipFill>
-          <a:blip xmlns:r="http://schemas.openxmlformats.org/officeDocument/2006/relationships" r:embed="rId3">
-            <a:extLst>
-              <a:ext uri="{28A0092B-C50C-407E-A947-70E740481C1C}">
-                <a14:useLocalDpi xmlns:a14="http://schemas.microsoft.com/office/drawing/2010/main" val="0"/>
-              </a:ext>
-              <a:ext uri="{96DAC541-7B7A-43D3-8B79-37D633B846F1}">
-                <asvg:svgBlip xmlns:asvg="http://schemas.microsoft.com/office/drawing/2016/SVG/main" r:embed="rId4"/>
-              </a:ext>
-            </a:extLst>
-          </a:blip>
-          <a:stretch>
-            <a:fillRect/>
-          </a:stretch>
-        </a:blipFill>
-        <a:ln>
-          <a:noFill/>
-        </a:ln>
-      </dgm:spPr>
-      <dgm:extLst>
-        <a:ext uri="{E40237B7-FDA0-4F09-8148-C483321AD2D9}">
-          <dgm14:cNvPr xmlns:dgm14="http://schemas.microsoft.com/office/drawing/2010/diagram" id="0" name="" descr="Statistics"/>
-        </a:ext>
-      </dgm:extLst>
-    </dgm:pt>
-    <dgm:pt modelId="{215B57EE-EB96-4DB2-BC85-FAC07527824F}" type="pres">
-      <dgm:prSet presAssocID="{B4923790-3F98-428A-89C9-B4A23F4016FC}" presName="spaceRect" presStyleCnt="0"/>
-      <dgm:spPr/>
-    </dgm:pt>
-    <dgm:pt modelId="{12B0EA34-AA24-4167-9BC9-D9FCFF9CDFF4}" type="pres">
-      <dgm:prSet presAssocID="{B4923790-3F98-428A-89C9-B4A23F4016FC}" presName="parTx" presStyleLbl="revTx" presStyleIdx="1" presStyleCnt="3">
-        <dgm:presLayoutVars>
-          <dgm:chMax val="0"/>
-          <dgm:chPref val="0"/>
-        </dgm:presLayoutVars>
-      </dgm:prSet>
-      <dgm:spPr/>
-    </dgm:pt>
-    <dgm:pt modelId="{120E6AF1-497D-4112-8CFC-48E700E9B365}" type="pres">
-      <dgm:prSet presAssocID="{F1EA715B-AB64-4EDC-BC7C-1F6853831C30}" presName="sibTrans" presStyleCnt="0"/>
-      <dgm:spPr/>
-    </dgm:pt>
-    <dgm:pt modelId="{8BE31FEC-8754-49C4-8A4D-D40AF097FD24}" type="pres">
-      <dgm:prSet presAssocID="{EE7C3DF6-8286-4204-8A9F-E318764E4FAF}" presName="compNode" presStyleCnt="0"/>
-      <dgm:spPr/>
-    </dgm:pt>
-    <dgm:pt modelId="{4213FB42-4711-439A-A0B5-4352E52CF314}" type="pres">
-      <dgm:prSet presAssocID="{EE7C3DF6-8286-4204-8A9F-E318764E4FAF}" presName="bgRect" presStyleLbl="bgShp" presStyleIdx="2" presStyleCnt="3"/>
-      <dgm:spPr/>
-    </dgm:pt>
-    <dgm:pt modelId="{F818E8A0-38F2-4E79-8019-B07E1EA237D1}" type="pres">
-      <dgm:prSet presAssocID="{EE7C3DF6-8286-4204-8A9F-E318764E4FAF}" presName="iconRect" presStyleLbl="node1" presStyleIdx="2" presStyleCnt="3"/>
-      <dgm:spPr>
-        <a:blipFill>
-          <a:blip xmlns:r="http://schemas.openxmlformats.org/officeDocument/2006/relationships" r:embed="rId5">
-            <a:extLst>
-              <a:ext uri="{28A0092B-C50C-407E-A947-70E740481C1C}">
-                <a14:useLocalDpi xmlns:a14="http://schemas.microsoft.com/office/drawing/2010/main" val="0"/>
-              </a:ext>
-              <a:ext uri="{96DAC541-7B7A-43D3-8B79-37D633B846F1}">
-                <asvg:svgBlip xmlns:asvg="http://schemas.microsoft.com/office/drawing/2016/SVG/main" r:embed="rId6"/>
-              </a:ext>
-            </a:extLst>
-          </a:blip>
-          <a:stretch>
-            <a:fillRect/>
-          </a:stretch>
-        </a:blipFill>
-        <a:ln>
-          <a:noFill/>
-        </a:ln>
-      </dgm:spPr>
-      <dgm:extLst>
-        <a:ext uri="{E40237B7-FDA0-4F09-8148-C483321AD2D9}">
-          <dgm14:cNvPr xmlns:dgm14="http://schemas.microsoft.com/office/drawing/2010/diagram" id="0" name="" descr="Pine Decoration"/>
-        </a:ext>
-      </dgm:extLst>
-    </dgm:pt>
-    <dgm:pt modelId="{5CC89C3A-5589-4478-B663-022D03151D85}" type="pres">
-      <dgm:prSet presAssocID="{EE7C3DF6-8286-4204-8A9F-E318764E4FAF}" presName="spaceRect" presStyleCnt="0"/>
-      <dgm:spPr/>
-    </dgm:pt>
-    <dgm:pt modelId="{56EAB0AB-ED42-423B-96E0-6561D0F2AD5D}" type="pres">
-      <dgm:prSet presAssocID="{EE7C3DF6-8286-4204-8A9F-E318764E4FAF}" presName="parTx" presStyleLbl="revTx" presStyleIdx="2" presStyleCnt="3">
-        <dgm:presLayoutVars>
-          <dgm:chMax val="0"/>
-          <dgm:chPref val="0"/>
-        </dgm:presLayoutVars>
-      </dgm:prSet>
-      <dgm:spPr/>
-    </dgm:pt>
-  </dgm:ptLst>
-  <dgm:cxnLst>
-    <dgm:cxn modelId="{0F733C37-41AD-4AA2-A029-4AADA64BE1C1}" type="presOf" srcId="{B4923790-3F98-428A-89C9-B4A23F4016FC}" destId="{12B0EA34-AA24-4167-9BC9-D9FCFF9CDFF4}" srcOrd="0" destOrd="0" presId="urn:microsoft.com/office/officeart/2018/2/layout/IconVerticalSolidList"/>
-    <dgm:cxn modelId="{6D003A73-364F-4921-94E2-25AC8E6ED45B}" type="presOf" srcId="{BC9983E8-37C3-4D5B-938C-41099B389EA8}" destId="{F01F28B3-CDA1-4986-8BB3-97B77C90D691}" srcOrd="0" destOrd="0" presId="urn:microsoft.com/office/officeart/2018/2/layout/IconVerticalSolidList"/>
-    <dgm:cxn modelId="{DF4B9857-72EE-4504-95F0-4657D01F4311}" srcId="{BC9983E8-37C3-4D5B-938C-41099B389EA8}" destId="{1A5BEBB7-B935-415D-9BBF-814F54501A9B}" srcOrd="0" destOrd="0" parTransId="{7E25C743-4C55-4DB8-A8BF-DD5A7517B1BF}" sibTransId="{FF5C40AC-C066-4598-8CE9-724BE0371367}"/>
-    <dgm:cxn modelId="{0DC91BE4-42F4-4BDF-AF40-120681DAC38F}" srcId="{BC9983E8-37C3-4D5B-938C-41099B389EA8}" destId="{B4923790-3F98-428A-89C9-B4A23F4016FC}" srcOrd="1" destOrd="0" parTransId="{C206B6A1-9292-427A-BD54-EA5260243998}" sibTransId="{F1EA715B-AB64-4EDC-BC7C-1F6853831C30}"/>
-    <dgm:cxn modelId="{ECE3C9F2-F899-422D-9293-E37FA81AC2A0}" type="presOf" srcId="{1A5BEBB7-B935-415D-9BBF-814F54501A9B}" destId="{9C76D22B-DE91-49CF-8873-C76B9F1D4977}" srcOrd="0" destOrd="0" presId="urn:microsoft.com/office/officeart/2018/2/layout/IconVerticalSolidList"/>
-    <dgm:cxn modelId="{4684D9F4-231F-40A4-A72B-C7CE6C35337D}" srcId="{BC9983E8-37C3-4D5B-938C-41099B389EA8}" destId="{EE7C3DF6-8286-4204-8A9F-E318764E4FAF}" srcOrd="2" destOrd="0" parTransId="{8EC46AB4-8231-46ED-BA33-16A8BC16FD79}" sibTransId="{BBC55D47-B613-4E8E-9707-85660A901CF5}"/>
-    <dgm:cxn modelId="{35B3D1F9-872A-4D39-A17A-80D3B4268B3F}" type="presOf" srcId="{EE7C3DF6-8286-4204-8A9F-E318764E4FAF}" destId="{56EAB0AB-ED42-423B-96E0-6561D0F2AD5D}" srcOrd="0" destOrd="0" presId="urn:microsoft.com/office/officeart/2018/2/layout/IconVerticalSolidList"/>
-    <dgm:cxn modelId="{91939A01-2843-4A1C-A1F8-F7E55E8A6599}" type="presParOf" srcId="{F01F28B3-CDA1-4986-8BB3-97B77C90D691}" destId="{1203B0D8-6E73-4F3F-8909-F7DD7DED4854}" srcOrd="0" destOrd="0" presId="urn:microsoft.com/office/officeart/2018/2/layout/IconVerticalSolidList"/>
-    <dgm:cxn modelId="{98A925C0-451B-4E02-8CA5-9A9D8FF8634A}" type="presParOf" srcId="{1203B0D8-6E73-4F3F-8909-F7DD7DED4854}" destId="{79BE015E-0886-49C1-A32F-288EDCBC768C}" srcOrd="0" destOrd="0" presId="urn:microsoft.com/office/officeart/2018/2/layout/IconVerticalSolidList"/>
-    <dgm:cxn modelId="{689500C8-FB6B-4F72-8DD5-0A61D1ECD549}" type="presParOf" srcId="{1203B0D8-6E73-4F3F-8909-F7DD7DED4854}" destId="{EC1F5AB1-4682-497B-A9A0-A38082A08366}" srcOrd="1" destOrd="0" presId="urn:microsoft.com/office/officeart/2018/2/layout/IconVerticalSolidList"/>
-    <dgm:cxn modelId="{3E00FD23-5D40-4233-9434-EC923B245039}" type="presParOf" srcId="{1203B0D8-6E73-4F3F-8909-F7DD7DED4854}" destId="{37A56F75-B9C6-4107-A75B-5A76621DF020}" srcOrd="2" destOrd="0" presId="urn:microsoft.com/office/officeart/2018/2/layout/IconVerticalSolidList"/>
-    <dgm:cxn modelId="{13920684-4371-446F-9484-09D5173C12B9}" type="presParOf" srcId="{1203B0D8-6E73-4F3F-8909-F7DD7DED4854}" destId="{9C76D22B-DE91-49CF-8873-C76B9F1D4977}" srcOrd="3" destOrd="0" presId="urn:microsoft.com/office/officeart/2018/2/layout/IconVerticalSolidList"/>
-    <dgm:cxn modelId="{4DA86DBA-6D17-4A01-A12B-10FFF0EEE46B}" type="presParOf" srcId="{F01F28B3-CDA1-4986-8BB3-97B77C90D691}" destId="{E4237A14-35F7-4DBE-8E85-068325E2E2C5}" srcOrd="1" destOrd="0" presId="urn:microsoft.com/office/officeart/2018/2/layout/IconVerticalSolidList"/>
-    <dgm:cxn modelId="{373076F0-3DB7-4F50-9D52-EF56AAC49CAD}" type="presParOf" srcId="{F01F28B3-CDA1-4986-8BB3-97B77C90D691}" destId="{728BF8DE-9418-461B-852C-6DBA676FA375}" srcOrd="2" destOrd="0" presId="urn:microsoft.com/office/officeart/2018/2/layout/IconVerticalSolidList"/>
-    <dgm:cxn modelId="{469414D7-9184-4725-A289-44D50B52B88D}" type="presParOf" srcId="{728BF8DE-9418-461B-852C-6DBA676FA375}" destId="{E1388BBD-C8D6-4ECA-B862-15AA5E4A4472}" srcOrd="0" destOrd="0" presId="urn:microsoft.com/office/officeart/2018/2/layout/IconVerticalSolidList"/>
-    <dgm:cxn modelId="{1EAD54FE-7530-476B-928D-D387B84CD5AF}" type="presParOf" srcId="{728BF8DE-9418-461B-852C-6DBA676FA375}" destId="{7E31C25C-7C4D-4D9D-9662-B2D4692251EC}" srcOrd="1" destOrd="0" presId="urn:microsoft.com/office/officeart/2018/2/layout/IconVerticalSolidList"/>
-    <dgm:cxn modelId="{AE7A0CA0-E5A6-415C-BE4A-3A79C1779D4F}" type="presParOf" srcId="{728BF8DE-9418-461B-852C-6DBA676FA375}" destId="{215B57EE-EB96-4DB2-BC85-FAC07527824F}" srcOrd="2" destOrd="0" presId="urn:microsoft.com/office/officeart/2018/2/layout/IconVerticalSolidList"/>
-    <dgm:cxn modelId="{CEF461E0-3BF1-4881-AD6E-4856A67083D2}" type="presParOf" srcId="{728BF8DE-9418-461B-852C-6DBA676FA375}" destId="{12B0EA34-AA24-4167-9BC9-D9FCFF9CDFF4}" srcOrd="3" destOrd="0" presId="urn:microsoft.com/office/officeart/2018/2/layout/IconVerticalSolidList"/>
-    <dgm:cxn modelId="{CB7E7894-F218-4F6A-BB57-EDE148288047}" type="presParOf" srcId="{F01F28B3-CDA1-4986-8BB3-97B77C90D691}" destId="{120E6AF1-497D-4112-8CFC-48E700E9B365}" srcOrd="3" destOrd="0" presId="urn:microsoft.com/office/officeart/2018/2/layout/IconVerticalSolidList"/>
-    <dgm:cxn modelId="{4A3F557E-7DC5-43B7-87FC-98908F215F5D}" type="presParOf" srcId="{F01F28B3-CDA1-4986-8BB3-97B77C90D691}" destId="{8BE31FEC-8754-49C4-8A4D-D40AF097FD24}" srcOrd="4" destOrd="0" presId="urn:microsoft.com/office/officeart/2018/2/layout/IconVerticalSolidList"/>
-    <dgm:cxn modelId="{EC132427-CD9D-4977-94F9-D80A0CF9EAA9}" type="presParOf" srcId="{8BE31FEC-8754-49C4-8A4D-D40AF097FD24}" destId="{4213FB42-4711-439A-A0B5-4352E52CF314}" srcOrd="0" destOrd="0" presId="urn:microsoft.com/office/officeart/2018/2/layout/IconVerticalSolidList"/>
-    <dgm:cxn modelId="{E962B245-857E-4B52-9448-883B8E0D2A20}" type="presParOf" srcId="{8BE31FEC-8754-49C4-8A4D-D40AF097FD24}" destId="{F818E8A0-38F2-4E79-8019-B07E1EA237D1}" srcOrd="1" destOrd="0" presId="urn:microsoft.com/office/officeart/2018/2/layout/IconVerticalSolidList"/>
-    <dgm:cxn modelId="{5DC9375A-3582-430C-BBAC-38D2BDE1EAAF}" type="presParOf" srcId="{8BE31FEC-8754-49C4-8A4D-D40AF097FD24}" destId="{5CC89C3A-5589-4478-B663-022D03151D85}" srcOrd="2" destOrd="0" presId="urn:microsoft.com/office/officeart/2018/2/layout/IconVerticalSolidList"/>
-    <dgm:cxn modelId="{9E2BC02C-D1A0-4A89-B905-0778D890AF9C}" type="presParOf" srcId="{8BE31FEC-8754-49C4-8A4D-D40AF097FD24}" destId="{56EAB0AB-ED42-423B-96E0-6561D0F2AD5D}" srcOrd="3" destOrd="0" presId="urn:microsoft.com/office/officeart/2018/2/layout/IconVerticalSolidList"/>
-  </dgm:cxnLst>
-  <dgm:bg/>
-  <dgm:whole/>
-  <dgm:extLst>
-    <a:ext uri="http://schemas.microsoft.com/office/drawing/2008/diagram">
-      <dsp:dataModelExt xmlns:dsp="http://schemas.microsoft.com/office/drawing/2008/diagram" relId="rId9" minVer="http://schemas.openxmlformats.org/drawingml/2006/diagram"/>
-    </a:ext>
-  </dgm:extLst>
-</dgm:dataModel>
-</file>
-
-<file path=ppt/diagrams/data2.xml><?xml version="1.0" encoding="utf-8"?>
 <dgm:dataModel xmlns:dgm="http://schemas.openxmlformats.org/drawingml/2006/diagram" xmlns:a="http://schemas.openxmlformats.org/drawingml/2006/main">
   <dgm:ptLst>
     <dgm:pt modelId="{FB80DE3C-0BE4-4E6B-925E-5C86A33C6C1E}" type="doc">
@@ -3248,6 +2910,13 @@
         </dgm:presLayoutVars>
       </dgm:prSet>
       <dgm:spPr/>
+      <dgm:t>
+        <a:bodyPr/>
+        <a:lstStyle/>
+        <a:p>
+          <a:endParaRPr lang="en-US"/>
+        </a:p>
+      </dgm:t>
     </dgm:pt>
     <dgm:pt modelId="{0BE4E80D-F6B0-44EA-BDEF-CFA5DD199465}" type="pres">
       <dgm:prSet presAssocID="{8B54C858-7579-4F01-A24A-B88ED79F260B}" presName="compNode" presStyleCnt="0"/>
@@ -3261,13 +2930,13 @@
       <dgm:prSet presAssocID="{8B54C858-7579-4F01-A24A-B88ED79F260B}" presName="iconRect" presStyleLbl="node1" presStyleIdx="0" presStyleCnt="3"/>
       <dgm:spPr>
         <a:blipFill>
-          <a:blip xmlns:r="http://schemas.openxmlformats.org/officeDocument/2006/relationships" r:embed="rId1">
+          <a:blip xmlns:r="http://schemas.openxmlformats.org/officeDocument/2006/relationships" r:embed="rId1" cstate="hqprint">
             <a:extLst>
               <a:ext uri="{28A0092B-C50C-407E-A947-70E740481C1C}">
                 <a14:useLocalDpi xmlns:a14="http://schemas.microsoft.com/office/drawing/2010/main" val="0"/>
               </a:ext>
               <a:ext uri="{96DAC541-7B7A-43D3-8B79-37D633B846F1}">
-                <asvg:svgBlip xmlns:asvg="http://schemas.microsoft.com/office/drawing/2016/SVG/main" r:embed="rId2"/>
+                <asvg:svgBlip xmlns:asvg="http://schemas.microsoft.com/office/drawing/2016/SVG/main" xmlns="" r:embed="rId2"/>
               </a:ext>
             </a:extLst>
           </a:blip>
@@ -3279,6 +2948,13 @@
           <a:noFill/>
         </a:ln>
       </dgm:spPr>
+      <dgm:t>
+        <a:bodyPr/>
+        <a:lstStyle/>
+        <a:p>
+          <a:endParaRPr lang="en-US"/>
+        </a:p>
+      </dgm:t>
       <dgm:extLst>
         <a:ext uri="{E40237B7-FDA0-4F09-8148-C483321AD2D9}">
           <dgm14:cNvPr xmlns:dgm14="http://schemas.microsoft.com/office/drawing/2010/diagram" id="0" name="" descr="Processor"/>
@@ -3297,6 +2973,13 @@
         </dgm:presLayoutVars>
       </dgm:prSet>
       <dgm:spPr/>
+      <dgm:t>
+        <a:bodyPr/>
+        <a:lstStyle/>
+        <a:p>
+          <a:endParaRPr lang="en-US"/>
+        </a:p>
+      </dgm:t>
     </dgm:pt>
     <dgm:pt modelId="{038157FA-2143-4342-AA32-536C431DFB22}" type="pres">
       <dgm:prSet presAssocID="{C0F2E635-A661-4649-A07C-B5AB1128FD5D}" presName="sibTrans" presStyleCnt="0"/>
@@ -3320,7 +3003,7 @@
                 <a14:useLocalDpi xmlns:a14="http://schemas.microsoft.com/office/drawing/2010/main" val="0"/>
               </a:ext>
               <a:ext uri="{96DAC541-7B7A-43D3-8B79-37D633B846F1}">
-                <asvg:svgBlip xmlns:asvg="http://schemas.microsoft.com/office/drawing/2016/SVG/main" r:embed="rId4"/>
+                <asvg:svgBlip xmlns:asvg="http://schemas.microsoft.com/office/drawing/2016/SVG/main" xmlns="" r:embed="rId4"/>
               </a:ext>
             </a:extLst>
           </a:blip>
@@ -3332,6 +3015,13 @@
           <a:noFill/>
         </a:ln>
       </dgm:spPr>
+      <dgm:t>
+        <a:bodyPr/>
+        <a:lstStyle/>
+        <a:p>
+          <a:endParaRPr lang="en-US"/>
+        </a:p>
+      </dgm:t>
       <dgm:extLst>
         <a:ext uri="{E40237B7-FDA0-4F09-8148-C483321AD2D9}">
           <dgm14:cNvPr xmlns:dgm14="http://schemas.microsoft.com/office/drawing/2010/diagram" id="0" name="" descr="Disconnected"/>
@@ -3350,6 +3040,13 @@
         </dgm:presLayoutVars>
       </dgm:prSet>
       <dgm:spPr/>
+      <dgm:t>
+        <a:bodyPr/>
+        <a:lstStyle/>
+        <a:p>
+          <a:endParaRPr lang="en-US"/>
+        </a:p>
+      </dgm:t>
     </dgm:pt>
     <dgm:pt modelId="{56FD0D40-1F56-44D4-94EC-1BB418B0C8F2}" type="pres">
       <dgm:prSet presAssocID="{1AA1E440-8797-48DC-A322-79F3F748F538}" presName="sibTrans" presStyleCnt="0"/>
@@ -3373,7 +3070,7 @@
                 <a14:useLocalDpi xmlns:a14="http://schemas.microsoft.com/office/drawing/2010/main" val="0"/>
               </a:ext>
               <a:ext uri="{96DAC541-7B7A-43D3-8B79-37D633B846F1}">
-                <asvg:svgBlip xmlns:asvg="http://schemas.microsoft.com/office/drawing/2016/SVG/main" r:embed="rId6"/>
+                <asvg:svgBlip xmlns:asvg="http://schemas.microsoft.com/office/drawing/2016/SVG/main" xmlns="" r:embed="rId6"/>
               </a:ext>
             </a:extLst>
           </a:blip>
@@ -3385,6 +3082,13 @@
           <a:noFill/>
         </a:ln>
       </dgm:spPr>
+      <dgm:t>
+        <a:bodyPr/>
+        <a:lstStyle/>
+        <a:p>
+          <a:endParaRPr lang="en-US"/>
+        </a:p>
+      </dgm:t>
       <dgm:extLst>
         <a:ext uri="{E40237B7-FDA0-4F09-8148-C483321AD2D9}">
           <dgm14:cNvPr xmlns:dgm14="http://schemas.microsoft.com/office/drawing/2010/diagram" id="0" name="" descr="Stopwatch"/>
@@ -3403,16 +3107,23 @@
         </dgm:presLayoutVars>
       </dgm:prSet>
       <dgm:spPr/>
+      <dgm:t>
+        <a:bodyPr/>
+        <a:lstStyle/>
+        <a:p>
+          <a:endParaRPr lang="en-US"/>
+        </a:p>
+      </dgm:t>
     </dgm:pt>
   </dgm:ptLst>
   <dgm:cxnLst>
+    <dgm:cxn modelId="{0F79B07F-03A8-4D41-9A45-0B31C96C76E8}" srcId="{FB80DE3C-0BE4-4E6B-925E-5C86A33C6C1E}" destId="{D6DB26E8-921E-43C7-8D9E-24126512D906}" srcOrd="1" destOrd="0" parTransId="{55C30D86-2481-436D-8517-55F5635A71E0}" sibTransId="{1AA1E440-8797-48DC-A322-79F3F748F538}"/>
+    <dgm:cxn modelId="{7851BAF7-92B4-4AE2-9766-55B7FC192475}" type="presOf" srcId="{FB80DE3C-0BE4-4E6B-925E-5C86A33C6C1E}" destId="{33A2C04A-E702-41F4-95D7-5E2C67AA754F}" srcOrd="0" destOrd="0" presId="urn:microsoft.com/office/officeart/2018/2/layout/IconVerticalSolidList"/>
     <dgm:cxn modelId="{E086D641-D060-40EE-9600-8A2AF2C56599}" srcId="{FB80DE3C-0BE4-4E6B-925E-5C86A33C6C1E}" destId="{68D50E1A-8F6D-4AE7-9C14-F82252F55029}" srcOrd="2" destOrd="0" parTransId="{8B9B3272-5AA8-412D-AB6B-8B9D9E9CBC58}" sibTransId="{2C5A1888-2F0C-444B-9B5D-9A7C5B33BD8F}"/>
+    <dgm:cxn modelId="{DD29E76B-4C27-4BD4-9885-93AF2E27B0E4}" type="presOf" srcId="{D6DB26E8-921E-43C7-8D9E-24126512D906}" destId="{7C05F4F3-31CE-4911-B7AE-976768BB9B90}" srcOrd="0" destOrd="0" presId="urn:microsoft.com/office/officeart/2018/2/layout/IconVerticalSolidList"/>
+    <dgm:cxn modelId="{6B58E6AD-B39B-4460-922F-42ED41A0EE81}" srcId="{FB80DE3C-0BE4-4E6B-925E-5C86A33C6C1E}" destId="{8B54C858-7579-4F01-A24A-B88ED79F260B}" srcOrd="0" destOrd="0" parTransId="{D138655A-2F8F-4978-B597-DAE6A7D9880B}" sibTransId="{C0F2E635-A661-4649-A07C-B5AB1128FD5D}"/>
+    <dgm:cxn modelId="{38F729AC-2767-4435-A289-0453F76EEEBE}" type="presOf" srcId="{8B54C858-7579-4F01-A24A-B88ED79F260B}" destId="{C8C21B97-FFB3-45DA-A376-442D4016502F}" srcOrd="0" destOrd="0" presId="urn:microsoft.com/office/officeart/2018/2/layout/IconVerticalSolidList"/>
     <dgm:cxn modelId="{16113146-FF69-4041-9F8C-418CDCC9AED9}" type="presOf" srcId="{68D50E1A-8F6D-4AE7-9C14-F82252F55029}" destId="{6B736EA0-C837-41C2-81C9-EBF304EFFE5F}" srcOrd="0" destOrd="0" presId="urn:microsoft.com/office/officeart/2018/2/layout/IconVerticalSolidList"/>
-    <dgm:cxn modelId="{DD29E76B-4C27-4BD4-9885-93AF2E27B0E4}" type="presOf" srcId="{D6DB26E8-921E-43C7-8D9E-24126512D906}" destId="{7C05F4F3-31CE-4911-B7AE-976768BB9B90}" srcOrd="0" destOrd="0" presId="urn:microsoft.com/office/officeart/2018/2/layout/IconVerticalSolidList"/>
-    <dgm:cxn modelId="{0F79B07F-03A8-4D41-9A45-0B31C96C76E8}" srcId="{FB80DE3C-0BE4-4E6B-925E-5C86A33C6C1E}" destId="{D6DB26E8-921E-43C7-8D9E-24126512D906}" srcOrd="1" destOrd="0" parTransId="{55C30D86-2481-436D-8517-55F5635A71E0}" sibTransId="{1AA1E440-8797-48DC-A322-79F3F748F538}"/>
-    <dgm:cxn modelId="{38F729AC-2767-4435-A289-0453F76EEEBE}" type="presOf" srcId="{8B54C858-7579-4F01-A24A-B88ED79F260B}" destId="{C8C21B97-FFB3-45DA-A376-442D4016502F}" srcOrd="0" destOrd="0" presId="urn:microsoft.com/office/officeart/2018/2/layout/IconVerticalSolidList"/>
-    <dgm:cxn modelId="{6B58E6AD-B39B-4460-922F-42ED41A0EE81}" srcId="{FB80DE3C-0BE4-4E6B-925E-5C86A33C6C1E}" destId="{8B54C858-7579-4F01-A24A-B88ED79F260B}" srcOrd="0" destOrd="0" parTransId="{D138655A-2F8F-4978-B597-DAE6A7D9880B}" sibTransId="{C0F2E635-A661-4649-A07C-B5AB1128FD5D}"/>
-    <dgm:cxn modelId="{7851BAF7-92B4-4AE2-9766-55B7FC192475}" type="presOf" srcId="{FB80DE3C-0BE4-4E6B-925E-5C86A33C6C1E}" destId="{33A2C04A-E702-41F4-95D7-5E2C67AA754F}" srcOrd="0" destOrd="0" presId="urn:microsoft.com/office/officeart/2018/2/layout/IconVerticalSolidList"/>
     <dgm:cxn modelId="{56548D60-C129-4C65-8C8C-57DDAF308F01}" type="presParOf" srcId="{33A2C04A-E702-41F4-95D7-5E2C67AA754F}" destId="{0BE4E80D-F6B0-44EA-BDEF-CFA5DD199465}" srcOrd="0" destOrd="0" presId="urn:microsoft.com/office/officeart/2018/2/layout/IconVerticalSolidList"/>
     <dgm:cxn modelId="{81C8484D-95E0-4C50-A18E-10A0F001A27F}" type="presParOf" srcId="{0BE4E80D-F6B0-44EA-BDEF-CFA5DD199465}" destId="{E56955FA-00A8-4C5E-96E5-3DDDC75CB821}" srcOrd="0" destOrd="0" presId="urn:microsoft.com/office/officeart/2018/2/layout/IconVerticalSolidList"/>
     <dgm:cxn modelId="{40CB8B1C-A257-4671-9259-0E1B900E9FC1}" type="presParOf" srcId="{0BE4E80D-F6B0-44EA-BDEF-CFA5DD199465}" destId="{2ECA9146-CA41-4CBA-89F2-587CF1748C69}" srcOrd="1" destOrd="0" presId="urn:microsoft.com/office/officeart/2018/2/layout/IconVerticalSolidList"/>
@@ -3441,7 +3152,7 @@
 </dgm:dataModel>
 </file>
 
-<file path=ppt/diagrams/data3.xml><?xml version="1.0" encoding="utf-8"?>
+<file path=ppt/diagrams/data2.xml><?xml version="1.0" encoding="utf-8"?>
 <dgm:dataModel xmlns:dgm="http://schemas.openxmlformats.org/drawingml/2006/diagram" xmlns:a="http://schemas.openxmlformats.org/drawingml/2006/main">
   <dgm:ptLst>
     <dgm:pt modelId="{1B37C8DF-74B0-4C78-AD46-3E36AFCA218E}" type="doc">
@@ -3559,6 +3270,13 @@
         </dgm:presLayoutVars>
       </dgm:prSet>
       <dgm:spPr/>
+      <dgm:t>
+        <a:bodyPr/>
+        <a:lstStyle/>
+        <a:p>
+          <a:endParaRPr lang="en-US"/>
+        </a:p>
+      </dgm:t>
     </dgm:pt>
     <dgm:pt modelId="{9ECF1E4B-5234-4D0B-B455-93FFB6D9A820}" type="pres">
       <dgm:prSet presAssocID="{8FE6C44C-4BA6-4B9B-8CEA-DB9939BCA297}" presName="compNode" presStyleCnt="0"/>
@@ -3578,7 +3296,7 @@
                 <a14:useLocalDpi xmlns:a14="http://schemas.microsoft.com/office/drawing/2010/main" val="0"/>
               </a:ext>
               <a:ext uri="{96DAC541-7B7A-43D3-8B79-37D633B846F1}">
-                <asvg:svgBlip xmlns:asvg="http://schemas.microsoft.com/office/drawing/2016/SVG/main" r:embed="rId2"/>
+                <asvg:svgBlip xmlns:asvg="http://schemas.microsoft.com/office/drawing/2016/SVG/main" xmlns="" r:embed="rId2"/>
               </a:ext>
             </a:extLst>
           </a:blip>
@@ -3590,6 +3308,13 @@
           <a:noFill/>
         </a:ln>
       </dgm:spPr>
+      <dgm:t>
+        <a:bodyPr/>
+        <a:lstStyle/>
+        <a:p>
+          <a:endParaRPr lang="en-US"/>
+        </a:p>
+      </dgm:t>
       <dgm:extLst>
         <a:ext uri="{E40237B7-FDA0-4F09-8148-C483321AD2D9}">
           <dgm14:cNvPr xmlns:dgm14="http://schemas.microsoft.com/office/drawing/2010/diagram" id="0" name="" descr="Computer"/>
@@ -3608,6 +3333,13 @@
         </dgm:presLayoutVars>
       </dgm:prSet>
       <dgm:spPr/>
+      <dgm:t>
+        <a:bodyPr/>
+        <a:lstStyle/>
+        <a:p>
+          <a:endParaRPr lang="en-US"/>
+        </a:p>
+      </dgm:t>
     </dgm:pt>
     <dgm:pt modelId="{B152DDD9-8B69-4C3F-8C74-DB1E9C69CDD7}" type="pres">
       <dgm:prSet presAssocID="{362F717D-77B2-42C0-98D8-2DDA8D81CECE}" presName="sibTrans" presStyleCnt="0"/>
@@ -3625,13 +3357,13 @@
       <dgm:prSet presAssocID="{0A05D464-CB56-43D8-A3CB-9E75D9992097}" presName="iconRect" presStyleLbl="node1" presStyleIdx="1" presStyleCnt="2"/>
       <dgm:spPr>
         <a:blipFill>
-          <a:blip xmlns:r="http://schemas.openxmlformats.org/officeDocument/2006/relationships" r:embed="rId3">
+          <a:blip xmlns:r="http://schemas.openxmlformats.org/officeDocument/2006/relationships" r:embed="rId3" cstate="hqprint">
             <a:extLst>
               <a:ext uri="{28A0092B-C50C-407E-A947-70E740481C1C}">
                 <a14:useLocalDpi xmlns:a14="http://schemas.microsoft.com/office/drawing/2010/main" val="0"/>
               </a:ext>
               <a:ext uri="{96DAC541-7B7A-43D3-8B79-37D633B846F1}">
-                <asvg:svgBlip xmlns:asvg="http://schemas.microsoft.com/office/drawing/2016/SVG/main" r:embed="rId4"/>
+                <asvg:svgBlip xmlns:asvg="http://schemas.microsoft.com/office/drawing/2016/SVG/main" xmlns="" r:embed="rId4"/>
               </a:ext>
             </a:extLst>
           </a:blip>
@@ -3643,6 +3375,13 @@
           <a:noFill/>
         </a:ln>
       </dgm:spPr>
+      <dgm:t>
+        <a:bodyPr/>
+        <a:lstStyle/>
+        <a:p>
+          <a:endParaRPr lang="en-US"/>
+        </a:p>
+      </dgm:t>
       <dgm:extLst>
         <a:ext uri="{E40237B7-FDA0-4F09-8148-C483321AD2D9}">
           <dgm14:cNvPr xmlns:dgm14="http://schemas.microsoft.com/office/drawing/2010/diagram" id="0" name="" descr="Calculator"/>
@@ -3661,14 +3400,21 @@
         </dgm:presLayoutVars>
       </dgm:prSet>
       <dgm:spPr/>
+      <dgm:t>
+        <a:bodyPr/>
+        <a:lstStyle/>
+        <a:p>
+          <a:endParaRPr lang="en-US"/>
+        </a:p>
+      </dgm:t>
     </dgm:pt>
   </dgm:ptLst>
   <dgm:cxnLst>
     <dgm:cxn modelId="{1218642C-D22E-454A-9207-DDF706A69699}" type="presOf" srcId="{8FE6C44C-4BA6-4B9B-8CEA-DB9939BCA297}" destId="{45F2687A-10EB-4022-9591-1BAC23BE007E}" srcOrd="0" destOrd="0" presId="urn:microsoft.com/office/officeart/2018/5/layout/IconCircleLabelList"/>
     <dgm:cxn modelId="{E520CC44-5E25-4EE9-BDF1-BBE506A42B18}" srcId="{1B37C8DF-74B0-4C78-AD46-3E36AFCA218E}" destId="{8FE6C44C-4BA6-4B9B-8CEA-DB9939BCA297}" srcOrd="0" destOrd="0" parTransId="{81FF6ED0-E990-42BA-8129-D0E58555D163}" sibTransId="{362F717D-77B2-42C0-98D8-2DDA8D81CECE}"/>
+    <dgm:cxn modelId="{BAF07EFA-BBEB-4580-A5BA-6B432863CE74}" srcId="{1B37C8DF-74B0-4C78-AD46-3E36AFCA218E}" destId="{0A05D464-CB56-43D8-A3CB-9E75D9992097}" srcOrd="1" destOrd="0" parTransId="{A40AAC1A-FFBA-4BB3-9BB7-FBC5AB437717}" sibTransId="{4EBC3F62-BCBF-430A-AC7E-EAF25C815881}"/>
+    <dgm:cxn modelId="{22D971B1-004B-4DB8-B27C-19F8DC65B851}" type="presOf" srcId="{0A05D464-CB56-43D8-A3CB-9E75D9992097}" destId="{57998005-CA7C-4C20-9F42-775CF0951D01}" srcOrd="0" destOrd="0" presId="urn:microsoft.com/office/officeart/2018/5/layout/IconCircleLabelList"/>
     <dgm:cxn modelId="{15F2BBA6-7FDD-4325-AC32-69A912AF8AB8}" type="presOf" srcId="{1B37C8DF-74B0-4C78-AD46-3E36AFCA218E}" destId="{8C228348-1344-44A4-9991-A316EA5F65AD}" srcOrd="0" destOrd="0" presId="urn:microsoft.com/office/officeart/2018/5/layout/IconCircleLabelList"/>
-    <dgm:cxn modelId="{22D971B1-004B-4DB8-B27C-19F8DC65B851}" type="presOf" srcId="{0A05D464-CB56-43D8-A3CB-9E75D9992097}" destId="{57998005-CA7C-4C20-9F42-775CF0951D01}" srcOrd="0" destOrd="0" presId="urn:microsoft.com/office/officeart/2018/5/layout/IconCircleLabelList"/>
-    <dgm:cxn modelId="{BAF07EFA-BBEB-4580-A5BA-6B432863CE74}" srcId="{1B37C8DF-74B0-4C78-AD46-3E36AFCA218E}" destId="{0A05D464-CB56-43D8-A3CB-9E75D9992097}" srcOrd="1" destOrd="0" parTransId="{A40AAC1A-FFBA-4BB3-9BB7-FBC5AB437717}" sibTransId="{4EBC3F62-BCBF-430A-AC7E-EAF25C815881}"/>
     <dgm:cxn modelId="{146A8A09-B5B3-4F2E-B911-FA27FFFE75CA}" type="presParOf" srcId="{8C228348-1344-44A4-9991-A316EA5F65AD}" destId="{9ECF1E4B-5234-4D0B-B455-93FFB6D9A820}" srcOrd="0" destOrd="0" presId="urn:microsoft.com/office/officeart/2018/5/layout/IconCircleLabelList"/>
     <dgm:cxn modelId="{39E630A0-9053-4A50-8CC0-B0E466026795}" type="presParOf" srcId="{9ECF1E4B-5234-4D0B-B455-93FFB6D9A820}" destId="{DA917198-7223-4DC2-9751-E21FBB4E1C44}" srcOrd="0" destOrd="0" presId="urn:microsoft.com/office/officeart/2018/5/layout/IconCircleLabelList"/>
     <dgm:cxn modelId="{29F8A2D5-306D-4306-9BF7-F8294352DAA1}" type="presParOf" srcId="{9ECF1E4B-5234-4D0B-B455-93FFB6D9A820}" destId="{F453175D-B889-422C-99BC-6AA3EB68C2B5}" srcOrd="1" destOrd="0" presId="urn:microsoft.com/office/officeart/2018/5/layout/IconCircleLabelList"/>
@@ -3691,68 +3437,170 @@
 </dgm:dataModel>
 </file>
 
-<file path=ppt/diagrams/drawing1.xml><?xml version="1.0" encoding="utf-8"?>
-<dsp:drawing xmlns:dgm="http://schemas.openxmlformats.org/drawingml/2006/diagram" xmlns:dsp="http://schemas.microsoft.com/office/drawing/2008/diagram" xmlns:a="http://schemas.openxmlformats.org/drawingml/2006/main">
-  <dsp:spTree>
-    <dsp:nvGrpSpPr>
-      <dsp:cNvPr id="0" name=""/>
-      <dsp:cNvGrpSpPr/>
-    </dsp:nvGrpSpPr>
-    <dsp:grpSpPr/>
-    <dsp:sp modelId="{79BE015E-0886-49C1-A32F-288EDCBC768C}">
-      <dsp:nvSpPr>
-        <dsp:cNvPr id="0" name=""/>
-        <dsp:cNvSpPr/>
-      </dsp:nvSpPr>
-      <dsp:spPr>
-        <a:xfrm>
-          <a:off x="0" y="680"/>
-          <a:ext cx="6261100" cy="1593460"/>
-        </a:xfrm>
-        <a:prstGeom prst="roundRect">
-          <a:avLst>
-            <a:gd name="adj" fmla="val 10000"/>
-          </a:avLst>
-        </a:prstGeom>
-        <a:solidFill>
-          <a:schemeClr val="accent2">
-            <a:hueOff val="0"/>
-            <a:satOff val="0"/>
-            <a:lumOff val="0"/>
-            <a:alphaOff val="0"/>
-          </a:schemeClr>
-        </a:solidFill>
-        <a:ln>
-          <a:noFill/>
-        </a:ln>
-        <a:effectLst/>
-      </dsp:spPr>
-      <dsp:style>
-        <a:lnRef idx="0">
-          <a:scrgbClr r="0" g="0" b="0"/>
-        </a:lnRef>
-        <a:fillRef idx="1">
-          <a:scrgbClr r="0" g="0" b="0"/>
-        </a:fillRef>
-        <a:effectRef idx="0">
-          <a:scrgbClr r="0" g="0" b="0"/>
-        </a:effectRef>
-        <a:fontRef idx="minor"/>
-      </dsp:style>
-    </dsp:sp>
-    <dsp:sp modelId="{EC1F5AB1-4682-497B-A9A0-A38082A08366}">
-      <dsp:nvSpPr>
-        <dsp:cNvPr id="0" name=""/>
-        <dsp:cNvSpPr/>
-      </dsp:nvSpPr>
-      <dsp:spPr>
-        <a:xfrm>
-          <a:off x="482021" y="359209"/>
-          <a:ext cx="876403" cy="876403"/>
-        </a:xfrm>
-        <a:prstGeom prst="rect">
-          <a:avLst/>
-        </a:prstGeom>
+<file path=ppt/diagrams/data3.xml><?xml version="1.0" encoding="utf-8"?>
+<dgm:dataModel xmlns:dgm="http://schemas.openxmlformats.org/drawingml/2006/diagram" xmlns:a="http://schemas.openxmlformats.org/drawingml/2006/main">
+  <dgm:ptLst>
+    <dgm:pt modelId="{BC9983E8-37C3-4D5B-938C-41099B389EA8}" type="doc">
+      <dgm:prSet loTypeId="urn:microsoft.com/office/officeart/2018/2/layout/IconVerticalSolidList" loCatId="icon" qsTypeId="urn:microsoft.com/office/officeart/2005/8/quickstyle/simple1" qsCatId="simple" csTypeId="urn:microsoft.com/office/officeart/2018/5/colors/Iconchunking_neutralicontext_colorful1" csCatId="colorful" phldr="1"/>
+      <dgm:spPr/>
+      <dgm:t>
+        <a:bodyPr/>
+        <a:lstStyle/>
+        <a:p>
+          <a:endParaRPr lang="en-US"/>
+        </a:p>
+      </dgm:t>
+    </dgm:pt>
+    <dgm:pt modelId="{1A5BEBB7-B935-415D-9BBF-814F54501A9B}">
+      <dgm:prSet/>
+      <dgm:spPr/>
+      <dgm:t>
+        <a:bodyPr/>
+        <a:lstStyle/>
+        <a:p>
+          <a:r>
+            <a:rPr lang="pl-PL"/>
+            <a:t>Heurystyka podejmowania decyzji w pewnych zadaniach sztucznej inteligencji, używana zwłaszcza do wyboru ruchów w grach</a:t>
+          </a:r>
+          <a:endParaRPr lang="en-US"/>
+        </a:p>
+      </dgm:t>
+    </dgm:pt>
+    <dgm:pt modelId="{7E25C743-4C55-4DB8-A8BF-DD5A7517B1BF}" type="parTrans" cxnId="{DF4B9857-72EE-4504-95F0-4657D01F4311}">
+      <dgm:prSet/>
+      <dgm:spPr/>
+      <dgm:t>
+        <a:bodyPr/>
+        <a:lstStyle/>
+        <a:p>
+          <a:endParaRPr lang="en-US"/>
+        </a:p>
+      </dgm:t>
+    </dgm:pt>
+    <dgm:pt modelId="{FF5C40AC-C066-4598-8CE9-724BE0371367}" type="sibTrans" cxnId="{DF4B9857-72EE-4504-95F0-4657D01F4311}">
+      <dgm:prSet/>
+      <dgm:spPr/>
+      <dgm:t>
+        <a:bodyPr/>
+        <a:lstStyle/>
+        <a:p>
+          <a:endParaRPr lang="en-US"/>
+        </a:p>
+      </dgm:t>
+    </dgm:pt>
+    <dgm:pt modelId="{B4923790-3F98-428A-89C9-B4A23F4016FC}">
+      <dgm:prSet/>
+      <dgm:spPr/>
+      <dgm:t>
+        <a:bodyPr/>
+        <a:lstStyle/>
+        <a:p>
+          <a:r>
+            <a:rPr lang="pl-PL"/>
+            <a:t>Analiza najbardziej obiecujących ruchów</a:t>
+          </a:r>
+          <a:endParaRPr lang="en-US"/>
+        </a:p>
+      </dgm:t>
+    </dgm:pt>
+    <dgm:pt modelId="{C206B6A1-9292-427A-BD54-EA5260243998}" type="parTrans" cxnId="{0DC91BE4-42F4-4BDF-AF40-120681DAC38F}">
+      <dgm:prSet/>
+      <dgm:spPr/>
+      <dgm:t>
+        <a:bodyPr/>
+        <a:lstStyle/>
+        <a:p>
+          <a:endParaRPr lang="en-US"/>
+        </a:p>
+      </dgm:t>
+    </dgm:pt>
+    <dgm:pt modelId="{F1EA715B-AB64-4EDC-BC7C-1F6853831C30}" type="sibTrans" cxnId="{0DC91BE4-42F4-4BDF-AF40-120681DAC38F}">
+      <dgm:prSet/>
+      <dgm:spPr/>
+      <dgm:t>
+        <a:bodyPr/>
+        <a:lstStyle/>
+        <a:p>
+          <a:endParaRPr lang="en-US"/>
+        </a:p>
+      </dgm:t>
+    </dgm:pt>
+    <dgm:pt modelId="{EE7C3DF6-8286-4204-8A9F-E318764E4FAF}">
+      <dgm:prSet/>
+      <dgm:spPr/>
+      <dgm:t>
+        <a:bodyPr/>
+        <a:lstStyle/>
+        <a:p>
+          <a:r>
+            <a:rPr lang="pl-PL"/>
+            <a:t>Rozrost drzewa wariantów oparty na </a:t>
+          </a:r>
+          <a:r>
+            <a:rPr lang="pl-PL" b="1" u="sng"/>
+            <a:t>losowym</a:t>
+          </a:r>
+          <a:r>
+            <a:rPr lang="pl-PL" b="1"/>
+            <a:t> </a:t>
+          </a:r>
+          <a:r>
+            <a:rPr lang="pl-PL"/>
+            <a:t>próbkowaniu przestrzeni przeszukiwań</a:t>
+          </a:r>
+          <a:endParaRPr lang="en-US"/>
+        </a:p>
+      </dgm:t>
+    </dgm:pt>
+    <dgm:pt modelId="{8EC46AB4-8231-46ED-BA33-16A8BC16FD79}" type="parTrans" cxnId="{4684D9F4-231F-40A4-A72B-C7CE6C35337D}">
+      <dgm:prSet/>
+      <dgm:spPr/>
+      <dgm:t>
+        <a:bodyPr/>
+        <a:lstStyle/>
+        <a:p>
+          <a:endParaRPr lang="en-US"/>
+        </a:p>
+      </dgm:t>
+    </dgm:pt>
+    <dgm:pt modelId="{BBC55D47-B613-4E8E-9707-85660A901CF5}" type="sibTrans" cxnId="{4684D9F4-231F-40A4-A72B-C7CE6C35337D}">
+      <dgm:prSet/>
+      <dgm:spPr/>
+      <dgm:t>
+        <a:bodyPr/>
+        <a:lstStyle/>
+        <a:p>
+          <a:endParaRPr lang="en-US"/>
+        </a:p>
+      </dgm:t>
+    </dgm:pt>
+    <dgm:pt modelId="{F01F28B3-CDA1-4986-8BB3-97B77C90D691}" type="pres">
+      <dgm:prSet presAssocID="{BC9983E8-37C3-4D5B-938C-41099B389EA8}" presName="root" presStyleCnt="0">
+        <dgm:presLayoutVars>
+          <dgm:dir/>
+          <dgm:resizeHandles val="exact"/>
+        </dgm:presLayoutVars>
+      </dgm:prSet>
+      <dgm:spPr/>
+      <dgm:t>
+        <a:bodyPr/>
+        <a:lstStyle/>
+        <a:p>
+          <a:endParaRPr lang="en-US"/>
+        </a:p>
+      </dgm:t>
+    </dgm:pt>
+    <dgm:pt modelId="{1203B0D8-6E73-4F3F-8909-F7DD7DED4854}" type="pres">
+      <dgm:prSet presAssocID="{1A5BEBB7-B935-415D-9BBF-814F54501A9B}" presName="compNode" presStyleCnt="0"/>
+      <dgm:spPr/>
+    </dgm:pt>
+    <dgm:pt modelId="{79BE015E-0886-49C1-A32F-288EDCBC768C}" type="pres">
+      <dgm:prSet presAssocID="{1A5BEBB7-B935-415D-9BBF-814F54501A9B}" presName="bgRect" presStyleLbl="bgShp" presStyleIdx="0" presStyleCnt="3"/>
+      <dgm:spPr/>
+    </dgm:pt>
+    <dgm:pt modelId="{EC1F5AB1-4682-497B-A9A0-A38082A08366}" type="pres">
+      <dgm:prSet presAssocID="{1A5BEBB7-B935-415D-9BBF-814F54501A9B}" presName="iconRect" presStyleLbl="node1" presStyleIdx="0" presStyleCnt="3"/>
+      <dgm:spPr>
         <a:blipFill>
           <a:blip xmlns:r="http://schemas.openxmlformats.org/officeDocument/2006/relationships" r:embed="rId1">
             <a:extLst>
@@ -3760,7 +3608,7 @@
                 <a14:useLocalDpi xmlns:a14="http://schemas.microsoft.com/office/drawing/2010/main" val="0"/>
               </a:ext>
               <a:ext uri="{96DAC541-7B7A-43D3-8B79-37D633B846F1}">
-                <asvg:svgBlip xmlns:asvg="http://schemas.microsoft.com/office/drawing/2016/SVG/main" r:embed="rId2"/>
+                <asvg:svgBlip xmlns:asvg="http://schemas.microsoft.com/office/drawing/2016/SVG/main" xmlns="" r:embed="rId2"/>
               </a:ext>
             </a:extLst>
           </a:blip>
@@ -3768,142 +3616,58 @@
             <a:fillRect/>
           </a:stretch>
         </a:blipFill>
-        <a:ln w="12700" cap="flat" cmpd="sng" algn="ctr">
-          <a:noFill/>
-          <a:prstDash val="solid"/>
-        </a:ln>
-        <a:effectLst/>
-      </dsp:spPr>
-      <dsp:style>
-        <a:lnRef idx="2">
-          <a:scrgbClr r="0" g="0" b="0"/>
-        </a:lnRef>
-        <a:fillRef idx="1">
-          <a:scrgbClr r="0" g="0" b="0"/>
-        </a:fillRef>
-        <a:effectRef idx="0">
-          <a:scrgbClr r="0" g="0" b="0"/>
-        </a:effectRef>
-        <a:fontRef idx="minor">
-          <a:schemeClr val="lt1"/>
-        </a:fontRef>
-      </dsp:style>
-    </dsp:sp>
-    <dsp:sp modelId="{9C76D22B-DE91-49CF-8873-C76B9F1D4977}">
-      <dsp:nvSpPr>
-        <dsp:cNvPr id="0" name=""/>
-        <dsp:cNvSpPr/>
-      </dsp:nvSpPr>
-      <dsp:spPr>
-        <a:xfrm>
-          <a:off x="1840447" y="680"/>
-          <a:ext cx="4420652" cy="1593460"/>
-        </a:xfrm>
-        <a:prstGeom prst="rect">
-          <a:avLst/>
-        </a:prstGeom>
-        <a:noFill/>
         <a:ln>
           <a:noFill/>
         </a:ln>
-        <a:effectLst/>
-      </dsp:spPr>
-      <dsp:style>
-        <a:lnRef idx="0">
-          <a:scrgbClr r="0" g="0" b="0"/>
-        </a:lnRef>
-        <a:fillRef idx="0">
-          <a:scrgbClr r="0" g="0" b="0"/>
-        </a:fillRef>
-        <a:effectRef idx="0">
-          <a:scrgbClr r="0" g="0" b="0"/>
-        </a:effectRef>
-        <a:fontRef idx="minor"/>
-      </dsp:style>
-      <dsp:txBody>
-        <a:bodyPr spcFirstLastPara="0" vert="horz" wrap="square" lIns="168641" tIns="168641" rIns="168641" bIns="168641" numCol="1" spcCol="1270" anchor="ctr" anchorCtr="0">
-          <a:noAutofit/>
-        </a:bodyPr>
+      </dgm:spPr>
+      <dgm:t>
+        <a:bodyPr/>
         <a:lstStyle/>
         <a:p>
-          <a:pPr marL="0" lvl="0" indent="0" algn="l" defTabSz="889000">
-            <a:lnSpc>
-              <a:spcPct val="90000"/>
-            </a:lnSpc>
-            <a:spcBef>
-              <a:spcPct val="0"/>
-            </a:spcBef>
-            <a:spcAft>
-              <a:spcPct val="35000"/>
-            </a:spcAft>
-            <a:buNone/>
-          </a:pPr>
-          <a:r>
-            <a:rPr lang="pl-PL" sz="2000" kern="1200"/>
-            <a:t>Heurystyka podejmowania decyzji w pewnych zadaniach sztucznej inteligencji, używana zwłaszcza do wyboru ruchów w grach</a:t>
-          </a:r>
-          <a:endParaRPr lang="en-US" sz="2000" kern="1200"/>
+          <a:endParaRPr lang="en-US"/>
         </a:p>
-      </dsp:txBody>
-      <dsp:txXfrm>
-        <a:off x="1840447" y="680"/>
-        <a:ext cx="4420652" cy="1593460"/>
-      </dsp:txXfrm>
-    </dsp:sp>
-    <dsp:sp modelId="{E1388BBD-C8D6-4ECA-B862-15AA5E4A4472}">
-      <dsp:nvSpPr>
-        <dsp:cNvPr id="0" name=""/>
-        <dsp:cNvSpPr/>
-      </dsp:nvSpPr>
-      <dsp:spPr>
-        <a:xfrm>
-          <a:off x="0" y="1992507"/>
-          <a:ext cx="6261100" cy="1593460"/>
-        </a:xfrm>
-        <a:prstGeom prst="roundRect">
-          <a:avLst>
-            <a:gd name="adj" fmla="val 10000"/>
-          </a:avLst>
-        </a:prstGeom>
-        <a:solidFill>
-          <a:schemeClr val="accent3">
-            <a:hueOff val="0"/>
-            <a:satOff val="0"/>
-            <a:lumOff val="0"/>
-            <a:alphaOff val="0"/>
-          </a:schemeClr>
-        </a:solidFill>
-        <a:ln>
-          <a:noFill/>
-        </a:ln>
-        <a:effectLst/>
-      </dsp:spPr>
-      <dsp:style>
-        <a:lnRef idx="0">
-          <a:scrgbClr r="0" g="0" b="0"/>
-        </a:lnRef>
-        <a:fillRef idx="1">
-          <a:scrgbClr r="0" g="0" b="0"/>
-        </a:fillRef>
-        <a:effectRef idx="0">
-          <a:scrgbClr r="0" g="0" b="0"/>
-        </a:effectRef>
-        <a:fontRef idx="minor"/>
-      </dsp:style>
-    </dsp:sp>
-    <dsp:sp modelId="{7E31C25C-7C4D-4D9D-9662-B2D4692251EC}">
-      <dsp:nvSpPr>
-        <dsp:cNvPr id="0" name=""/>
-        <dsp:cNvSpPr/>
-      </dsp:nvSpPr>
-      <dsp:spPr>
-        <a:xfrm>
-          <a:off x="482021" y="2351035"/>
-          <a:ext cx="876403" cy="876403"/>
-        </a:xfrm>
-        <a:prstGeom prst="rect">
-          <a:avLst/>
-        </a:prstGeom>
+      </dgm:t>
+      <dgm:extLst>
+        <a:ext uri="{E40237B7-FDA0-4F09-8148-C483321AD2D9}">
+          <dgm14:cNvPr xmlns:dgm14="http://schemas.microsoft.com/office/drawing/2010/diagram" id="0" name="" descr="Skeleton"/>
+        </a:ext>
+      </dgm:extLst>
+    </dgm:pt>
+    <dgm:pt modelId="{37A56F75-B9C6-4107-A75B-5A76621DF020}" type="pres">
+      <dgm:prSet presAssocID="{1A5BEBB7-B935-415D-9BBF-814F54501A9B}" presName="spaceRect" presStyleCnt="0"/>
+      <dgm:spPr/>
+    </dgm:pt>
+    <dgm:pt modelId="{9C76D22B-DE91-49CF-8873-C76B9F1D4977}" type="pres">
+      <dgm:prSet presAssocID="{1A5BEBB7-B935-415D-9BBF-814F54501A9B}" presName="parTx" presStyleLbl="revTx" presStyleIdx="0" presStyleCnt="3">
+        <dgm:presLayoutVars>
+          <dgm:chMax val="0"/>
+          <dgm:chPref val="0"/>
+        </dgm:presLayoutVars>
+      </dgm:prSet>
+      <dgm:spPr/>
+      <dgm:t>
+        <a:bodyPr/>
+        <a:lstStyle/>
+        <a:p>
+          <a:endParaRPr lang="en-US"/>
+        </a:p>
+      </dgm:t>
+    </dgm:pt>
+    <dgm:pt modelId="{E4237A14-35F7-4DBE-8E85-068325E2E2C5}" type="pres">
+      <dgm:prSet presAssocID="{FF5C40AC-C066-4598-8CE9-724BE0371367}" presName="sibTrans" presStyleCnt="0"/>
+      <dgm:spPr/>
+    </dgm:pt>
+    <dgm:pt modelId="{728BF8DE-9418-461B-852C-6DBA676FA375}" type="pres">
+      <dgm:prSet presAssocID="{B4923790-3F98-428A-89C9-B4A23F4016FC}" presName="compNode" presStyleCnt="0"/>
+      <dgm:spPr/>
+    </dgm:pt>
+    <dgm:pt modelId="{E1388BBD-C8D6-4ECA-B862-15AA5E4A4472}" type="pres">
+      <dgm:prSet presAssocID="{B4923790-3F98-428A-89C9-B4A23F4016FC}" presName="bgRect" presStyleLbl="bgShp" presStyleIdx="1" presStyleCnt="3"/>
+      <dgm:spPr/>
+    </dgm:pt>
+    <dgm:pt modelId="{7E31C25C-7C4D-4D9D-9662-B2D4692251EC}" type="pres">
+      <dgm:prSet presAssocID="{B4923790-3F98-428A-89C9-B4A23F4016FC}" presName="iconRect" presStyleLbl="node1" presStyleIdx="1" presStyleCnt="3"/>
+      <dgm:spPr>
         <a:blipFill>
           <a:blip xmlns:r="http://schemas.openxmlformats.org/officeDocument/2006/relationships" r:embed="rId3">
             <a:extLst>
@@ -3911,7 +3675,7 @@
                 <a14:useLocalDpi xmlns:a14="http://schemas.microsoft.com/office/drawing/2010/main" val="0"/>
               </a:ext>
               <a:ext uri="{96DAC541-7B7A-43D3-8B79-37D633B846F1}">
-                <asvg:svgBlip xmlns:asvg="http://schemas.microsoft.com/office/drawing/2016/SVG/main" r:embed="rId4"/>
+                <asvg:svgBlip xmlns:asvg="http://schemas.microsoft.com/office/drawing/2016/SVG/main" xmlns="" r:embed="rId4"/>
               </a:ext>
             </a:extLst>
           </a:blip>
@@ -3919,142 +3683,58 @@
             <a:fillRect/>
           </a:stretch>
         </a:blipFill>
-        <a:ln w="12700" cap="flat" cmpd="sng" algn="ctr">
-          <a:noFill/>
-          <a:prstDash val="solid"/>
-        </a:ln>
-        <a:effectLst/>
-      </dsp:spPr>
-      <dsp:style>
-        <a:lnRef idx="2">
-          <a:scrgbClr r="0" g="0" b="0"/>
-        </a:lnRef>
-        <a:fillRef idx="1">
-          <a:scrgbClr r="0" g="0" b="0"/>
-        </a:fillRef>
-        <a:effectRef idx="0">
-          <a:scrgbClr r="0" g="0" b="0"/>
-        </a:effectRef>
-        <a:fontRef idx="minor">
-          <a:schemeClr val="lt1"/>
-        </a:fontRef>
-      </dsp:style>
-    </dsp:sp>
-    <dsp:sp modelId="{12B0EA34-AA24-4167-9BC9-D9FCFF9CDFF4}">
-      <dsp:nvSpPr>
-        <dsp:cNvPr id="0" name=""/>
-        <dsp:cNvSpPr/>
-      </dsp:nvSpPr>
-      <dsp:spPr>
-        <a:xfrm>
-          <a:off x="1840447" y="1992507"/>
-          <a:ext cx="4420652" cy="1593460"/>
-        </a:xfrm>
-        <a:prstGeom prst="rect">
-          <a:avLst/>
-        </a:prstGeom>
-        <a:noFill/>
         <a:ln>
           <a:noFill/>
         </a:ln>
-        <a:effectLst/>
-      </dsp:spPr>
-      <dsp:style>
-        <a:lnRef idx="0">
-          <a:scrgbClr r="0" g="0" b="0"/>
-        </a:lnRef>
-        <a:fillRef idx="0">
-          <a:scrgbClr r="0" g="0" b="0"/>
-        </a:fillRef>
-        <a:effectRef idx="0">
-          <a:scrgbClr r="0" g="0" b="0"/>
-        </a:effectRef>
-        <a:fontRef idx="minor"/>
-      </dsp:style>
-      <dsp:txBody>
-        <a:bodyPr spcFirstLastPara="0" vert="horz" wrap="square" lIns="168641" tIns="168641" rIns="168641" bIns="168641" numCol="1" spcCol="1270" anchor="ctr" anchorCtr="0">
-          <a:noAutofit/>
-        </a:bodyPr>
+      </dgm:spPr>
+      <dgm:t>
+        <a:bodyPr/>
         <a:lstStyle/>
         <a:p>
-          <a:pPr marL="0" lvl="0" indent="0" algn="l" defTabSz="889000">
-            <a:lnSpc>
-              <a:spcPct val="90000"/>
-            </a:lnSpc>
-            <a:spcBef>
-              <a:spcPct val="0"/>
-            </a:spcBef>
-            <a:spcAft>
-              <a:spcPct val="35000"/>
-            </a:spcAft>
-            <a:buNone/>
-          </a:pPr>
-          <a:r>
-            <a:rPr lang="pl-PL" sz="2000" kern="1200"/>
-            <a:t>Analiza najbardziej obiecujących ruchów</a:t>
-          </a:r>
-          <a:endParaRPr lang="en-US" sz="2000" kern="1200"/>
+          <a:endParaRPr lang="en-US"/>
         </a:p>
-      </dsp:txBody>
-      <dsp:txXfrm>
-        <a:off x="1840447" y="1992507"/>
-        <a:ext cx="4420652" cy="1593460"/>
-      </dsp:txXfrm>
-    </dsp:sp>
-    <dsp:sp modelId="{4213FB42-4711-439A-A0B5-4352E52CF314}">
-      <dsp:nvSpPr>
-        <dsp:cNvPr id="0" name=""/>
-        <dsp:cNvSpPr/>
-      </dsp:nvSpPr>
-      <dsp:spPr>
-        <a:xfrm>
-          <a:off x="0" y="3984333"/>
-          <a:ext cx="6261100" cy="1593460"/>
-        </a:xfrm>
-        <a:prstGeom prst="roundRect">
-          <a:avLst>
-            <a:gd name="adj" fmla="val 10000"/>
-          </a:avLst>
-        </a:prstGeom>
-        <a:solidFill>
-          <a:schemeClr val="accent4">
-            <a:hueOff val="0"/>
-            <a:satOff val="0"/>
-            <a:lumOff val="0"/>
-            <a:alphaOff val="0"/>
-          </a:schemeClr>
-        </a:solidFill>
-        <a:ln>
-          <a:noFill/>
-        </a:ln>
-        <a:effectLst/>
-      </dsp:spPr>
-      <dsp:style>
-        <a:lnRef idx="0">
-          <a:scrgbClr r="0" g="0" b="0"/>
-        </a:lnRef>
-        <a:fillRef idx="1">
-          <a:scrgbClr r="0" g="0" b="0"/>
-        </a:fillRef>
-        <a:effectRef idx="0">
-          <a:scrgbClr r="0" g="0" b="0"/>
-        </a:effectRef>
-        <a:fontRef idx="minor"/>
-      </dsp:style>
-    </dsp:sp>
-    <dsp:sp modelId="{F818E8A0-38F2-4E79-8019-B07E1EA237D1}">
-      <dsp:nvSpPr>
-        <dsp:cNvPr id="0" name=""/>
-        <dsp:cNvSpPr/>
-      </dsp:nvSpPr>
-      <dsp:spPr>
-        <a:xfrm>
-          <a:off x="482021" y="4342861"/>
-          <a:ext cx="876403" cy="876403"/>
-        </a:xfrm>
-        <a:prstGeom prst="rect">
-          <a:avLst/>
-        </a:prstGeom>
+      </dgm:t>
+      <dgm:extLst>
+        <a:ext uri="{E40237B7-FDA0-4F09-8148-C483321AD2D9}">
+          <dgm14:cNvPr xmlns:dgm14="http://schemas.microsoft.com/office/drawing/2010/diagram" id="0" name="" descr="Statistics"/>
+        </a:ext>
+      </dgm:extLst>
+    </dgm:pt>
+    <dgm:pt modelId="{215B57EE-EB96-4DB2-BC85-FAC07527824F}" type="pres">
+      <dgm:prSet presAssocID="{B4923790-3F98-428A-89C9-B4A23F4016FC}" presName="spaceRect" presStyleCnt="0"/>
+      <dgm:spPr/>
+    </dgm:pt>
+    <dgm:pt modelId="{12B0EA34-AA24-4167-9BC9-D9FCFF9CDFF4}" type="pres">
+      <dgm:prSet presAssocID="{B4923790-3F98-428A-89C9-B4A23F4016FC}" presName="parTx" presStyleLbl="revTx" presStyleIdx="1" presStyleCnt="3">
+        <dgm:presLayoutVars>
+          <dgm:chMax val="0"/>
+          <dgm:chPref val="0"/>
+        </dgm:presLayoutVars>
+      </dgm:prSet>
+      <dgm:spPr/>
+      <dgm:t>
+        <a:bodyPr/>
+        <a:lstStyle/>
+        <a:p>
+          <a:endParaRPr lang="en-US"/>
+        </a:p>
+      </dgm:t>
+    </dgm:pt>
+    <dgm:pt modelId="{120E6AF1-497D-4112-8CFC-48E700E9B365}" type="pres">
+      <dgm:prSet presAssocID="{F1EA715B-AB64-4EDC-BC7C-1F6853831C30}" presName="sibTrans" presStyleCnt="0"/>
+      <dgm:spPr/>
+    </dgm:pt>
+    <dgm:pt modelId="{8BE31FEC-8754-49C4-8A4D-D40AF097FD24}" type="pres">
+      <dgm:prSet presAssocID="{EE7C3DF6-8286-4204-8A9F-E318764E4FAF}" presName="compNode" presStyleCnt="0"/>
+      <dgm:spPr/>
+    </dgm:pt>
+    <dgm:pt modelId="{4213FB42-4711-439A-A0B5-4352E52CF314}" type="pres">
+      <dgm:prSet presAssocID="{EE7C3DF6-8286-4204-8A9F-E318764E4FAF}" presName="bgRect" presStyleLbl="bgShp" presStyleIdx="2" presStyleCnt="3"/>
+      <dgm:spPr/>
+    </dgm:pt>
+    <dgm:pt modelId="{F818E8A0-38F2-4E79-8019-B07E1EA237D1}" type="pres">
+      <dgm:prSet presAssocID="{EE7C3DF6-8286-4204-8A9F-E318764E4FAF}" presName="iconRect" presStyleLbl="node1" presStyleIdx="2" presStyleCnt="3"/>
+      <dgm:spPr>
         <a:blipFill>
           <a:blip xmlns:r="http://schemas.openxmlformats.org/officeDocument/2006/relationships" r:embed="rId5">
             <a:extLst>
@@ -4062,7 +3742,7 @@
                 <a14:useLocalDpi xmlns:a14="http://schemas.microsoft.com/office/drawing/2010/main" val="0"/>
               </a:ext>
               <a:ext uri="{96DAC541-7B7A-43D3-8B79-37D633B846F1}">
-                <asvg:svgBlip xmlns:asvg="http://schemas.microsoft.com/office/drawing/2016/SVG/main" r:embed="rId6"/>
+                <asvg:svgBlip xmlns:asvg="http://schemas.microsoft.com/office/drawing/2016/SVG/main" xmlns="" r:embed="rId6"/>
               </a:ext>
             </a:extLst>
           </a:blip>
@@ -4070,105 +3750,81 @@
             <a:fillRect/>
           </a:stretch>
         </a:blipFill>
-        <a:ln w="12700" cap="flat" cmpd="sng" algn="ctr">
-          <a:noFill/>
-          <a:prstDash val="solid"/>
-        </a:ln>
-        <a:effectLst/>
-      </dsp:spPr>
-      <dsp:style>
-        <a:lnRef idx="2">
-          <a:scrgbClr r="0" g="0" b="0"/>
-        </a:lnRef>
-        <a:fillRef idx="1">
-          <a:scrgbClr r="0" g="0" b="0"/>
-        </a:fillRef>
-        <a:effectRef idx="0">
-          <a:scrgbClr r="0" g="0" b="0"/>
-        </a:effectRef>
-        <a:fontRef idx="minor">
-          <a:schemeClr val="lt1"/>
-        </a:fontRef>
-      </dsp:style>
-    </dsp:sp>
-    <dsp:sp modelId="{56EAB0AB-ED42-423B-96E0-6561D0F2AD5D}">
-      <dsp:nvSpPr>
-        <dsp:cNvPr id="0" name=""/>
-        <dsp:cNvSpPr/>
-      </dsp:nvSpPr>
-      <dsp:spPr>
-        <a:xfrm>
-          <a:off x="1840447" y="3984333"/>
-          <a:ext cx="4420652" cy="1593460"/>
-        </a:xfrm>
-        <a:prstGeom prst="rect">
-          <a:avLst/>
-        </a:prstGeom>
-        <a:noFill/>
         <a:ln>
           <a:noFill/>
         </a:ln>
-        <a:effectLst/>
-      </dsp:spPr>
-      <dsp:style>
-        <a:lnRef idx="0">
-          <a:scrgbClr r="0" g="0" b="0"/>
-        </a:lnRef>
-        <a:fillRef idx="0">
-          <a:scrgbClr r="0" g="0" b="0"/>
-        </a:fillRef>
-        <a:effectRef idx="0">
-          <a:scrgbClr r="0" g="0" b="0"/>
-        </a:effectRef>
-        <a:fontRef idx="minor"/>
-      </dsp:style>
-      <dsp:txBody>
-        <a:bodyPr spcFirstLastPara="0" vert="horz" wrap="square" lIns="168641" tIns="168641" rIns="168641" bIns="168641" numCol="1" spcCol="1270" anchor="ctr" anchorCtr="0">
-          <a:noAutofit/>
-        </a:bodyPr>
+      </dgm:spPr>
+      <dgm:t>
+        <a:bodyPr/>
         <a:lstStyle/>
         <a:p>
-          <a:pPr marL="0" lvl="0" indent="0" algn="l" defTabSz="889000">
-            <a:lnSpc>
-              <a:spcPct val="90000"/>
-            </a:lnSpc>
-            <a:spcBef>
-              <a:spcPct val="0"/>
-            </a:spcBef>
-            <a:spcAft>
-              <a:spcPct val="35000"/>
-            </a:spcAft>
-            <a:buNone/>
-          </a:pPr>
-          <a:r>
-            <a:rPr lang="pl-PL" sz="2000" kern="1200"/>
-            <a:t>Rozrost drzewa wariantów oparty na </a:t>
-          </a:r>
-          <a:r>
-            <a:rPr lang="pl-PL" sz="2000" b="1" u="sng" kern="1200"/>
-            <a:t>losowym</a:t>
-          </a:r>
-          <a:r>
-            <a:rPr lang="pl-PL" sz="2000" b="1" kern="1200"/>
-            <a:t> </a:t>
-          </a:r>
-          <a:r>
-            <a:rPr lang="pl-PL" sz="2000" kern="1200"/>
-            <a:t>próbkowaniu przestrzeni przeszukiwań</a:t>
-          </a:r>
-          <a:endParaRPr lang="en-US" sz="2000" kern="1200"/>
+          <a:endParaRPr lang="en-US"/>
         </a:p>
-      </dsp:txBody>
-      <dsp:txXfrm>
-        <a:off x="1840447" y="3984333"/>
-        <a:ext cx="4420652" cy="1593460"/>
-      </dsp:txXfrm>
-    </dsp:sp>
-  </dsp:spTree>
-</dsp:drawing>
+      </dgm:t>
+      <dgm:extLst>
+        <a:ext uri="{E40237B7-FDA0-4F09-8148-C483321AD2D9}">
+          <dgm14:cNvPr xmlns:dgm14="http://schemas.microsoft.com/office/drawing/2010/diagram" id="0" name="" descr="Pine Decoration"/>
+        </a:ext>
+      </dgm:extLst>
+    </dgm:pt>
+    <dgm:pt modelId="{5CC89C3A-5589-4478-B663-022D03151D85}" type="pres">
+      <dgm:prSet presAssocID="{EE7C3DF6-8286-4204-8A9F-E318764E4FAF}" presName="spaceRect" presStyleCnt="0"/>
+      <dgm:spPr/>
+    </dgm:pt>
+    <dgm:pt modelId="{56EAB0AB-ED42-423B-96E0-6561D0F2AD5D}" type="pres">
+      <dgm:prSet presAssocID="{EE7C3DF6-8286-4204-8A9F-E318764E4FAF}" presName="parTx" presStyleLbl="revTx" presStyleIdx="2" presStyleCnt="3">
+        <dgm:presLayoutVars>
+          <dgm:chMax val="0"/>
+          <dgm:chPref val="0"/>
+        </dgm:presLayoutVars>
+      </dgm:prSet>
+      <dgm:spPr/>
+      <dgm:t>
+        <a:bodyPr/>
+        <a:lstStyle/>
+        <a:p>
+          <a:endParaRPr lang="en-US"/>
+        </a:p>
+      </dgm:t>
+    </dgm:pt>
+  </dgm:ptLst>
+  <dgm:cxnLst>
+    <dgm:cxn modelId="{0DC91BE4-42F4-4BDF-AF40-120681DAC38F}" srcId="{BC9983E8-37C3-4D5B-938C-41099B389EA8}" destId="{B4923790-3F98-428A-89C9-B4A23F4016FC}" srcOrd="1" destOrd="0" parTransId="{C206B6A1-9292-427A-BD54-EA5260243998}" sibTransId="{F1EA715B-AB64-4EDC-BC7C-1F6853831C30}"/>
+    <dgm:cxn modelId="{0F733C37-41AD-4AA2-A029-4AADA64BE1C1}" type="presOf" srcId="{B4923790-3F98-428A-89C9-B4A23F4016FC}" destId="{12B0EA34-AA24-4167-9BC9-D9FCFF9CDFF4}" srcOrd="0" destOrd="0" presId="urn:microsoft.com/office/officeart/2018/2/layout/IconVerticalSolidList"/>
+    <dgm:cxn modelId="{DF4B9857-72EE-4504-95F0-4657D01F4311}" srcId="{BC9983E8-37C3-4D5B-938C-41099B389EA8}" destId="{1A5BEBB7-B935-415D-9BBF-814F54501A9B}" srcOrd="0" destOrd="0" parTransId="{7E25C743-4C55-4DB8-A8BF-DD5A7517B1BF}" sibTransId="{FF5C40AC-C066-4598-8CE9-724BE0371367}"/>
+    <dgm:cxn modelId="{ECE3C9F2-F899-422D-9293-E37FA81AC2A0}" type="presOf" srcId="{1A5BEBB7-B935-415D-9BBF-814F54501A9B}" destId="{9C76D22B-DE91-49CF-8873-C76B9F1D4977}" srcOrd="0" destOrd="0" presId="urn:microsoft.com/office/officeart/2018/2/layout/IconVerticalSolidList"/>
+    <dgm:cxn modelId="{6D003A73-364F-4921-94E2-25AC8E6ED45B}" type="presOf" srcId="{BC9983E8-37C3-4D5B-938C-41099B389EA8}" destId="{F01F28B3-CDA1-4986-8BB3-97B77C90D691}" srcOrd="0" destOrd="0" presId="urn:microsoft.com/office/officeart/2018/2/layout/IconVerticalSolidList"/>
+    <dgm:cxn modelId="{4684D9F4-231F-40A4-A72B-C7CE6C35337D}" srcId="{BC9983E8-37C3-4D5B-938C-41099B389EA8}" destId="{EE7C3DF6-8286-4204-8A9F-E318764E4FAF}" srcOrd="2" destOrd="0" parTransId="{8EC46AB4-8231-46ED-BA33-16A8BC16FD79}" sibTransId="{BBC55D47-B613-4E8E-9707-85660A901CF5}"/>
+    <dgm:cxn modelId="{35B3D1F9-872A-4D39-A17A-80D3B4268B3F}" type="presOf" srcId="{EE7C3DF6-8286-4204-8A9F-E318764E4FAF}" destId="{56EAB0AB-ED42-423B-96E0-6561D0F2AD5D}" srcOrd="0" destOrd="0" presId="urn:microsoft.com/office/officeart/2018/2/layout/IconVerticalSolidList"/>
+    <dgm:cxn modelId="{91939A01-2843-4A1C-A1F8-F7E55E8A6599}" type="presParOf" srcId="{F01F28B3-CDA1-4986-8BB3-97B77C90D691}" destId="{1203B0D8-6E73-4F3F-8909-F7DD7DED4854}" srcOrd="0" destOrd="0" presId="urn:microsoft.com/office/officeart/2018/2/layout/IconVerticalSolidList"/>
+    <dgm:cxn modelId="{98A925C0-451B-4E02-8CA5-9A9D8FF8634A}" type="presParOf" srcId="{1203B0D8-6E73-4F3F-8909-F7DD7DED4854}" destId="{79BE015E-0886-49C1-A32F-288EDCBC768C}" srcOrd="0" destOrd="0" presId="urn:microsoft.com/office/officeart/2018/2/layout/IconVerticalSolidList"/>
+    <dgm:cxn modelId="{689500C8-FB6B-4F72-8DD5-0A61D1ECD549}" type="presParOf" srcId="{1203B0D8-6E73-4F3F-8909-F7DD7DED4854}" destId="{EC1F5AB1-4682-497B-A9A0-A38082A08366}" srcOrd="1" destOrd="0" presId="urn:microsoft.com/office/officeart/2018/2/layout/IconVerticalSolidList"/>
+    <dgm:cxn modelId="{3E00FD23-5D40-4233-9434-EC923B245039}" type="presParOf" srcId="{1203B0D8-6E73-4F3F-8909-F7DD7DED4854}" destId="{37A56F75-B9C6-4107-A75B-5A76621DF020}" srcOrd="2" destOrd="0" presId="urn:microsoft.com/office/officeart/2018/2/layout/IconVerticalSolidList"/>
+    <dgm:cxn modelId="{13920684-4371-446F-9484-09D5173C12B9}" type="presParOf" srcId="{1203B0D8-6E73-4F3F-8909-F7DD7DED4854}" destId="{9C76D22B-DE91-49CF-8873-C76B9F1D4977}" srcOrd="3" destOrd="0" presId="urn:microsoft.com/office/officeart/2018/2/layout/IconVerticalSolidList"/>
+    <dgm:cxn modelId="{4DA86DBA-6D17-4A01-A12B-10FFF0EEE46B}" type="presParOf" srcId="{F01F28B3-CDA1-4986-8BB3-97B77C90D691}" destId="{E4237A14-35F7-4DBE-8E85-068325E2E2C5}" srcOrd="1" destOrd="0" presId="urn:microsoft.com/office/officeart/2018/2/layout/IconVerticalSolidList"/>
+    <dgm:cxn modelId="{373076F0-3DB7-4F50-9D52-EF56AAC49CAD}" type="presParOf" srcId="{F01F28B3-CDA1-4986-8BB3-97B77C90D691}" destId="{728BF8DE-9418-461B-852C-6DBA676FA375}" srcOrd="2" destOrd="0" presId="urn:microsoft.com/office/officeart/2018/2/layout/IconVerticalSolidList"/>
+    <dgm:cxn modelId="{469414D7-9184-4725-A289-44D50B52B88D}" type="presParOf" srcId="{728BF8DE-9418-461B-852C-6DBA676FA375}" destId="{E1388BBD-C8D6-4ECA-B862-15AA5E4A4472}" srcOrd="0" destOrd="0" presId="urn:microsoft.com/office/officeart/2018/2/layout/IconVerticalSolidList"/>
+    <dgm:cxn modelId="{1EAD54FE-7530-476B-928D-D387B84CD5AF}" type="presParOf" srcId="{728BF8DE-9418-461B-852C-6DBA676FA375}" destId="{7E31C25C-7C4D-4D9D-9662-B2D4692251EC}" srcOrd="1" destOrd="0" presId="urn:microsoft.com/office/officeart/2018/2/layout/IconVerticalSolidList"/>
+    <dgm:cxn modelId="{AE7A0CA0-E5A6-415C-BE4A-3A79C1779D4F}" type="presParOf" srcId="{728BF8DE-9418-461B-852C-6DBA676FA375}" destId="{215B57EE-EB96-4DB2-BC85-FAC07527824F}" srcOrd="2" destOrd="0" presId="urn:microsoft.com/office/officeart/2018/2/layout/IconVerticalSolidList"/>
+    <dgm:cxn modelId="{CEF461E0-3BF1-4881-AD6E-4856A67083D2}" type="presParOf" srcId="{728BF8DE-9418-461B-852C-6DBA676FA375}" destId="{12B0EA34-AA24-4167-9BC9-D9FCFF9CDFF4}" srcOrd="3" destOrd="0" presId="urn:microsoft.com/office/officeart/2018/2/layout/IconVerticalSolidList"/>
+    <dgm:cxn modelId="{CB7E7894-F218-4F6A-BB57-EDE148288047}" type="presParOf" srcId="{F01F28B3-CDA1-4986-8BB3-97B77C90D691}" destId="{120E6AF1-497D-4112-8CFC-48E700E9B365}" srcOrd="3" destOrd="0" presId="urn:microsoft.com/office/officeart/2018/2/layout/IconVerticalSolidList"/>
+    <dgm:cxn modelId="{4A3F557E-7DC5-43B7-87FC-98908F215F5D}" type="presParOf" srcId="{F01F28B3-CDA1-4986-8BB3-97B77C90D691}" destId="{8BE31FEC-8754-49C4-8A4D-D40AF097FD24}" srcOrd="4" destOrd="0" presId="urn:microsoft.com/office/officeart/2018/2/layout/IconVerticalSolidList"/>
+    <dgm:cxn modelId="{EC132427-CD9D-4977-94F9-D80A0CF9EAA9}" type="presParOf" srcId="{8BE31FEC-8754-49C4-8A4D-D40AF097FD24}" destId="{4213FB42-4711-439A-A0B5-4352E52CF314}" srcOrd="0" destOrd="0" presId="urn:microsoft.com/office/officeart/2018/2/layout/IconVerticalSolidList"/>
+    <dgm:cxn modelId="{E962B245-857E-4B52-9448-883B8E0D2A20}" type="presParOf" srcId="{8BE31FEC-8754-49C4-8A4D-D40AF097FD24}" destId="{F818E8A0-38F2-4E79-8019-B07E1EA237D1}" srcOrd="1" destOrd="0" presId="urn:microsoft.com/office/officeart/2018/2/layout/IconVerticalSolidList"/>
+    <dgm:cxn modelId="{5DC9375A-3582-430C-BBAC-38D2BDE1EAAF}" type="presParOf" srcId="{8BE31FEC-8754-49C4-8A4D-D40AF097FD24}" destId="{5CC89C3A-5589-4478-B663-022D03151D85}" srcOrd="2" destOrd="0" presId="urn:microsoft.com/office/officeart/2018/2/layout/IconVerticalSolidList"/>
+    <dgm:cxn modelId="{9E2BC02C-D1A0-4A89-B905-0778D890AF9C}" type="presParOf" srcId="{8BE31FEC-8754-49C4-8A4D-D40AF097FD24}" destId="{56EAB0AB-ED42-423B-96E0-6561D0F2AD5D}" srcOrd="3" destOrd="0" presId="urn:microsoft.com/office/officeart/2018/2/layout/IconVerticalSolidList"/>
+  </dgm:cxnLst>
+  <dgm:bg/>
+  <dgm:whole/>
+  <dgm:extLst>
+    <a:ext uri="http://schemas.microsoft.com/office/drawing/2008/diagram">
+      <dsp:dataModelExt xmlns:dsp="http://schemas.microsoft.com/office/drawing/2008/diagram" relId="rId9" minVer="http://schemas.openxmlformats.org/drawingml/2006/diagram"/>
+    </a:ext>
+  </dgm:extLst>
+</dgm:dataModel>
 </file>
 
-<file path=ppt/diagrams/drawing2.xml><?xml version="1.0" encoding="utf-8"?>
+<file path=ppt/diagrams/drawing1.xml><?xml version="1.0" encoding="utf-8"?>
 <dsp:drawing xmlns:dgm="http://schemas.openxmlformats.org/drawingml/2006/diagram" xmlns:dsp="http://schemas.microsoft.com/office/drawing/2008/diagram" xmlns:a="http://schemas.openxmlformats.org/drawingml/2006/main">
   <dsp:spTree>
     <dsp:nvGrpSpPr>
@@ -4231,13 +3887,13 @@
           <a:avLst/>
         </a:prstGeom>
         <a:blipFill>
-          <a:blip xmlns:r="http://schemas.openxmlformats.org/officeDocument/2006/relationships" r:embed="rId1">
+          <a:blip xmlns:r="http://schemas.openxmlformats.org/officeDocument/2006/relationships" r:embed="rId1" cstate="hqprint">
             <a:extLst>
               <a:ext uri="{28A0092B-C50C-407E-A947-70E740481C1C}">
                 <a14:useLocalDpi xmlns:a14="http://schemas.microsoft.com/office/drawing/2010/main" val="0"/>
               </a:ext>
               <a:ext uri="{96DAC541-7B7A-43D3-8B79-37D633B846F1}">
-                <asvg:svgBlip xmlns:asvg="http://schemas.microsoft.com/office/drawing/2016/SVG/main" r:embed="rId2"/>
+                <asvg:svgBlip xmlns:asvg="http://schemas.microsoft.com/office/drawing/2016/SVG/main" xmlns="" r:embed="rId2"/>
               </a:ext>
             </a:extLst>
           </a:blip>
@@ -4303,7 +3959,7 @@
         </a:bodyPr>
         <a:lstStyle/>
         <a:p>
-          <a:pPr marL="0" lvl="0" indent="0" algn="l" defTabSz="889000">
+          <a:pPr lvl="0" algn="l" defTabSz="889000">
             <a:lnSpc>
               <a:spcPct val="100000"/>
             </a:lnSpc>
@@ -4313,7 +3969,6 @@
             <a:spcAft>
               <a:spcPct val="35000"/>
             </a:spcAft>
-            <a:buNone/>
           </a:pPr>
           <a:r>
             <a:rPr lang="pl-PL" sz="2000" kern="1200" dirty="0"/>
@@ -4388,7 +4043,7 @@
                 <a14:useLocalDpi xmlns:a14="http://schemas.microsoft.com/office/drawing/2010/main" val="0"/>
               </a:ext>
               <a:ext uri="{96DAC541-7B7A-43D3-8B79-37D633B846F1}">
-                <asvg:svgBlip xmlns:asvg="http://schemas.microsoft.com/office/drawing/2016/SVG/main" r:embed="rId4"/>
+                <asvg:svgBlip xmlns:asvg="http://schemas.microsoft.com/office/drawing/2016/SVG/main" xmlns="" r:embed="rId4"/>
               </a:ext>
             </a:extLst>
           </a:blip>
@@ -4454,7 +4109,7 @@
         </a:bodyPr>
         <a:lstStyle/>
         <a:p>
-          <a:pPr marL="0" lvl="0" indent="0" algn="l" defTabSz="889000">
+          <a:pPr lvl="0" algn="l" defTabSz="889000">
             <a:lnSpc>
               <a:spcPct val="100000"/>
             </a:lnSpc>
@@ -4464,7 +4119,6 @@
             <a:spcAft>
               <a:spcPct val="35000"/>
             </a:spcAft>
-            <a:buNone/>
           </a:pPr>
           <a:r>
             <a:rPr lang="pl-PL" sz="2000" kern="1200" dirty="0"/>
@@ -4539,7 +4193,7 @@
                 <a14:useLocalDpi xmlns:a14="http://schemas.microsoft.com/office/drawing/2010/main" val="0"/>
               </a:ext>
               <a:ext uri="{96DAC541-7B7A-43D3-8B79-37D633B846F1}">
-                <asvg:svgBlip xmlns:asvg="http://schemas.microsoft.com/office/drawing/2016/SVG/main" r:embed="rId6"/>
+                <asvg:svgBlip xmlns:asvg="http://schemas.microsoft.com/office/drawing/2016/SVG/main" xmlns="" r:embed="rId6"/>
               </a:ext>
             </a:extLst>
           </a:blip>
@@ -4605,7 +4259,7 @@
         </a:bodyPr>
         <a:lstStyle/>
         <a:p>
-          <a:pPr marL="0" lvl="0" indent="0" algn="l" defTabSz="889000">
+          <a:pPr lvl="0" algn="l" defTabSz="889000">
             <a:lnSpc>
               <a:spcPct val="100000"/>
             </a:lnSpc>
@@ -4615,7 +4269,6 @@
             <a:spcAft>
               <a:spcPct val="35000"/>
             </a:spcAft>
-            <a:buNone/>
           </a:pPr>
           <a:r>
             <a:rPr lang="pl-PL" sz="2000" kern="1200"/>
@@ -4633,7 +4286,7 @@
 </dsp:drawing>
 </file>
 
-<file path=ppt/diagrams/drawing3.xml><?xml version="1.0" encoding="utf-8"?>
+<file path=ppt/diagrams/drawing2.xml><?xml version="1.0" encoding="utf-8"?>
 <dsp:drawing xmlns:dgm="http://schemas.openxmlformats.org/drawingml/2006/diagram" xmlns:dsp="http://schemas.microsoft.com/office/drawing/2008/diagram" xmlns:a="http://schemas.openxmlformats.org/drawingml/2006/main">
   <dsp:spTree>
     <dsp:nvGrpSpPr>
@@ -4701,7 +4354,7 @@
                 <a14:useLocalDpi xmlns:a14="http://schemas.microsoft.com/office/drawing/2010/main" val="0"/>
               </a:ext>
               <a:ext uri="{96DAC541-7B7A-43D3-8B79-37D633B846F1}">
-                <asvg:svgBlip xmlns:asvg="http://schemas.microsoft.com/office/drawing/2016/SVG/main" r:embed="rId2"/>
+                <asvg:svgBlip xmlns:asvg="http://schemas.microsoft.com/office/drawing/2016/SVG/main" xmlns="" r:embed="rId2"/>
               </a:ext>
             </a:extLst>
           </a:blip>
@@ -4767,7 +4420,7 @@
         </a:bodyPr>
         <a:lstStyle/>
         <a:p>
-          <a:pPr marL="0" lvl="0" indent="0" algn="ctr" defTabSz="889000">
+          <a:pPr lvl="0" algn="ctr" defTabSz="889000">
             <a:lnSpc>
               <a:spcPct val="90000"/>
             </a:lnSpc>
@@ -4777,7 +4430,6 @@
             <a:spcAft>
               <a:spcPct val="35000"/>
             </a:spcAft>
-            <a:buNone/>
             <a:defRPr cap="all"/>
           </a:pPr>
           <a:r>
@@ -4854,13 +4506,13 @@
           <a:avLst/>
         </a:prstGeom>
         <a:blipFill>
-          <a:blip xmlns:r="http://schemas.openxmlformats.org/officeDocument/2006/relationships" r:embed="rId3">
+          <a:blip xmlns:r="http://schemas.openxmlformats.org/officeDocument/2006/relationships" r:embed="rId3" cstate="hqprint">
             <a:extLst>
               <a:ext uri="{28A0092B-C50C-407E-A947-70E740481C1C}">
                 <a14:useLocalDpi xmlns:a14="http://schemas.microsoft.com/office/drawing/2010/main" val="0"/>
               </a:ext>
               <a:ext uri="{96DAC541-7B7A-43D3-8B79-37D633B846F1}">
-                <asvg:svgBlip xmlns:asvg="http://schemas.microsoft.com/office/drawing/2016/SVG/main" r:embed="rId4"/>
+                <asvg:svgBlip xmlns:asvg="http://schemas.microsoft.com/office/drawing/2016/SVG/main" xmlns="" r:embed="rId4"/>
               </a:ext>
             </a:extLst>
           </a:blip>
@@ -4926,7 +4578,7 @@
         </a:bodyPr>
         <a:lstStyle/>
         <a:p>
-          <a:pPr marL="0" lvl="0" indent="0" algn="ctr" defTabSz="889000">
+          <a:pPr lvl="0" algn="ctr" defTabSz="889000">
             <a:lnSpc>
               <a:spcPct val="90000"/>
             </a:lnSpc>
@@ -4936,7 +4588,6 @@
             <a:spcAft>
               <a:spcPct val="35000"/>
             </a:spcAft>
-            <a:buNone/>
             <a:defRPr cap="all"/>
           </a:pPr>
           <a:r>
@@ -4957,6 +4608,480 @@
       <dsp:txXfrm>
         <a:off x="3214079" y="2963731"/>
         <a:ext cx="2700000" cy="1617890"/>
+      </dsp:txXfrm>
+    </dsp:sp>
+  </dsp:spTree>
+</dsp:drawing>
+</file>
+
+<file path=ppt/diagrams/drawing3.xml><?xml version="1.0" encoding="utf-8"?>
+<dsp:drawing xmlns:dgm="http://schemas.openxmlformats.org/drawingml/2006/diagram" xmlns:dsp="http://schemas.microsoft.com/office/drawing/2008/diagram" xmlns:a="http://schemas.openxmlformats.org/drawingml/2006/main">
+  <dsp:spTree>
+    <dsp:nvGrpSpPr>
+      <dsp:cNvPr id="0" name=""/>
+      <dsp:cNvGrpSpPr/>
+    </dsp:nvGrpSpPr>
+    <dsp:grpSpPr/>
+    <dsp:sp modelId="{79BE015E-0886-49C1-A32F-288EDCBC768C}">
+      <dsp:nvSpPr>
+        <dsp:cNvPr id="0" name=""/>
+        <dsp:cNvSpPr/>
+      </dsp:nvSpPr>
+      <dsp:spPr>
+        <a:xfrm>
+          <a:off x="0" y="680"/>
+          <a:ext cx="6261100" cy="1593460"/>
+        </a:xfrm>
+        <a:prstGeom prst="roundRect">
+          <a:avLst>
+            <a:gd name="adj" fmla="val 10000"/>
+          </a:avLst>
+        </a:prstGeom>
+        <a:solidFill>
+          <a:schemeClr val="accent2">
+            <a:hueOff val="0"/>
+            <a:satOff val="0"/>
+            <a:lumOff val="0"/>
+            <a:alphaOff val="0"/>
+          </a:schemeClr>
+        </a:solidFill>
+        <a:ln>
+          <a:noFill/>
+        </a:ln>
+        <a:effectLst/>
+      </dsp:spPr>
+      <dsp:style>
+        <a:lnRef idx="0">
+          <a:scrgbClr r="0" g="0" b="0"/>
+        </a:lnRef>
+        <a:fillRef idx="1">
+          <a:scrgbClr r="0" g="0" b="0"/>
+        </a:fillRef>
+        <a:effectRef idx="0">
+          <a:scrgbClr r="0" g="0" b="0"/>
+        </a:effectRef>
+        <a:fontRef idx="minor"/>
+      </dsp:style>
+    </dsp:sp>
+    <dsp:sp modelId="{EC1F5AB1-4682-497B-A9A0-A38082A08366}">
+      <dsp:nvSpPr>
+        <dsp:cNvPr id="0" name=""/>
+        <dsp:cNvSpPr/>
+      </dsp:nvSpPr>
+      <dsp:spPr>
+        <a:xfrm>
+          <a:off x="482021" y="359209"/>
+          <a:ext cx="876403" cy="876403"/>
+        </a:xfrm>
+        <a:prstGeom prst="rect">
+          <a:avLst/>
+        </a:prstGeom>
+        <a:blipFill>
+          <a:blip xmlns:r="http://schemas.openxmlformats.org/officeDocument/2006/relationships" r:embed="rId1">
+            <a:extLst>
+              <a:ext uri="{28A0092B-C50C-407E-A947-70E740481C1C}">
+                <a14:useLocalDpi xmlns:a14="http://schemas.microsoft.com/office/drawing/2010/main" val="0"/>
+              </a:ext>
+              <a:ext uri="{96DAC541-7B7A-43D3-8B79-37D633B846F1}">
+                <asvg:svgBlip xmlns:asvg="http://schemas.microsoft.com/office/drawing/2016/SVG/main" xmlns="" r:embed="rId2"/>
+              </a:ext>
+            </a:extLst>
+          </a:blip>
+          <a:stretch>
+            <a:fillRect/>
+          </a:stretch>
+        </a:blipFill>
+        <a:ln w="12700" cap="flat" cmpd="sng" algn="ctr">
+          <a:noFill/>
+          <a:prstDash val="solid"/>
+        </a:ln>
+        <a:effectLst/>
+      </dsp:spPr>
+      <dsp:style>
+        <a:lnRef idx="2">
+          <a:scrgbClr r="0" g="0" b="0"/>
+        </a:lnRef>
+        <a:fillRef idx="1">
+          <a:scrgbClr r="0" g="0" b="0"/>
+        </a:fillRef>
+        <a:effectRef idx="0">
+          <a:scrgbClr r="0" g="0" b="0"/>
+        </a:effectRef>
+        <a:fontRef idx="minor">
+          <a:schemeClr val="lt1"/>
+        </a:fontRef>
+      </dsp:style>
+    </dsp:sp>
+    <dsp:sp modelId="{9C76D22B-DE91-49CF-8873-C76B9F1D4977}">
+      <dsp:nvSpPr>
+        <dsp:cNvPr id="0" name=""/>
+        <dsp:cNvSpPr/>
+      </dsp:nvSpPr>
+      <dsp:spPr>
+        <a:xfrm>
+          <a:off x="1840447" y="680"/>
+          <a:ext cx="4420652" cy="1593460"/>
+        </a:xfrm>
+        <a:prstGeom prst="rect">
+          <a:avLst/>
+        </a:prstGeom>
+        <a:noFill/>
+        <a:ln>
+          <a:noFill/>
+        </a:ln>
+        <a:effectLst/>
+      </dsp:spPr>
+      <dsp:style>
+        <a:lnRef idx="0">
+          <a:scrgbClr r="0" g="0" b="0"/>
+        </a:lnRef>
+        <a:fillRef idx="0">
+          <a:scrgbClr r="0" g="0" b="0"/>
+        </a:fillRef>
+        <a:effectRef idx="0">
+          <a:scrgbClr r="0" g="0" b="0"/>
+        </a:effectRef>
+        <a:fontRef idx="minor"/>
+      </dsp:style>
+      <dsp:txBody>
+        <a:bodyPr spcFirstLastPara="0" vert="horz" wrap="square" lIns="168641" tIns="168641" rIns="168641" bIns="168641" numCol="1" spcCol="1270" anchor="ctr" anchorCtr="0">
+          <a:noAutofit/>
+        </a:bodyPr>
+        <a:lstStyle/>
+        <a:p>
+          <a:pPr lvl="0" algn="l" defTabSz="889000">
+            <a:lnSpc>
+              <a:spcPct val="90000"/>
+            </a:lnSpc>
+            <a:spcBef>
+              <a:spcPct val="0"/>
+            </a:spcBef>
+            <a:spcAft>
+              <a:spcPct val="35000"/>
+            </a:spcAft>
+          </a:pPr>
+          <a:r>
+            <a:rPr lang="pl-PL" sz="2000" kern="1200"/>
+            <a:t>Heurystyka podejmowania decyzji w pewnych zadaniach sztucznej inteligencji, używana zwłaszcza do wyboru ruchów w grach</a:t>
+          </a:r>
+          <a:endParaRPr lang="en-US" sz="2000" kern="1200"/>
+        </a:p>
+      </dsp:txBody>
+      <dsp:txXfrm>
+        <a:off x="1840447" y="680"/>
+        <a:ext cx="4420652" cy="1593460"/>
+      </dsp:txXfrm>
+    </dsp:sp>
+    <dsp:sp modelId="{E1388BBD-C8D6-4ECA-B862-15AA5E4A4472}">
+      <dsp:nvSpPr>
+        <dsp:cNvPr id="0" name=""/>
+        <dsp:cNvSpPr/>
+      </dsp:nvSpPr>
+      <dsp:spPr>
+        <a:xfrm>
+          <a:off x="0" y="1992507"/>
+          <a:ext cx="6261100" cy="1593460"/>
+        </a:xfrm>
+        <a:prstGeom prst="roundRect">
+          <a:avLst>
+            <a:gd name="adj" fmla="val 10000"/>
+          </a:avLst>
+        </a:prstGeom>
+        <a:solidFill>
+          <a:schemeClr val="accent3">
+            <a:hueOff val="0"/>
+            <a:satOff val="0"/>
+            <a:lumOff val="0"/>
+            <a:alphaOff val="0"/>
+          </a:schemeClr>
+        </a:solidFill>
+        <a:ln>
+          <a:noFill/>
+        </a:ln>
+        <a:effectLst/>
+      </dsp:spPr>
+      <dsp:style>
+        <a:lnRef idx="0">
+          <a:scrgbClr r="0" g="0" b="0"/>
+        </a:lnRef>
+        <a:fillRef idx="1">
+          <a:scrgbClr r="0" g="0" b="0"/>
+        </a:fillRef>
+        <a:effectRef idx="0">
+          <a:scrgbClr r="0" g="0" b="0"/>
+        </a:effectRef>
+        <a:fontRef idx="minor"/>
+      </dsp:style>
+    </dsp:sp>
+    <dsp:sp modelId="{7E31C25C-7C4D-4D9D-9662-B2D4692251EC}">
+      <dsp:nvSpPr>
+        <dsp:cNvPr id="0" name=""/>
+        <dsp:cNvSpPr/>
+      </dsp:nvSpPr>
+      <dsp:spPr>
+        <a:xfrm>
+          <a:off x="482021" y="2351035"/>
+          <a:ext cx="876403" cy="876403"/>
+        </a:xfrm>
+        <a:prstGeom prst="rect">
+          <a:avLst/>
+        </a:prstGeom>
+        <a:blipFill>
+          <a:blip xmlns:r="http://schemas.openxmlformats.org/officeDocument/2006/relationships" r:embed="rId3">
+            <a:extLst>
+              <a:ext uri="{28A0092B-C50C-407E-A947-70E740481C1C}">
+                <a14:useLocalDpi xmlns:a14="http://schemas.microsoft.com/office/drawing/2010/main" val="0"/>
+              </a:ext>
+              <a:ext uri="{96DAC541-7B7A-43D3-8B79-37D633B846F1}">
+                <asvg:svgBlip xmlns:asvg="http://schemas.microsoft.com/office/drawing/2016/SVG/main" xmlns="" r:embed="rId4"/>
+              </a:ext>
+            </a:extLst>
+          </a:blip>
+          <a:stretch>
+            <a:fillRect/>
+          </a:stretch>
+        </a:blipFill>
+        <a:ln w="12700" cap="flat" cmpd="sng" algn="ctr">
+          <a:noFill/>
+          <a:prstDash val="solid"/>
+        </a:ln>
+        <a:effectLst/>
+      </dsp:spPr>
+      <dsp:style>
+        <a:lnRef idx="2">
+          <a:scrgbClr r="0" g="0" b="0"/>
+        </a:lnRef>
+        <a:fillRef idx="1">
+          <a:scrgbClr r="0" g="0" b="0"/>
+        </a:fillRef>
+        <a:effectRef idx="0">
+          <a:scrgbClr r="0" g="0" b="0"/>
+        </a:effectRef>
+        <a:fontRef idx="minor">
+          <a:schemeClr val="lt1"/>
+        </a:fontRef>
+      </dsp:style>
+    </dsp:sp>
+    <dsp:sp modelId="{12B0EA34-AA24-4167-9BC9-D9FCFF9CDFF4}">
+      <dsp:nvSpPr>
+        <dsp:cNvPr id="0" name=""/>
+        <dsp:cNvSpPr/>
+      </dsp:nvSpPr>
+      <dsp:spPr>
+        <a:xfrm>
+          <a:off x="1840447" y="1992507"/>
+          <a:ext cx="4420652" cy="1593460"/>
+        </a:xfrm>
+        <a:prstGeom prst="rect">
+          <a:avLst/>
+        </a:prstGeom>
+        <a:noFill/>
+        <a:ln>
+          <a:noFill/>
+        </a:ln>
+        <a:effectLst/>
+      </dsp:spPr>
+      <dsp:style>
+        <a:lnRef idx="0">
+          <a:scrgbClr r="0" g="0" b="0"/>
+        </a:lnRef>
+        <a:fillRef idx="0">
+          <a:scrgbClr r="0" g="0" b="0"/>
+        </a:fillRef>
+        <a:effectRef idx="0">
+          <a:scrgbClr r="0" g="0" b="0"/>
+        </a:effectRef>
+        <a:fontRef idx="minor"/>
+      </dsp:style>
+      <dsp:txBody>
+        <a:bodyPr spcFirstLastPara="0" vert="horz" wrap="square" lIns="168641" tIns="168641" rIns="168641" bIns="168641" numCol="1" spcCol="1270" anchor="ctr" anchorCtr="0">
+          <a:noAutofit/>
+        </a:bodyPr>
+        <a:lstStyle/>
+        <a:p>
+          <a:pPr lvl="0" algn="l" defTabSz="889000">
+            <a:lnSpc>
+              <a:spcPct val="90000"/>
+            </a:lnSpc>
+            <a:spcBef>
+              <a:spcPct val="0"/>
+            </a:spcBef>
+            <a:spcAft>
+              <a:spcPct val="35000"/>
+            </a:spcAft>
+          </a:pPr>
+          <a:r>
+            <a:rPr lang="pl-PL" sz="2000" kern="1200"/>
+            <a:t>Analiza najbardziej obiecujących ruchów</a:t>
+          </a:r>
+          <a:endParaRPr lang="en-US" sz="2000" kern="1200"/>
+        </a:p>
+      </dsp:txBody>
+      <dsp:txXfrm>
+        <a:off x="1840447" y="1992507"/>
+        <a:ext cx="4420652" cy="1593460"/>
+      </dsp:txXfrm>
+    </dsp:sp>
+    <dsp:sp modelId="{4213FB42-4711-439A-A0B5-4352E52CF314}">
+      <dsp:nvSpPr>
+        <dsp:cNvPr id="0" name=""/>
+        <dsp:cNvSpPr/>
+      </dsp:nvSpPr>
+      <dsp:spPr>
+        <a:xfrm>
+          <a:off x="0" y="3984333"/>
+          <a:ext cx="6261100" cy="1593460"/>
+        </a:xfrm>
+        <a:prstGeom prst="roundRect">
+          <a:avLst>
+            <a:gd name="adj" fmla="val 10000"/>
+          </a:avLst>
+        </a:prstGeom>
+        <a:solidFill>
+          <a:schemeClr val="accent4">
+            <a:hueOff val="0"/>
+            <a:satOff val="0"/>
+            <a:lumOff val="0"/>
+            <a:alphaOff val="0"/>
+          </a:schemeClr>
+        </a:solidFill>
+        <a:ln>
+          <a:noFill/>
+        </a:ln>
+        <a:effectLst/>
+      </dsp:spPr>
+      <dsp:style>
+        <a:lnRef idx="0">
+          <a:scrgbClr r="0" g="0" b="0"/>
+        </a:lnRef>
+        <a:fillRef idx="1">
+          <a:scrgbClr r="0" g="0" b="0"/>
+        </a:fillRef>
+        <a:effectRef idx="0">
+          <a:scrgbClr r="0" g="0" b="0"/>
+        </a:effectRef>
+        <a:fontRef idx="minor"/>
+      </dsp:style>
+    </dsp:sp>
+    <dsp:sp modelId="{F818E8A0-38F2-4E79-8019-B07E1EA237D1}">
+      <dsp:nvSpPr>
+        <dsp:cNvPr id="0" name=""/>
+        <dsp:cNvSpPr/>
+      </dsp:nvSpPr>
+      <dsp:spPr>
+        <a:xfrm>
+          <a:off x="482021" y="4342861"/>
+          <a:ext cx="876403" cy="876403"/>
+        </a:xfrm>
+        <a:prstGeom prst="rect">
+          <a:avLst/>
+        </a:prstGeom>
+        <a:blipFill>
+          <a:blip xmlns:r="http://schemas.openxmlformats.org/officeDocument/2006/relationships" r:embed="rId5">
+            <a:extLst>
+              <a:ext uri="{28A0092B-C50C-407E-A947-70E740481C1C}">
+                <a14:useLocalDpi xmlns:a14="http://schemas.microsoft.com/office/drawing/2010/main" val="0"/>
+              </a:ext>
+              <a:ext uri="{96DAC541-7B7A-43D3-8B79-37D633B846F1}">
+                <asvg:svgBlip xmlns:asvg="http://schemas.microsoft.com/office/drawing/2016/SVG/main" xmlns="" r:embed="rId6"/>
+              </a:ext>
+            </a:extLst>
+          </a:blip>
+          <a:stretch>
+            <a:fillRect/>
+          </a:stretch>
+        </a:blipFill>
+        <a:ln w="12700" cap="flat" cmpd="sng" algn="ctr">
+          <a:noFill/>
+          <a:prstDash val="solid"/>
+        </a:ln>
+        <a:effectLst/>
+      </dsp:spPr>
+      <dsp:style>
+        <a:lnRef idx="2">
+          <a:scrgbClr r="0" g="0" b="0"/>
+        </a:lnRef>
+        <a:fillRef idx="1">
+          <a:scrgbClr r="0" g="0" b="0"/>
+        </a:fillRef>
+        <a:effectRef idx="0">
+          <a:scrgbClr r="0" g="0" b="0"/>
+        </a:effectRef>
+        <a:fontRef idx="minor">
+          <a:schemeClr val="lt1"/>
+        </a:fontRef>
+      </dsp:style>
+    </dsp:sp>
+    <dsp:sp modelId="{56EAB0AB-ED42-423B-96E0-6561D0F2AD5D}">
+      <dsp:nvSpPr>
+        <dsp:cNvPr id="0" name=""/>
+        <dsp:cNvSpPr/>
+      </dsp:nvSpPr>
+      <dsp:spPr>
+        <a:xfrm>
+          <a:off x="1840447" y="3984333"/>
+          <a:ext cx="4420652" cy="1593460"/>
+        </a:xfrm>
+        <a:prstGeom prst="rect">
+          <a:avLst/>
+        </a:prstGeom>
+        <a:noFill/>
+        <a:ln>
+          <a:noFill/>
+        </a:ln>
+        <a:effectLst/>
+      </dsp:spPr>
+      <dsp:style>
+        <a:lnRef idx="0">
+          <a:scrgbClr r="0" g="0" b="0"/>
+        </a:lnRef>
+        <a:fillRef idx="0">
+          <a:scrgbClr r="0" g="0" b="0"/>
+        </a:fillRef>
+        <a:effectRef idx="0">
+          <a:scrgbClr r="0" g="0" b="0"/>
+        </a:effectRef>
+        <a:fontRef idx="minor"/>
+      </dsp:style>
+      <dsp:txBody>
+        <a:bodyPr spcFirstLastPara="0" vert="horz" wrap="square" lIns="168641" tIns="168641" rIns="168641" bIns="168641" numCol="1" spcCol="1270" anchor="ctr" anchorCtr="0">
+          <a:noAutofit/>
+        </a:bodyPr>
+        <a:lstStyle/>
+        <a:p>
+          <a:pPr lvl="0" algn="l" defTabSz="889000">
+            <a:lnSpc>
+              <a:spcPct val="90000"/>
+            </a:lnSpc>
+            <a:spcBef>
+              <a:spcPct val="0"/>
+            </a:spcBef>
+            <a:spcAft>
+              <a:spcPct val="35000"/>
+            </a:spcAft>
+          </a:pPr>
+          <a:r>
+            <a:rPr lang="pl-PL" sz="2000" kern="1200"/>
+            <a:t>Rozrost drzewa wariantów oparty na </a:t>
+          </a:r>
+          <a:r>
+            <a:rPr lang="pl-PL" sz="2000" b="1" u="sng" kern="1200"/>
+            <a:t>losowym</a:t>
+          </a:r>
+          <a:r>
+            <a:rPr lang="pl-PL" sz="2000" b="1" kern="1200"/>
+            <a:t> </a:t>
+          </a:r>
+          <a:r>
+            <a:rPr lang="pl-PL" sz="2000" kern="1200"/>
+            <a:t>próbkowaniu przestrzeni przeszukiwań</a:t>
+          </a:r>
+          <a:endParaRPr lang="en-US" sz="2000" kern="1200"/>
+        </a:p>
+      </dsp:txBody>
+      <dsp:txXfrm>
+        <a:off x="1840447" y="3984333"/>
+        <a:ext cx="4420652" cy="1593460"/>
       </dsp:txXfrm>
     </dsp:sp>
   </dsp:spTree>
@@ -5240,7 +5365,7 @@
   </dgm:layoutNode>
   <dgm:extLst>
     <a:ext uri="{68A01E43-0DF5-4B5B-8FA6-DAF915123BFB}">
-      <dgm1612:lstStyle xmlns:dgm1612="http://schemas.microsoft.com/office/drawing/2016/12/diagram">
+      <dgm1612:lstStyle xmlns:dgm1612="http://schemas.microsoft.com/office/drawing/2016/12/diagram" xmlns="">
         <a:lvl1pPr>
           <a:lnSpc>
             <a:spcPct val="100000"/>
@@ -5258,6 +5383,221 @@
 </file>
 
 <file path=ppt/diagrams/layout2.xml><?xml version="1.0" encoding="utf-8"?>
+<dgm:layoutDef xmlns:dgm="http://schemas.openxmlformats.org/drawingml/2006/diagram" xmlns:a="http://schemas.openxmlformats.org/drawingml/2006/main" uniqueId="urn:microsoft.com/office/officeart/2018/5/layout/IconCircleLabelList">
+  <dgm:title val="Icon Circle Label List"/>
+  <dgm:desc val="Use to show non-sequential or grouped chunks of information accompanied by a related visuals. Works best with icons or small pictures with short text captions."/>
+  <dgm:catLst>
+    <dgm:cat type="icon" pri="500"/>
+  </dgm:catLst>
+  <dgm:sampData useDef="1">
+    <dgm:dataModel>
+      <dgm:ptLst/>
+      <dgm:bg/>
+      <dgm:whole/>
+    </dgm:dataModel>
+  </dgm:sampData>
+  <dgm:styleData useDef="1">
+    <dgm:dataModel>
+      <dgm:ptLst/>
+      <dgm:bg/>
+      <dgm:whole/>
+    </dgm:dataModel>
+  </dgm:styleData>
+  <dgm:clrData useDef="1">
+    <dgm:dataModel>
+      <dgm:ptLst/>
+      <dgm:bg/>
+      <dgm:whole/>
+    </dgm:dataModel>
+  </dgm:clrData>
+  <dgm:layoutNode name="root">
+    <dgm:varLst>
+      <dgm:dir/>
+      <dgm:resizeHandles val="exact"/>
+    </dgm:varLst>
+    <dgm:choose name="Name0">
+      <dgm:if name="Name1" axis="self" func="var" arg="dir" op="equ" val="norm">
+        <dgm:alg type="snake">
+          <dgm:param type="grDir" val="tL"/>
+          <dgm:param type="flowDir" val="row"/>
+          <dgm:param type="contDir" val="sameDir"/>
+          <dgm:param type="off" val="ctr"/>
+          <dgm:param type="vertAlign" val="mid"/>
+          <dgm:param type="horzAlign" val="ctr"/>
+        </dgm:alg>
+      </dgm:if>
+      <dgm:else name="Name2">
+        <dgm:alg type="snake">
+          <dgm:param type="grDir" val="tR"/>
+          <dgm:param type="flowDir" val="row"/>
+          <dgm:param type="contDir" val="sameDir"/>
+          <dgm:param type="off" val="ctr"/>
+          <dgm:param type="vertAlign" val="mid"/>
+          <dgm:param type="horzAlign" val="ctr"/>
+        </dgm:alg>
+      </dgm:else>
+    </dgm:choose>
+    <dgm:shape xmlns:r="http://schemas.openxmlformats.org/officeDocument/2006/relationships" r:blip="">
+      <dgm:adjLst/>
+    </dgm:shape>
+    <dgm:presOf/>
+    <dgm:choose name="Name3">
+      <dgm:if name="Name4" axis="ch" ptType="node" func="cnt" op="lte" val="2">
+        <dgm:constrLst>
+          <dgm:constr type="h" for="ch" forName="compNode" refType="h" fact="0.4"/>
+          <dgm:constr type="w" for="ch" forName="compNode" val="100"/>
+          <dgm:constr type="w" for="ch" forName="sibTrans" refType="w" refFor="ch" refForName="compNode" fact="0.175"/>
+          <dgm:constr type="sp" refType="w" refFor="ch" refForName="compNode" op="equ" fact="0.25"/>
+          <dgm:constr type="primFontSz" for="des" ptType="node" op="equ" val="44"/>
+          <dgm:constr type="h" for="des" forName="compNode" op="equ"/>
+          <dgm:constr type="h" for="des" forName="textRect" op="equ"/>
+        </dgm:constrLst>
+      </dgm:if>
+      <dgm:if name="Name5" axis="ch" ptType="node" func="cnt" op="lte" val="3">
+        <dgm:constrLst>
+          <dgm:constr type="h" for="ch" forName="compNode" refType="h" fact="0.4"/>
+          <dgm:constr type="w" for="ch" forName="compNode" val="100"/>
+          <dgm:constr type="w" for="ch" forName="sibTrans" refType="w" refFor="ch" refForName="compNode" fact="0.175"/>
+          <dgm:constr type="sp" refType="w" refFor="ch" refForName="compNode" op="equ" fact="0.25"/>
+          <dgm:constr type="primFontSz" for="des" ptType="node" op="equ" val="40"/>
+          <dgm:constr type="h" for="des" forName="compNode" op="equ"/>
+          <dgm:constr type="h" for="des" forName="textRect" op="equ"/>
+        </dgm:constrLst>
+      </dgm:if>
+      <dgm:if name="Name6" axis="ch" ptType="node" func="cnt" op="lte" val="4">
+        <dgm:constrLst>
+          <dgm:constr type="h" for="ch" forName="compNode" refType="h" fact="0.4"/>
+          <dgm:constr type="w" for="ch" forName="compNode" refType="w"/>
+          <dgm:constr type="w" for="ch" forName="sibTrans" refType="w" refFor="ch" refForName="compNode" fact="0.175"/>
+          <dgm:constr type="sp" refType="w" refFor="ch" refForName="compNode" op="equ" fact="0.25"/>
+          <dgm:constr type="primFontSz" for="des" ptType="node" op="equ" val="32"/>
+          <dgm:constr type="h" for="des" forName="compNode" op="equ"/>
+          <dgm:constr type="h" for="des" forName="textRect" op="equ"/>
+        </dgm:constrLst>
+      </dgm:if>
+      <dgm:else name="Name7">
+        <dgm:constrLst>
+          <dgm:constr type="h" for="ch" forName="compNode" refType="h" fact="0.4"/>
+          <dgm:constr type="w" for="ch" forName="compNode" refType="w"/>
+          <dgm:constr type="w" for="ch" forName="sibTrans" refType="w" refFor="ch" refForName="compNode" fact="0.175"/>
+          <dgm:constr type="sp" refType="w" refFor="ch" refForName="compNode" op="equ" fact="0.25"/>
+          <dgm:constr type="primFontSz" for="des" ptType="node" op="equ" val="24"/>
+          <dgm:constr type="h" for="des" forName="compNode" op="equ"/>
+          <dgm:constr type="h" for="des" forName="textRect" op="equ"/>
+        </dgm:constrLst>
+      </dgm:else>
+    </dgm:choose>
+    <dgm:ruleLst>
+      <dgm:rule type="w" for="ch" forName="compNode" val="50" fact="NaN" max="NaN"/>
+    </dgm:ruleLst>
+    <dgm:forEach name="Name8" axis="ch" ptType="node">
+      <dgm:layoutNode name="compNode">
+        <dgm:alg type="composite"/>
+        <dgm:shape xmlns:r="http://schemas.openxmlformats.org/officeDocument/2006/relationships" r:blip="">
+          <dgm:adjLst/>
+        </dgm:shape>
+        <dgm:presOf axis="self"/>
+        <dgm:constrLst>
+          <dgm:constr type="w" for="ch" forName="iconBgRect" refType="w" fact="0.61"/>
+          <dgm:constr type="h" for="ch" forName="iconBgRect" refType="w" refFor="ch" refForName="iconBgRect"/>
+          <dgm:constr type="t" for="ch" forName="iconBgRect"/>
+          <dgm:constr type="ctrX" for="ch" forName="iconBgRect" refType="w" fact="0.5"/>
+          <dgm:constr type="w" for="ch" forName="iconRect" refType="w" fact="0.35"/>
+          <dgm:constr type="h" for="ch" forName="iconRect" refType="w" refFor="ch" refForName="iconRect"/>
+          <dgm:constr type="ctrX" for="ch" forName="iconRect" refType="ctrX" refFor="ch" refForName="iconBgRect"/>
+          <dgm:constr type="ctrY" for="ch" forName="iconRect" refType="ctrY" refFor="ch" refForName="iconBgRect"/>
+          <dgm:constr type="h" for="ch" forName="spaceRect" refType="w" fact="0.19"/>
+          <dgm:constr type="w" for="ch" forName="spaceRect" refType="w"/>
+          <dgm:constr type="l" for="ch" forName="spaceRect"/>
+          <dgm:constr type="t" for="ch" forName="spaceRect" refType="b" refFor="ch" refForName="iconBgRect"/>
+          <dgm:constr type="h" for="ch" forName="textRect" val="20"/>
+          <dgm:constr type="w" for="ch" forName="textRect" refType="w"/>
+          <dgm:constr type="l" for="ch" forName="textRect"/>
+          <dgm:constr type="t" for="ch" forName="textRect" refType="b" refFor="ch" refForName="spaceRect"/>
+        </dgm:constrLst>
+        <dgm:ruleLst>
+          <dgm:rule type="h" val="INF" fact="NaN" max="NaN"/>
+        </dgm:ruleLst>
+        <dgm:layoutNode name="iconBgRect" styleLbl="bgShp">
+          <dgm:alg type="sp"/>
+          <dgm:shape xmlns:r="http://schemas.openxmlformats.org/officeDocument/2006/relationships" type="ellipse" r:blip="">
+            <dgm:adjLst/>
+          </dgm:shape>
+          <dgm:presOf/>
+          <dgm:constrLst/>
+          <dgm:ruleLst/>
+        </dgm:layoutNode>
+        <dgm:layoutNode name="iconRect" styleLbl="node1">
+          <dgm:alg type="sp"/>
+          <dgm:shape xmlns:r="http://schemas.openxmlformats.org/officeDocument/2006/relationships" type="rect" r:blip="" blipPhldr="1">
+            <dgm:adjLst/>
+          </dgm:shape>
+          <dgm:presOf/>
+          <dgm:constrLst/>
+          <dgm:ruleLst/>
+        </dgm:layoutNode>
+        <dgm:layoutNode name="spaceRect">
+          <dgm:alg type="sp"/>
+          <dgm:shape xmlns:r="http://schemas.openxmlformats.org/officeDocument/2006/relationships" r:blip="">
+            <dgm:adjLst/>
+          </dgm:shape>
+          <dgm:presOf/>
+          <dgm:constrLst/>
+          <dgm:ruleLst/>
+        </dgm:layoutNode>
+        <dgm:layoutNode name="textRect" styleLbl="revTx">
+          <dgm:varLst>
+            <dgm:chMax val="1"/>
+            <dgm:chPref val="1"/>
+          </dgm:varLst>
+          <dgm:alg type="tx">
+            <dgm:param type="txAnchorVert" val="t"/>
+          </dgm:alg>
+          <dgm:shape xmlns:r="http://schemas.openxmlformats.org/officeDocument/2006/relationships" type="rect" r:blip="">
+            <dgm:adjLst/>
+          </dgm:shape>
+          <dgm:presOf axis="self" ptType="node"/>
+          <dgm:constrLst>
+            <dgm:constr type="lMarg"/>
+            <dgm:constr type="rMarg"/>
+            <dgm:constr type="tMarg"/>
+            <dgm:constr type="bMarg"/>
+          </dgm:constrLst>
+          <dgm:ruleLst>
+            <dgm:rule type="primFontSz" val="11" fact="NaN" max="NaN"/>
+            <dgm:rule type="h" val="INF" fact="NaN" max="NaN"/>
+          </dgm:ruleLst>
+        </dgm:layoutNode>
+      </dgm:layoutNode>
+      <dgm:forEach name="Name9" axis="followSib" ptType="sibTrans" cnt="1">
+        <dgm:layoutNode name="sibTrans">
+          <dgm:alg type="sp"/>
+          <dgm:shape xmlns:r="http://schemas.openxmlformats.org/officeDocument/2006/relationships" r:blip="">
+            <dgm:adjLst/>
+          </dgm:shape>
+          <dgm:presOf axis="self"/>
+          <dgm:constrLst/>
+          <dgm:ruleLst/>
+        </dgm:layoutNode>
+      </dgm:forEach>
+    </dgm:forEach>
+  </dgm:layoutNode>
+  <dgm:extLst>
+    <a:ext uri="{68A01E43-0DF5-4B5B-8FA6-DAF915123BFB}">
+      <dgm1612:lstStyle xmlns:dgm1612="http://schemas.microsoft.com/office/drawing/2016/12/diagram" xmlns="">
+        <a:lvl1pPr>
+          <a:lnSpc>
+            <a:spcPct val="100000"/>
+          </a:lnSpc>
+          <a:defRPr cap="all"/>
+        </a:lvl1pPr>
+      </dgm1612:lstStyle>
+    </a:ext>
+  </dgm:extLst>
+</dgm:layoutDef>
+</file>
+
+<file path=ppt/diagrams/layout3.xml><?xml version="1.0" encoding="utf-8"?>
 <dgm:layoutDef xmlns:dgm="http://schemas.openxmlformats.org/drawingml/2006/diagram" xmlns:a="http://schemas.openxmlformats.org/drawingml/2006/main" uniqueId="urn:microsoft.com/office/officeart/2018/2/layout/IconVerticalSolidList">
   <dgm:title val="Icon Vertical Solid List"/>
   <dgm:desc val="Use to show a series of visuals from top to bottom with Level 1 or Level 1 and Level 2 text grouped in a shape. Works best with icons or small pictures with lengthier descriptions."/>
@@ -5534,7 +5874,7 @@
   </dgm:layoutNode>
   <dgm:extLst>
     <a:ext uri="{68A01E43-0DF5-4B5B-8FA6-DAF915123BFB}">
-      <dgm1612:lstStyle xmlns:dgm1612="http://schemas.microsoft.com/office/drawing/2016/12/diagram">
+      <dgm1612:lstStyle xmlns:dgm1612="http://schemas.microsoft.com/office/drawing/2016/12/diagram" xmlns="">
         <a:lvl1pPr>
           <a:lnSpc>
             <a:spcPct val="100000"/>
@@ -5545,221 +5885,6 @@
             <a:spcPct val="100000"/>
           </a:lnSpc>
         </a:lvl2pPr>
-      </dgm1612:lstStyle>
-    </a:ext>
-  </dgm:extLst>
-</dgm:layoutDef>
-</file>
-
-<file path=ppt/diagrams/layout3.xml><?xml version="1.0" encoding="utf-8"?>
-<dgm:layoutDef xmlns:dgm="http://schemas.openxmlformats.org/drawingml/2006/diagram" xmlns:a="http://schemas.openxmlformats.org/drawingml/2006/main" uniqueId="urn:microsoft.com/office/officeart/2018/5/layout/IconCircleLabelList">
-  <dgm:title val="Icon Circle Label List"/>
-  <dgm:desc val="Use to show non-sequential or grouped chunks of information accompanied by a related visuals. Works best with icons or small pictures with short text captions."/>
-  <dgm:catLst>
-    <dgm:cat type="icon" pri="500"/>
-  </dgm:catLst>
-  <dgm:sampData useDef="1">
-    <dgm:dataModel>
-      <dgm:ptLst/>
-      <dgm:bg/>
-      <dgm:whole/>
-    </dgm:dataModel>
-  </dgm:sampData>
-  <dgm:styleData useDef="1">
-    <dgm:dataModel>
-      <dgm:ptLst/>
-      <dgm:bg/>
-      <dgm:whole/>
-    </dgm:dataModel>
-  </dgm:styleData>
-  <dgm:clrData useDef="1">
-    <dgm:dataModel>
-      <dgm:ptLst/>
-      <dgm:bg/>
-      <dgm:whole/>
-    </dgm:dataModel>
-  </dgm:clrData>
-  <dgm:layoutNode name="root">
-    <dgm:varLst>
-      <dgm:dir/>
-      <dgm:resizeHandles val="exact"/>
-    </dgm:varLst>
-    <dgm:choose name="Name0">
-      <dgm:if name="Name1" axis="self" func="var" arg="dir" op="equ" val="norm">
-        <dgm:alg type="snake">
-          <dgm:param type="grDir" val="tL"/>
-          <dgm:param type="flowDir" val="row"/>
-          <dgm:param type="contDir" val="sameDir"/>
-          <dgm:param type="off" val="ctr"/>
-          <dgm:param type="vertAlign" val="mid"/>
-          <dgm:param type="horzAlign" val="ctr"/>
-        </dgm:alg>
-      </dgm:if>
-      <dgm:else name="Name2">
-        <dgm:alg type="snake">
-          <dgm:param type="grDir" val="tR"/>
-          <dgm:param type="flowDir" val="row"/>
-          <dgm:param type="contDir" val="sameDir"/>
-          <dgm:param type="off" val="ctr"/>
-          <dgm:param type="vertAlign" val="mid"/>
-          <dgm:param type="horzAlign" val="ctr"/>
-        </dgm:alg>
-      </dgm:else>
-    </dgm:choose>
-    <dgm:shape xmlns:r="http://schemas.openxmlformats.org/officeDocument/2006/relationships" r:blip="">
-      <dgm:adjLst/>
-    </dgm:shape>
-    <dgm:presOf/>
-    <dgm:choose name="Name3">
-      <dgm:if name="Name4" axis="ch" ptType="node" func="cnt" op="lte" val="2">
-        <dgm:constrLst>
-          <dgm:constr type="h" for="ch" forName="compNode" refType="h" fact="0.4"/>
-          <dgm:constr type="w" for="ch" forName="compNode" val="100"/>
-          <dgm:constr type="w" for="ch" forName="sibTrans" refType="w" refFor="ch" refForName="compNode" fact="0.175"/>
-          <dgm:constr type="sp" refType="w" refFor="ch" refForName="compNode" op="equ" fact="0.25"/>
-          <dgm:constr type="primFontSz" for="des" ptType="node" op="equ" val="44"/>
-          <dgm:constr type="h" for="des" forName="compNode" op="equ"/>
-          <dgm:constr type="h" for="des" forName="textRect" op="equ"/>
-        </dgm:constrLst>
-      </dgm:if>
-      <dgm:if name="Name5" axis="ch" ptType="node" func="cnt" op="lte" val="3">
-        <dgm:constrLst>
-          <dgm:constr type="h" for="ch" forName="compNode" refType="h" fact="0.4"/>
-          <dgm:constr type="w" for="ch" forName="compNode" val="100"/>
-          <dgm:constr type="w" for="ch" forName="sibTrans" refType="w" refFor="ch" refForName="compNode" fact="0.175"/>
-          <dgm:constr type="sp" refType="w" refFor="ch" refForName="compNode" op="equ" fact="0.25"/>
-          <dgm:constr type="primFontSz" for="des" ptType="node" op="equ" val="40"/>
-          <dgm:constr type="h" for="des" forName="compNode" op="equ"/>
-          <dgm:constr type="h" for="des" forName="textRect" op="equ"/>
-        </dgm:constrLst>
-      </dgm:if>
-      <dgm:if name="Name6" axis="ch" ptType="node" func="cnt" op="lte" val="4">
-        <dgm:constrLst>
-          <dgm:constr type="h" for="ch" forName="compNode" refType="h" fact="0.4"/>
-          <dgm:constr type="w" for="ch" forName="compNode" refType="w"/>
-          <dgm:constr type="w" for="ch" forName="sibTrans" refType="w" refFor="ch" refForName="compNode" fact="0.175"/>
-          <dgm:constr type="sp" refType="w" refFor="ch" refForName="compNode" op="equ" fact="0.25"/>
-          <dgm:constr type="primFontSz" for="des" ptType="node" op="equ" val="32"/>
-          <dgm:constr type="h" for="des" forName="compNode" op="equ"/>
-          <dgm:constr type="h" for="des" forName="textRect" op="equ"/>
-        </dgm:constrLst>
-      </dgm:if>
-      <dgm:else name="Name7">
-        <dgm:constrLst>
-          <dgm:constr type="h" for="ch" forName="compNode" refType="h" fact="0.4"/>
-          <dgm:constr type="w" for="ch" forName="compNode" refType="w"/>
-          <dgm:constr type="w" for="ch" forName="sibTrans" refType="w" refFor="ch" refForName="compNode" fact="0.175"/>
-          <dgm:constr type="sp" refType="w" refFor="ch" refForName="compNode" op="equ" fact="0.25"/>
-          <dgm:constr type="primFontSz" for="des" ptType="node" op="equ" val="24"/>
-          <dgm:constr type="h" for="des" forName="compNode" op="equ"/>
-          <dgm:constr type="h" for="des" forName="textRect" op="equ"/>
-        </dgm:constrLst>
-      </dgm:else>
-    </dgm:choose>
-    <dgm:ruleLst>
-      <dgm:rule type="w" for="ch" forName="compNode" val="50" fact="NaN" max="NaN"/>
-    </dgm:ruleLst>
-    <dgm:forEach name="Name8" axis="ch" ptType="node">
-      <dgm:layoutNode name="compNode">
-        <dgm:alg type="composite"/>
-        <dgm:shape xmlns:r="http://schemas.openxmlformats.org/officeDocument/2006/relationships" r:blip="">
-          <dgm:adjLst/>
-        </dgm:shape>
-        <dgm:presOf axis="self"/>
-        <dgm:constrLst>
-          <dgm:constr type="w" for="ch" forName="iconBgRect" refType="w" fact="0.61"/>
-          <dgm:constr type="h" for="ch" forName="iconBgRect" refType="w" refFor="ch" refForName="iconBgRect"/>
-          <dgm:constr type="t" for="ch" forName="iconBgRect"/>
-          <dgm:constr type="ctrX" for="ch" forName="iconBgRect" refType="w" fact="0.5"/>
-          <dgm:constr type="w" for="ch" forName="iconRect" refType="w" fact="0.35"/>
-          <dgm:constr type="h" for="ch" forName="iconRect" refType="w" refFor="ch" refForName="iconRect"/>
-          <dgm:constr type="ctrX" for="ch" forName="iconRect" refType="ctrX" refFor="ch" refForName="iconBgRect"/>
-          <dgm:constr type="ctrY" for="ch" forName="iconRect" refType="ctrY" refFor="ch" refForName="iconBgRect"/>
-          <dgm:constr type="h" for="ch" forName="spaceRect" refType="w" fact="0.19"/>
-          <dgm:constr type="w" for="ch" forName="spaceRect" refType="w"/>
-          <dgm:constr type="l" for="ch" forName="spaceRect"/>
-          <dgm:constr type="t" for="ch" forName="spaceRect" refType="b" refFor="ch" refForName="iconBgRect"/>
-          <dgm:constr type="h" for="ch" forName="textRect" val="20"/>
-          <dgm:constr type="w" for="ch" forName="textRect" refType="w"/>
-          <dgm:constr type="l" for="ch" forName="textRect"/>
-          <dgm:constr type="t" for="ch" forName="textRect" refType="b" refFor="ch" refForName="spaceRect"/>
-        </dgm:constrLst>
-        <dgm:ruleLst>
-          <dgm:rule type="h" val="INF" fact="NaN" max="NaN"/>
-        </dgm:ruleLst>
-        <dgm:layoutNode name="iconBgRect" styleLbl="bgShp">
-          <dgm:alg type="sp"/>
-          <dgm:shape xmlns:r="http://schemas.openxmlformats.org/officeDocument/2006/relationships" type="ellipse" r:blip="">
-            <dgm:adjLst/>
-          </dgm:shape>
-          <dgm:presOf/>
-          <dgm:constrLst/>
-          <dgm:ruleLst/>
-        </dgm:layoutNode>
-        <dgm:layoutNode name="iconRect" styleLbl="node1">
-          <dgm:alg type="sp"/>
-          <dgm:shape xmlns:r="http://schemas.openxmlformats.org/officeDocument/2006/relationships" type="rect" r:blip="" blipPhldr="1">
-            <dgm:adjLst/>
-          </dgm:shape>
-          <dgm:presOf/>
-          <dgm:constrLst/>
-          <dgm:ruleLst/>
-        </dgm:layoutNode>
-        <dgm:layoutNode name="spaceRect">
-          <dgm:alg type="sp"/>
-          <dgm:shape xmlns:r="http://schemas.openxmlformats.org/officeDocument/2006/relationships" r:blip="">
-            <dgm:adjLst/>
-          </dgm:shape>
-          <dgm:presOf/>
-          <dgm:constrLst/>
-          <dgm:ruleLst/>
-        </dgm:layoutNode>
-        <dgm:layoutNode name="textRect" styleLbl="revTx">
-          <dgm:varLst>
-            <dgm:chMax val="1"/>
-            <dgm:chPref val="1"/>
-          </dgm:varLst>
-          <dgm:alg type="tx">
-            <dgm:param type="txAnchorVert" val="t"/>
-          </dgm:alg>
-          <dgm:shape xmlns:r="http://schemas.openxmlformats.org/officeDocument/2006/relationships" type="rect" r:blip="">
-            <dgm:adjLst/>
-          </dgm:shape>
-          <dgm:presOf axis="self" ptType="node"/>
-          <dgm:constrLst>
-            <dgm:constr type="lMarg"/>
-            <dgm:constr type="rMarg"/>
-            <dgm:constr type="tMarg"/>
-            <dgm:constr type="bMarg"/>
-          </dgm:constrLst>
-          <dgm:ruleLst>
-            <dgm:rule type="primFontSz" val="11" fact="NaN" max="NaN"/>
-            <dgm:rule type="h" val="INF" fact="NaN" max="NaN"/>
-          </dgm:ruleLst>
-        </dgm:layoutNode>
-      </dgm:layoutNode>
-      <dgm:forEach name="Name9" axis="followSib" ptType="sibTrans" cnt="1">
-        <dgm:layoutNode name="sibTrans">
-          <dgm:alg type="sp"/>
-          <dgm:shape xmlns:r="http://schemas.openxmlformats.org/officeDocument/2006/relationships" r:blip="">
-            <dgm:adjLst/>
-          </dgm:shape>
-          <dgm:presOf axis="self"/>
-          <dgm:constrLst/>
-          <dgm:ruleLst/>
-        </dgm:layoutNode>
-      </dgm:forEach>
-    </dgm:forEach>
-  </dgm:layoutNode>
-  <dgm:extLst>
-    <a:ext uri="{68A01E43-0DF5-4B5B-8FA6-DAF915123BFB}">
-      <dgm1612:lstStyle xmlns:dgm1612="http://schemas.microsoft.com/office/drawing/2016/12/diagram">
-        <a:lvl1pPr>
-          <a:lnSpc>
-            <a:spcPct val="100000"/>
-          </a:lnSpc>
-          <a:defRPr cap="all"/>
-        </a:lvl1pPr>
       </dgm1612:lstStyle>
     </a:ext>
   </dgm:extLst>
@@ -9261,64 +9386,7 @@
           <a:bodyPr/>
           <a:lstStyle/>
           <a:p>
-            <a:pPr marL="0" marR="0" lvl="0" indent="0" algn="l" defTabSz="914400" rtl="0" eaLnBrk="1" fontAlgn="auto" latinLnBrk="0" hangingPunct="1">
-              <a:lnSpc>
-                <a:spcPct val="100000"/>
-              </a:lnSpc>
-              <a:spcBef>
-                <a:spcPts val="0"/>
-              </a:spcBef>
-              <a:spcAft>
-                <a:spcPts val="0"/>
-              </a:spcAft>
-              <a:buClrTx/>
-              <a:buSzTx/>
-              <a:buFontTx/>
-              <a:buNone/>
-              <a:tabLst/>
-              <a:defRPr/>
-            </a:pPr>
-            <a:r>
-              <a:rPr lang="pl-PL" dirty="0"/>
-              <a:t>Wierzchołek – pewien stan rozgrywki</a:t>
-            </a:r>
-          </a:p>
-          <a:p>
-            <a:pPr marL="0" indent="0">
-              <a:buNone/>
-            </a:pPr>
             <a:endParaRPr lang="pl-PL" dirty="0"/>
-          </a:p>
-          <a:p>
-            <a:pPr marL="0" indent="0">
-              <a:buNone/>
-            </a:pPr>
-            <a:r>
-              <a:rPr lang="pl-PL" dirty="0"/>
-              <a:t>Powszechnie stosowany algorytm w sztucznej inteligencji</a:t>
-            </a:r>
-          </a:p>
-          <a:p>
-            <a:r>
-              <a:rPr lang="pl-PL" dirty="0"/>
-              <a:t>Sztandarowy przykład: </a:t>
-            </a:r>
-            <a:r>
-              <a:rPr lang="pl-PL" dirty="0" err="1"/>
-              <a:t>AlphaGo</a:t>
-            </a:r>
-            <a:r>
-              <a:rPr lang="pl-PL" dirty="0"/>
-              <a:t> (Google </a:t>
-            </a:r>
-            <a:r>
-              <a:rPr lang="pl-PL" dirty="0" err="1"/>
-              <a:t>DeepMind</a:t>
-            </a:r>
-            <a:r>
-              <a:rPr lang="pl-PL" dirty="0"/>
-              <a:t>)</a:t>
-            </a:r>
           </a:p>
         </p:txBody>
       </p:sp>
@@ -9348,7 +9416,7 @@
     </p:spTree>
     <p:extLst>
       <p:ext uri="{BB962C8B-B14F-4D97-AF65-F5344CB8AC3E}">
-        <p14:creationId xmlns:p14="http://schemas.microsoft.com/office/powerpoint/2010/main" val="222642412"/>
+        <p14:creationId xmlns:p14="http://schemas.microsoft.com/office/powerpoint/2010/main" val="4277640132"/>
       </p:ext>
     </p:extLst>
   </p:cSld>
@@ -9435,7 +9503,7 @@
     </p:spTree>
     <p:extLst>
       <p:ext uri="{BB962C8B-B14F-4D97-AF65-F5344CB8AC3E}">
-        <p14:creationId xmlns:p14="http://schemas.microsoft.com/office/powerpoint/2010/main" val="4270352034"/>
+        <p14:creationId xmlns:p14="http://schemas.microsoft.com/office/powerpoint/2010/main" val="883683020"/>
       </p:ext>
     </p:extLst>
   </p:cSld>
@@ -9522,7 +9590,7 @@
     </p:spTree>
     <p:extLst>
       <p:ext uri="{BB962C8B-B14F-4D97-AF65-F5344CB8AC3E}">
-        <p14:creationId xmlns:p14="http://schemas.microsoft.com/office/powerpoint/2010/main" val="883683020"/>
+        <p14:creationId xmlns:p14="http://schemas.microsoft.com/office/powerpoint/2010/main" val="567094366"/>
       </p:ext>
     </p:extLst>
   </p:cSld>
@@ -9609,7 +9677,7 @@
     </p:spTree>
     <p:extLst>
       <p:ext uri="{BB962C8B-B14F-4D97-AF65-F5344CB8AC3E}">
-        <p14:creationId xmlns:p14="http://schemas.microsoft.com/office/powerpoint/2010/main" val="567094366"/>
+        <p14:creationId xmlns:p14="http://schemas.microsoft.com/office/powerpoint/2010/main" val="3325026666"/>
       </p:ext>
     </p:extLst>
   </p:cSld>
@@ -9663,10 +9731,7 @@
           <a:bodyPr/>
           <a:lstStyle/>
           <a:p>
-            <a:r>
-              <a:rPr lang="pl-PL" dirty="0"/>
-              <a:t>Gry – deterministyczne</a:t>
-            </a:r>
+            <a:endParaRPr lang="pl-PL" dirty="0"/>
           </a:p>
         </p:txBody>
       </p:sp>
@@ -9687,7 +9752,7 @@
           <a:p>
             <a:fld id="{C81F7037-7095-43F4-B3A1-A3FA3BD84113}" type="slidenum">
               <a:rPr lang="pl-PL" smtClean="0"/>
-              <a:t>14</a:t>
+              <a:t>15</a:t>
             </a:fld>
             <a:endParaRPr lang="pl-PL"/>
           </a:p>
@@ -9696,7 +9761,7 @@
     </p:spTree>
     <p:extLst>
       <p:ext uri="{BB962C8B-B14F-4D97-AF65-F5344CB8AC3E}">
-        <p14:creationId xmlns:p14="http://schemas.microsoft.com/office/powerpoint/2010/main" val="3325026666"/>
+        <p14:creationId xmlns:p14="http://schemas.microsoft.com/office/powerpoint/2010/main" val="1733741979"/>
       </p:ext>
     </p:extLst>
   </p:cSld>
@@ -9780,7 +9845,7 @@
     </p:spTree>
     <p:extLst>
       <p:ext uri="{BB962C8B-B14F-4D97-AF65-F5344CB8AC3E}">
-        <p14:creationId xmlns:p14="http://schemas.microsoft.com/office/powerpoint/2010/main" val="1733741979"/>
+        <p14:creationId xmlns:p14="http://schemas.microsoft.com/office/powerpoint/2010/main" val="2021866260"/>
       </p:ext>
     </p:extLst>
   </p:cSld>
@@ -9834,7 +9899,18 @@
           <a:bodyPr/>
           <a:lstStyle/>
           <a:p>
-            <a:endParaRPr lang="pl-PL" dirty="0"/>
+            <a:r>
+              <a:rPr lang="pl-PL" dirty="0"/>
+              <a:t>AD 1: Na </a:t>
+            </a:r>
+            <a:r>
+              <a:rPr lang="pl-PL" dirty="0" err="1"/>
+              <a:t>macu</a:t>
+            </a:r>
+            <a:r>
+              <a:rPr lang="pl-PL" dirty="0"/>
+              <a:t> też pewnie zadziała, ale nie jest naszym priorytetem to testować</a:t>
+            </a:r>
           </a:p>
         </p:txBody>
       </p:sp>
@@ -9864,7 +9940,7 @@
     </p:spTree>
     <p:extLst>
       <p:ext uri="{BB962C8B-B14F-4D97-AF65-F5344CB8AC3E}">
-        <p14:creationId xmlns:p14="http://schemas.microsoft.com/office/powerpoint/2010/main" val="2021866260"/>
+        <p14:creationId xmlns:p14="http://schemas.microsoft.com/office/powerpoint/2010/main" val="3618730001"/>
       </p:ext>
     </p:extLst>
   </p:cSld>
@@ -9918,17 +9994,63 @@
           <a:bodyPr/>
           <a:lstStyle/>
           <a:p>
+            <a:pPr marL="0" marR="0" lvl="0" indent="0" algn="l" defTabSz="914400" rtl="0" eaLnBrk="1" fontAlgn="auto" latinLnBrk="0" hangingPunct="1">
+              <a:lnSpc>
+                <a:spcPct val="100000"/>
+              </a:lnSpc>
+              <a:spcBef>
+                <a:spcPts val="0"/>
+              </a:spcBef>
+              <a:spcAft>
+                <a:spcPts val="0"/>
+              </a:spcAft>
+              <a:buClrTx/>
+              <a:buSzTx/>
+              <a:buFontTx/>
+              <a:buNone/>
+              <a:tabLst/>
+              <a:defRPr/>
+            </a:pPr>
             <a:r>
               <a:rPr lang="pl-PL" dirty="0"/>
-              <a:t>AD 1: Na </a:t>
+              <a:t>Wierzchołek – pewien stan rozgrywki</a:t>
+            </a:r>
+          </a:p>
+          <a:p>
+            <a:pPr marL="0" indent="0">
+              <a:buNone/>
+            </a:pPr>
+            <a:endParaRPr lang="pl-PL" dirty="0"/>
+          </a:p>
+          <a:p>
+            <a:pPr marL="0" indent="0">
+              <a:buNone/>
+            </a:pPr>
+            <a:r>
+              <a:rPr lang="pl-PL" dirty="0"/>
+              <a:t>Powszechnie stosowany algorytm w sztucznej inteligencji</a:t>
+            </a:r>
+          </a:p>
+          <a:p>
+            <a:r>
+              <a:rPr lang="pl-PL" dirty="0"/>
+              <a:t>Sztandarowy przykład: </a:t>
             </a:r>
             <a:r>
               <a:rPr lang="pl-PL" dirty="0" err="1"/>
-              <a:t>macu</a:t>
+              <a:t>AlphaGo</a:t>
             </a:r>
             <a:r>
               <a:rPr lang="pl-PL" dirty="0"/>
-              <a:t> też pewnie zadziała, ale nie jest naszym priorytetem to testować</a:t>
+              <a:t> (Google </a:t>
+            </a:r>
+            <a:r>
+              <a:rPr lang="pl-PL" dirty="0" err="1"/>
+              <a:t>DeepMind</a:t>
+            </a:r>
+            <a:r>
+              <a:rPr lang="pl-PL" dirty="0"/>
+              <a:t>)</a:t>
             </a:r>
           </a:p>
         </p:txBody>
@@ -9959,7 +10081,7 @@
     </p:spTree>
     <p:extLst>
       <p:ext uri="{BB962C8B-B14F-4D97-AF65-F5344CB8AC3E}">
-        <p14:creationId xmlns:p14="http://schemas.microsoft.com/office/powerpoint/2010/main" val="3618730001"/>
+        <p14:creationId xmlns:p14="http://schemas.microsoft.com/office/powerpoint/2010/main" val="222642412"/>
       </p:ext>
     </p:extLst>
   </p:cSld>
@@ -10351,7 +10473,7 @@
     </p:spTree>
     <p:extLst>
       <p:ext uri="{BB962C8B-B14F-4D97-AF65-F5344CB8AC3E}">
-        <p14:creationId xmlns:p14="http://schemas.microsoft.com/office/powerpoint/2010/main" val="4277640132"/>
+        <p14:creationId xmlns:p14="http://schemas.microsoft.com/office/powerpoint/2010/main" val="1420787420"/>
       </p:ext>
     </p:extLst>
   </p:cSld>
@@ -11825,7 +11947,7 @@
     </p:spTree>
     <p:extLst>
       <p:ext uri="{BB962C8B-B14F-4D97-AF65-F5344CB8AC3E}">
-        <p14:creationId xmlns:p14="http://schemas.microsoft.com/office/powerpoint/2010/main" val="1420787420"/>
+        <p14:creationId xmlns:p14="http://schemas.microsoft.com/office/powerpoint/2010/main" val="237578150"/>
       </p:ext>
     </p:extLst>
   </p:cSld>
@@ -13007,7 +13129,24 @@
           <a:bodyPr/>
           <a:lstStyle/>
           <a:p>
-            <a:endParaRPr lang="pl-PL" dirty="0"/>
+            <a:pPr marL="0" marR="0" lvl="0" indent="0" algn="l" defTabSz="914400" rtl="0" eaLnBrk="1" fontAlgn="auto" latinLnBrk="0" hangingPunct="1">
+              <a:lnSpc>
+                <a:spcPct val="100000"/>
+              </a:lnSpc>
+              <a:spcBef>
+                <a:spcPts val="0"/>
+              </a:spcBef>
+              <a:spcAft>
+                <a:spcPts val="0"/>
+              </a:spcAft>
+              <a:buClrTx/>
+              <a:buSzTx/>
+              <a:buFontTx/>
+              <a:buNone/>
+              <a:tabLst/>
+              <a:defRPr/>
+            </a:pPr>
+            <a:endParaRPr lang="pl-PL" sz="1200" dirty="0"/>
           </a:p>
         </p:txBody>
       </p:sp>
@@ -13037,7 +13176,7 @@
     </p:spTree>
     <p:extLst>
       <p:ext uri="{BB962C8B-B14F-4D97-AF65-F5344CB8AC3E}">
-        <p14:creationId xmlns:p14="http://schemas.microsoft.com/office/powerpoint/2010/main" val="237578150"/>
+        <p14:creationId xmlns:p14="http://schemas.microsoft.com/office/powerpoint/2010/main" val="913285524"/>
       </p:ext>
     </p:extLst>
   </p:cSld>
@@ -14144,24 +14283,10 @@
           <a:bodyPr/>
           <a:lstStyle/>
           <a:p>
-            <a:pPr marL="0" marR="0" lvl="0" indent="0" algn="l" defTabSz="914400" rtl="0" eaLnBrk="1" fontAlgn="auto" latinLnBrk="0" hangingPunct="1">
-              <a:lnSpc>
-                <a:spcPct val="100000"/>
-              </a:lnSpc>
-              <a:spcBef>
-                <a:spcPts val="0"/>
-              </a:spcBef>
-              <a:spcAft>
-                <a:spcPts val="0"/>
-              </a:spcAft>
-              <a:buClrTx/>
-              <a:buSzTx/>
-              <a:buFontTx/>
-              <a:buNone/>
-              <a:tabLst/>
-              <a:defRPr/>
-            </a:pPr>
-            <a:endParaRPr lang="pl-PL" sz="1200" dirty="0"/>
+            <a:r>
+              <a:rPr lang="pl-PL" dirty="0"/>
+              <a:t>Gry – deterministyczne</a:t>
+            </a:r>
           </a:p>
         </p:txBody>
       </p:sp>
@@ -14191,7 +14316,7 @@
     </p:spTree>
     <p:extLst>
       <p:ext uri="{BB962C8B-B14F-4D97-AF65-F5344CB8AC3E}">
-        <p14:creationId xmlns:p14="http://schemas.microsoft.com/office/powerpoint/2010/main" val="913285524"/>
+        <p14:creationId xmlns:p14="http://schemas.microsoft.com/office/powerpoint/2010/main" val="4134231163"/>
       </p:ext>
     </p:extLst>
   </p:cSld>
@@ -14362,7 +14487,7 @@
     </p:spTree>
     <p:extLst>
       <p:ext uri="{BB962C8B-B14F-4D97-AF65-F5344CB8AC3E}">
-        <p14:creationId xmlns:p14="http://schemas.microsoft.com/office/powerpoint/2010/main" val="4134231163"/>
+        <p14:creationId xmlns:p14="http://schemas.microsoft.com/office/powerpoint/2010/main" val="1154724"/>
       </p:ext>
     </p:extLst>
   </p:cSld>
@@ -14449,7 +14574,7 @@
     </p:spTree>
     <p:extLst>
       <p:ext uri="{BB962C8B-B14F-4D97-AF65-F5344CB8AC3E}">
-        <p14:creationId xmlns:p14="http://schemas.microsoft.com/office/powerpoint/2010/main" val="1154724"/>
+        <p14:creationId xmlns:p14="http://schemas.microsoft.com/office/powerpoint/2010/main" val="2458878102"/>
       </p:ext>
     </p:extLst>
   </p:cSld>
@@ -14536,7 +14661,7 @@
     </p:spTree>
     <p:extLst>
       <p:ext uri="{BB962C8B-B14F-4D97-AF65-F5344CB8AC3E}">
-        <p14:creationId xmlns:p14="http://schemas.microsoft.com/office/powerpoint/2010/main" val="2458878102"/>
+        <p14:creationId xmlns:p14="http://schemas.microsoft.com/office/powerpoint/2010/main" val="731569224"/>
       </p:ext>
     </p:extLst>
   </p:cSld>
@@ -14623,7 +14748,7 @@
     </p:spTree>
     <p:extLst>
       <p:ext uri="{BB962C8B-B14F-4D97-AF65-F5344CB8AC3E}">
-        <p14:creationId xmlns:p14="http://schemas.microsoft.com/office/powerpoint/2010/main" val="731569224"/>
+        <p14:creationId xmlns:p14="http://schemas.microsoft.com/office/powerpoint/2010/main" val="4270352034"/>
       </p:ext>
     </p:extLst>
   </p:cSld>
@@ -22378,6 +22503,13 @@
       </p:transition>
     </mc:Fallback>
   </mc:AlternateContent>
+  <p:timing>
+    <p:tnLst>
+      <p:par>
+        <p:cTn id="1" dur="indefinite" restart="never" nodeType="tmRoot"/>
+      </p:par>
+    </p:tnLst>
+  </p:timing>
 </p:sld>
 </file>
 
@@ -22441,7 +22573,7 @@
                 <a16:creationId xmlns:a16="http://schemas.microsoft.com/office/drawing/2014/main" id="{E4055289-E0C6-4BD3-83C1-D3C3059323A2}"/>
               </a:ext>
               <a:ext uri="{C183D7F6-B498-43B3-948B-1728B52AA6E4}">
-                <adec:decorative xmlns:adec="http://schemas.microsoft.com/office/drawing/2017/decorative" val="1"/>
+                <adec:decorative xmlns:adec="http://schemas.microsoft.com/office/drawing/2017/decorative" xmlns="" val="1"/>
               </a:ext>
             </a:extLst>
           </p:cNvPr>
@@ -22543,7 +22675,7 @@
                 <a16:creationId xmlns:a16="http://schemas.microsoft.com/office/drawing/2014/main" id="{3D0E302E-D9CD-4301-A67C-2F0F43791D81}"/>
               </a:ext>
               <a:ext uri="{C183D7F6-B498-43B3-948B-1728B52AA6E4}">
-                <adec:decorative xmlns:adec="http://schemas.microsoft.com/office/drawing/2017/decorative" val="1"/>
+                <adec:decorative xmlns:adec="http://schemas.microsoft.com/office/drawing/2017/decorative" xmlns="" val="1"/>
               </a:ext>
             </a:extLst>
           </p:cNvPr>
@@ -22602,7 +22734,7 @@
                 <a16:creationId xmlns:a16="http://schemas.microsoft.com/office/drawing/2014/main" id="{CA457133-9802-4229-B919-FF91AE235CCB}"/>
               </a:ext>
               <a:ext uri="{C183D7F6-B498-43B3-948B-1728B52AA6E4}">
-                <adec:decorative xmlns:adec="http://schemas.microsoft.com/office/drawing/2017/decorative" val="1"/>
+                <adec:decorative xmlns:adec="http://schemas.microsoft.com/office/drawing/2017/decorative" xmlns="" val="1"/>
               </a:ext>
             </a:extLst>
           </p:cNvPr>
@@ -22647,7 +22779,7 @@
                 <a16:creationId xmlns:a16="http://schemas.microsoft.com/office/drawing/2014/main" id="{35174CBE-3C8C-4936-BADC-26BFB4F07FA9}"/>
               </a:ext>
               <a:ext uri="{C183D7F6-B498-43B3-948B-1728B52AA6E4}">
-                <adec:decorative xmlns:adec="http://schemas.microsoft.com/office/drawing/2017/decorative" val="1"/>
+                <adec:decorative xmlns:adec="http://schemas.microsoft.com/office/drawing/2017/decorative" xmlns="" val="1"/>
               </a:ext>
             </a:extLst>
           </p:cNvPr>
@@ -22741,7 +22873,7 @@
                 <a16:creationId xmlns:a16="http://schemas.microsoft.com/office/drawing/2014/main" id="{74CBD692-4D03-4764-98E3-F95783857866}"/>
               </a:ext>
               <a:ext uri="{C183D7F6-B498-43B3-948B-1728B52AA6E4}">
-                <adec:decorative xmlns:adec="http://schemas.microsoft.com/office/drawing/2017/decorative" val="1"/>
+                <adec:decorative xmlns:adec="http://schemas.microsoft.com/office/drawing/2017/decorative" xmlns="" val="1"/>
               </a:ext>
             </a:extLst>
           </p:cNvPr>
@@ -22786,7 +22918,7 @@
                 <a16:creationId xmlns:a16="http://schemas.microsoft.com/office/drawing/2014/main" id="{932BC668-4D51-4090-89E3-5613B832E4F8}"/>
               </a:ext>
               <a:ext uri="{C183D7F6-B498-43B3-948B-1728B52AA6E4}">
-                <adec:decorative xmlns:adec="http://schemas.microsoft.com/office/drawing/2017/decorative" val="1"/>
+                <adec:decorative xmlns:adec="http://schemas.microsoft.com/office/drawing/2017/decorative" xmlns="" val="1"/>
               </a:ext>
             </a:extLst>
           </p:cNvPr>
@@ -22896,12 +23028,21 @@
               <a:t>Możliwość wczytania drzewa w formacie CSV/binarnym</a:t>
             </a:r>
           </a:p>
+          <a:p>
+            <a:pPr marL="457200" indent="-457200">
+              <a:buAutoNum type="arabicPeriod"/>
+            </a:pPr>
+            <a:r>
+              <a:rPr lang="pl-PL" sz="2000" dirty="0"/>
+              <a:t>Możliwość dogłębnej analizy drzewa</a:t>
+            </a:r>
+          </a:p>
         </p:txBody>
       </p:sp>
     </p:spTree>
     <p:extLst>
       <p:ext uri="{BB962C8B-B14F-4D97-AF65-F5344CB8AC3E}">
-        <p14:creationId xmlns:p14="http://schemas.microsoft.com/office/powerpoint/2010/main" val="3006518636"/>
+        <p14:creationId xmlns:p14="http://schemas.microsoft.com/office/powerpoint/2010/main" val="1796274079"/>
       </p:ext>
     </p:extLst>
   </p:cSld>
@@ -22983,7 +23124,7 @@
                 <a16:creationId xmlns:a16="http://schemas.microsoft.com/office/drawing/2014/main" id="{E4055289-E0C6-4BD3-83C1-D3C3059323A2}"/>
               </a:ext>
               <a:ext uri="{C183D7F6-B498-43B3-948B-1728B52AA6E4}">
-                <adec:decorative xmlns:adec="http://schemas.microsoft.com/office/drawing/2017/decorative" val="1"/>
+                <adec:decorative xmlns:adec="http://schemas.microsoft.com/office/drawing/2017/decorative" xmlns="" val="1"/>
               </a:ext>
             </a:extLst>
           </p:cNvPr>
@@ -23085,7 +23226,7 @@
                 <a16:creationId xmlns:a16="http://schemas.microsoft.com/office/drawing/2014/main" id="{3D0E302E-D9CD-4301-A67C-2F0F43791D81}"/>
               </a:ext>
               <a:ext uri="{C183D7F6-B498-43B3-948B-1728B52AA6E4}">
-                <adec:decorative xmlns:adec="http://schemas.microsoft.com/office/drawing/2017/decorative" val="1"/>
+                <adec:decorative xmlns:adec="http://schemas.microsoft.com/office/drawing/2017/decorative" xmlns="" val="1"/>
               </a:ext>
             </a:extLst>
           </p:cNvPr>
@@ -23144,7 +23285,7 @@
                 <a16:creationId xmlns:a16="http://schemas.microsoft.com/office/drawing/2014/main" id="{CA457133-9802-4229-B919-FF91AE235CCB}"/>
               </a:ext>
               <a:ext uri="{C183D7F6-B498-43B3-948B-1728B52AA6E4}">
-                <adec:decorative xmlns:adec="http://schemas.microsoft.com/office/drawing/2017/decorative" val="1"/>
+                <adec:decorative xmlns:adec="http://schemas.microsoft.com/office/drawing/2017/decorative" xmlns="" val="1"/>
               </a:ext>
             </a:extLst>
           </p:cNvPr>
@@ -23189,7 +23330,7 @@
                 <a16:creationId xmlns:a16="http://schemas.microsoft.com/office/drawing/2014/main" id="{35174CBE-3C8C-4936-BADC-26BFB4F07FA9}"/>
               </a:ext>
               <a:ext uri="{C183D7F6-B498-43B3-948B-1728B52AA6E4}">
-                <adec:decorative xmlns:adec="http://schemas.microsoft.com/office/drawing/2017/decorative" val="1"/>
+                <adec:decorative xmlns:adec="http://schemas.microsoft.com/office/drawing/2017/decorative" xmlns="" val="1"/>
               </a:ext>
             </a:extLst>
           </p:cNvPr>
@@ -23283,7 +23424,7 @@
                 <a16:creationId xmlns:a16="http://schemas.microsoft.com/office/drawing/2014/main" id="{74CBD692-4D03-4764-98E3-F95783857866}"/>
               </a:ext>
               <a:ext uri="{C183D7F6-B498-43B3-948B-1728B52AA6E4}">
-                <adec:decorative xmlns:adec="http://schemas.microsoft.com/office/drawing/2017/decorative" val="1"/>
+                <adec:decorative xmlns:adec="http://schemas.microsoft.com/office/drawing/2017/decorative" xmlns="" val="1"/>
               </a:ext>
             </a:extLst>
           </p:cNvPr>
@@ -23328,7 +23469,7 @@
                 <a16:creationId xmlns:a16="http://schemas.microsoft.com/office/drawing/2014/main" id="{932BC668-4D51-4090-89E3-5613B832E4F8}"/>
               </a:ext>
               <a:ext uri="{C183D7F6-B498-43B3-948B-1728B52AA6E4}">
-                <adec:decorative xmlns:adec="http://schemas.microsoft.com/office/drawing/2017/decorative" val="1"/>
+                <adec:decorative xmlns:adec="http://schemas.microsoft.com/office/drawing/2017/decorative" xmlns="" val="1"/>
               </a:ext>
             </a:extLst>
           </p:cNvPr>
@@ -23447,12 +23588,21 @@
               <a:t>Możliwość dogłębnej analizy drzewa</a:t>
             </a:r>
           </a:p>
+          <a:p>
+            <a:pPr marL="457200" indent="-457200">
+              <a:buAutoNum type="arabicPeriod"/>
+            </a:pPr>
+            <a:r>
+              <a:rPr lang="pl-PL" sz="2000" dirty="0"/>
+              <a:t>Opcja wygenerowania drzewa podczas rozgrywki</a:t>
+            </a:r>
+          </a:p>
         </p:txBody>
       </p:sp>
     </p:spTree>
     <p:extLst>
       <p:ext uri="{BB962C8B-B14F-4D97-AF65-F5344CB8AC3E}">
-        <p14:creationId xmlns:p14="http://schemas.microsoft.com/office/powerpoint/2010/main" val="1796274079"/>
+        <p14:creationId xmlns:p14="http://schemas.microsoft.com/office/powerpoint/2010/main" val="3391039175"/>
       </p:ext>
     </p:extLst>
   </p:cSld>
@@ -23534,7 +23684,7 @@
                 <a16:creationId xmlns:a16="http://schemas.microsoft.com/office/drawing/2014/main" id="{E4055289-E0C6-4BD3-83C1-D3C3059323A2}"/>
               </a:ext>
               <a:ext uri="{C183D7F6-B498-43B3-948B-1728B52AA6E4}">
-                <adec:decorative xmlns:adec="http://schemas.microsoft.com/office/drawing/2017/decorative" val="1"/>
+                <adec:decorative xmlns:adec="http://schemas.microsoft.com/office/drawing/2017/decorative" xmlns="" val="1"/>
               </a:ext>
             </a:extLst>
           </p:cNvPr>
@@ -23636,7 +23786,7 @@
                 <a16:creationId xmlns:a16="http://schemas.microsoft.com/office/drawing/2014/main" id="{3D0E302E-D9CD-4301-A67C-2F0F43791D81}"/>
               </a:ext>
               <a:ext uri="{C183D7F6-B498-43B3-948B-1728B52AA6E4}">
-                <adec:decorative xmlns:adec="http://schemas.microsoft.com/office/drawing/2017/decorative" val="1"/>
+                <adec:decorative xmlns:adec="http://schemas.microsoft.com/office/drawing/2017/decorative" xmlns="" val="1"/>
               </a:ext>
             </a:extLst>
           </p:cNvPr>
@@ -23695,7 +23845,7 @@
                 <a16:creationId xmlns:a16="http://schemas.microsoft.com/office/drawing/2014/main" id="{CA457133-9802-4229-B919-FF91AE235CCB}"/>
               </a:ext>
               <a:ext uri="{C183D7F6-B498-43B3-948B-1728B52AA6E4}">
-                <adec:decorative xmlns:adec="http://schemas.microsoft.com/office/drawing/2017/decorative" val="1"/>
+                <adec:decorative xmlns:adec="http://schemas.microsoft.com/office/drawing/2017/decorative" xmlns="" val="1"/>
               </a:ext>
             </a:extLst>
           </p:cNvPr>
@@ -23740,7 +23890,7 @@
                 <a16:creationId xmlns:a16="http://schemas.microsoft.com/office/drawing/2014/main" id="{35174CBE-3C8C-4936-BADC-26BFB4F07FA9}"/>
               </a:ext>
               <a:ext uri="{C183D7F6-B498-43B3-948B-1728B52AA6E4}">
-                <adec:decorative xmlns:adec="http://schemas.microsoft.com/office/drawing/2017/decorative" val="1"/>
+                <adec:decorative xmlns:adec="http://schemas.microsoft.com/office/drawing/2017/decorative" xmlns="" val="1"/>
               </a:ext>
             </a:extLst>
           </p:cNvPr>
@@ -23834,7 +23984,7 @@
                 <a16:creationId xmlns:a16="http://schemas.microsoft.com/office/drawing/2014/main" id="{74CBD692-4D03-4764-98E3-F95783857866}"/>
               </a:ext>
               <a:ext uri="{C183D7F6-B498-43B3-948B-1728B52AA6E4}">
-                <adec:decorative xmlns:adec="http://schemas.microsoft.com/office/drawing/2017/decorative" val="1"/>
+                <adec:decorative xmlns:adec="http://schemas.microsoft.com/office/drawing/2017/decorative" xmlns="" val="1"/>
               </a:ext>
             </a:extLst>
           </p:cNvPr>
@@ -23879,7 +24029,7 @@
                 <a16:creationId xmlns:a16="http://schemas.microsoft.com/office/drawing/2014/main" id="{932BC668-4D51-4090-89E3-5613B832E4F8}"/>
               </a:ext>
               <a:ext uri="{C183D7F6-B498-43B3-948B-1728B52AA6E4}">
-                <adec:decorative xmlns:adec="http://schemas.microsoft.com/office/drawing/2017/decorative" val="1"/>
+                <adec:decorative xmlns:adec="http://schemas.microsoft.com/office/drawing/2017/decorative" xmlns="" val="1"/>
               </a:ext>
             </a:extLst>
           </p:cNvPr>
@@ -24007,12 +24157,21 @@
               <a:t>Opcja wygenerowania drzewa podczas rozgrywki</a:t>
             </a:r>
           </a:p>
+          <a:p>
+            <a:pPr marL="457200" indent="-457200">
+              <a:buAutoNum type="arabicPeriod"/>
+            </a:pPr>
+            <a:r>
+              <a:rPr lang="pl-PL" sz="2000" dirty="0"/>
+              <a:t>Opcja zapisania drzewa</a:t>
+            </a:r>
+          </a:p>
         </p:txBody>
       </p:sp>
     </p:spTree>
     <p:extLst>
       <p:ext uri="{BB962C8B-B14F-4D97-AF65-F5344CB8AC3E}">
-        <p14:creationId xmlns:p14="http://schemas.microsoft.com/office/powerpoint/2010/main" val="3391039175"/>
+        <p14:creationId xmlns:p14="http://schemas.microsoft.com/office/powerpoint/2010/main" val="3396275378"/>
       </p:ext>
     </p:extLst>
   </p:cSld>
@@ -24094,7 +24253,7 @@
                 <a16:creationId xmlns:a16="http://schemas.microsoft.com/office/drawing/2014/main" id="{E4055289-E0C6-4BD3-83C1-D3C3059323A2}"/>
               </a:ext>
               <a:ext uri="{C183D7F6-B498-43B3-948B-1728B52AA6E4}">
-                <adec:decorative xmlns:adec="http://schemas.microsoft.com/office/drawing/2017/decorative" val="1"/>
+                <adec:decorative xmlns:adec="http://schemas.microsoft.com/office/drawing/2017/decorative" xmlns="" val="1"/>
               </a:ext>
             </a:extLst>
           </p:cNvPr>
@@ -24196,7 +24355,7 @@
                 <a16:creationId xmlns:a16="http://schemas.microsoft.com/office/drawing/2014/main" id="{3D0E302E-D9CD-4301-A67C-2F0F43791D81}"/>
               </a:ext>
               <a:ext uri="{C183D7F6-B498-43B3-948B-1728B52AA6E4}">
-                <adec:decorative xmlns:adec="http://schemas.microsoft.com/office/drawing/2017/decorative" val="1"/>
+                <adec:decorative xmlns:adec="http://schemas.microsoft.com/office/drawing/2017/decorative" xmlns="" val="1"/>
               </a:ext>
             </a:extLst>
           </p:cNvPr>
@@ -24255,7 +24414,7 @@
                 <a16:creationId xmlns:a16="http://schemas.microsoft.com/office/drawing/2014/main" id="{CA457133-9802-4229-B919-FF91AE235CCB}"/>
               </a:ext>
               <a:ext uri="{C183D7F6-B498-43B3-948B-1728B52AA6E4}">
-                <adec:decorative xmlns:adec="http://schemas.microsoft.com/office/drawing/2017/decorative" val="1"/>
+                <adec:decorative xmlns:adec="http://schemas.microsoft.com/office/drawing/2017/decorative" xmlns="" val="1"/>
               </a:ext>
             </a:extLst>
           </p:cNvPr>
@@ -24300,7 +24459,7 @@
                 <a16:creationId xmlns:a16="http://schemas.microsoft.com/office/drawing/2014/main" id="{35174CBE-3C8C-4936-BADC-26BFB4F07FA9}"/>
               </a:ext>
               <a:ext uri="{C183D7F6-B498-43B3-948B-1728B52AA6E4}">
-                <adec:decorative xmlns:adec="http://schemas.microsoft.com/office/drawing/2017/decorative" val="1"/>
+                <adec:decorative xmlns:adec="http://schemas.microsoft.com/office/drawing/2017/decorative" xmlns="" val="1"/>
               </a:ext>
             </a:extLst>
           </p:cNvPr>
@@ -24394,7 +24553,7 @@
                 <a16:creationId xmlns:a16="http://schemas.microsoft.com/office/drawing/2014/main" id="{74CBD692-4D03-4764-98E3-F95783857866}"/>
               </a:ext>
               <a:ext uri="{C183D7F6-B498-43B3-948B-1728B52AA6E4}">
-                <adec:decorative xmlns:adec="http://schemas.microsoft.com/office/drawing/2017/decorative" val="1"/>
+                <adec:decorative xmlns:adec="http://schemas.microsoft.com/office/drawing/2017/decorative" xmlns="" val="1"/>
               </a:ext>
             </a:extLst>
           </p:cNvPr>
@@ -24439,7 +24598,7 @@
                 <a16:creationId xmlns:a16="http://schemas.microsoft.com/office/drawing/2014/main" id="{932BC668-4D51-4090-89E3-5613B832E4F8}"/>
               </a:ext>
               <a:ext uri="{C183D7F6-B498-43B3-948B-1728B52AA6E4}">
-                <adec:decorative xmlns:adec="http://schemas.microsoft.com/office/drawing/2017/decorative" val="1"/>
+                <adec:decorative xmlns:adec="http://schemas.microsoft.com/office/drawing/2017/decorative" xmlns="" val="1"/>
               </a:ext>
             </a:extLst>
           </p:cNvPr>
@@ -24576,12 +24735,21 @@
               <a:t>Opcja zapisania drzewa</a:t>
             </a:r>
           </a:p>
+          <a:p>
+            <a:pPr marL="457200" indent="-457200">
+              <a:buAutoNum type="arabicPeriod"/>
+            </a:pPr>
+            <a:r>
+              <a:rPr lang="pl-PL" sz="2000" dirty="0"/>
+              <a:t>Możliwość porównania nowo wygenerowanych drzew z poprzednimi</a:t>
+            </a:r>
+          </a:p>
         </p:txBody>
       </p:sp>
     </p:spTree>
     <p:extLst>
       <p:ext uri="{BB962C8B-B14F-4D97-AF65-F5344CB8AC3E}">
-        <p14:creationId xmlns:p14="http://schemas.microsoft.com/office/powerpoint/2010/main" val="3396275378"/>
+        <p14:creationId xmlns:p14="http://schemas.microsoft.com/office/powerpoint/2010/main" val="3381109815"/>
       </p:ext>
     </p:extLst>
   </p:cSld>
@@ -24604,6 +24772,374 @@
 </file>
 
 <file path=ppt/slides/slide14.xml><?xml version="1.0" encoding="utf-8"?>
+<p:sld xmlns:a="http://schemas.openxmlformats.org/drawingml/2006/main" xmlns:r="http://schemas.openxmlformats.org/officeDocument/2006/relationships" xmlns:p="http://schemas.openxmlformats.org/presentationml/2006/main">
+  <p:cSld>
+    <p:spTree>
+      <p:nvGrpSpPr>
+        <p:cNvPr id="1" name=""/>
+        <p:cNvGrpSpPr/>
+        <p:nvPr/>
+      </p:nvGrpSpPr>
+      <p:grpSpPr>
+        <a:xfrm>
+          <a:off x="0" y="0"/>
+          <a:ext cx="0" cy="0"/>
+          <a:chOff x="0" y="0"/>
+          <a:chExt cx="0" cy="0"/>
+        </a:xfrm>
+      </p:grpSpPr>
+      <p:sp>
+        <p:nvSpPr>
+          <p:cNvPr id="2" name="Tytuł 1">
+            <a:extLst>
+              <a:ext uri="{FF2B5EF4-FFF2-40B4-BE49-F238E27FC236}">
+                <a16:creationId xmlns:a16="http://schemas.microsoft.com/office/drawing/2014/main" id="{4279EEF8-C63E-4692-9E3B-EEB7874E7DC2}"/>
+              </a:ext>
+            </a:extLst>
+          </p:cNvPr>
+          <p:cNvSpPr>
+            <a:spLocks noGrp="1"/>
+          </p:cNvSpPr>
+          <p:nvPr>
+            <p:ph type="title"/>
+          </p:nvPr>
+        </p:nvSpPr>
+        <p:spPr/>
+        <p:txBody>
+          <a:bodyPr/>
+          <a:lstStyle/>
+          <a:p>
+            <a:r>
+              <a:rPr lang="pl-PL" dirty="0"/>
+              <a:t>Wymagania niefunkcjonalne - używalność</a:t>
+            </a:r>
+          </a:p>
+        </p:txBody>
+      </p:sp>
+      <p:sp>
+        <p:nvSpPr>
+          <p:cNvPr id="3" name="Symbol zastępczy zawartości 2">
+            <a:extLst>
+              <a:ext uri="{FF2B5EF4-FFF2-40B4-BE49-F238E27FC236}">
+                <a16:creationId xmlns:a16="http://schemas.microsoft.com/office/drawing/2014/main" id="{E72AAE86-30C6-49CF-893C-8F6277A6C4FB}"/>
+              </a:ext>
+            </a:extLst>
+          </p:cNvPr>
+          <p:cNvSpPr>
+            <a:spLocks noGrp="1"/>
+          </p:cNvSpPr>
+          <p:nvPr>
+            <p:ph idx="1"/>
+          </p:nvPr>
+        </p:nvSpPr>
+        <p:spPr>
+          <a:xfrm>
+            <a:off x="680321" y="2336873"/>
+            <a:ext cx="6560451" cy="3599316"/>
+          </a:xfrm>
+        </p:spPr>
+        <p:txBody>
+          <a:bodyPr>
+            <a:normAutofit/>
+          </a:bodyPr>
+          <a:lstStyle/>
+          <a:p>
+            <a:pPr marL="0" indent="0">
+              <a:buNone/>
+            </a:pPr>
+            <a:r>
+              <a:rPr lang="pl-PL" dirty="0"/>
+              <a:t>Aplikacja będzie działać w kilku oknach</a:t>
+            </a:r>
+          </a:p>
+          <a:p>
+            <a:pPr marL="0" indent="0">
+              <a:buNone/>
+            </a:pPr>
+            <a:endParaRPr lang="pl-PL" dirty="0"/>
+          </a:p>
+          <a:p>
+            <a:pPr marL="0" indent="0">
+              <a:buNone/>
+            </a:pPr>
+            <a:endParaRPr lang="pl-PL" dirty="0"/>
+          </a:p>
+          <a:p>
+            <a:pPr marL="0" indent="0">
+              <a:buNone/>
+            </a:pPr>
+            <a:r>
+              <a:rPr lang="pl-PL" dirty="0"/>
+              <a:t>- Przejrzysty interfejs dla użytkownika</a:t>
+            </a:r>
+          </a:p>
+          <a:p>
+            <a:pPr marL="0" indent="0">
+              <a:buNone/>
+            </a:pPr>
+            <a:r>
+              <a:rPr lang="pl-PL" dirty="0"/>
+              <a:t>- Do programu będzie dołączony </a:t>
+            </a:r>
+            <a:r>
+              <a:rPr lang="pl-PL" dirty="0" err="1"/>
+              <a:t>user</a:t>
+            </a:r>
+            <a:r>
+              <a:rPr lang="pl-PL" dirty="0"/>
+              <a:t> manual</a:t>
+            </a:r>
+          </a:p>
+        </p:txBody>
+      </p:sp>
+      <p:pic>
+        <p:nvPicPr>
+          <p:cNvPr id="4" name="Obraz 3">
+            <a:extLst>
+              <a:ext uri="{FF2B5EF4-FFF2-40B4-BE49-F238E27FC236}">
+                <a16:creationId xmlns:a16="http://schemas.microsoft.com/office/drawing/2014/main" id="{1EB7AEB9-13E2-42AB-B487-8BE5646D0D9D}"/>
+              </a:ext>
+            </a:extLst>
+          </p:cNvPr>
+          <p:cNvPicPr>
+            <a:picLocks noChangeAspect="1"/>
+          </p:cNvPicPr>
+          <p:nvPr/>
+        </p:nvPicPr>
+        <p:blipFill>
+          <a:blip r:embed="rId2"/>
+          <a:stretch>
+            <a:fillRect/>
+          </a:stretch>
+        </p:blipFill>
+        <p:spPr>
+          <a:xfrm>
+            <a:off x="7633733" y="2163776"/>
+            <a:ext cx="4410891" cy="4545369"/>
+          </a:xfrm>
+          <a:prstGeom prst="rect">
+            <a:avLst/>
+          </a:prstGeom>
+        </p:spPr>
+      </p:pic>
+    </p:spTree>
+    <p:extLst>
+      <p:ext uri="{BB962C8B-B14F-4D97-AF65-F5344CB8AC3E}">
+        <p14:creationId xmlns:p14="http://schemas.microsoft.com/office/powerpoint/2010/main" val="3701425029"/>
+      </p:ext>
+    </p:extLst>
+  </p:cSld>
+  <p:clrMapOvr>
+    <a:masterClrMapping/>
+  </p:clrMapOvr>
+  <mc:AlternateContent xmlns:mc="http://schemas.openxmlformats.org/markup-compatibility/2006" xmlns:p14="http://schemas.microsoft.com/office/powerpoint/2010/main">
+    <mc:Choice Requires="p14">
+      <p:transition spd="med" p14:dur="700">
+        <p:fade/>
+      </p:transition>
+    </mc:Choice>
+    <mc:Fallback xmlns="">
+      <p:transition spd="med">
+        <p:fade/>
+      </p:transition>
+    </mc:Fallback>
+  </mc:AlternateContent>
+</p:sld>
+</file>
+
+<file path=ppt/slides/slide15.xml><?xml version="1.0" encoding="utf-8"?>
+<p:sld xmlns:a="http://schemas.openxmlformats.org/drawingml/2006/main" xmlns:r="http://schemas.openxmlformats.org/officeDocument/2006/relationships" xmlns:p="http://schemas.openxmlformats.org/presentationml/2006/main">
+  <p:cSld>
+    <p:spTree>
+      <p:nvGrpSpPr>
+        <p:cNvPr id="1" name=""/>
+        <p:cNvGrpSpPr/>
+        <p:nvPr/>
+      </p:nvGrpSpPr>
+      <p:grpSpPr>
+        <a:xfrm>
+          <a:off x="0" y="0"/>
+          <a:ext cx="0" cy="0"/>
+          <a:chOff x="0" y="0"/>
+          <a:chExt cx="0" cy="0"/>
+        </a:xfrm>
+      </p:grpSpPr>
+      <p:sp>
+        <p:nvSpPr>
+          <p:cNvPr id="2" name="Tytuł 1">
+            <a:extLst>
+              <a:ext uri="{FF2B5EF4-FFF2-40B4-BE49-F238E27FC236}">
+                <a16:creationId xmlns:a16="http://schemas.microsoft.com/office/drawing/2014/main" id="{4279EEF8-C63E-4692-9E3B-EEB7874E7DC2}"/>
+              </a:ext>
+            </a:extLst>
+          </p:cNvPr>
+          <p:cNvSpPr>
+            <a:spLocks noGrp="1"/>
+          </p:cNvSpPr>
+          <p:nvPr>
+            <p:ph type="title"/>
+          </p:nvPr>
+        </p:nvSpPr>
+        <p:spPr>
+          <a:xfrm>
+            <a:off x="680321" y="753228"/>
+            <a:ext cx="9613861" cy="1080938"/>
+          </a:xfrm>
+        </p:spPr>
+        <p:txBody>
+          <a:bodyPr/>
+          <a:lstStyle/>
+          <a:p>
+            <a:r>
+              <a:rPr lang="pl-PL"/>
+              <a:t>Wymagania niefunkcjonalne - niezawodność</a:t>
+            </a:r>
+            <a:endParaRPr lang="pl-PL" dirty="0"/>
+          </a:p>
+        </p:txBody>
+      </p:sp>
+      <p:sp>
+        <p:nvSpPr>
+          <p:cNvPr id="3" name="Symbol zastępczy zawartości 2">
+            <a:extLst>
+              <a:ext uri="{FF2B5EF4-FFF2-40B4-BE49-F238E27FC236}">
+                <a16:creationId xmlns:a16="http://schemas.microsoft.com/office/drawing/2014/main" id="{E72AAE86-30C6-49CF-893C-8F6277A6C4FB}"/>
+              </a:ext>
+            </a:extLst>
+          </p:cNvPr>
+          <p:cNvSpPr>
+            <a:spLocks noGrp="1"/>
+          </p:cNvSpPr>
+          <p:nvPr>
+            <p:ph idx="1"/>
+          </p:nvPr>
+        </p:nvSpPr>
+        <p:spPr>
+          <a:xfrm>
+            <a:off x="680321" y="2336873"/>
+            <a:ext cx="6560451" cy="3599316"/>
+          </a:xfrm>
+        </p:spPr>
+        <p:txBody>
+          <a:bodyPr>
+            <a:normAutofit/>
+          </a:bodyPr>
+          <a:lstStyle/>
+          <a:p>
+            <a:pPr marL="0" indent="0">
+              <a:buNone/>
+            </a:pPr>
+            <a:r>
+              <a:rPr lang="pl-PL" dirty="0"/>
+              <a:t>Działanie na komputerze lokalnym</a:t>
+            </a:r>
+          </a:p>
+          <a:p>
+            <a:pPr marL="0" indent="0">
+              <a:buNone/>
+            </a:pPr>
+            <a:endParaRPr lang="pl-PL" dirty="0"/>
+          </a:p>
+          <a:p>
+            <a:pPr marL="0" indent="0">
+              <a:buNone/>
+            </a:pPr>
+            <a:endParaRPr lang="pl-PL" dirty="0"/>
+          </a:p>
+          <a:p>
+            <a:pPr marL="0" indent="0">
+              <a:buNone/>
+            </a:pPr>
+            <a:r>
+              <a:rPr lang="pl-PL" dirty="0"/>
+              <a:t>Dostępność: cały czas</a:t>
+            </a:r>
+          </a:p>
+          <a:p>
+            <a:pPr marL="0" indent="0">
+              <a:buNone/>
+            </a:pPr>
+            <a:endParaRPr lang="pl-PL" dirty="0"/>
+          </a:p>
+          <a:p>
+            <a:pPr marL="0" indent="0">
+              <a:buNone/>
+            </a:pPr>
+            <a:endParaRPr lang="pl-PL" dirty="0"/>
+          </a:p>
+          <a:p>
+            <a:pPr marL="0" indent="0">
+              <a:buNone/>
+            </a:pPr>
+            <a:r>
+              <a:rPr lang="pl-PL" dirty="0"/>
+              <a:t>Błędy obsłużone wewnątrz aplikacji</a:t>
+            </a:r>
+          </a:p>
+        </p:txBody>
+      </p:sp>
+      <p:pic>
+        <p:nvPicPr>
+          <p:cNvPr id="7" name="Obraz 6">
+            <a:extLst>
+              <a:ext uri="{FF2B5EF4-FFF2-40B4-BE49-F238E27FC236}">
+                <a16:creationId xmlns:a16="http://schemas.microsoft.com/office/drawing/2014/main" id="{5D39BE46-650F-4764-BF23-3C989979FB98}"/>
+              </a:ext>
+            </a:extLst>
+          </p:cNvPr>
+          <p:cNvPicPr>
+            <a:picLocks noChangeAspect="1"/>
+          </p:cNvPicPr>
+          <p:nvPr/>
+        </p:nvPicPr>
+        <p:blipFill>
+          <a:blip r:embed="rId3"/>
+          <a:stretch>
+            <a:fillRect/>
+          </a:stretch>
+        </p:blipFill>
+        <p:spPr>
+          <a:xfrm>
+            <a:off x="6971694" y="2690037"/>
+            <a:ext cx="4784534" cy="2770579"/>
+          </a:xfrm>
+          <a:prstGeom prst="rect">
+            <a:avLst/>
+          </a:prstGeom>
+          <a:ln>
+            <a:noFill/>
+          </a:ln>
+          <a:effectLst>
+            <a:softEdge rad="112500"/>
+          </a:effectLst>
+        </p:spPr>
+      </p:pic>
+    </p:spTree>
+    <p:extLst>
+      <p:ext uri="{BB962C8B-B14F-4D97-AF65-F5344CB8AC3E}">
+        <p14:creationId xmlns:p14="http://schemas.microsoft.com/office/powerpoint/2010/main" val="3620409196"/>
+      </p:ext>
+    </p:extLst>
+  </p:cSld>
+  <p:clrMapOvr>
+    <a:masterClrMapping/>
+  </p:clrMapOvr>
+  <mc:AlternateContent xmlns:mc="http://schemas.openxmlformats.org/markup-compatibility/2006" xmlns:p14="http://schemas.microsoft.com/office/powerpoint/2010/main">
+    <mc:Choice Requires="p14">
+      <p:transition spd="med" p14:dur="700">
+        <p:fade/>
+      </p:transition>
+    </mc:Choice>
+    <mc:Fallback xmlns="">
+      <p:transition spd="med">
+        <p:fade/>
+      </p:transition>
+    </mc:Fallback>
+  </mc:AlternateContent>
+</p:sld>
+</file>
+
+<file path=ppt/slides/slide16.xml><?xml version="1.0" encoding="utf-8"?>
 <p:sld xmlns:a="http://schemas.openxmlformats.org/drawingml/2006/main" xmlns:r="http://schemas.openxmlformats.org/officeDocument/2006/relationships" xmlns:p="http://schemas.openxmlformats.org/presentationml/2006/main">
   <p:cSld>
     <p:bg>
@@ -24657,13 +25193,13 @@
       </p:grpSpPr>
       <p:sp useBgFill="1">
         <p:nvSpPr>
-          <p:cNvPr id="71" name="Rectangle 70">
+          <p:cNvPr id="10" name="Rectangle 9">
             <a:extLst>
               <a:ext uri="{FF2B5EF4-FFF2-40B4-BE49-F238E27FC236}">
-                <a16:creationId xmlns:a16="http://schemas.microsoft.com/office/drawing/2014/main" id="{E4055289-E0C6-4BD3-83C1-D3C3059323A2}"/>
+                <a16:creationId xmlns:a16="http://schemas.microsoft.com/office/drawing/2014/main" id="{CDBCB3D0-62EC-4D8A-A9E7-991AF662DC1B}"/>
               </a:ext>
               <a:ext uri="{C183D7F6-B498-43B3-948B-1728B52AA6E4}">
-                <adec:decorative xmlns:adec="http://schemas.microsoft.com/office/drawing/2017/decorative" val="1"/>
+                <adec:decorative xmlns:adec="http://schemas.microsoft.com/office/drawing/2017/decorative" xmlns="" val="1"/>
               </a:ext>
             </a:extLst>
           </p:cNvPr>
@@ -24680,12 +25216,15 @@
         </p:nvSpPr>
         <p:spPr>
           <a:xfrm>
-            <a:off x="0" y="-1"/>
-            <a:ext cx="12188824" cy="6858001"/>
+            <a:off x="0" y="0"/>
+            <a:ext cx="12188824" cy="6858000"/>
           </a:xfrm>
           <a:prstGeom prst="rect">
             <a:avLst/>
           </a:prstGeom>
+          <a:ln>
+            <a:noFill/>
+          </a:ln>
         </p:spPr>
         <p:style>
           <a:lnRef idx="2">
@@ -24714,64 +25253,19 @@
       </p:sp>
       <p:pic>
         <p:nvPicPr>
-          <p:cNvPr id="3074" name="Picture 2" descr="Znalezione obrazy dla zapytania requirements">
+          <p:cNvPr id="12" name="Picture 11">
             <a:extLst>
               <a:ext uri="{FF2B5EF4-FFF2-40B4-BE49-F238E27FC236}">
-                <a16:creationId xmlns:a16="http://schemas.microsoft.com/office/drawing/2014/main" id="{D09A5F68-B4D9-45C1-8A8B-BE8805491C79}"/>
+                <a16:creationId xmlns:a16="http://schemas.microsoft.com/office/drawing/2014/main" id="{62C758D7-9BCC-44AD-98FB-A68CA52677FA}"/>
+              </a:ext>
+              <a:ext uri="{C183D7F6-B498-43B3-948B-1728B52AA6E4}">
+                <adec:decorative xmlns:adec="http://schemas.microsoft.com/office/drawing/2017/decorative" xmlns="" val="1"/>
               </a:ext>
             </a:extLst>
           </p:cNvPr>
           <p:cNvPicPr>
-            <a:picLocks noChangeAspect="1" noChangeArrowheads="1"/>
+            <a:picLocks noGrp="1" noRot="1" noChangeAspect="1" noMove="1" noResize="1" noEditPoints="1" noAdjustHandles="1" noChangeArrowheads="1" noChangeShapeType="1" noCrop="1"/>
           </p:cNvPicPr>
-          <p:nvPr/>
-        </p:nvPicPr>
-        <p:blipFill rotWithShape="1">
-          <a:blip r:embed="rId3">
-            <a:extLst>
-              <a:ext uri="{28A0092B-C50C-407E-A947-70E740481C1C}">
-                <a14:useLocalDpi xmlns:a14="http://schemas.microsoft.com/office/drawing/2010/main" val="0"/>
-              </a:ext>
-            </a:extLst>
-          </a:blip>
-          <a:srcRect t="3199" b="3051"/>
-          <a:stretch/>
-        </p:blipFill>
-        <p:spPr bwMode="auto">
-          <a:xfrm>
-            <a:off x="20" y="-1"/>
-            <a:ext cx="12191980" cy="6858001"/>
-          </a:xfrm>
-          <a:prstGeom prst="rect">
-            <a:avLst/>
-          </a:prstGeom>
-          <a:noFill/>
-          <a:extLst>
-            <a:ext uri="{909E8E84-426E-40DD-AFC4-6F175D3DCCD1}">
-              <a14:hiddenFill xmlns:a14="http://schemas.microsoft.com/office/drawing/2010/main">
-                <a:solidFill>
-                  <a:srgbClr val="FFFFFF"/>
-                </a:solidFill>
-              </a14:hiddenFill>
-            </a:ext>
-          </a:extLst>
-        </p:spPr>
-      </p:pic>
-      <p:sp>
-        <p:nvSpPr>
-          <p:cNvPr id="73" name="Rectangle 72">
-            <a:extLst>
-              <a:ext uri="{FF2B5EF4-FFF2-40B4-BE49-F238E27FC236}">
-                <a16:creationId xmlns:a16="http://schemas.microsoft.com/office/drawing/2014/main" id="{3D0E302E-D9CD-4301-A67C-2F0F43791D81}"/>
-              </a:ext>
-              <a:ext uri="{C183D7F6-B498-43B3-948B-1728B52AA6E4}">
-                <adec:decorative xmlns:adec="http://schemas.microsoft.com/office/drawing/2017/decorative" val="1"/>
-              </a:ext>
-            </a:extLst>
-          </p:cNvPr>
-          <p:cNvSpPr>
-            <a:spLocks noGrp="1" noRot="1" noChangeAspect="1" noMove="1" noResize="1" noEditPoints="1" noAdjustHandles="1" noChangeArrowheads="1" noChangeShapeType="1" noTextEdit="1"/>
-          </p:cNvSpPr>
           <p:nvPr>
             <p:extLst>
               <p:ext uri="{386F3935-93C4-4BCD-93E2-E3B085C9AB24}">
@@ -24779,20 +25273,170 @@
               </p:ext>
             </p:extLst>
           </p:nvPr>
-        </p:nvSpPr>
-        <p:spPr bwMode="grayWhite">
+        </p:nvPicPr>
+        <p:blipFill>
+          <a:blip r:embed="rId3">
+            <a:alphaModFix amt="10000"/>
+            <a:extLst>
+              <a:ext uri="{28A0092B-C50C-407E-A947-70E740481C1C}">
+                <a14:useLocalDpi xmlns:a14="http://schemas.microsoft.com/office/drawing/2010/main" val="0"/>
+              </a:ext>
+            </a:extLst>
+          </a:blip>
+          <a:stretch>
+            <a:fillRect/>
+          </a:stretch>
+        </p:blipFill>
+        <p:spPr>
           <a:xfrm>
-            <a:off x="0" y="2116667"/>
-            <a:ext cx="10439400" cy="3793206"/>
+            <a:off x="0" y="0"/>
+            <a:ext cx="12192000" cy="6858000"/>
+          </a:xfrm>
+          <a:prstGeom prst="rect">
+            <a:avLst/>
+          </a:prstGeom>
+        </p:spPr>
+      </p:pic>
+      <p:sp>
+        <p:nvSpPr>
+          <p:cNvPr id="14" name="Rectangle 13">
+            <a:extLst>
+              <a:ext uri="{FF2B5EF4-FFF2-40B4-BE49-F238E27FC236}">
+                <a16:creationId xmlns:a16="http://schemas.microsoft.com/office/drawing/2014/main" id="{A890917F-0A64-4C0A-91F8-E4F6BE6AB857}"/>
+              </a:ext>
+              <a:ext uri="{C183D7F6-B498-43B3-948B-1728B52AA6E4}">
+                <adec:decorative xmlns:adec="http://schemas.microsoft.com/office/drawing/2017/decorative" xmlns="" val="1"/>
+              </a:ext>
+            </a:extLst>
+          </p:cNvPr>
+          <p:cNvSpPr>
+            <a:spLocks noGrp="1" noRot="1" noChangeAspect="1" noMove="1" noResize="1" noEditPoints="1" noAdjustHandles="1" noChangeArrowheads="1" noChangeShapeType="1" noTextEdit="1"/>
+          </p:cNvSpPr>
+          <p:nvPr>
+            <p:extLst>
+              <p:ext uri="{386F3935-93C4-4BCD-93E2-E3B085C9AB24}">
+                <p16:designElem xmlns:p16="http://schemas.microsoft.com/office/powerpoint/2015/main" val="1"/>
+              </p:ext>
+            </p:extLst>
+          </p:nvPr>
+        </p:nvSpPr>
+        <p:spPr>
+          <a:xfrm>
+            <a:off x="4644527" y="0"/>
+            <a:ext cx="7552944" cy="6858001"/>
+          </a:xfrm>
+          <a:prstGeom prst="rect">
+            <a:avLst/>
+          </a:prstGeom>
+          <a:ln>
+            <a:noFill/>
+          </a:ln>
+        </p:spPr>
+        <p:style>
+          <a:lnRef idx="2">
+            <a:schemeClr val="accent1">
+              <a:shade val="50000"/>
+            </a:schemeClr>
+          </a:lnRef>
+          <a:fillRef idx="1">
+            <a:schemeClr val="accent1"/>
+          </a:fillRef>
+          <a:effectRef idx="0">
+            <a:schemeClr val="accent1"/>
+          </a:effectRef>
+          <a:fontRef idx="minor">
+            <a:schemeClr val="lt1"/>
+          </a:fontRef>
+        </p:style>
+        <p:txBody>
+          <a:bodyPr rtlCol="0" anchor="ctr"/>
+          <a:lstStyle/>
+          <a:p>
+            <a:pPr algn="ctr"/>
+            <a:endParaRPr lang="en-US"/>
+          </a:p>
+        </p:txBody>
+      </p:sp>
+      <p:pic>
+        <p:nvPicPr>
+          <p:cNvPr id="16" name="Picture 15">
+            <a:extLst>
+              <a:ext uri="{FF2B5EF4-FFF2-40B4-BE49-F238E27FC236}">
+                <a16:creationId xmlns:a16="http://schemas.microsoft.com/office/drawing/2014/main" id="{938C8E05-3629-4B19-A965-0C926F9DE4F3}"/>
+              </a:ext>
+              <a:ext uri="{C183D7F6-B498-43B3-948B-1728B52AA6E4}">
+                <adec:decorative xmlns:adec="http://schemas.microsoft.com/office/drawing/2017/decorative" xmlns="" val="1"/>
+              </a:ext>
+            </a:extLst>
+          </p:cNvPr>
+          <p:cNvPicPr>
+            <a:picLocks noGrp="1" noRot="1" noChangeAspect="1" noMove="1" noResize="1" noEditPoints="1" noAdjustHandles="1" noChangeArrowheads="1" noChangeShapeType="1" noCrop="1"/>
+          </p:cNvPicPr>
+          <p:nvPr>
+            <p:extLst>
+              <p:ext uri="{386F3935-93C4-4BCD-93E2-E3B085C9AB24}">
+                <p16:designElem xmlns:p16="http://schemas.microsoft.com/office/powerpoint/2015/main" val="1"/>
+              </p:ext>
+            </p:extLst>
+          </p:nvPr>
+        </p:nvPicPr>
+        <p:blipFill>
+          <a:blip r:embed="rId4" cstate="print">
+            <a:extLst>
+              <a:ext uri="{28A0092B-C50C-407E-A947-70E740481C1C}">
+                <a14:useLocalDpi xmlns:a14="http://schemas.microsoft.com/office/drawing/2010/main" val="0"/>
+              </a:ext>
+            </a:extLst>
+          </a:blip>
+          <a:stretch>
+            <a:fillRect/>
+          </a:stretch>
+        </p:blipFill>
+        <p:spPr>
+          <a:xfrm>
+            <a:off x="1" y="5006045"/>
+            <a:ext cx="4965192" cy="144049"/>
+          </a:xfrm>
+          <a:prstGeom prst="rect">
+            <a:avLst/>
+          </a:prstGeom>
+        </p:spPr>
+      </p:pic>
+      <p:sp>
+        <p:nvSpPr>
+          <p:cNvPr id="18" name="Rectangle 17">
+            <a:extLst>
+              <a:ext uri="{FF2B5EF4-FFF2-40B4-BE49-F238E27FC236}">
+                <a16:creationId xmlns:a16="http://schemas.microsoft.com/office/drawing/2014/main" id="{9044F20B-3F79-4BBD-A9B8-33672B6A4A84}"/>
+              </a:ext>
+              <a:ext uri="{C183D7F6-B498-43B3-948B-1728B52AA6E4}">
+                <adec:decorative xmlns:adec="http://schemas.microsoft.com/office/drawing/2017/decorative" xmlns="" val="1"/>
+              </a:ext>
+            </a:extLst>
+          </p:cNvPr>
+          <p:cNvSpPr>
+            <a:spLocks noGrp="1" noRot="1" noChangeAspect="1" noMove="1" noResize="1" noEditPoints="1" noAdjustHandles="1" noChangeArrowheads="1" noChangeShapeType="1" noTextEdit="1"/>
+          </p:cNvSpPr>
+          <p:nvPr>
+            <p:extLst>
+              <p:ext uri="{386F3935-93C4-4BCD-93E2-E3B085C9AB24}">
+                <p16:designElem xmlns:p16="http://schemas.microsoft.com/office/powerpoint/2015/main" val="1"/>
+              </p:ext>
+            </p:extLst>
+          </p:nvPr>
+        </p:nvSpPr>
+        <p:spPr>
+          <a:xfrm>
+            <a:off x="-1" y="1838764"/>
+            <a:ext cx="4964567" cy="3180473"/>
           </a:xfrm>
           <a:prstGeom prst="rect">
             <a:avLst/>
           </a:prstGeom>
           <a:solidFill>
             <a:schemeClr val="bg1">
-              <a:lumMod val="95000"/>
-              <a:lumOff val="5000"/>
-              <a:alpha val="85000"/>
+              <a:lumMod val="85000"/>
+              <a:lumOff val="15000"/>
             </a:schemeClr>
           </a:solidFill>
           <a:ln>
@@ -24816,110 +25460,6 @@
           </a:fontRef>
         </p:style>
       </p:sp>
-      <p:pic>
-        <p:nvPicPr>
-          <p:cNvPr id="75" name="Picture 74">
-            <a:extLst>
-              <a:ext uri="{FF2B5EF4-FFF2-40B4-BE49-F238E27FC236}">
-                <a16:creationId xmlns:a16="http://schemas.microsoft.com/office/drawing/2014/main" id="{CA457133-9802-4229-B919-FF91AE235CCB}"/>
-              </a:ext>
-              <a:ext uri="{C183D7F6-B498-43B3-948B-1728B52AA6E4}">
-                <adec:decorative xmlns:adec="http://schemas.microsoft.com/office/drawing/2017/decorative" val="1"/>
-              </a:ext>
-            </a:extLst>
-          </p:cNvPr>
-          <p:cNvPicPr>
-            <a:picLocks noGrp="1" noRot="1" noChangeAspect="1" noMove="1" noResize="1" noEditPoints="1" noAdjustHandles="1" noChangeArrowheads="1" noChangeShapeType="1" noCrop="1"/>
-          </p:cNvPicPr>
-          <p:nvPr>
-            <p:extLst>
-              <p:ext uri="{386F3935-93C4-4BCD-93E2-E3B085C9AB24}">
-                <p16:designElem xmlns:p16="http://schemas.microsoft.com/office/powerpoint/2015/main" val="1"/>
-              </p:ext>
-            </p:extLst>
-          </p:nvPr>
-        </p:nvPicPr>
-        <p:blipFill>
-          <a:blip r:embed="rId4">
-            <a:extLst>
-              <a:ext uri="{28A0092B-C50C-407E-A947-70E740481C1C}">
-                <a14:useLocalDpi xmlns:a14="http://schemas.microsoft.com/office/drawing/2010/main" val="0"/>
-              </a:ext>
-            </a:extLst>
-          </a:blip>
-          <a:stretch>
-            <a:fillRect/>
-          </a:stretch>
-        </p:blipFill>
-        <p:spPr>
-          <a:xfrm>
-            <a:off x="1" y="1970240"/>
-            <a:ext cx="10437812" cy="321164"/>
-          </a:xfrm>
-          <a:prstGeom prst="rect">
-            <a:avLst/>
-          </a:prstGeom>
-        </p:spPr>
-      </p:pic>
-      <p:sp>
-        <p:nvSpPr>
-          <p:cNvPr id="77" name="Rectangle 76">
-            <a:extLst>
-              <a:ext uri="{FF2B5EF4-FFF2-40B4-BE49-F238E27FC236}">
-                <a16:creationId xmlns:a16="http://schemas.microsoft.com/office/drawing/2014/main" id="{35174CBE-3C8C-4936-BADC-26BFB4F07FA9}"/>
-              </a:ext>
-              <a:ext uri="{C183D7F6-B498-43B3-948B-1728B52AA6E4}">
-                <adec:decorative xmlns:adec="http://schemas.microsoft.com/office/drawing/2017/decorative" val="1"/>
-              </a:ext>
-            </a:extLst>
-          </p:cNvPr>
-          <p:cNvSpPr>
-            <a:spLocks noGrp="1" noRot="1" noChangeAspect="1" noMove="1" noResize="1" noEditPoints="1" noAdjustHandles="1" noChangeArrowheads="1" noChangeShapeType="1" noTextEdit="1"/>
-          </p:cNvSpPr>
-          <p:nvPr>
-            <p:extLst>
-              <p:ext uri="{386F3935-93C4-4BCD-93E2-E3B085C9AB24}">
-                <p16:designElem xmlns:p16="http://schemas.microsoft.com/office/powerpoint/2015/main" val="1"/>
-              </p:ext>
-            </p:extLst>
-          </p:nvPr>
-        </p:nvSpPr>
-        <p:spPr bwMode="grayWhite">
-          <a:xfrm>
-            <a:off x="0" y="609600"/>
-            <a:ext cx="10437812" cy="1368198"/>
-          </a:xfrm>
-          <a:prstGeom prst="rect">
-            <a:avLst/>
-          </a:prstGeom>
-          <a:solidFill>
-            <a:schemeClr val="bg1">
-              <a:lumMod val="95000"/>
-              <a:lumOff val="5000"/>
-              <a:alpha val="90000"/>
-            </a:schemeClr>
-          </a:solidFill>
-          <a:ln>
-            <a:noFill/>
-          </a:ln>
-        </p:spPr>
-        <p:style>
-          <a:lnRef idx="2">
-            <a:schemeClr val="accent1">
-              <a:shade val="50000"/>
-            </a:schemeClr>
-          </a:lnRef>
-          <a:fillRef idx="1">
-            <a:schemeClr val="accent1"/>
-          </a:fillRef>
-          <a:effectRef idx="0">
-            <a:schemeClr val="accent1"/>
-          </a:effectRef>
-          <a:fontRef idx="minor">
-            <a:schemeClr val="lt1"/>
-          </a:fontRef>
-        </p:style>
-      </p:sp>
       <p:sp>
         <p:nvSpPr>
           <p:cNvPr id="2" name="Tytuł 1">
@@ -24938,8 +25478,8 @@
         </p:nvSpPr>
         <p:spPr>
           <a:xfrm>
-            <a:off x="680321" y="753228"/>
-            <a:ext cx="9613861" cy="1080938"/>
+            <a:off x="680321" y="2063262"/>
+            <a:ext cx="3739279" cy="2661052"/>
           </a:xfrm>
         </p:spPr>
         <p:txBody>
@@ -24948,586 +25488,49 @@
           </a:bodyPr>
           <a:lstStyle/>
           <a:p>
-            <a:r>
-              <a:rPr lang="pl-PL" dirty="0"/>
-              <a:t>Wymagania funkcjonalne</a:t>
+            <a:pPr algn="r"/>
+            <a:r>
+              <a:rPr lang="pl-PL" sz="3700"/>
+              <a:t>Wymagania niefunkcjonalne - wydajność</a:t>
             </a:r>
           </a:p>
         </p:txBody>
       </p:sp>
-      <p:pic>
-        <p:nvPicPr>
-          <p:cNvPr id="79" name="Picture 78">
+      <p:graphicFrame>
+        <p:nvGraphicFramePr>
+          <p:cNvPr id="5" name="Symbol zastępczy zawartości 2">
             <a:extLst>
               <a:ext uri="{FF2B5EF4-FFF2-40B4-BE49-F238E27FC236}">
-                <a16:creationId xmlns:a16="http://schemas.microsoft.com/office/drawing/2014/main" id="{74CBD692-4D03-4764-98E3-F95783857866}"/>
-              </a:ext>
-              <a:ext uri="{C183D7F6-B498-43B3-948B-1728B52AA6E4}">
-                <adec:decorative xmlns:adec="http://schemas.microsoft.com/office/drawing/2017/decorative" val="1"/>
+                <a16:creationId xmlns:a16="http://schemas.microsoft.com/office/drawing/2014/main" id="{EE6B7906-67CC-4AC8-8B2F-4E46265704F5}"/>
               </a:ext>
             </a:extLst>
           </p:cNvPr>
-          <p:cNvPicPr>
-            <a:picLocks noGrp="1" noRot="1" noChangeAspect="1" noMove="1" noResize="1" noEditPoints="1" noAdjustHandles="1" noChangeArrowheads="1" noChangeShapeType="1" noCrop="1"/>
-          </p:cNvPicPr>
-          <p:nvPr>
+          <p:cNvGraphicFramePr>
+            <a:graphicFrameLocks noGrp="1"/>
+          </p:cNvGraphicFramePr>
+          <p:nvPr>
+            <p:ph idx="1"/>
             <p:extLst>
-              <p:ext uri="{386F3935-93C4-4BCD-93E2-E3B085C9AB24}">
-                <p16:designElem xmlns:p16="http://schemas.microsoft.com/office/powerpoint/2015/main" val="1"/>
+              <p:ext uri="{D42A27DB-BD31-4B8C-83A1-F6EECF244321}">
+                <p14:modId xmlns:p14="http://schemas.microsoft.com/office/powerpoint/2010/main" val="3057391658"/>
               </p:ext>
             </p:extLst>
           </p:nvPr>
-        </p:nvPicPr>
-        <p:blipFill>
-          <a:blip r:embed="rId5" cstate="print">
-            <a:extLst>
-              <a:ext uri="{28A0092B-C50C-407E-A947-70E740481C1C}">
-                <a14:useLocalDpi xmlns:a14="http://schemas.microsoft.com/office/drawing/2010/main" val="0"/>
-              </a:ext>
-            </a:extLst>
-          </a:blip>
-          <a:stretch>
-            <a:fillRect/>
-          </a:stretch>
-        </p:blipFill>
-        <p:spPr>
-          <a:xfrm>
-            <a:off x="10585826" y="1971234"/>
-            <a:ext cx="1602997" cy="144270"/>
-          </a:xfrm>
-          <a:prstGeom prst="rect">
-            <a:avLst/>
-          </a:prstGeom>
-        </p:spPr>
-      </p:pic>
-      <p:sp>
-        <p:nvSpPr>
-          <p:cNvPr id="81" name="Rectangle 80">
-            <a:extLst>
-              <a:ext uri="{FF2B5EF4-FFF2-40B4-BE49-F238E27FC236}">
-                <a16:creationId xmlns:a16="http://schemas.microsoft.com/office/drawing/2014/main" id="{932BC668-4D51-4090-89E3-5613B832E4F8}"/>
-              </a:ext>
-              <a:ext uri="{C183D7F6-B498-43B3-948B-1728B52AA6E4}">
-                <adec:decorative xmlns:adec="http://schemas.microsoft.com/office/drawing/2017/decorative" val="1"/>
-              </a:ext>
-            </a:extLst>
-          </p:cNvPr>
-          <p:cNvSpPr>
-            <a:spLocks noGrp="1" noRot="1" noChangeAspect="1" noMove="1" noResize="1" noEditPoints="1" noAdjustHandles="1" noChangeArrowheads="1" noChangeShapeType="1" noTextEdit="1"/>
-          </p:cNvSpPr>
-          <p:nvPr>
-            <p:extLst>
-              <p:ext uri="{386F3935-93C4-4BCD-93E2-E3B085C9AB24}">
-                <p16:designElem xmlns:p16="http://schemas.microsoft.com/office/powerpoint/2015/main" val="1"/>
-              </p:ext>
-            </p:extLst>
-          </p:nvPr>
-        </p:nvSpPr>
-        <p:spPr>
-          <a:xfrm>
-            <a:off x="10585827" y="609600"/>
-            <a:ext cx="1602997" cy="1368198"/>
-          </a:xfrm>
-          <a:prstGeom prst="rect">
-            <a:avLst/>
-          </a:prstGeom>
-          <a:solidFill>
-            <a:schemeClr val="accent1"/>
-          </a:solidFill>
-          <a:ln>
-            <a:noFill/>
-          </a:ln>
-        </p:spPr>
-        <p:style>
-          <a:lnRef idx="2">
-            <a:schemeClr val="accent1">
-              <a:shade val="50000"/>
-            </a:schemeClr>
-          </a:lnRef>
-          <a:fillRef idx="1">
-            <a:schemeClr val="accent1"/>
-          </a:fillRef>
-          <a:effectRef idx="0">
-            <a:schemeClr val="accent1"/>
-          </a:effectRef>
-          <a:fontRef idx="minor">
-            <a:schemeClr val="lt1"/>
-          </a:fontRef>
-        </p:style>
-      </p:sp>
-      <p:sp>
-        <p:nvSpPr>
-          <p:cNvPr id="3" name="Symbol zastępczy zawartości 2">
-            <a:extLst>
-              <a:ext uri="{FF2B5EF4-FFF2-40B4-BE49-F238E27FC236}">
-                <a16:creationId xmlns:a16="http://schemas.microsoft.com/office/drawing/2014/main" id="{E72AAE86-30C6-49CF-893C-8F6277A6C4FB}"/>
-              </a:ext>
-            </a:extLst>
-          </p:cNvPr>
-          <p:cNvSpPr>
-            <a:spLocks noGrp="1"/>
-          </p:cNvSpPr>
-          <p:nvPr>
-            <p:ph idx="1"/>
-          </p:nvPr>
-        </p:nvSpPr>
-        <p:spPr>
-          <a:xfrm>
-            <a:off x="680321" y="2336873"/>
-            <a:ext cx="9613861" cy="3395060"/>
-          </a:xfrm>
-        </p:spPr>
-        <p:txBody>
-          <a:bodyPr anchor="t">
-            <a:normAutofit/>
-          </a:bodyPr>
-          <a:lstStyle/>
-          <a:p>
-            <a:pPr marL="457200" indent="-457200">
-              <a:buAutoNum type="arabicPeriod"/>
-            </a:pPr>
-            <a:r>
-              <a:rPr lang="pl-PL" sz="2000" dirty="0"/>
-              <a:t>Wybór jednej z dwóch gier</a:t>
-            </a:r>
-          </a:p>
-          <a:p>
-            <a:pPr marL="457200" indent="-457200">
-              <a:buAutoNum type="arabicPeriod"/>
-            </a:pPr>
-            <a:r>
-              <a:rPr lang="pl-PL" sz="2000" dirty="0"/>
-              <a:t>Wybór jednego z trzech trybów rozgrywki</a:t>
-            </a:r>
-          </a:p>
-          <a:p>
-            <a:pPr marL="457200" indent="-457200">
-              <a:buAutoNum type="arabicPeriod"/>
-            </a:pPr>
-            <a:r>
-              <a:rPr lang="pl-PL" sz="2000" dirty="0"/>
-              <a:t>Możliwość ustawienia parametrów rozgrywki</a:t>
-            </a:r>
-          </a:p>
-          <a:p>
-            <a:pPr marL="457200" indent="-457200">
-              <a:buAutoNum type="arabicPeriod"/>
-            </a:pPr>
-            <a:r>
-              <a:rPr lang="pl-PL" sz="2000" dirty="0"/>
-              <a:t>Możliwość wczytania drzewa w formacie CSV/binarnym</a:t>
-            </a:r>
-          </a:p>
-          <a:p>
-            <a:pPr marL="457200" indent="-457200">
-              <a:buAutoNum type="arabicPeriod"/>
-            </a:pPr>
-            <a:r>
-              <a:rPr lang="pl-PL" sz="2000" dirty="0"/>
-              <a:t>Możliwość dogłębnej analizy drzewa</a:t>
-            </a:r>
-          </a:p>
-          <a:p>
-            <a:pPr marL="457200" indent="-457200">
-              <a:buAutoNum type="arabicPeriod"/>
-            </a:pPr>
-            <a:r>
-              <a:rPr lang="pl-PL" sz="2000" dirty="0"/>
-              <a:t>Opcja wygenerowania drzewa podczas rozgrywki</a:t>
-            </a:r>
-          </a:p>
-          <a:p>
-            <a:pPr marL="457200" indent="-457200">
-              <a:buAutoNum type="arabicPeriod"/>
-            </a:pPr>
-            <a:r>
-              <a:rPr lang="pl-PL" sz="2000" dirty="0"/>
-              <a:t>Opcja zapisania drzewa</a:t>
-            </a:r>
-          </a:p>
-          <a:p>
-            <a:pPr marL="457200" indent="-457200">
-              <a:buAutoNum type="arabicPeriod"/>
-            </a:pPr>
-            <a:r>
-              <a:rPr lang="pl-PL" sz="2000" dirty="0"/>
-              <a:t>Możliwość porównania nowo wygenerowanych drzew z poprzednimi</a:t>
-            </a:r>
-          </a:p>
-        </p:txBody>
-      </p:sp>
+        </p:nvGraphicFramePr>
+        <p:xfrm>
+          <a:off x="5437509" y="777860"/>
+          <a:ext cx="5955658" cy="5385354"/>
+        </p:xfrm>
+        <a:graphic>
+          <a:graphicData uri="http://schemas.openxmlformats.org/drawingml/2006/diagram">
+            <dgm:relIds xmlns:dgm="http://schemas.openxmlformats.org/drawingml/2006/diagram" xmlns:r="http://schemas.openxmlformats.org/officeDocument/2006/relationships" r:dm="rId5" r:lo="rId6" r:qs="rId7" r:cs="rId8"/>
+          </a:graphicData>
+        </a:graphic>
+      </p:graphicFrame>
     </p:spTree>
     <p:extLst>
       <p:ext uri="{BB962C8B-B14F-4D97-AF65-F5344CB8AC3E}">
-        <p14:creationId xmlns:p14="http://schemas.microsoft.com/office/powerpoint/2010/main" val="3381109815"/>
-      </p:ext>
-    </p:extLst>
-  </p:cSld>
-  <p:clrMapOvr>
-    <a:masterClrMapping/>
-  </p:clrMapOvr>
-  <mc:AlternateContent xmlns:mc="http://schemas.openxmlformats.org/markup-compatibility/2006" xmlns:p14="http://schemas.microsoft.com/office/powerpoint/2010/main">
-    <mc:Choice Requires="p14">
-      <p:transition spd="med" p14:dur="700">
-        <p:fade/>
-      </p:transition>
-    </mc:Choice>
-    <mc:Fallback xmlns="">
-      <p:transition spd="med">
-        <p:fade/>
-      </p:transition>
-    </mc:Fallback>
-  </mc:AlternateContent>
-</p:sld>
-</file>
-
-<file path=ppt/slides/slide15.xml><?xml version="1.0" encoding="utf-8"?>
-<p:sld xmlns:a="http://schemas.openxmlformats.org/drawingml/2006/main" xmlns:r="http://schemas.openxmlformats.org/officeDocument/2006/relationships" xmlns:p="http://schemas.openxmlformats.org/presentationml/2006/main">
-  <p:cSld>
-    <p:spTree>
-      <p:nvGrpSpPr>
-        <p:cNvPr id="1" name=""/>
-        <p:cNvGrpSpPr/>
-        <p:nvPr/>
-      </p:nvGrpSpPr>
-      <p:grpSpPr>
-        <a:xfrm>
-          <a:off x="0" y="0"/>
-          <a:ext cx="0" cy="0"/>
-          <a:chOff x="0" y="0"/>
-          <a:chExt cx="0" cy="0"/>
-        </a:xfrm>
-      </p:grpSpPr>
-      <p:sp>
-        <p:nvSpPr>
-          <p:cNvPr id="2" name="Tytuł 1">
-            <a:extLst>
-              <a:ext uri="{FF2B5EF4-FFF2-40B4-BE49-F238E27FC236}">
-                <a16:creationId xmlns:a16="http://schemas.microsoft.com/office/drawing/2014/main" id="{4279EEF8-C63E-4692-9E3B-EEB7874E7DC2}"/>
-              </a:ext>
-            </a:extLst>
-          </p:cNvPr>
-          <p:cNvSpPr>
-            <a:spLocks noGrp="1"/>
-          </p:cNvSpPr>
-          <p:nvPr>
-            <p:ph type="title"/>
-          </p:nvPr>
-        </p:nvSpPr>
-        <p:spPr/>
-        <p:txBody>
-          <a:bodyPr/>
-          <a:lstStyle/>
-          <a:p>
-            <a:r>
-              <a:rPr lang="pl-PL" dirty="0"/>
-              <a:t>Wymagania niefunkcjonalne - używalność</a:t>
-            </a:r>
-          </a:p>
-        </p:txBody>
-      </p:sp>
-      <p:sp>
-        <p:nvSpPr>
-          <p:cNvPr id="3" name="Symbol zastępczy zawartości 2">
-            <a:extLst>
-              <a:ext uri="{FF2B5EF4-FFF2-40B4-BE49-F238E27FC236}">
-                <a16:creationId xmlns:a16="http://schemas.microsoft.com/office/drawing/2014/main" id="{E72AAE86-30C6-49CF-893C-8F6277A6C4FB}"/>
-              </a:ext>
-            </a:extLst>
-          </p:cNvPr>
-          <p:cNvSpPr>
-            <a:spLocks noGrp="1"/>
-          </p:cNvSpPr>
-          <p:nvPr>
-            <p:ph idx="1"/>
-          </p:nvPr>
-        </p:nvSpPr>
-        <p:spPr>
-          <a:xfrm>
-            <a:off x="680321" y="2336873"/>
-            <a:ext cx="6560451" cy="3599316"/>
-          </a:xfrm>
-        </p:spPr>
-        <p:txBody>
-          <a:bodyPr>
-            <a:normAutofit/>
-          </a:bodyPr>
-          <a:lstStyle/>
-          <a:p>
-            <a:pPr marL="0" indent="0">
-              <a:buNone/>
-            </a:pPr>
-            <a:r>
-              <a:rPr lang="pl-PL" dirty="0"/>
-              <a:t>Aplikacja będzie działać w kilku oknach</a:t>
-            </a:r>
-          </a:p>
-          <a:p>
-            <a:pPr marL="0" indent="0">
-              <a:buNone/>
-            </a:pPr>
-            <a:endParaRPr lang="pl-PL" dirty="0"/>
-          </a:p>
-          <a:p>
-            <a:pPr marL="0" indent="0">
-              <a:buNone/>
-            </a:pPr>
-            <a:endParaRPr lang="pl-PL" dirty="0"/>
-          </a:p>
-          <a:p>
-            <a:pPr marL="0" indent="0">
-              <a:buNone/>
-            </a:pPr>
-            <a:r>
-              <a:rPr lang="pl-PL" dirty="0"/>
-              <a:t>- Przejrzysty interfejs dla użytkownika</a:t>
-            </a:r>
-          </a:p>
-          <a:p>
-            <a:pPr marL="0" indent="0">
-              <a:buNone/>
-            </a:pPr>
-            <a:r>
-              <a:rPr lang="pl-PL" dirty="0"/>
-              <a:t>- Do programu będzie dołączony </a:t>
-            </a:r>
-            <a:r>
-              <a:rPr lang="pl-PL" dirty="0" err="1"/>
-              <a:t>user</a:t>
-            </a:r>
-            <a:r>
-              <a:rPr lang="pl-PL" dirty="0"/>
-              <a:t> manual</a:t>
-            </a:r>
-          </a:p>
-        </p:txBody>
-      </p:sp>
-      <p:pic>
-        <p:nvPicPr>
-          <p:cNvPr id="4" name="Obraz 3">
-            <a:extLst>
-              <a:ext uri="{FF2B5EF4-FFF2-40B4-BE49-F238E27FC236}">
-                <a16:creationId xmlns:a16="http://schemas.microsoft.com/office/drawing/2014/main" id="{1EB7AEB9-13E2-42AB-B487-8BE5646D0D9D}"/>
-              </a:ext>
-            </a:extLst>
-          </p:cNvPr>
-          <p:cNvPicPr>
-            <a:picLocks noChangeAspect="1"/>
-          </p:cNvPicPr>
-          <p:nvPr/>
-        </p:nvPicPr>
-        <p:blipFill>
-          <a:blip r:embed="rId2"/>
-          <a:stretch>
-            <a:fillRect/>
-          </a:stretch>
-        </p:blipFill>
-        <p:spPr>
-          <a:xfrm>
-            <a:off x="7633733" y="2163776"/>
-            <a:ext cx="4410891" cy="4545369"/>
-          </a:xfrm>
-          <a:prstGeom prst="rect">
-            <a:avLst/>
-          </a:prstGeom>
-        </p:spPr>
-      </p:pic>
-    </p:spTree>
-    <p:extLst>
-      <p:ext uri="{BB962C8B-B14F-4D97-AF65-F5344CB8AC3E}">
-        <p14:creationId xmlns:p14="http://schemas.microsoft.com/office/powerpoint/2010/main" val="3701425029"/>
-      </p:ext>
-    </p:extLst>
-  </p:cSld>
-  <p:clrMapOvr>
-    <a:masterClrMapping/>
-  </p:clrMapOvr>
-  <mc:AlternateContent xmlns:mc="http://schemas.openxmlformats.org/markup-compatibility/2006" xmlns:p14="http://schemas.microsoft.com/office/powerpoint/2010/main">
-    <mc:Choice Requires="p14">
-      <p:transition spd="med" p14:dur="700">
-        <p:fade/>
-      </p:transition>
-    </mc:Choice>
-    <mc:Fallback xmlns="">
-      <p:transition spd="med">
-        <p:fade/>
-      </p:transition>
-    </mc:Fallback>
-  </mc:AlternateContent>
-</p:sld>
-</file>
-
-<file path=ppt/slides/slide16.xml><?xml version="1.0" encoding="utf-8"?>
-<p:sld xmlns:a="http://schemas.openxmlformats.org/drawingml/2006/main" xmlns:r="http://schemas.openxmlformats.org/officeDocument/2006/relationships" xmlns:p="http://schemas.openxmlformats.org/presentationml/2006/main">
-  <p:cSld>
-    <p:spTree>
-      <p:nvGrpSpPr>
-        <p:cNvPr id="1" name=""/>
-        <p:cNvGrpSpPr/>
-        <p:nvPr/>
-      </p:nvGrpSpPr>
-      <p:grpSpPr>
-        <a:xfrm>
-          <a:off x="0" y="0"/>
-          <a:ext cx="0" cy="0"/>
-          <a:chOff x="0" y="0"/>
-          <a:chExt cx="0" cy="0"/>
-        </a:xfrm>
-      </p:grpSpPr>
-      <p:sp>
-        <p:nvSpPr>
-          <p:cNvPr id="2" name="Tytuł 1">
-            <a:extLst>
-              <a:ext uri="{FF2B5EF4-FFF2-40B4-BE49-F238E27FC236}">
-                <a16:creationId xmlns:a16="http://schemas.microsoft.com/office/drawing/2014/main" id="{4279EEF8-C63E-4692-9E3B-EEB7874E7DC2}"/>
-              </a:ext>
-            </a:extLst>
-          </p:cNvPr>
-          <p:cNvSpPr>
-            <a:spLocks noGrp="1"/>
-          </p:cNvSpPr>
-          <p:nvPr>
-            <p:ph type="title"/>
-          </p:nvPr>
-        </p:nvSpPr>
-        <p:spPr>
-          <a:xfrm>
-            <a:off x="680321" y="753228"/>
-            <a:ext cx="9613861" cy="1080938"/>
-          </a:xfrm>
-        </p:spPr>
-        <p:txBody>
-          <a:bodyPr/>
-          <a:lstStyle/>
-          <a:p>
-            <a:r>
-              <a:rPr lang="pl-PL"/>
-              <a:t>Wymagania niefunkcjonalne - niezawodność</a:t>
-            </a:r>
-            <a:endParaRPr lang="pl-PL" dirty="0"/>
-          </a:p>
-        </p:txBody>
-      </p:sp>
-      <p:sp>
-        <p:nvSpPr>
-          <p:cNvPr id="3" name="Symbol zastępczy zawartości 2">
-            <a:extLst>
-              <a:ext uri="{FF2B5EF4-FFF2-40B4-BE49-F238E27FC236}">
-                <a16:creationId xmlns:a16="http://schemas.microsoft.com/office/drawing/2014/main" id="{E72AAE86-30C6-49CF-893C-8F6277A6C4FB}"/>
-              </a:ext>
-            </a:extLst>
-          </p:cNvPr>
-          <p:cNvSpPr>
-            <a:spLocks noGrp="1"/>
-          </p:cNvSpPr>
-          <p:nvPr>
-            <p:ph idx="1"/>
-          </p:nvPr>
-        </p:nvSpPr>
-        <p:spPr>
-          <a:xfrm>
-            <a:off x="680321" y="2336873"/>
-            <a:ext cx="6560451" cy="3599316"/>
-          </a:xfrm>
-        </p:spPr>
-        <p:txBody>
-          <a:bodyPr>
-            <a:normAutofit/>
-          </a:bodyPr>
-          <a:lstStyle/>
-          <a:p>
-            <a:pPr marL="0" indent="0">
-              <a:buNone/>
-            </a:pPr>
-            <a:r>
-              <a:rPr lang="pl-PL" dirty="0"/>
-              <a:t>Działanie na komputerze lokalnym</a:t>
-            </a:r>
-          </a:p>
-          <a:p>
-            <a:pPr marL="0" indent="0">
-              <a:buNone/>
-            </a:pPr>
-            <a:endParaRPr lang="pl-PL" dirty="0"/>
-          </a:p>
-          <a:p>
-            <a:pPr marL="0" indent="0">
-              <a:buNone/>
-            </a:pPr>
-            <a:endParaRPr lang="pl-PL" dirty="0"/>
-          </a:p>
-          <a:p>
-            <a:pPr marL="0" indent="0">
-              <a:buNone/>
-            </a:pPr>
-            <a:r>
-              <a:rPr lang="pl-PL" dirty="0"/>
-              <a:t>Dostępność: cały czas</a:t>
-            </a:r>
-          </a:p>
-          <a:p>
-            <a:pPr marL="0" indent="0">
-              <a:buNone/>
-            </a:pPr>
-            <a:endParaRPr lang="pl-PL" dirty="0"/>
-          </a:p>
-          <a:p>
-            <a:pPr marL="0" indent="0">
-              <a:buNone/>
-            </a:pPr>
-            <a:endParaRPr lang="pl-PL" dirty="0"/>
-          </a:p>
-          <a:p>
-            <a:pPr marL="0" indent="0">
-              <a:buNone/>
-            </a:pPr>
-            <a:r>
-              <a:rPr lang="pl-PL" dirty="0"/>
-              <a:t>Błędy obsłużone wewnątrz aplikacji</a:t>
-            </a:r>
-          </a:p>
-        </p:txBody>
-      </p:sp>
-      <p:pic>
-        <p:nvPicPr>
-          <p:cNvPr id="7" name="Obraz 6">
-            <a:extLst>
-              <a:ext uri="{FF2B5EF4-FFF2-40B4-BE49-F238E27FC236}">
-                <a16:creationId xmlns:a16="http://schemas.microsoft.com/office/drawing/2014/main" id="{5D39BE46-650F-4764-BF23-3C989979FB98}"/>
-              </a:ext>
-            </a:extLst>
-          </p:cNvPr>
-          <p:cNvPicPr>
-            <a:picLocks noChangeAspect="1"/>
-          </p:cNvPicPr>
-          <p:nvPr/>
-        </p:nvPicPr>
-        <p:blipFill>
-          <a:blip r:embed="rId3"/>
-          <a:stretch>
-            <a:fillRect/>
-          </a:stretch>
-        </p:blipFill>
-        <p:spPr>
-          <a:xfrm>
-            <a:off x="6971694" y="2690037"/>
-            <a:ext cx="4784534" cy="2770579"/>
-          </a:xfrm>
-          <a:prstGeom prst="rect">
-            <a:avLst/>
-          </a:prstGeom>
-          <a:ln>
-            <a:noFill/>
-          </a:ln>
-          <a:effectLst>
-            <a:softEdge rad="112500"/>
-          </a:effectLst>
-        </p:spPr>
-      </p:pic>
-    </p:spTree>
-    <p:extLst>
-      <p:ext uri="{BB962C8B-B14F-4D97-AF65-F5344CB8AC3E}">
-        <p14:creationId xmlns:p14="http://schemas.microsoft.com/office/powerpoint/2010/main" val="3620409196"/>
+        <p14:creationId xmlns:p14="http://schemas.microsoft.com/office/powerpoint/2010/main" val="3629490746"/>
       </p:ext>
     </p:extLst>
   </p:cSld>
@@ -25609,7 +25612,7 @@
                 <a16:creationId xmlns:a16="http://schemas.microsoft.com/office/drawing/2014/main" id="{CDBCB3D0-62EC-4D8A-A9E7-991AF662DC1B}"/>
               </a:ext>
               <a:ext uri="{C183D7F6-B498-43B3-948B-1728B52AA6E4}">
-                <adec:decorative xmlns:adec="http://schemas.microsoft.com/office/drawing/2017/decorative" val="1"/>
+                <adec:decorative xmlns:adec="http://schemas.microsoft.com/office/drawing/2017/decorative" xmlns="" val="1"/>
               </a:ext>
             </a:extLst>
           </p:cNvPr>
@@ -25669,7 +25672,7 @@
                 <a16:creationId xmlns:a16="http://schemas.microsoft.com/office/drawing/2014/main" id="{62C758D7-9BCC-44AD-98FB-A68CA52677FA}"/>
               </a:ext>
               <a:ext uri="{C183D7F6-B498-43B3-948B-1728B52AA6E4}">
-                <adec:decorative xmlns:adec="http://schemas.microsoft.com/office/drawing/2017/decorative" val="1"/>
+                <adec:decorative xmlns:adec="http://schemas.microsoft.com/office/drawing/2017/decorative" xmlns="" val="1"/>
               </a:ext>
             </a:extLst>
           </p:cNvPr>
@@ -25715,7 +25718,7 @@
                 <a16:creationId xmlns:a16="http://schemas.microsoft.com/office/drawing/2014/main" id="{A890917F-0A64-4C0A-91F8-E4F6BE6AB857}"/>
               </a:ext>
               <a:ext uri="{C183D7F6-B498-43B3-948B-1728B52AA6E4}">
-                <adec:decorative xmlns:adec="http://schemas.microsoft.com/office/drawing/2017/decorative" val="1"/>
+                <adec:decorative xmlns:adec="http://schemas.microsoft.com/office/drawing/2017/decorative" xmlns="" val="1"/>
               </a:ext>
             </a:extLst>
           </p:cNvPr>
@@ -25775,7 +25778,7 @@
                 <a16:creationId xmlns:a16="http://schemas.microsoft.com/office/drawing/2014/main" id="{938C8E05-3629-4B19-A965-0C926F9DE4F3}"/>
               </a:ext>
               <a:ext uri="{C183D7F6-B498-43B3-948B-1728B52AA6E4}">
-                <adec:decorative xmlns:adec="http://schemas.microsoft.com/office/drawing/2017/decorative" val="1"/>
+                <adec:decorative xmlns:adec="http://schemas.microsoft.com/office/drawing/2017/decorative" xmlns="" val="1"/>
               </a:ext>
             </a:extLst>
           </p:cNvPr>
@@ -25820,7 +25823,7 @@
                 <a16:creationId xmlns:a16="http://schemas.microsoft.com/office/drawing/2014/main" id="{9044F20B-3F79-4BBD-A9B8-33672B6A4A84}"/>
               </a:ext>
               <a:ext uri="{C183D7F6-B498-43B3-948B-1728B52AA6E4}">
-                <adec:decorative xmlns:adec="http://schemas.microsoft.com/office/drawing/2017/decorative" val="1"/>
+                <adec:decorative xmlns:adec="http://schemas.microsoft.com/office/drawing/2017/decorative" xmlns="" val="1"/>
               </a:ext>
             </a:extLst>
           </p:cNvPr>
@@ -25901,7 +25904,7 @@
             <a:pPr algn="r"/>
             <a:r>
               <a:rPr lang="pl-PL" sz="3700"/>
-              <a:t>Wymagania niefunkcjonalne - wydajność</a:t>
+              <a:t>Wymagania niefunkcjonalne - wsparcie</a:t>
             </a:r>
           </a:p>
         </p:txBody>
@@ -25911,7 +25914,7 @@
           <p:cNvPr id="5" name="Symbol zastępczy zawartości 2">
             <a:extLst>
               <a:ext uri="{FF2B5EF4-FFF2-40B4-BE49-F238E27FC236}">
-                <a16:creationId xmlns:a16="http://schemas.microsoft.com/office/drawing/2014/main" id="{EE6B7906-67CC-4AC8-8B2F-4E46265704F5}"/>
+                <a16:creationId xmlns:a16="http://schemas.microsoft.com/office/drawing/2014/main" id="{0D7BF614-5152-433F-8D6F-06529ADE9FA0}"/>
               </a:ext>
             </a:extLst>
           </p:cNvPr>
@@ -25922,7 +25925,7 @@
             <p:ph idx="1"/>
             <p:extLst>
               <p:ext uri="{D42A27DB-BD31-4B8C-83A1-F6EECF244321}">
-                <p14:modId xmlns:p14="http://schemas.microsoft.com/office/powerpoint/2010/main" val="3057391658"/>
+                <p14:modId xmlns:p14="http://schemas.microsoft.com/office/powerpoint/2010/main" val="138383759"/>
               </p:ext>
             </p:extLst>
           </p:nvPr>
@@ -25940,7 +25943,7 @@
     </p:spTree>
     <p:extLst>
       <p:ext uri="{BB962C8B-B14F-4D97-AF65-F5344CB8AC3E}">
-        <p14:creationId xmlns:p14="http://schemas.microsoft.com/office/powerpoint/2010/main" val="3629490746"/>
+        <p14:creationId xmlns:p14="http://schemas.microsoft.com/office/powerpoint/2010/main" val="3501557750"/>
       </p:ext>
     </p:extLst>
   </p:cSld>
@@ -26019,10 +26022,10 @@
           <p:cNvPr id="10" name="Rectangle 9">
             <a:extLst>
               <a:ext uri="{FF2B5EF4-FFF2-40B4-BE49-F238E27FC236}">
-                <a16:creationId xmlns:a16="http://schemas.microsoft.com/office/drawing/2014/main" id="{CDBCB3D0-62EC-4D8A-A9E7-991AF662DC1B}"/>
+                <a16:creationId xmlns:a16="http://schemas.microsoft.com/office/drawing/2014/main" id="{B2A773CA-28F4-49C2-BFA3-49A5867C7AFB}"/>
               </a:ext>
               <a:ext uri="{C183D7F6-B498-43B3-948B-1728B52AA6E4}">
-                <adec:decorative xmlns:adec="http://schemas.microsoft.com/office/drawing/2017/decorative" val="1"/>
+                <adec:decorative xmlns:adec="http://schemas.microsoft.com/office/drawing/2017/decorative" xmlns="" val="1"/>
               </a:ext>
             </a:extLst>
           </p:cNvPr>
@@ -26079,10 +26082,10 @@
           <p:cNvPr id="12" name="Picture 11">
             <a:extLst>
               <a:ext uri="{FF2B5EF4-FFF2-40B4-BE49-F238E27FC236}">
-                <a16:creationId xmlns:a16="http://schemas.microsoft.com/office/drawing/2014/main" id="{62C758D7-9BCC-44AD-98FB-A68CA52677FA}"/>
+                <a16:creationId xmlns:a16="http://schemas.microsoft.com/office/drawing/2014/main" id="{5D7C72BA-4476-4E4B-BC37-9A75FD0C5951}"/>
               </a:ext>
               <a:ext uri="{C183D7F6-B498-43B3-948B-1728B52AA6E4}">
-                <adec:decorative xmlns:adec="http://schemas.microsoft.com/office/drawing/2017/decorative" val="1"/>
+                <adec:decorative xmlns:adec="http://schemas.microsoft.com/office/drawing/2017/decorative" xmlns="" val="1"/>
               </a:ext>
             </a:extLst>
           </p:cNvPr>
@@ -26125,10 +26128,10 @@
           <p:cNvPr id="14" name="Rectangle 13">
             <a:extLst>
               <a:ext uri="{FF2B5EF4-FFF2-40B4-BE49-F238E27FC236}">
-                <a16:creationId xmlns:a16="http://schemas.microsoft.com/office/drawing/2014/main" id="{A890917F-0A64-4C0A-91F8-E4F6BE6AB857}"/>
+                <a16:creationId xmlns:a16="http://schemas.microsoft.com/office/drawing/2014/main" id="{3009A16D-868B-4145-BBC6-555098537EC2}"/>
               </a:ext>
               <a:ext uri="{C183D7F6-B498-43B3-948B-1728B52AA6E4}">
-                <adec:decorative xmlns:adec="http://schemas.microsoft.com/office/drawing/2017/decorative" val="1"/>
+                <adec:decorative xmlns:adec="http://schemas.microsoft.com/office/drawing/2017/decorative" xmlns="" val="1"/>
               </a:ext>
             </a:extLst>
           </p:cNvPr>
@@ -26185,10 +26188,10 @@
           <p:cNvPr id="16" name="Picture 15">
             <a:extLst>
               <a:ext uri="{FF2B5EF4-FFF2-40B4-BE49-F238E27FC236}">
-                <a16:creationId xmlns:a16="http://schemas.microsoft.com/office/drawing/2014/main" id="{938C8E05-3629-4B19-A965-0C926F9DE4F3}"/>
+                <a16:creationId xmlns:a16="http://schemas.microsoft.com/office/drawing/2014/main" id="{3992EB33-38E1-4175-8EE2-9BB8CC159C7B}"/>
               </a:ext>
               <a:ext uri="{C183D7F6-B498-43B3-948B-1728B52AA6E4}">
-                <adec:decorative xmlns:adec="http://schemas.microsoft.com/office/drawing/2017/decorative" val="1"/>
+                <adec:decorative xmlns:adec="http://schemas.microsoft.com/office/drawing/2017/decorative" xmlns="" val="1"/>
               </a:ext>
             </a:extLst>
           </p:cNvPr>
@@ -26218,7 +26221,7 @@
         <p:spPr>
           <a:xfrm>
             <a:off x="1" y="5006045"/>
-            <a:ext cx="4965192" cy="144049"/>
+            <a:ext cx="4965192" cy="144668"/>
           </a:xfrm>
           <a:prstGeom prst="rect">
             <a:avLst/>
@@ -26230,10 +26233,10 @@
           <p:cNvPr id="18" name="Rectangle 17">
             <a:extLst>
               <a:ext uri="{FF2B5EF4-FFF2-40B4-BE49-F238E27FC236}">
-                <a16:creationId xmlns:a16="http://schemas.microsoft.com/office/drawing/2014/main" id="{9044F20B-3F79-4BBD-A9B8-33672B6A4A84}"/>
+                <a16:creationId xmlns:a16="http://schemas.microsoft.com/office/drawing/2014/main" id="{2DCAE5CF-5D29-4779-83E1-BDB64E4F30E5}"/>
               </a:ext>
               <a:ext uri="{C183D7F6-B498-43B3-948B-1728B52AA6E4}">
-                <adec:decorative xmlns:adec="http://schemas.microsoft.com/office/drawing/2017/decorative" val="1"/>
+                <adec:decorative xmlns:adec="http://schemas.microsoft.com/office/drawing/2017/decorative" xmlns="" val="1"/>
               </a:ext>
             </a:extLst>
           </p:cNvPr>
@@ -26313,18 +26316,18 @@
           <a:p>
             <a:pPr algn="r"/>
             <a:r>
-              <a:rPr lang="pl-PL" sz="3700"/>
-              <a:t>Wymagania niefunkcjonalne - wsparcie</a:t>
+              <a:rPr lang="pl-PL" sz="4400"/>
+              <a:t>Monte Carlo Tree Search</a:t>
             </a:r>
           </a:p>
         </p:txBody>
       </p:sp>
       <p:graphicFrame>
         <p:nvGraphicFramePr>
-          <p:cNvPr id="5" name="Symbol zastępczy zawartości 2">
+          <p:cNvPr id="6" name="Symbol zastępczy zawartości 2">
             <a:extLst>
               <a:ext uri="{FF2B5EF4-FFF2-40B4-BE49-F238E27FC236}">
-                <a16:creationId xmlns:a16="http://schemas.microsoft.com/office/drawing/2014/main" id="{0D7BF614-5152-433F-8D6F-06529ADE9FA0}"/>
+                <a16:creationId xmlns:a16="http://schemas.microsoft.com/office/drawing/2014/main" id="{E40FD243-313B-4180-92B6-0E3819FD1111}"/>
               </a:ext>
             </a:extLst>
           </p:cNvPr>
@@ -26335,14 +26338,14 @@
             <p:ph idx="1"/>
             <p:extLst>
               <p:ext uri="{D42A27DB-BD31-4B8C-83A1-F6EECF244321}">
-                <p14:modId xmlns:p14="http://schemas.microsoft.com/office/powerpoint/2010/main" val="138383759"/>
+                <p14:modId xmlns:p14="http://schemas.microsoft.com/office/powerpoint/2010/main" val="1385427603"/>
               </p:ext>
             </p:extLst>
           </p:nvPr>
         </p:nvGraphicFramePr>
         <p:xfrm>
-          <a:off x="5437509" y="777860"/>
-          <a:ext cx="5955658" cy="5385354"/>
+          <a:off x="5284788" y="639763"/>
+          <a:ext cx="6261100" cy="5578475"/>
         </p:xfrm>
         <a:graphic>
           <a:graphicData uri="http://schemas.openxmlformats.org/drawingml/2006/diagram">
@@ -26353,7 +26356,7 @@
     </p:spTree>
     <p:extLst>
       <p:ext uri="{BB962C8B-B14F-4D97-AF65-F5344CB8AC3E}">
-        <p14:creationId xmlns:p14="http://schemas.microsoft.com/office/powerpoint/2010/main" val="3501557750"/>
+        <p14:creationId xmlns:p14="http://schemas.microsoft.com/office/powerpoint/2010/main" val="1642804506"/>
       </p:ext>
     </p:extLst>
   </p:cSld>
@@ -26590,21 +26593,21 @@
           <a:chExt cx="0" cy="0"/>
         </a:xfrm>
       </p:grpSpPr>
-      <p:sp useBgFill="1">
-        <p:nvSpPr>
-          <p:cNvPr id="10" name="Rectangle 9">
+      <p:grpSp>
+        <p:nvGrpSpPr>
+          <p:cNvPr id="2052" name="Group 70">
             <a:extLst>
               <a:ext uri="{FF2B5EF4-FFF2-40B4-BE49-F238E27FC236}">
-                <a16:creationId xmlns:a16="http://schemas.microsoft.com/office/drawing/2014/main" id="{B2A773CA-28F4-49C2-BFA3-49A5867C7AFB}"/>
+                <a16:creationId xmlns:a16="http://schemas.microsoft.com/office/drawing/2014/main" id="{7A865E47-4365-4F21-B8EA-13B2C12BCB98}"/>
               </a:ext>
               <a:ext uri="{C183D7F6-B498-43B3-948B-1728B52AA6E4}">
-                <adec:decorative xmlns:adec="http://schemas.microsoft.com/office/drawing/2017/decorative" val="1"/>
+                <adec:decorative xmlns:adec="http://schemas.microsoft.com/office/drawing/2017/decorative" xmlns="" val="1"/>
               </a:ext>
             </a:extLst>
           </p:cNvPr>
-          <p:cNvSpPr>
-            <a:spLocks noGrp="1" noRot="1" noChangeAspect="1" noMove="1" noResize="1" noEditPoints="1" noAdjustHandles="1" noChangeArrowheads="1" noChangeShapeType="1" noTextEdit="1"/>
-          </p:cNvSpPr>
+          <p:cNvGrpSpPr>
+            <a:grpSpLocks noGrp="1" noUngrp="1" noRot="1" noChangeAspect="1" noMove="1" noResize="1"/>
+          </p:cNvGrpSpPr>
           <p:nvPr>
             <p:extLst>
               <p:ext uri="{386F3935-93C4-4BCD-93E2-E3B085C9AB24}">
@@ -26612,59 +26615,222 @@
               </p:ext>
             </p:extLst>
           </p:nvPr>
+        </p:nvGrpSpPr>
+        <p:grpSpPr>
+          <a:xfrm>
+            <a:off x="-3176" y="0"/>
+            <a:ext cx="12192000" cy="6858001"/>
+            <a:chOff x="-3176" y="0"/>
+            <a:chExt cx="12192000" cy="6858001"/>
+          </a:xfrm>
+        </p:grpSpPr>
+        <p:sp useBgFill="1">
+          <p:nvSpPr>
+            <p:cNvPr id="2053" name="Rectangle 71">
+              <a:extLst>
+                <a:ext uri="{FF2B5EF4-FFF2-40B4-BE49-F238E27FC236}">
+                  <a16:creationId xmlns:a16="http://schemas.microsoft.com/office/drawing/2014/main" id="{0CE24988-BB27-40E5-A961-9FA7ED0DB9B3}"/>
+                </a:ext>
+                <a:ext uri="{C183D7F6-B498-43B3-948B-1728B52AA6E4}">
+                  <adec:decorative xmlns:adec="http://schemas.microsoft.com/office/drawing/2017/decorative" xmlns="" val="1"/>
+                </a:ext>
+              </a:extLst>
+            </p:cNvPr>
+            <p:cNvSpPr/>
+            <p:nvPr>
+              <p:extLst>
+                <p:ext uri="{386F3935-93C4-4BCD-93E2-E3B085C9AB24}">
+                  <p16:designElem xmlns:p16="http://schemas.microsoft.com/office/powerpoint/2015/main" val="1"/>
+                </p:ext>
+              </p:extLst>
+            </p:nvPr>
+          </p:nvSpPr>
+          <p:spPr>
+            <a:xfrm>
+              <a:off x="0" y="0"/>
+              <a:ext cx="12188824" cy="6858001"/>
+            </a:xfrm>
+            <a:prstGeom prst="rect">
+              <a:avLst/>
+            </a:prstGeom>
+            <a:ln>
+              <a:noFill/>
+            </a:ln>
+          </p:spPr>
+          <p:style>
+            <a:lnRef idx="2">
+              <a:schemeClr val="accent1">
+                <a:shade val="50000"/>
+              </a:schemeClr>
+            </a:lnRef>
+            <a:fillRef idx="1">
+              <a:schemeClr val="accent1"/>
+            </a:fillRef>
+            <a:effectRef idx="0">
+              <a:schemeClr val="accent1"/>
+            </a:effectRef>
+            <a:fontRef idx="minor">
+              <a:schemeClr val="lt1"/>
+            </a:fontRef>
+          </p:style>
+          <p:txBody>
+            <a:bodyPr rtlCol="0" anchor="ctr"/>
+            <a:lstStyle/>
+            <a:p>
+              <a:pPr algn="ctr"/>
+              <a:endParaRPr lang="en-US"/>
+            </a:p>
+          </p:txBody>
+        </p:sp>
+        <p:pic>
+          <p:nvPicPr>
+            <p:cNvPr id="73" name="Picture 72">
+              <a:extLst>
+                <a:ext uri="{FF2B5EF4-FFF2-40B4-BE49-F238E27FC236}">
+                  <a16:creationId xmlns:a16="http://schemas.microsoft.com/office/drawing/2014/main" id="{80BDE80E-ADE0-4E16-8F80-306A15F4D3FB}"/>
+                </a:ext>
+                <a:ext uri="{C183D7F6-B498-43B3-948B-1728B52AA6E4}">
+                  <adec:decorative xmlns:adec="http://schemas.microsoft.com/office/drawing/2017/decorative" xmlns="" val="1"/>
+                </a:ext>
+              </a:extLst>
+            </p:cNvPr>
+            <p:cNvPicPr>
+              <a:picLocks noChangeAspect="1"/>
+            </p:cNvPicPr>
+            <p:nvPr>
+              <p:extLst>
+                <p:ext uri="{386F3935-93C4-4BCD-93E2-E3B085C9AB24}">
+                  <p16:designElem xmlns:p16="http://schemas.microsoft.com/office/powerpoint/2015/main" val="1"/>
+                </p:ext>
+              </p:extLst>
+            </p:nvPr>
+          </p:nvPicPr>
+          <p:blipFill>
+            <a:blip r:embed="rId3">
+              <a:alphaModFix amt="10000"/>
+              <a:extLst>
+                <a:ext uri="{28A0092B-C50C-407E-A947-70E740481C1C}">
+                  <a14:useLocalDpi xmlns:a14="http://schemas.microsoft.com/office/drawing/2010/main" val="0"/>
+                </a:ext>
+              </a:extLst>
+            </a:blip>
+            <a:stretch>
+              <a:fillRect/>
+            </a:stretch>
+          </p:blipFill>
+          <p:spPr>
+            <a:xfrm>
+              <a:off x="-3176" y="0"/>
+              <a:ext cx="12192000" cy="6858000"/>
+            </a:xfrm>
+            <a:prstGeom prst="rect">
+              <a:avLst/>
+            </a:prstGeom>
+          </p:spPr>
+        </p:pic>
+      </p:grpSp>
+      <p:sp>
+        <p:nvSpPr>
+          <p:cNvPr id="3" name="Symbol zastępczy zawartości 2">
+            <a:extLst>
+              <a:ext uri="{FF2B5EF4-FFF2-40B4-BE49-F238E27FC236}">
+                <a16:creationId xmlns:a16="http://schemas.microsoft.com/office/drawing/2014/main" id="{E72AAE86-30C6-49CF-893C-8F6277A6C4FB}"/>
+              </a:ext>
+            </a:extLst>
+          </p:cNvPr>
+          <p:cNvSpPr>
+            <a:spLocks noGrp="1"/>
+          </p:cNvSpPr>
+          <p:nvPr>
+            <p:ph idx="1"/>
+          </p:nvPr>
         </p:nvSpPr>
         <p:spPr>
           <a:xfrm>
-            <a:off x="0" y="0"/>
-            <a:ext cx="12188824" cy="6858000"/>
+            <a:off x="276447" y="2655545"/>
+            <a:ext cx="5582093" cy="3941003"/>
+          </a:xfrm>
+        </p:spPr>
+        <p:txBody>
+          <a:bodyPr>
+            <a:normAutofit/>
+          </a:bodyPr>
+          <a:lstStyle/>
+          <a:p>
+            <a:pPr marL="457200" indent="-457200">
+              <a:buAutoNum type="arabicPeriod"/>
+            </a:pPr>
+            <a:r>
+              <a:rPr lang="pl-PL" sz="2000" dirty="0"/>
+              <a:t>Stworzenie aplikacji pozwalającej na wizualizację drzew algorytmu UCT</a:t>
+            </a:r>
+          </a:p>
+        </p:txBody>
+      </p:sp>
+      <p:pic>
+        <p:nvPicPr>
+          <p:cNvPr id="2050" name="Picture 2" descr="Znalezione obrazy dla zapytania: business goal&quot;">
+            <a:extLst>
+              <a:ext uri="{FF2B5EF4-FFF2-40B4-BE49-F238E27FC236}">
+                <a16:creationId xmlns:a16="http://schemas.microsoft.com/office/drawing/2014/main" id="{3D1C3B48-48EE-44F4-BD11-0FD3ED08FF0A}"/>
+              </a:ext>
+            </a:extLst>
+          </p:cNvPr>
+          <p:cNvPicPr>
+            <a:picLocks noChangeAspect="1" noChangeArrowheads="1"/>
+          </p:cNvPicPr>
+          <p:nvPr/>
+        </p:nvPicPr>
+        <p:blipFill rotWithShape="1">
+          <a:blip r:embed="rId4">
+            <a:extLst>
+              <a:ext uri="{28A0092B-C50C-407E-A947-70E740481C1C}">
+                <a14:useLocalDpi xmlns:a14="http://schemas.microsoft.com/office/drawing/2010/main" val="0"/>
+              </a:ext>
+            </a:extLst>
+          </a:blip>
+          <a:srcRect l="38458" r="20220"/>
+          <a:stretch/>
+        </p:blipFill>
+        <p:spPr bwMode="auto">
+          <a:xfrm>
+            <a:off x="6096000" y="10"/>
+            <a:ext cx="6092823" cy="6856310"/>
           </a:xfrm>
           <a:prstGeom prst="rect">
             <a:avLst/>
           </a:prstGeom>
+          <a:noFill/>
           <a:ln>
             <a:noFill/>
           </a:ln>
+          <a:effectLst/>
+          <a:extLst>
+            <a:ext uri="{909E8E84-426E-40DD-AFC4-6F175D3DCCD1}">
+              <a14:hiddenFill xmlns:a14="http://schemas.microsoft.com/office/drawing/2010/main">
+                <a:solidFill>
+                  <a:srgbClr val="FFFFFF"/>
+                </a:solidFill>
+              </a14:hiddenFill>
+            </a:ext>
+          </a:extLst>
         </p:spPr>
-        <p:style>
-          <a:lnRef idx="2">
-            <a:schemeClr val="accent1">
-              <a:shade val="50000"/>
-            </a:schemeClr>
-          </a:lnRef>
-          <a:fillRef idx="1">
-            <a:schemeClr val="accent1"/>
-          </a:fillRef>
-          <a:effectRef idx="0">
-            <a:schemeClr val="accent1"/>
-          </a:effectRef>
-          <a:fontRef idx="minor">
-            <a:schemeClr val="lt1"/>
-          </a:fontRef>
-        </p:style>
-        <p:txBody>
-          <a:bodyPr rtlCol="0" anchor="ctr"/>
-          <a:lstStyle/>
-          <a:p>
-            <a:pPr algn="ctr"/>
-            <a:endParaRPr lang="en-US"/>
-          </a:p>
-        </p:txBody>
-      </p:sp>
-      <p:pic>
-        <p:nvPicPr>
-          <p:cNvPr id="12" name="Picture 11">
+      </p:pic>
+      <p:sp>
+        <p:nvSpPr>
+          <p:cNvPr id="2054" name="Rectangle 74">
             <a:extLst>
               <a:ext uri="{FF2B5EF4-FFF2-40B4-BE49-F238E27FC236}">
-                <a16:creationId xmlns:a16="http://schemas.microsoft.com/office/drawing/2014/main" id="{5D7C72BA-4476-4E4B-BC37-9A75FD0C5951}"/>
+                <a16:creationId xmlns:a16="http://schemas.microsoft.com/office/drawing/2014/main" id="{13BC1C09-8FD1-4619-B317-E9EED5E55DD8}"/>
               </a:ext>
               <a:ext uri="{C183D7F6-B498-43B3-948B-1728B52AA6E4}">
-                <adec:decorative xmlns:adec="http://schemas.microsoft.com/office/drawing/2017/decorative" val="1"/>
+                <adec:decorative xmlns:adec="http://schemas.microsoft.com/office/drawing/2017/decorative" xmlns="" val="1"/>
               </a:ext>
             </a:extLst>
           </p:cNvPr>
-          <p:cNvPicPr>
-            <a:picLocks noGrp="1" noRot="1" noChangeAspect="1" noMove="1" noResize="1" noEditPoints="1" noAdjustHandles="1" noChangeArrowheads="1" noChangeShapeType="1" noCrop="1"/>
-          </p:cNvPicPr>
+          <p:cNvSpPr>
+            <a:spLocks noGrp="1" noRot="1" noChangeAspect="1" noMove="1" noResize="1" noEditPoints="1" noAdjustHandles="1" noChangeArrowheads="1" noChangeShapeType="1" noTextEdit="1"/>
+          </p:cNvSpPr>
           <p:nvPr>
             <p:extLst>
               <p:ext uri="{386F3935-93C4-4BCD-93E2-E3B085C9AB24}">
@@ -26672,162 +26838,11 @@
               </p:ext>
             </p:extLst>
           </p:nvPr>
-        </p:nvPicPr>
-        <p:blipFill>
-          <a:blip r:embed="rId3">
-            <a:alphaModFix amt="10000"/>
-            <a:extLst>
-              <a:ext uri="{28A0092B-C50C-407E-A947-70E740481C1C}">
-                <a14:useLocalDpi xmlns:a14="http://schemas.microsoft.com/office/drawing/2010/main" val="0"/>
-              </a:ext>
-            </a:extLst>
-          </a:blip>
-          <a:stretch>
-            <a:fillRect/>
-          </a:stretch>
-        </p:blipFill>
-        <p:spPr>
+        </p:nvSpPr>
+        <p:spPr bwMode="grayWhite">
           <a:xfrm>
-            <a:off x="0" y="0"/>
-            <a:ext cx="12192000" cy="6858000"/>
-          </a:xfrm>
-          <a:prstGeom prst="rect">
-            <a:avLst/>
-          </a:prstGeom>
-        </p:spPr>
-      </p:pic>
-      <p:sp>
-        <p:nvSpPr>
-          <p:cNvPr id="14" name="Rectangle 13">
-            <a:extLst>
-              <a:ext uri="{FF2B5EF4-FFF2-40B4-BE49-F238E27FC236}">
-                <a16:creationId xmlns:a16="http://schemas.microsoft.com/office/drawing/2014/main" id="{3009A16D-868B-4145-BBC6-555098537EC2}"/>
-              </a:ext>
-              <a:ext uri="{C183D7F6-B498-43B3-948B-1728B52AA6E4}">
-                <adec:decorative xmlns:adec="http://schemas.microsoft.com/office/drawing/2017/decorative" val="1"/>
-              </a:ext>
-            </a:extLst>
-          </p:cNvPr>
-          <p:cNvSpPr>
-            <a:spLocks noGrp="1" noRot="1" noChangeAspect="1" noMove="1" noResize="1" noEditPoints="1" noAdjustHandles="1" noChangeArrowheads="1" noChangeShapeType="1" noTextEdit="1"/>
-          </p:cNvSpPr>
-          <p:nvPr>
-            <p:extLst>
-              <p:ext uri="{386F3935-93C4-4BCD-93E2-E3B085C9AB24}">
-                <p16:designElem xmlns:p16="http://schemas.microsoft.com/office/powerpoint/2015/main" val="1"/>
-              </p:ext>
-            </p:extLst>
-          </p:nvPr>
-        </p:nvSpPr>
-        <p:spPr>
-          <a:xfrm>
-            <a:off x="4644527" y="0"/>
-            <a:ext cx="7552944" cy="6858001"/>
-          </a:xfrm>
-          <a:prstGeom prst="rect">
-            <a:avLst/>
-          </a:prstGeom>
-          <a:ln>
-            <a:noFill/>
-          </a:ln>
-        </p:spPr>
-        <p:style>
-          <a:lnRef idx="2">
-            <a:schemeClr val="accent1">
-              <a:shade val="50000"/>
-            </a:schemeClr>
-          </a:lnRef>
-          <a:fillRef idx="1">
-            <a:schemeClr val="accent1"/>
-          </a:fillRef>
-          <a:effectRef idx="0">
-            <a:schemeClr val="accent1"/>
-          </a:effectRef>
-          <a:fontRef idx="minor">
-            <a:schemeClr val="lt1"/>
-          </a:fontRef>
-        </p:style>
-        <p:txBody>
-          <a:bodyPr rtlCol="0" anchor="ctr"/>
-          <a:lstStyle/>
-          <a:p>
-            <a:pPr algn="ctr"/>
-            <a:endParaRPr lang="en-US"/>
-          </a:p>
-        </p:txBody>
-      </p:sp>
-      <p:pic>
-        <p:nvPicPr>
-          <p:cNvPr id="16" name="Picture 15">
-            <a:extLst>
-              <a:ext uri="{FF2B5EF4-FFF2-40B4-BE49-F238E27FC236}">
-                <a16:creationId xmlns:a16="http://schemas.microsoft.com/office/drawing/2014/main" id="{3992EB33-38E1-4175-8EE2-9BB8CC159C7B}"/>
-              </a:ext>
-              <a:ext uri="{C183D7F6-B498-43B3-948B-1728B52AA6E4}">
-                <adec:decorative xmlns:adec="http://schemas.microsoft.com/office/drawing/2017/decorative" val="1"/>
-              </a:ext>
-            </a:extLst>
-          </p:cNvPr>
-          <p:cNvPicPr>
-            <a:picLocks noGrp="1" noRot="1" noChangeAspect="1" noMove="1" noResize="1" noEditPoints="1" noAdjustHandles="1" noChangeArrowheads="1" noChangeShapeType="1" noCrop="1"/>
-          </p:cNvPicPr>
-          <p:nvPr>
-            <p:extLst>
-              <p:ext uri="{386F3935-93C4-4BCD-93E2-E3B085C9AB24}">
-                <p16:designElem xmlns:p16="http://schemas.microsoft.com/office/powerpoint/2015/main" val="1"/>
-              </p:ext>
-            </p:extLst>
-          </p:nvPr>
-        </p:nvPicPr>
-        <p:blipFill>
-          <a:blip r:embed="rId4" cstate="print">
-            <a:extLst>
-              <a:ext uri="{28A0092B-C50C-407E-A947-70E740481C1C}">
-                <a14:useLocalDpi xmlns:a14="http://schemas.microsoft.com/office/drawing/2010/main" val="0"/>
-              </a:ext>
-            </a:extLst>
-          </a:blip>
-          <a:stretch>
-            <a:fillRect/>
-          </a:stretch>
-        </p:blipFill>
-        <p:spPr>
-          <a:xfrm>
-            <a:off x="1" y="5006045"/>
-            <a:ext cx="4965192" cy="144668"/>
-          </a:xfrm>
-          <a:prstGeom prst="rect">
-            <a:avLst/>
-          </a:prstGeom>
-        </p:spPr>
-      </p:pic>
-      <p:sp>
-        <p:nvSpPr>
-          <p:cNvPr id="18" name="Rectangle 17">
-            <a:extLst>
-              <a:ext uri="{FF2B5EF4-FFF2-40B4-BE49-F238E27FC236}">
-                <a16:creationId xmlns:a16="http://schemas.microsoft.com/office/drawing/2014/main" id="{2DCAE5CF-5D29-4779-83E1-BDB64E4F30E5}"/>
-              </a:ext>
-              <a:ext uri="{C183D7F6-B498-43B3-948B-1728B52AA6E4}">
-                <adec:decorative xmlns:adec="http://schemas.microsoft.com/office/drawing/2017/decorative" val="1"/>
-              </a:ext>
-            </a:extLst>
-          </p:cNvPr>
-          <p:cNvSpPr>
-            <a:spLocks noGrp="1" noRot="1" noChangeAspect="1" noMove="1" noResize="1" noEditPoints="1" noAdjustHandles="1" noChangeArrowheads="1" noChangeShapeType="1" noTextEdit="1"/>
-          </p:cNvSpPr>
-          <p:nvPr>
-            <p:extLst>
-              <p:ext uri="{386F3935-93C4-4BCD-93E2-E3B085C9AB24}">
-                <p16:designElem xmlns:p16="http://schemas.microsoft.com/office/powerpoint/2015/main" val="1"/>
-              </p:ext>
-            </p:extLst>
-          </p:nvPr>
-        </p:nvSpPr>
-        <p:spPr>
-          <a:xfrm>
-            <a:off x="-1" y="1838764"/>
-            <a:ext cx="4964567" cy="3180473"/>
+            <a:off x="2" y="609600"/>
+            <a:ext cx="6499753" cy="1368198"/>
           </a:xfrm>
           <a:prstGeom prst="rect">
             <a:avLst/>
@@ -26877,8 +26892,8 @@
         </p:nvSpPr>
         <p:spPr>
           <a:xfrm>
-            <a:off x="680321" y="2063262"/>
-            <a:ext cx="3739279" cy="2661052"/>
+            <a:off x="680321" y="753228"/>
+            <a:ext cx="5041629" cy="1080938"/>
           </a:xfrm>
         </p:spPr>
         <p:txBody>
@@ -26887,49 +26902,62 @@
           </a:bodyPr>
           <a:lstStyle/>
           <a:p>
-            <a:pPr algn="r"/>
-            <a:r>
-              <a:rPr lang="pl-PL" sz="4400"/>
-              <a:t>Monte Carlo Tree Search</a:t>
+            <a:r>
+              <a:rPr lang="pl-PL" dirty="0"/>
+              <a:t>Cele biznesowe</a:t>
             </a:r>
           </a:p>
         </p:txBody>
       </p:sp>
-      <p:graphicFrame>
-        <p:nvGraphicFramePr>
-          <p:cNvPr id="6" name="Symbol zastępczy zawartości 2">
+      <p:pic>
+        <p:nvPicPr>
+          <p:cNvPr id="2055" name="Picture 76">
             <a:extLst>
               <a:ext uri="{FF2B5EF4-FFF2-40B4-BE49-F238E27FC236}">
-                <a16:creationId xmlns:a16="http://schemas.microsoft.com/office/drawing/2014/main" id="{E40FD243-313B-4180-92B6-0E3819FD1111}"/>
+                <a16:creationId xmlns:a16="http://schemas.microsoft.com/office/drawing/2014/main" id="{D3143E80-C928-46DB-9299-0BD06348A928}"/>
+              </a:ext>
+              <a:ext uri="{C183D7F6-B498-43B3-948B-1728B52AA6E4}">
+                <adec:decorative xmlns:adec="http://schemas.microsoft.com/office/drawing/2017/decorative" xmlns="" val="1"/>
               </a:ext>
             </a:extLst>
           </p:cNvPr>
-          <p:cNvGraphicFramePr>
-            <a:graphicFrameLocks noGrp="1"/>
-          </p:cNvGraphicFramePr>
-          <p:nvPr>
-            <p:ph idx="1"/>
+          <p:cNvPicPr>
+            <a:picLocks noGrp="1" noRot="1" noChangeAspect="1" noMove="1" noResize="1" noEditPoints="1" noAdjustHandles="1" noChangeArrowheads="1" noChangeShapeType="1" noCrop="1"/>
+          </p:cNvPicPr>
+          <p:nvPr>
             <p:extLst>
-              <p:ext uri="{D42A27DB-BD31-4B8C-83A1-F6EECF244321}">
-                <p14:modId xmlns:p14="http://schemas.microsoft.com/office/powerpoint/2010/main" val="1385427603"/>
+              <p:ext uri="{386F3935-93C4-4BCD-93E2-E3B085C9AB24}">
+                <p16:designElem xmlns:p16="http://schemas.microsoft.com/office/powerpoint/2015/main" val="1"/>
               </p:ext>
             </p:extLst>
           </p:nvPr>
-        </p:nvGraphicFramePr>
-        <p:xfrm>
-          <a:off x="5284788" y="639763"/>
-          <a:ext cx="6261100" cy="5578475"/>
-        </p:xfrm>
-        <a:graphic>
-          <a:graphicData uri="http://schemas.openxmlformats.org/drawingml/2006/diagram">
-            <dgm:relIds xmlns:dgm="http://schemas.openxmlformats.org/drawingml/2006/diagram" xmlns:r="http://schemas.openxmlformats.org/officeDocument/2006/relationships" r:dm="rId5" r:lo="rId6" r:qs="rId7" r:cs="rId8"/>
-          </a:graphicData>
-        </a:graphic>
-      </p:graphicFrame>
+        </p:nvPicPr>
+        <p:blipFill>
+          <a:blip r:embed="rId5">
+            <a:extLst>
+              <a:ext uri="{28A0092B-C50C-407E-A947-70E740481C1C}">
+                <a14:useLocalDpi xmlns:a14="http://schemas.microsoft.com/office/drawing/2010/main" val="0"/>
+              </a:ext>
+            </a:extLst>
+          </a:blip>
+          <a:stretch>
+            <a:fillRect/>
+          </a:stretch>
+        </p:blipFill>
+        <p:spPr>
+          <a:xfrm>
+            <a:off x="2" y="1970240"/>
+            <a:ext cx="6492240" cy="261714"/>
+          </a:xfrm>
+          <a:prstGeom prst="rect">
+            <a:avLst/>
+          </a:prstGeom>
+        </p:spPr>
+      </p:pic>
     </p:spTree>
     <p:extLst>
       <p:ext uri="{BB962C8B-B14F-4D97-AF65-F5344CB8AC3E}">
-        <p14:creationId xmlns:p14="http://schemas.microsoft.com/office/powerpoint/2010/main" val="1642804506"/>
+        <p14:creationId xmlns:p14="http://schemas.microsoft.com/office/powerpoint/2010/main" val="4082528852"/>
       </p:ext>
     </p:extLst>
   </p:cSld>
@@ -26948,6 +26976,13 @@
       </p:transition>
     </mc:Fallback>
   </mc:AlternateContent>
+  <p:timing>
+    <p:tnLst>
+      <p:par>
+        <p:cTn id="1" dur="indefinite" restart="never" nodeType="tmRoot"/>
+      </p:par>
+    </p:tnLst>
+  </p:timing>
 </p:sld>
 </file>
 
@@ -28138,7 +28173,7 @@
                 <a16:creationId xmlns:a16="http://schemas.microsoft.com/office/drawing/2014/main" id="{2F74CD13-E6E2-4BA1-A746-26D1A485D405}"/>
               </a:ext>
               <a:ext uri="{C183D7F6-B498-43B3-948B-1728B52AA6E4}">
-                <adec:decorative xmlns:adec="http://schemas.microsoft.com/office/drawing/2017/decorative" val="1"/>
+                <adec:decorative xmlns:adec="http://schemas.microsoft.com/office/drawing/2017/decorative" xmlns="" val="1"/>
               </a:ext>
             </a:extLst>
           </p:cNvPr>
@@ -28184,7 +28219,7 @@
                 <a16:creationId xmlns:a16="http://schemas.microsoft.com/office/drawing/2014/main" id="{B346EC20-981A-4C3D-BE3E-545E9E7AA984}"/>
               </a:ext>
               <a:ext uri="{C183D7F6-B498-43B3-948B-1728B52AA6E4}">
-                <adec:decorative xmlns:adec="http://schemas.microsoft.com/office/drawing/2017/decorative" val="1"/>
+                <adec:decorative xmlns:adec="http://schemas.microsoft.com/office/drawing/2017/decorative" xmlns="" val="1"/>
               </a:ext>
             </a:extLst>
           </p:cNvPr>
@@ -28229,7 +28264,7 @@
                 <a16:creationId xmlns:a16="http://schemas.microsoft.com/office/drawing/2014/main" id="{1679C49F-A469-46CB-BDFA-0DD516D5A43D}"/>
               </a:ext>
               <a:ext uri="{C183D7F6-B498-43B3-948B-1728B52AA6E4}">
-                <adec:decorative xmlns:adec="http://schemas.microsoft.com/office/drawing/2017/decorative" val="1"/>
+                <adec:decorative xmlns:adec="http://schemas.microsoft.com/office/drawing/2017/decorative" xmlns="" val="1"/>
               </a:ext>
             </a:extLst>
           </p:cNvPr>
@@ -28274,7 +28309,7 @@
                 <a16:creationId xmlns:a16="http://schemas.microsoft.com/office/drawing/2014/main" id="{2EF22102-83EB-49F5-99EC-1534C57EED31}"/>
               </a:ext>
               <a:ext uri="{C183D7F6-B498-43B3-948B-1728B52AA6E4}">
-                <adec:decorative xmlns:adec="http://schemas.microsoft.com/office/drawing/2017/decorative" val="1"/>
+                <adec:decorative xmlns:adec="http://schemas.microsoft.com/office/drawing/2017/decorative" xmlns="" val="1"/>
               </a:ext>
             </a:extLst>
           </p:cNvPr>
@@ -28332,7 +28367,7 @@
                 <a16:creationId xmlns:a16="http://schemas.microsoft.com/office/drawing/2014/main" id="{0EC250B3-686F-4E97-8FFD-8AE8ECD5DE37}"/>
               </a:ext>
               <a:ext uri="{C183D7F6-B498-43B3-948B-1728B52AA6E4}">
-                <adec:decorative xmlns:adec="http://schemas.microsoft.com/office/drawing/2017/decorative" val="1"/>
+                <adec:decorative xmlns:adec="http://schemas.microsoft.com/office/drawing/2017/decorative" xmlns="" val="1"/>
               </a:ext>
             </a:extLst>
           </p:cNvPr>
@@ -28387,7 +28422,7 @@
                 <a16:creationId xmlns:a16="http://schemas.microsoft.com/office/drawing/2014/main" id="{CF42E396-F955-4F53-80B2-FF908491C60B}"/>
               </a:ext>
               <a:ext uri="{C183D7F6-B498-43B3-948B-1728B52AA6E4}">
-                <adec:decorative xmlns:adec="http://schemas.microsoft.com/office/drawing/2017/decorative" val="1"/>
+                <adec:decorative xmlns:adec="http://schemas.microsoft.com/office/drawing/2017/decorative" xmlns="" val="1"/>
               </a:ext>
             </a:extLst>
           </p:cNvPr>
@@ -28418,7 +28453,7 @@
                   <a16:creationId xmlns:a16="http://schemas.microsoft.com/office/drawing/2014/main" id="{98660BC7-84CF-4366-8AE1-CA4B95B63F1A}"/>
                 </a:ext>
                 <a:ext uri="{C183D7F6-B498-43B3-948B-1728B52AA6E4}">
-                  <adec:decorative xmlns:adec="http://schemas.microsoft.com/office/drawing/2017/decorative" val="1"/>
+                  <adec:decorative xmlns:adec="http://schemas.microsoft.com/office/drawing/2017/decorative" xmlns="" val="1"/>
                 </a:ext>
               </a:extLst>
             </p:cNvPr>
@@ -28476,7 +28511,7 @@
                   <a16:creationId xmlns:a16="http://schemas.microsoft.com/office/drawing/2014/main" id="{9E2949B7-65E9-4707-AEA1-02995F1B6DE9}"/>
                 </a:ext>
                 <a:ext uri="{C183D7F6-B498-43B3-948B-1728B52AA6E4}">
-                  <adec:decorative xmlns:adec="http://schemas.microsoft.com/office/drawing/2017/decorative" val="1"/>
+                  <adec:decorative xmlns:adec="http://schemas.microsoft.com/office/drawing/2017/decorative" xmlns="" val="1"/>
                 </a:ext>
               </a:extLst>
             </p:cNvPr>
@@ -28523,7 +28558,7 @@
                 <a16:creationId xmlns:a16="http://schemas.microsoft.com/office/drawing/2014/main" id="{1612490C-320F-455C-9DFD-2C5F49D1880D}"/>
               </a:ext>
               <a:ext uri="{C183D7F6-B498-43B3-948B-1728B52AA6E4}">
-                <adec:decorative xmlns:adec="http://schemas.microsoft.com/office/drawing/2017/decorative" val="1"/>
+                <adec:decorative xmlns:adec="http://schemas.microsoft.com/office/drawing/2017/decorative" xmlns="" val="1"/>
               </a:ext>
             </a:extLst>
           </p:cNvPr>
@@ -28625,7 +28660,7 @@
           <p:nvPr/>
         </p:nvPicPr>
         <p:blipFill>
-          <a:blip r:embed="rId6">
+          <a:blip r:embed="rId6" cstate="hqprint">
             <a:extLst>
               <a:ext uri="{28A0092B-C50C-407E-A947-70E740481C1C}">
                 <a14:useLocalDpi xmlns:a14="http://schemas.microsoft.com/office/drawing/2010/main" val="0"/>
@@ -28793,7 +28828,7 @@
           <p:nvPr/>
         </p:nvPicPr>
         <p:blipFill>
-          <a:blip r:embed="rId9">
+          <a:blip r:embed="rId9" cstate="hqprint">
             <a:extLst>
               <a:ext uri="{28A0092B-C50C-407E-A947-70E740481C1C}">
                 <a14:useLocalDpi xmlns:a14="http://schemas.microsoft.com/office/drawing/2010/main" val="0"/>
@@ -28842,7 +28877,7 @@
                 <a16:creationId xmlns:a16="http://schemas.microsoft.com/office/drawing/2014/main" id="{B39E2C89-5187-4320-B1A5-215C041696E3}"/>
               </a:ext>
               <a:ext uri="{C183D7F6-B498-43B3-948B-1728B52AA6E4}">
-                <adec:decorative xmlns:adec="http://schemas.microsoft.com/office/drawing/2017/decorative" val="1"/>
+                <adec:decorative xmlns:adec="http://schemas.microsoft.com/office/drawing/2017/decorative" xmlns="" val="1"/>
               </a:ext>
             </a:extLst>
           </p:cNvPr>
@@ -28897,7 +28932,7 @@
                 <a16:creationId xmlns:a16="http://schemas.microsoft.com/office/drawing/2014/main" id="{54E171C8-1D58-447C-8CEC-BFF90B3A50B8}"/>
               </a:ext>
               <a:ext uri="{C183D7F6-B498-43B3-948B-1728B52AA6E4}">
-                <adec:decorative xmlns:adec="http://schemas.microsoft.com/office/drawing/2017/decorative" val="1"/>
+                <adec:decorative xmlns:adec="http://schemas.microsoft.com/office/drawing/2017/decorative" xmlns="" val="1"/>
               </a:ext>
             </a:extLst>
           </p:cNvPr>
@@ -28963,7 +28998,7 @@
                 <a16:creationId xmlns:a16="http://schemas.microsoft.com/office/drawing/2014/main" id="{08E38096-6C03-4FF0-923F-13504759F698}"/>
               </a:ext>
               <a:ext uri="{C183D7F6-B498-43B3-948B-1728B52AA6E4}">
-                <adec:decorative xmlns:adec="http://schemas.microsoft.com/office/drawing/2017/decorative" val="1"/>
+                <adec:decorative xmlns:adec="http://schemas.microsoft.com/office/drawing/2017/decorative" xmlns="" val="1"/>
               </a:ext>
             </a:extLst>
           </p:cNvPr>
@@ -29106,7 +29141,7 @@
                 <a16:creationId xmlns:a16="http://schemas.microsoft.com/office/drawing/2014/main" id="{7A865E47-4365-4F21-B8EA-13B2C12BCB98}"/>
               </a:ext>
               <a:ext uri="{C183D7F6-B498-43B3-948B-1728B52AA6E4}">
-                <adec:decorative xmlns:adec="http://schemas.microsoft.com/office/drawing/2017/decorative" val="1"/>
+                <adec:decorative xmlns:adec="http://schemas.microsoft.com/office/drawing/2017/decorative" xmlns="" val="1"/>
               </a:ext>
             </a:extLst>
           </p:cNvPr>
@@ -29137,7 +29172,7 @@
                   <a16:creationId xmlns:a16="http://schemas.microsoft.com/office/drawing/2014/main" id="{0CE24988-BB27-40E5-A961-9FA7ED0DB9B3}"/>
                 </a:ext>
                 <a:ext uri="{C183D7F6-B498-43B3-948B-1728B52AA6E4}">
-                  <adec:decorative xmlns:adec="http://schemas.microsoft.com/office/drawing/2017/decorative" val="1"/>
+                  <adec:decorative xmlns:adec="http://schemas.microsoft.com/office/drawing/2017/decorative" xmlns="" val="1"/>
                 </a:ext>
               </a:extLst>
             </p:cNvPr>
@@ -29195,7 +29230,7 @@
                   <a16:creationId xmlns:a16="http://schemas.microsoft.com/office/drawing/2014/main" id="{80BDE80E-ADE0-4E16-8F80-306A15F4D3FB}"/>
                 </a:ext>
                 <a:ext uri="{C183D7F6-B498-43B3-948B-1728B52AA6E4}">
-                  <adec:decorative xmlns:adec="http://schemas.microsoft.com/office/drawing/2017/decorative" val="1"/>
+                  <adec:decorative xmlns:adec="http://schemas.microsoft.com/office/drawing/2017/decorative" xmlns="" val="1"/>
                 </a:ext>
               </a:extLst>
             </p:cNvPr>
@@ -29341,7 +29376,7 @@
                 <a16:creationId xmlns:a16="http://schemas.microsoft.com/office/drawing/2014/main" id="{13BC1C09-8FD1-4619-B317-E9EED5E55DD8}"/>
               </a:ext>
               <a:ext uri="{C183D7F6-B498-43B3-948B-1728B52AA6E4}">
-                <adec:decorative xmlns:adec="http://schemas.microsoft.com/office/drawing/2017/decorative" val="1"/>
+                <adec:decorative xmlns:adec="http://schemas.microsoft.com/office/drawing/2017/decorative" xmlns="" val="1"/>
               </a:ext>
             </a:extLst>
           </p:cNvPr>
@@ -29435,7 +29470,7 @@
                 <a16:creationId xmlns:a16="http://schemas.microsoft.com/office/drawing/2014/main" id="{D3143E80-C928-46DB-9299-0BD06348A928}"/>
               </a:ext>
               <a:ext uri="{C183D7F6-B498-43B3-948B-1728B52AA6E4}">
-                <adec:decorative xmlns:adec="http://schemas.microsoft.com/office/drawing/2017/decorative" val="1"/>
+                <adec:decorative xmlns:adec="http://schemas.microsoft.com/office/drawing/2017/decorative" xmlns="" val="1"/>
               </a:ext>
             </a:extLst>
           </p:cNvPr>
@@ -29557,7 +29592,7 @@
                 <a16:creationId xmlns:a16="http://schemas.microsoft.com/office/drawing/2014/main" id="{7A865E47-4365-4F21-B8EA-13B2C12BCB98}"/>
               </a:ext>
               <a:ext uri="{C183D7F6-B498-43B3-948B-1728B52AA6E4}">
-                <adec:decorative xmlns:adec="http://schemas.microsoft.com/office/drawing/2017/decorative" val="1"/>
+                <adec:decorative xmlns:adec="http://schemas.microsoft.com/office/drawing/2017/decorative" xmlns="" val="1"/>
               </a:ext>
             </a:extLst>
           </p:cNvPr>
@@ -29588,7 +29623,7 @@
                   <a16:creationId xmlns:a16="http://schemas.microsoft.com/office/drawing/2014/main" id="{0CE24988-BB27-40E5-A961-9FA7ED0DB9B3}"/>
                 </a:ext>
                 <a:ext uri="{C183D7F6-B498-43B3-948B-1728B52AA6E4}">
-                  <adec:decorative xmlns:adec="http://schemas.microsoft.com/office/drawing/2017/decorative" val="1"/>
+                  <adec:decorative xmlns:adec="http://schemas.microsoft.com/office/drawing/2017/decorative" xmlns="" val="1"/>
                 </a:ext>
               </a:extLst>
             </p:cNvPr>
@@ -29646,7 +29681,7 @@
                   <a16:creationId xmlns:a16="http://schemas.microsoft.com/office/drawing/2014/main" id="{80BDE80E-ADE0-4E16-8F80-306A15F4D3FB}"/>
                 </a:ext>
                 <a:ext uri="{C183D7F6-B498-43B3-948B-1728B52AA6E4}">
-                  <adec:decorative xmlns:adec="http://schemas.microsoft.com/office/drawing/2017/decorative" val="1"/>
+                  <adec:decorative xmlns:adec="http://schemas.microsoft.com/office/drawing/2017/decorative" xmlns="" val="1"/>
                 </a:ext>
               </a:extLst>
             </p:cNvPr>
@@ -29807,7 +29842,7 @@
                 <a16:creationId xmlns:a16="http://schemas.microsoft.com/office/drawing/2014/main" id="{13BC1C09-8FD1-4619-B317-E9EED5E55DD8}"/>
               </a:ext>
               <a:ext uri="{C183D7F6-B498-43B3-948B-1728B52AA6E4}">
-                <adec:decorative xmlns:adec="http://schemas.microsoft.com/office/drawing/2017/decorative" val="1"/>
+                <adec:decorative xmlns:adec="http://schemas.microsoft.com/office/drawing/2017/decorative" xmlns="" val="1"/>
               </a:ext>
             </a:extLst>
           </p:cNvPr>
@@ -29901,7 +29936,7 @@
                 <a16:creationId xmlns:a16="http://schemas.microsoft.com/office/drawing/2014/main" id="{D3143E80-C928-46DB-9299-0BD06348A928}"/>
               </a:ext>
               <a:ext uri="{C183D7F6-B498-43B3-948B-1728B52AA6E4}">
-                <adec:decorative xmlns:adec="http://schemas.microsoft.com/office/drawing/2017/decorative" val="1"/>
+                <adec:decorative xmlns:adec="http://schemas.microsoft.com/office/drawing/2017/decorative" xmlns="" val="1"/>
               </a:ext>
             </a:extLst>
           </p:cNvPr>
@@ -30023,7 +30058,7 @@
                 <a16:creationId xmlns:a16="http://schemas.microsoft.com/office/drawing/2014/main" id="{7A865E47-4365-4F21-B8EA-13B2C12BCB98}"/>
               </a:ext>
               <a:ext uri="{C183D7F6-B498-43B3-948B-1728B52AA6E4}">
-                <adec:decorative xmlns:adec="http://schemas.microsoft.com/office/drawing/2017/decorative" val="1"/>
+                <adec:decorative xmlns:adec="http://schemas.microsoft.com/office/drawing/2017/decorative" xmlns="" val="1"/>
               </a:ext>
             </a:extLst>
           </p:cNvPr>
@@ -30054,7 +30089,7 @@
                   <a16:creationId xmlns:a16="http://schemas.microsoft.com/office/drawing/2014/main" id="{0CE24988-BB27-40E5-A961-9FA7ED0DB9B3}"/>
                 </a:ext>
                 <a:ext uri="{C183D7F6-B498-43B3-948B-1728B52AA6E4}">
-                  <adec:decorative xmlns:adec="http://schemas.microsoft.com/office/drawing/2017/decorative" val="1"/>
+                  <adec:decorative xmlns:adec="http://schemas.microsoft.com/office/drawing/2017/decorative" xmlns="" val="1"/>
                 </a:ext>
               </a:extLst>
             </p:cNvPr>
@@ -30112,7 +30147,7 @@
                   <a16:creationId xmlns:a16="http://schemas.microsoft.com/office/drawing/2014/main" id="{80BDE80E-ADE0-4E16-8F80-306A15F4D3FB}"/>
                 </a:ext>
                 <a:ext uri="{C183D7F6-B498-43B3-948B-1728B52AA6E4}">
-                  <adec:decorative xmlns:adec="http://schemas.microsoft.com/office/drawing/2017/decorative" val="1"/>
+                  <adec:decorative xmlns:adec="http://schemas.microsoft.com/office/drawing/2017/decorative" xmlns="" val="1"/>
                 </a:ext>
               </a:extLst>
             </p:cNvPr>
@@ -30288,7 +30323,7 @@
                 <a16:creationId xmlns:a16="http://schemas.microsoft.com/office/drawing/2014/main" id="{13BC1C09-8FD1-4619-B317-E9EED5E55DD8}"/>
               </a:ext>
               <a:ext uri="{C183D7F6-B498-43B3-948B-1728B52AA6E4}">
-                <adec:decorative xmlns:adec="http://schemas.microsoft.com/office/drawing/2017/decorative" val="1"/>
+                <adec:decorative xmlns:adec="http://schemas.microsoft.com/office/drawing/2017/decorative" xmlns="" val="1"/>
               </a:ext>
             </a:extLst>
           </p:cNvPr>
@@ -30382,7 +30417,7 @@
                 <a16:creationId xmlns:a16="http://schemas.microsoft.com/office/drawing/2014/main" id="{D3143E80-C928-46DB-9299-0BD06348A928}"/>
               </a:ext>
               <a:ext uri="{C183D7F6-B498-43B3-948B-1728B52AA6E4}">
-                <adec:decorative xmlns:adec="http://schemas.microsoft.com/office/drawing/2017/decorative" val="1"/>
+                <adec:decorative xmlns:adec="http://schemas.microsoft.com/office/drawing/2017/decorative" xmlns="" val="1"/>
               </a:ext>
             </a:extLst>
           </p:cNvPr>
@@ -30574,7 +30609,7 @@
                 <a16:creationId xmlns:a16="http://schemas.microsoft.com/office/drawing/2014/main" id="{3FECAD23-900F-4F1B-A441-6A68749F88D4}"/>
               </a:ext>
               <a:ext uri="{C183D7F6-B498-43B3-948B-1728B52AA6E4}">
-                <adec:decorative xmlns:adec="http://schemas.microsoft.com/office/drawing/2017/decorative" val="1"/>
+                <adec:decorative xmlns:adec="http://schemas.microsoft.com/office/drawing/2017/decorative" xmlns="" val="1"/>
               </a:ext>
             </a:extLst>
           </p:cNvPr>
@@ -30634,7 +30669,7 @@
                 <a16:creationId xmlns:a16="http://schemas.microsoft.com/office/drawing/2014/main" id="{57943801-CAEC-4F98-9332-2A4D9128463E}"/>
               </a:ext>
               <a:ext uri="{C183D7F6-B498-43B3-948B-1728B52AA6E4}">
-                <adec:decorative xmlns:adec="http://schemas.microsoft.com/office/drawing/2017/decorative" val="1"/>
+                <adec:decorative xmlns:adec="http://schemas.microsoft.com/office/drawing/2017/decorative" xmlns="" val="1"/>
               </a:ext>
             </a:extLst>
           </p:cNvPr>
@@ -30680,7 +30715,7 @@
                 <a16:creationId xmlns:a16="http://schemas.microsoft.com/office/drawing/2014/main" id="{8A233090-6C39-4F59-8A0F-86F011A7EEEB}"/>
               </a:ext>
               <a:ext uri="{C183D7F6-B498-43B3-948B-1728B52AA6E4}">
-                <adec:decorative xmlns:adec="http://schemas.microsoft.com/office/drawing/2017/decorative" val="1"/>
+                <adec:decorative xmlns:adec="http://schemas.microsoft.com/office/drawing/2017/decorative" xmlns="" val="1"/>
               </a:ext>
             </a:extLst>
           </p:cNvPr>
@@ -30740,7 +30775,7 @@
                 <a16:creationId xmlns:a16="http://schemas.microsoft.com/office/drawing/2014/main" id="{484DCAA0-4BF1-4FB9-97BA-D6BA630419A0}"/>
               </a:ext>
               <a:ext uri="{C183D7F6-B498-43B3-948B-1728B52AA6E4}">
-                <adec:decorative xmlns:adec="http://schemas.microsoft.com/office/drawing/2017/decorative" val="1"/>
+                <adec:decorative xmlns:adec="http://schemas.microsoft.com/office/drawing/2017/decorative" xmlns="" val="1"/>
               </a:ext>
             </a:extLst>
           </p:cNvPr>
@@ -30834,7 +30869,7 @@
                 <a16:creationId xmlns:a16="http://schemas.microsoft.com/office/drawing/2014/main" id="{9BC2FEA5-B399-458A-8393-E06CE40DB89C}"/>
               </a:ext>
               <a:ext uri="{C183D7F6-B498-43B3-948B-1728B52AA6E4}">
-                <adec:decorative xmlns:adec="http://schemas.microsoft.com/office/drawing/2017/decorative" val="1"/>
+                <adec:decorative xmlns:adec="http://schemas.microsoft.com/office/drawing/2017/decorative" xmlns="" val="1"/>
               </a:ext>
             </a:extLst>
           </p:cNvPr>
@@ -31079,7 +31114,7 @@
                 <a16:creationId xmlns:a16="http://schemas.microsoft.com/office/drawing/2014/main" id="{7A865E47-4365-4F21-B8EA-13B2C12BCB98}"/>
               </a:ext>
               <a:ext uri="{C183D7F6-B498-43B3-948B-1728B52AA6E4}">
-                <adec:decorative xmlns:adec="http://schemas.microsoft.com/office/drawing/2017/decorative" val="1"/>
+                <adec:decorative xmlns:adec="http://schemas.microsoft.com/office/drawing/2017/decorative" xmlns="" val="1"/>
               </a:ext>
             </a:extLst>
           </p:cNvPr>
@@ -31110,7 +31145,7 @@
                   <a16:creationId xmlns:a16="http://schemas.microsoft.com/office/drawing/2014/main" id="{0CE24988-BB27-40E5-A961-9FA7ED0DB9B3}"/>
                 </a:ext>
                 <a:ext uri="{C183D7F6-B498-43B3-948B-1728B52AA6E4}">
-                  <adec:decorative xmlns:adec="http://schemas.microsoft.com/office/drawing/2017/decorative" val="1"/>
+                  <adec:decorative xmlns:adec="http://schemas.microsoft.com/office/drawing/2017/decorative" xmlns="" val="1"/>
                 </a:ext>
               </a:extLst>
             </p:cNvPr>
@@ -31168,7 +31203,7 @@
                   <a16:creationId xmlns:a16="http://schemas.microsoft.com/office/drawing/2014/main" id="{80BDE80E-ADE0-4E16-8F80-306A15F4D3FB}"/>
                 </a:ext>
                 <a:ext uri="{C183D7F6-B498-43B3-948B-1728B52AA6E4}">
-                  <adec:decorative xmlns:adec="http://schemas.microsoft.com/office/drawing/2017/decorative" val="1"/>
+                  <adec:decorative xmlns:adec="http://schemas.microsoft.com/office/drawing/2017/decorative" xmlns="" val="1"/>
                 </a:ext>
               </a:extLst>
             </p:cNvPr>
@@ -31243,6 +31278,15 @@
               <a:t>Stworzenie aplikacji pozwalającej na wizualizację drzew algorytmu UCT</a:t>
             </a:r>
           </a:p>
+          <a:p>
+            <a:pPr marL="457200" indent="-457200">
+              <a:buAutoNum type="arabicPeriod"/>
+            </a:pPr>
+            <a:r>
+              <a:rPr lang="pl-PL" sz="2000" dirty="0"/>
+              <a:t>Generowanie drzew dla dwóch przykładowych gier</a:t>
+            </a:r>
+          </a:p>
         </p:txBody>
       </p:sp>
       <p:pic>
@@ -31302,7 +31346,7 @@
                 <a16:creationId xmlns:a16="http://schemas.microsoft.com/office/drawing/2014/main" id="{13BC1C09-8FD1-4619-B317-E9EED5E55DD8}"/>
               </a:ext>
               <a:ext uri="{C183D7F6-B498-43B3-948B-1728B52AA6E4}">
-                <adec:decorative xmlns:adec="http://schemas.microsoft.com/office/drawing/2017/decorative" val="1"/>
+                <adec:decorative xmlns:adec="http://schemas.microsoft.com/office/drawing/2017/decorative" xmlns="" val="1"/>
               </a:ext>
             </a:extLst>
           </p:cNvPr>
@@ -31395,7 +31439,7 @@
                 <a16:creationId xmlns:a16="http://schemas.microsoft.com/office/drawing/2014/main" id="{D3143E80-C928-46DB-9299-0BD06348A928}"/>
               </a:ext>
               <a:ext uri="{C183D7F6-B498-43B3-948B-1728B52AA6E4}">
-                <adec:decorative xmlns:adec="http://schemas.microsoft.com/office/drawing/2017/decorative" val="1"/>
+                <adec:decorative xmlns:adec="http://schemas.microsoft.com/office/drawing/2017/decorative" xmlns="" val="1"/>
               </a:ext>
             </a:extLst>
           </p:cNvPr>
@@ -31435,7 +31479,7 @@
     </p:spTree>
     <p:extLst>
       <p:ext uri="{BB962C8B-B14F-4D97-AF65-F5344CB8AC3E}">
-        <p14:creationId xmlns:p14="http://schemas.microsoft.com/office/powerpoint/2010/main" val="4082528852"/>
+        <p14:creationId xmlns:p14="http://schemas.microsoft.com/office/powerpoint/2010/main" val="402254774"/>
       </p:ext>
     </p:extLst>
   </p:cSld>
@@ -31454,6 +31498,13 @@
       </p:transition>
     </mc:Fallback>
   </mc:AlternateContent>
+  <p:timing>
+    <p:tnLst>
+      <p:par>
+        <p:cTn id="1" dur="indefinite" restart="never" nodeType="tmRoot"/>
+      </p:par>
+    </p:tnLst>
+  </p:timing>
 </p:sld>
 </file>
 
@@ -31517,7 +31568,7 @@
                 <a16:creationId xmlns:a16="http://schemas.microsoft.com/office/drawing/2014/main" id="{7A865E47-4365-4F21-B8EA-13B2C12BCB98}"/>
               </a:ext>
               <a:ext uri="{C183D7F6-B498-43B3-948B-1728B52AA6E4}">
-                <adec:decorative xmlns:adec="http://schemas.microsoft.com/office/drawing/2017/decorative" val="1"/>
+                <adec:decorative xmlns:adec="http://schemas.microsoft.com/office/drawing/2017/decorative" xmlns="" val="1"/>
               </a:ext>
             </a:extLst>
           </p:cNvPr>
@@ -31548,7 +31599,7 @@
                   <a16:creationId xmlns:a16="http://schemas.microsoft.com/office/drawing/2014/main" id="{0CE24988-BB27-40E5-A961-9FA7ED0DB9B3}"/>
                 </a:ext>
                 <a:ext uri="{C183D7F6-B498-43B3-948B-1728B52AA6E4}">
-                  <adec:decorative xmlns:adec="http://schemas.microsoft.com/office/drawing/2017/decorative" val="1"/>
+                  <adec:decorative xmlns:adec="http://schemas.microsoft.com/office/drawing/2017/decorative" xmlns="" val="1"/>
                 </a:ext>
               </a:extLst>
             </p:cNvPr>
@@ -31606,7 +31657,7 @@
                   <a16:creationId xmlns:a16="http://schemas.microsoft.com/office/drawing/2014/main" id="{80BDE80E-ADE0-4E16-8F80-306A15F4D3FB}"/>
                 </a:ext>
                 <a:ext uri="{C183D7F6-B498-43B3-948B-1728B52AA6E4}">
-                  <adec:decorative xmlns:adec="http://schemas.microsoft.com/office/drawing/2017/decorative" val="1"/>
+                  <adec:decorative xmlns:adec="http://schemas.microsoft.com/office/drawing/2017/decorative" xmlns="" val="1"/>
                 </a:ext>
               </a:extLst>
             </p:cNvPr>
@@ -31757,7 +31808,7 @@
                 <a16:creationId xmlns:a16="http://schemas.microsoft.com/office/drawing/2014/main" id="{13BC1C09-8FD1-4619-B317-E9EED5E55DD8}"/>
               </a:ext>
               <a:ext uri="{C183D7F6-B498-43B3-948B-1728B52AA6E4}">
-                <adec:decorative xmlns:adec="http://schemas.microsoft.com/office/drawing/2017/decorative" val="1"/>
+                <adec:decorative xmlns:adec="http://schemas.microsoft.com/office/drawing/2017/decorative" xmlns="" val="1"/>
               </a:ext>
             </a:extLst>
           </p:cNvPr>
@@ -31863,7 +31914,7 @@
                 <a16:creationId xmlns:a16="http://schemas.microsoft.com/office/drawing/2014/main" id="{D3143E80-C928-46DB-9299-0BD06348A928}"/>
               </a:ext>
               <a:ext uri="{C183D7F6-B498-43B3-948B-1728B52AA6E4}">
-                <adec:decorative xmlns:adec="http://schemas.microsoft.com/office/drawing/2017/decorative" val="1"/>
+                <adec:decorative xmlns:adec="http://schemas.microsoft.com/office/drawing/2017/decorative" xmlns="" val="1"/>
               </a:ext>
             </a:extLst>
           </p:cNvPr>
@@ -31985,7 +32036,7 @@
                 <a16:creationId xmlns:a16="http://schemas.microsoft.com/office/drawing/2014/main" id="{7A865E47-4365-4F21-B8EA-13B2C12BCB98}"/>
               </a:ext>
               <a:ext uri="{C183D7F6-B498-43B3-948B-1728B52AA6E4}">
-                <adec:decorative xmlns:adec="http://schemas.microsoft.com/office/drawing/2017/decorative" val="1"/>
+                <adec:decorative xmlns:adec="http://schemas.microsoft.com/office/drawing/2017/decorative" xmlns="" val="1"/>
               </a:ext>
             </a:extLst>
           </p:cNvPr>
@@ -32016,7 +32067,7 @@
                   <a16:creationId xmlns:a16="http://schemas.microsoft.com/office/drawing/2014/main" id="{0CE24988-BB27-40E5-A961-9FA7ED0DB9B3}"/>
                 </a:ext>
                 <a:ext uri="{C183D7F6-B498-43B3-948B-1728B52AA6E4}">
-                  <adec:decorative xmlns:adec="http://schemas.microsoft.com/office/drawing/2017/decorative" val="1"/>
+                  <adec:decorative xmlns:adec="http://schemas.microsoft.com/office/drawing/2017/decorative" xmlns="" val="1"/>
                 </a:ext>
               </a:extLst>
             </p:cNvPr>
@@ -32074,7 +32125,7 @@
                   <a16:creationId xmlns:a16="http://schemas.microsoft.com/office/drawing/2014/main" id="{80BDE80E-ADE0-4E16-8F80-306A15F4D3FB}"/>
                 </a:ext>
                 <a:ext uri="{C183D7F6-B498-43B3-948B-1728B52AA6E4}">
-                  <adec:decorative xmlns:adec="http://schemas.microsoft.com/office/drawing/2017/decorative" val="1"/>
+                  <adec:decorative xmlns:adec="http://schemas.microsoft.com/office/drawing/2017/decorative" xmlns="" val="1"/>
                 </a:ext>
               </a:extLst>
             </p:cNvPr>
@@ -32254,7 +32305,7 @@
                 <a16:creationId xmlns:a16="http://schemas.microsoft.com/office/drawing/2014/main" id="{13BC1C09-8FD1-4619-B317-E9EED5E55DD8}"/>
               </a:ext>
               <a:ext uri="{C183D7F6-B498-43B3-948B-1728B52AA6E4}">
-                <adec:decorative xmlns:adec="http://schemas.microsoft.com/office/drawing/2017/decorative" val="1"/>
+                <adec:decorative xmlns:adec="http://schemas.microsoft.com/office/drawing/2017/decorative" xmlns="" val="1"/>
               </a:ext>
             </a:extLst>
           </p:cNvPr>
@@ -32360,7 +32411,7 @@
                 <a16:creationId xmlns:a16="http://schemas.microsoft.com/office/drawing/2014/main" id="{D3143E80-C928-46DB-9299-0BD06348A928}"/>
               </a:ext>
               <a:ext uri="{C183D7F6-B498-43B3-948B-1728B52AA6E4}">
-                <adec:decorative xmlns:adec="http://schemas.microsoft.com/office/drawing/2017/decorative" val="1"/>
+                <adec:decorative xmlns:adec="http://schemas.microsoft.com/office/drawing/2017/decorative" xmlns="" val="1"/>
               </a:ext>
             </a:extLst>
           </p:cNvPr>
@@ -32482,7 +32533,7 @@
                 <a16:creationId xmlns:a16="http://schemas.microsoft.com/office/drawing/2014/main" id="{5321D838-2C7E-4177-9DD3-DAC78324A2B2}"/>
               </a:ext>
               <a:ext uri="{C183D7F6-B498-43B3-948B-1728B52AA6E4}">
-                <adec:decorative xmlns:adec="http://schemas.microsoft.com/office/drawing/2017/decorative" val="1"/>
+                <adec:decorative xmlns:adec="http://schemas.microsoft.com/office/drawing/2017/decorative" xmlns="" val="1"/>
               </a:ext>
             </a:extLst>
           </p:cNvPr>
@@ -32528,7 +32579,7 @@
                 <a16:creationId xmlns:a16="http://schemas.microsoft.com/office/drawing/2014/main" id="{0146E45C-1450-4186-B501-74F221F897A8}"/>
               </a:ext>
               <a:ext uri="{C183D7F6-B498-43B3-948B-1728B52AA6E4}">
-                <adec:decorative xmlns:adec="http://schemas.microsoft.com/office/drawing/2017/decorative" val="1"/>
+                <adec:decorative xmlns:adec="http://schemas.microsoft.com/office/drawing/2017/decorative" xmlns="" val="1"/>
               </a:ext>
             </a:extLst>
           </p:cNvPr>
@@ -32573,7 +32624,7 @@
                 <a16:creationId xmlns:a16="http://schemas.microsoft.com/office/drawing/2014/main" id="{EEDDA48B-BC04-4915-ADA3-A1A9522EB0D1}"/>
               </a:ext>
               <a:ext uri="{C183D7F6-B498-43B3-948B-1728B52AA6E4}">
-                <adec:decorative xmlns:adec="http://schemas.microsoft.com/office/drawing/2017/decorative" val="1"/>
+                <adec:decorative xmlns:adec="http://schemas.microsoft.com/office/drawing/2017/decorative" xmlns="" val="1"/>
               </a:ext>
             </a:extLst>
           </p:cNvPr>
@@ -32618,7 +32669,7 @@
                 <a16:creationId xmlns:a16="http://schemas.microsoft.com/office/drawing/2014/main" id="{78C9D07A-5A22-4E55-B18A-47CF07E5080D}"/>
               </a:ext>
               <a:ext uri="{C183D7F6-B498-43B3-948B-1728B52AA6E4}">
-                <adec:decorative xmlns:adec="http://schemas.microsoft.com/office/drawing/2017/decorative" val="1"/>
+                <adec:decorative xmlns:adec="http://schemas.microsoft.com/office/drawing/2017/decorative" xmlns="" val="1"/>
               </a:ext>
             </a:extLst>
           </p:cNvPr>
@@ -32676,7 +32727,7 @@
                 <a16:creationId xmlns:a16="http://schemas.microsoft.com/office/drawing/2014/main" id="{3D71E629-0739-4A59-972B-A9E9A4500E31}"/>
               </a:ext>
               <a:ext uri="{C183D7F6-B498-43B3-948B-1728B52AA6E4}">
-                <adec:decorative xmlns:adec="http://schemas.microsoft.com/office/drawing/2017/decorative" val="1"/>
+                <adec:decorative xmlns:adec="http://schemas.microsoft.com/office/drawing/2017/decorative" xmlns="" val="1"/>
               </a:ext>
             </a:extLst>
           </p:cNvPr>
@@ -32731,7 +32782,7 @@
                 <a16:creationId xmlns:a16="http://schemas.microsoft.com/office/drawing/2014/main" id="{2F84762E-7FCC-4EAF-B9E7-CE7214491E0D}"/>
               </a:ext>
               <a:ext uri="{C183D7F6-B498-43B3-948B-1728B52AA6E4}">
-                <adec:decorative xmlns:adec="http://schemas.microsoft.com/office/drawing/2017/decorative" val="1"/>
+                <adec:decorative xmlns:adec="http://schemas.microsoft.com/office/drawing/2017/decorative" xmlns="" val="1"/>
               </a:ext>
             </a:extLst>
           </p:cNvPr>
@@ -32791,7 +32842,7 @@
                 <a16:creationId xmlns:a16="http://schemas.microsoft.com/office/drawing/2014/main" id="{927A1389-2A5D-4886-AD82-F213767E673F}"/>
               </a:ext>
               <a:ext uri="{C183D7F6-B498-43B3-948B-1728B52AA6E4}">
-                <adec:decorative xmlns:adec="http://schemas.microsoft.com/office/drawing/2017/decorative" val="1"/>
+                <adec:decorative xmlns:adec="http://schemas.microsoft.com/office/drawing/2017/decorative" xmlns="" val="1"/>
               </a:ext>
             </a:extLst>
           </p:cNvPr>
@@ -32837,7 +32888,7 @@
                 <a16:creationId xmlns:a16="http://schemas.microsoft.com/office/drawing/2014/main" id="{A1038667-0C3F-4764-A24D-DA9D9B474851}"/>
               </a:ext>
               <a:ext uri="{C183D7F6-B498-43B3-948B-1728B52AA6E4}">
-                <adec:decorative xmlns:adec="http://schemas.microsoft.com/office/drawing/2017/decorative" val="1"/>
+                <adec:decorative xmlns:adec="http://schemas.microsoft.com/office/drawing/2017/decorative" xmlns="" val="1"/>
               </a:ext>
             </a:extLst>
           </p:cNvPr>
@@ -32897,7 +32948,7 @@
                 <a16:creationId xmlns:a16="http://schemas.microsoft.com/office/drawing/2014/main" id="{6AC2195B-895A-4535-8ECD-9F5B669C5CA5}"/>
               </a:ext>
               <a:ext uri="{C183D7F6-B498-43B3-948B-1728B52AA6E4}">
-                <adec:decorative xmlns:adec="http://schemas.microsoft.com/office/drawing/2017/decorative" val="1"/>
+                <adec:decorative xmlns:adec="http://schemas.microsoft.com/office/drawing/2017/decorative" xmlns="" val="1"/>
               </a:ext>
             </a:extLst>
           </p:cNvPr>
@@ -32942,7 +32993,7 @@
                 <a16:creationId xmlns:a16="http://schemas.microsoft.com/office/drawing/2014/main" id="{571EEFCA-9235-4BC2-85C3-A4EC6EE57AC4}"/>
               </a:ext>
               <a:ext uri="{C183D7F6-B498-43B3-948B-1728B52AA6E4}">
-                <adec:decorative xmlns:adec="http://schemas.microsoft.com/office/drawing/2017/decorative" val="1"/>
+                <adec:decorative xmlns:adec="http://schemas.microsoft.com/office/drawing/2017/decorative" xmlns="" val="1"/>
               </a:ext>
             </a:extLst>
           </p:cNvPr>
@@ -33153,7 +33204,7 @@
                 <a16:creationId xmlns:a16="http://schemas.microsoft.com/office/drawing/2014/main" id="{C610D2AE-07EF-436A-9755-AA8DF4B933A4}"/>
               </a:ext>
               <a:ext uri="{C183D7F6-B498-43B3-948B-1728B52AA6E4}">
-                <adec:decorative xmlns:adec="http://schemas.microsoft.com/office/drawing/2017/decorative" val="1"/>
+                <adec:decorative xmlns:adec="http://schemas.microsoft.com/office/drawing/2017/decorative" xmlns="" val="1"/>
               </a:ext>
             </a:extLst>
           </p:cNvPr>
@@ -33213,7 +33264,7 @@
                 <a16:creationId xmlns:a16="http://schemas.microsoft.com/office/drawing/2014/main" id="{6CACDD17-9043-46DF-882D-420365B79C18}"/>
               </a:ext>
               <a:ext uri="{C183D7F6-B498-43B3-948B-1728B52AA6E4}">
-                <adec:decorative xmlns:adec="http://schemas.microsoft.com/office/drawing/2017/decorative" val="1"/>
+                <adec:decorative xmlns:adec="http://schemas.microsoft.com/office/drawing/2017/decorative" xmlns="" val="1"/>
               </a:ext>
             </a:extLst>
           </p:cNvPr>
@@ -33259,7 +33310,7 @@
                 <a16:creationId xmlns:a16="http://schemas.microsoft.com/office/drawing/2014/main" id="{CF2D8AD5-434A-4C0E-9F5B-C1AFD645F364}"/>
               </a:ext>
               <a:ext uri="{C183D7F6-B498-43B3-948B-1728B52AA6E4}">
-                <adec:decorative xmlns:adec="http://schemas.microsoft.com/office/drawing/2017/decorative" val="1"/>
+                <adec:decorative xmlns:adec="http://schemas.microsoft.com/office/drawing/2017/decorative" xmlns="" val="1"/>
               </a:ext>
             </a:extLst>
           </p:cNvPr>
@@ -33352,7 +33403,7 @@
                 <a16:creationId xmlns:a16="http://schemas.microsoft.com/office/drawing/2014/main" id="{E92B246D-47CC-40F8-8DE7-B65D409E945E}"/>
               </a:ext>
               <a:ext uri="{C183D7F6-B498-43B3-948B-1728B52AA6E4}">
-                <adec:decorative xmlns:adec="http://schemas.microsoft.com/office/drawing/2017/decorative" val="1"/>
+                <adec:decorative xmlns:adec="http://schemas.microsoft.com/office/drawing/2017/decorative" xmlns="" val="1"/>
               </a:ext>
             </a:extLst>
           </p:cNvPr>
@@ -34681,7 +34732,7 @@
                 <a16:creationId xmlns:a16="http://schemas.microsoft.com/office/drawing/2014/main" id="{7A865E47-4365-4F21-B8EA-13B2C12BCB98}"/>
               </a:ext>
               <a:ext uri="{C183D7F6-B498-43B3-948B-1728B52AA6E4}">
-                <adec:decorative xmlns:adec="http://schemas.microsoft.com/office/drawing/2017/decorative" val="1"/>
+                <adec:decorative xmlns:adec="http://schemas.microsoft.com/office/drawing/2017/decorative" xmlns="" val="1"/>
               </a:ext>
             </a:extLst>
           </p:cNvPr>
@@ -34712,7 +34763,7 @@
                   <a16:creationId xmlns:a16="http://schemas.microsoft.com/office/drawing/2014/main" id="{0CE24988-BB27-40E5-A961-9FA7ED0DB9B3}"/>
                 </a:ext>
                 <a:ext uri="{C183D7F6-B498-43B3-948B-1728B52AA6E4}">
-                  <adec:decorative xmlns:adec="http://schemas.microsoft.com/office/drawing/2017/decorative" val="1"/>
+                  <adec:decorative xmlns:adec="http://schemas.microsoft.com/office/drawing/2017/decorative" xmlns="" val="1"/>
                 </a:ext>
               </a:extLst>
             </p:cNvPr>
@@ -34770,7 +34821,7 @@
                   <a16:creationId xmlns:a16="http://schemas.microsoft.com/office/drawing/2014/main" id="{80BDE80E-ADE0-4E16-8F80-306A15F4D3FB}"/>
                 </a:ext>
                 <a:ext uri="{C183D7F6-B498-43B3-948B-1728B52AA6E4}">
-                  <adec:decorative xmlns:adec="http://schemas.microsoft.com/office/drawing/2017/decorative" val="1"/>
+                  <adec:decorative xmlns:adec="http://schemas.microsoft.com/office/drawing/2017/decorative" xmlns="" val="1"/>
                 </a:ext>
               </a:extLst>
             </p:cNvPr>
@@ -34854,6 +34905,15 @@
               <a:t>Generowanie drzew dla dwóch przykładowych gier</a:t>
             </a:r>
           </a:p>
+          <a:p>
+            <a:pPr marL="457200" indent="-457200">
+              <a:buAutoNum type="arabicPeriod"/>
+            </a:pPr>
+            <a:r>
+              <a:rPr lang="pl-PL" sz="2000" dirty="0"/>
+              <a:t>Wizualizacja drzew, ich sekwencji i różnic między kolejnymi drzewami w sekwencji</a:t>
+            </a:r>
+          </a:p>
         </p:txBody>
       </p:sp>
       <p:pic>
@@ -34913,7 +34973,7 @@
                 <a16:creationId xmlns:a16="http://schemas.microsoft.com/office/drawing/2014/main" id="{13BC1C09-8FD1-4619-B317-E9EED5E55DD8}"/>
               </a:ext>
               <a:ext uri="{C183D7F6-B498-43B3-948B-1728B52AA6E4}">
-                <adec:decorative xmlns:adec="http://schemas.microsoft.com/office/drawing/2017/decorative" val="1"/>
+                <adec:decorative xmlns:adec="http://schemas.microsoft.com/office/drawing/2017/decorative" xmlns="" val="1"/>
               </a:ext>
             </a:extLst>
           </p:cNvPr>
@@ -35006,7 +35066,7 @@
                 <a16:creationId xmlns:a16="http://schemas.microsoft.com/office/drawing/2014/main" id="{D3143E80-C928-46DB-9299-0BD06348A928}"/>
               </a:ext>
               <a:ext uri="{C183D7F6-B498-43B3-948B-1728B52AA6E4}">
-                <adec:decorative xmlns:adec="http://schemas.microsoft.com/office/drawing/2017/decorative" val="1"/>
+                <adec:decorative xmlns:adec="http://schemas.microsoft.com/office/drawing/2017/decorative" xmlns="" val="1"/>
               </a:ext>
             </a:extLst>
           </p:cNvPr>
@@ -35046,7 +35106,7 @@
     </p:spTree>
     <p:extLst>
       <p:ext uri="{BB962C8B-B14F-4D97-AF65-F5344CB8AC3E}">
-        <p14:creationId xmlns:p14="http://schemas.microsoft.com/office/powerpoint/2010/main" val="402254774"/>
+        <p14:creationId xmlns:p14="http://schemas.microsoft.com/office/powerpoint/2010/main" val="105833989"/>
       </p:ext>
     </p:extLst>
   </p:cSld>
@@ -35065,6 +35125,13 @@
       </p:transition>
     </mc:Fallback>
   </mc:AlternateContent>
+  <p:timing>
+    <p:tnLst>
+      <p:par>
+        <p:cTn id="1" dur="indefinite" restart="never" nodeType="tmRoot"/>
+      </p:par>
+    </p:tnLst>
+  </p:timing>
 </p:sld>
 </file>
 
@@ -36096,7 +36163,7 @@
                 <a16:creationId xmlns:a16="http://schemas.microsoft.com/office/drawing/2014/main" id="{5321D838-2C7E-4177-9DD3-DAC78324A2B2}"/>
               </a:ext>
               <a:ext uri="{C183D7F6-B498-43B3-948B-1728B52AA6E4}">
-                <adec:decorative xmlns:adec="http://schemas.microsoft.com/office/drawing/2017/decorative" val="1"/>
+                <adec:decorative xmlns:adec="http://schemas.microsoft.com/office/drawing/2017/decorative" xmlns="" val="1"/>
               </a:ext>
             </a:extLst>
           </p:cNvPr>
@@ -36142,7 +36209,7 @@
                 <a16:creationId xmlns:a16="http://schemas.microsoft.com/office/drawing/2014/main" id="{0146E45C-1450-4186-B501-74F221F897A8}"/>
               </a:ext>
               <a:ext uri="{C183D7F6-B498-43B3-948B-1728B52AA6E4}">
-                <adec:decorative xmlns:adec="http://schemas.microsoft.com/office/drawing/2017/decorative" val="1"/>
+                <adec:decorative xmlns:adec="http://schemas.microsoft.com/office/drawing/2017/decorative" xmlns="" val="1"/>
               </a:ext>
             </a:extLst>
           </p:cNvPr>
@@ -36187,7 +36254,7 @@
                 <a16:creationId xmlns:a16="http://schemas.microsoft.com/office/drawing/2014/main" id="{EEDDA48B-BC04-4915-ADA3-A1A9522EB0D1}"/>
               </a:ext>
               <a:ext uri="{C183D7F6-B498-43B3-948B-1728B52AA6E4}">
-                <adec:decorative xmlns:adec="http://schemas.microsoft.com/office/drawing/2017/decorative" val="1"/>
+                <adec:decorative xmlns:adec="http://schemas.microsoft.com/office/drawing/2017/decorative" xmlns="" val="1"/>
               </a:ext>
             </a:extLst>
           </p:cNvPr>
@@ -36232,7 +36299,7 @@
                 <a16:creationId xmlns:a16="http://schemas.microsoft.com/office/drawing/2014/main" id="{78C9D07A-5A22-4E55-B18A-47CF07E5080D}"/>
               </a:ext>
               <a:ext uri="{C183D7F6-B498-43B3-948B-1728B52AA6E4}">
-                <adec:decorative xmlns:adec="http://schemas.microsoft.com/office/drawing/2017/decorative" val="1"/>
+                <adec:decorative xmlns:adec="http://schemas.microsoft.com/office/drawing/2017/decorative" xmlns="" val="1"/>
               </a:ext>
             </a:extLst>
           </p:cNvPr>
@@ -36290,7 +36357,7 @@
                 <a16:creationId xmlns:a16="http://schemas.microsoft.com/office/drawing/2014/main" id="{3D71E629-0739-4A59-972B-A9E9A4500E31}"/>
               </a:ext>
               <a:ext uri="{C183D7F6-B498-43B3-948B-1728B52AA6E4}">
-                <adec:decorative xmlns:adec="http://schemas.microsoft.com/office/drawing/2017/decorative" val="1"/>
+                <adec:decorative xmlns:adec="http://schemas.microsoft.com/office/drawing/2017/decorative" xmlns="" val="1"/>
               </a:ext>
             </a:extLst>
           </p:cNvPr>
@@ -36345,7 +36412,7 @@
                 <a16:creationId xmlns:a16="http://schemas.microsoft.com/office/drawing/2014/main" id="{068A8980-5323-4E32-9817-A14D0B9184F2}"/>
               </a:ext>
               <a:ext uri="{C183D7F6-B498-43B3-948B-1728B52AA6E4}">
-                <adec:decorative xmlns:adec="http://schemas.microsoft.com/office/drawing/2017/decorative" val="1"/>
+                <adec:decorative xmlns:adec="http://schemas.microsoft.com/office/drawing/2017/decorative" xmlns="" val="1"/>
               </a:ext>
             </a:extLst>
           </p:cNvPr>
@@ -36405,7 +36472,7 @@
                 <a16:creationId xmlns:a16="http://schemas.microsoft.com/office/drawing/2014/main" id="{C1A37955-21EA-4810-9AED-24CF25E26010}"/>
               </a:ext>
               <a:ext uri="{C183D7F6-B498-43B3-948B-1728B52AA6E4}">
-                <adec:decorative xmlns:adec="http://schemas.microsoft.com/office/drawing/2017/decorative" val="1"/>
+                <adec:decorative xmlns:adec="http://schemas.microsoft.com/office/drawing/2017/decorative" xmlns="" val="1"/>
               </a:ext>
             </a:extLst>
           </p:cNvPr>
@@ -36451,7 +36518,7 @@
                 <a16:creationId xmlns:a16="http://schemas.microsoft.com/office/drawing/2014/main" id="{8B79A499-6023-4495-8687-96680A5E9597}"/>
               </a:ext>
               <a:ext uri="{C183D7F6-B498-43B3-948B-1728B52AA6E4}">
-                <adec:decorative xmlns:adec="http://schemas.microsoft.com/office/drawing/2017/decorative" val="1"/>
+                <adec:decorative xmlns:adec="http://schemas.microsoft.com/office/drawing/2017/decorative" xmlns="" val="1"/>
               </a:ext>
             </a:extLst>
           </p:cNvPr>
@@ -36592,7 +36659,7 @@
                 <a16:creationId xmlns:a16="http://schemas.microsoft.com/office/drawing/2014/main" id="{BAA1CC66-52B7-4B1A-83B9-4473DABF8A84}"/>
               </a:ext>
               <a:ext uri="{C183D7F6-B498-43B3-948B-1728B52AA6E4}">
-                <adec:decorative xmlns:adec="http://schemas.microsoft.com/office/drawing/2017/decorative" val="1"/>
+                <adec:decorative xmlns:adec="http://schemas.microsoft.com/office/drawing/2017/decorative" xmlns="" val="1"/>
               </a:ext>
             </a:extLst>
           </p:cNvPr>
@@ -36647,7 +36714,7 @@
                 <a16:creationId xmlns:a16="http://schemas.microsoft.com/office/drawing/2014/main" id="{427A1B02-0BC3-4123-A27E-111F26354A77}"/>
               </a:ext>
               <a:ext uri="{C183D7F6-B498-43B3-948B-1728B52AA6E4}">
-                <adec:decorative xmlns:adec="http://schemas.microsoft.com/office/drawing/2017/decorative" val="1"/>
+                <adec:decorative xmlns:adec="http://schemas.microsoft.com/office/drawing/2017/decorative" xmlns="" val="1"/>
               </a:ext>
             </a:extLst>
           </p:cNvPr>
@@ -36713,7 +36780,7 @@
                 <a16:creationId xmlns:a16="http://schemas.microsoft.com/office/drawing/2014/main" id="{846EBDA5-97CE-4375-BC99-C7365D1CC66B}"/>
               </a:ext>
               <a:ext uri="{C183D7F6-B498-43B3-948B-1728B52AA6E4}">
-                <adec:decorative xmlns:adec="http://schemas.microsoft.com/office/drawing/2017/decorative" val="1"/>
+                <adec:decorative xmlns:adec="http://schemas.microsoft.com/office/drawing/2017/decorative" xmlns="" val="1"/>
               </a:ext>
             </a:extLst>
           </p:cNvPr>
@@ -37644,7 +37711,7 @@
                 <a16:creationId xmlns:a16="http://schemas.microsoft.com/office/drawing/2014/main" id="{7A865E47-4365-4F21-B8EA-13B2C12BCB98}"/>
               </a:ext>
               <a:ext uri="{C183D7F6-B498-43B3-948B-1728B52AA6E4}">
-                <adec:decorative xmlns:adec="http://schemas.microsoft.com/office/drawing/2017/decorative" val="1"/>
+                <adec:decorative xmlns:adec="http://schemas.microsoft.com/office/drawing/2017/decorative" xmlns="" val="1"/>
               </a:ext>
             </a:extLst>
           </p:cNvPr>
@@ -37675,7 +37742,7 @@
                   <a16:creationId xmlns:a16="http://schemas.microsoft.com/office/drawing/2014/main" id="{0CE24988-BB27-40E5-A961-9FA7ED0DB9B3}"/>
                 </a:ext>
                 <a:ext uri="{C183D7F6-B498-43B3-948B-1728B52AA6E4}">
-                  <adec:decorative xmlns:adec="http://schemas.microsoft.com/office/drawing/2017/decorative" val="1"/>
+                  <adec:decorative xmlns:adec="http://schemas.microsoft.com/office/drawing/2017/decorative" xmlns="" val="1"/>
                 </a:ext>
               </a:extLst>
             </p:cNvPr>
@@ -37733,7 +37800,7 @@
                   <a16:creationId xmlns:a16="http://schemas.microsoft.com/office/drawing/2014/main" id="{80BDE80E-ADE0-4E16-8F80-306A15F4D3FB}"/>
                 </a:ext>
                 <a:ext uri="{C183D7F6-B498-43B3-948B-1728B52AA6E4}">
-                  <adec:decorative xmlns:adec="http://schemas.microsoft.com/office/drawing/2017/decorative" val="1"/>
+                  <adec:decorative xmlns:adec="http://schemas.microsoft.com/office/drawing/2017/decorative" xmlns="" val="1"/>
                 </a:ext>
               </a:extLst>
             </p:cNvPr>
@@ -37790,8 +37857,8 @@
         </p:nvSpPr>
         <p:spPr>
           <a:xfrm>
-            <a:off x="276447" y="2655545"/>
-            <a:ext cx="5582093" cy="3941003"/>
+            <a:off x="447302" y="3194806"/>
+            <a:ext cx="5507665" cy="3561907"/>
           </a:xfrm>
         </p:spPr>
         <p:txBody>
@@ -37800,30 +37867,12 @@
           </a:bodyPr>
           <a:lstStyle/>
           <a:p>
-            <a:pPr marL="457200" indent="-457200">
-              <a:buAutoNum type="arabicPeriod"/>
+            <a:pPr marL="0" indent="0">
+              <a:buNone/>
             </a:pPr>
             <a:r>
-              <a:rPr lang="pl-PL" sz="2000" dirty="0"/>
-              <a:t>Stworzenie aplikacji pozwalającej na wizualizację drzew algorytmu UCT</a:t>
-            </a:r>
-          </a:p>
-          <a:p>
-            <a:pPr marL="457200" indent="-457200">
-              <a:buAutoNum type="arabicPeriod"/>
-            </a:pPr>
-            <a:r>
-              <a:rPr lang="pl-PL" sz="2000" dirty="0"/>
-              <a:t>Generowanie drzew dla dwóch przykładowych gier</a:t>
-            </a:r>
-          </a:p>
-          <a:p>
-            <a:pPr marL="457200" indent="-457200">
-              <a:buAutoNum type="arabicPeriod"/>
-            </a:pPr>
-            <a:r>
-              <a:rPr lang="pl-PL" sz="2000" dirty="0"/>
-              <a:t>Wizualizacja drzew, ich sekwencji i różnic między kolejnymi drzewami w sekwencji</a:t>
+              <a:rPr lang="pl-PL" sz="2800" dirty="0"/>
+              <a:t>Produkt, który pozwoliłby zrozumieć klientowi ideę i sposób działania algorytmu UCT</a:t>
             </a:r>
           </a:p>
         </p:txBody>
@@ -37885,7 +37934,7 @@
                 <a16:creationId xmlns:a16="http://schemas.microsoft.com/office/drawing/2014/main" id="{13BC1C09-8FD1-4619-B317-E9EED5E55DD8}"/>
               </a:ext>
               <a:ext uri="{C183D7F6-B498-43B3-948B-1728B52AA6E4}">
-                <adec:decorative xmlns:adec="http://schemas.microsoft.com/office/drawing/2017/decorative" val="1"/>
+                <adec:decorative xmlns:adec="http://schemas.microsoft.com/office/drawing/2017/decorative" xmlns="" val="1"/>
               </a:ext>
             </a:extLst>
           </p:cNvPr>
@@ -37964,8 +38013,8 @@
           <a:lstStyle/>
           <a:p>
             <a:r>
-              <a:rPr lang="pl-PL" dirty="0"/>
-              <a:t>Cele biznesowe</a:t>
+              <a:rPr lang="pl-PL" sz="3200" dirty="0"/>
+              <a:t>Cel biznesowy – w skrócie</a:t>
             </a:r>
           </a:p>
         </p:txBody>
@@ -37978,7 +38027,7 @@
                 <a16:creationId xmlns:a16="http://schemas.microsoft.com/office/drawing/2014/main" id="{D3143E80-C928-46DB-9299-0BD06348A928}"/>
               </a:ext>
               <a:ext uri="{C183D7F6-B498-43B3-948B-1728B52AA6E4}">
-                <adec:decorative xmlns:adec="http://schemas.microsoft.com/office/drawing/2017/decorative" val="1"/>
+                <adec:decorative xmlns:adec="http://schemas.microsoft.com/office/drawing/2017/decorative" xmlns="" val="1"/>
               </a:ext>
             </a:extLst>
           </p:cNvPr>
@@ -38018,7 +38067,7 @@
     </p:spTree>
     <p:extLst>
       <p:ext uri="{BB962C8B-B14F-4D97-AF65-F5344CB8AC3E}">
-        <p14:creationId xmlns:p14="http://schemas.microsoft.com/office/powerpoint/2010/main" val="105833989"/>
+        <p14:creationId xmlns:p14="http://schemas.microsoft.com/office/powerpoint/2010/main" val="3645223624"/>
       </p:ext>
     </p:extLst>
   </p:cSld>
@@ -38037,6 +38086,13 @@
       </p:transition>
     </mc:Fallback>
   </mc:AlternateContent>
+  <p:timing>
+    <p:tnLst>
+      <p:par>
+        <p:cTn id="1" dur="indefinite" restart="never" nodeType="tmRoot"/>
+      </p:par>
+    </p:tnLst>
+  </p:timing>
 </p:sld>
 </file>
 
@@ -39369,21 +39425,21 @@
           <a:chExt cx="0" cy="0"/>
         </a:xfrm>
       </p:grpSpPr>
-      <p:grpSp>
-        <p:nvGrpSpPr>
-          <p:cNvPr id="2052" name="Group 70">
+      <p:sp useBgFill="1">
+        <p:nvSpPr>
+          <p:cNvPr id="71" name="Rectangle 70">
             <a:extLst>
               <a:ext uri="{FF2B5EF4-FFF2-40B4-BE49-F238E27FC236}">
-                <a16:creationId xmlns:a16="http://schemas.microsoft.com/office/drawing/2014/main" id="{7A865E47-4365-4F21-B8EA-13B2C12BCB98}"/>
+                <a16:creationId xmlns:a16="http://schemas.microsoft.com/office/drawing/2014/main" id="{E4055289-E0C6-4BD3-83C1-D3C3059323A2}"/>
               </a:ext>
               <a:ext uri="{C183D7F6-B498-43B3-948B-1728B52AA6E4}">
-                <adec:decorative xmlns:adec="http://schemas.microsoft.com/office/drawing/2017/decorative" val="1"/>
+                <adec:decorative xmlns:adec="http://schemas.microsoft.com/office/drawing/2017/decorative" xmlns="" val="1"/>
               </a:ext>
             </a:extLst>
           </p:cNvPr>
-          <p:cNvGrpSpPr>
-            <a:grpSpLocks noGrp="1" noUngrp="1" noRot="1" noChangeAspect="1" noMove="1" noResize="1"/>
-          </p:cNvGrpSpPr>
+          <p:cNvSpPr>
+            <a:spLocks noGrp="1" noRot="1" noChangeAspect="1" noMove="1" noResize="1" noEditPoints="1" noAdjustHandles="1" noChangeArrowheads="1" noChangeShapeType="1" noTextEdit="1"/>
+          </p:cNvSpPr>
           <p:nvPr>
             <p:extLst>
               <p:ext uri="{386F3935-93C4-4BCD-93E2-E3B085C9AB24}">
@@ -39391,164 +39447,47 @@
               </p:ext>
             </p:extLst>
           </p:nvPr>
-        </p:nvGrpSpPr>
-        <p:grpSpPr>
+        </p:nvSpPr>
+        <p:spPr>
           <a:xfrm>
-            <a:off x="-3176" y="0"/>
-            <a:ext cx="12192000" cy="6858001"/>
-            <a:chOff x="-3176" y="0"/>
-            <a:chExt cx="12192000" cy="6858001"/>
+            <a:off x="0" y="-1"/>
+            <a:ext cx="12188824" cy="6858001"/>
           </a:xfrm>
-        </p:grpSpPr>
-        <p:sp useBgFill="1">
-          <p:nvSpPr>
-            <p:cNvPr id="2053" name="Rectangle 71">
-              <a:extLst>
-                <a:ext uri="{FF2B5EF4-FFF2-40B4-BE49-F238E27FC236}">
-                  <a16:creationId xmlns:a16="http://schemas.microsoft.com/office/drawing/2014/main" id="{0CE24988-BB27-40E5-A961-9FA7ED0DB9B3}"/>
-                </a:ext>
-                <a:ext uri="{C183D7F6-B498-43B3-948B-1728B52AA6E4}">
-                  <adec:decorative xmlns:adec="http://schemas.microsoft.com/office/drawing/2017/decorative" val="1"/>
-                </a:ext>
-              </a:extLst>
-            </p:cNvPr>
-            <p:cNvSpPr/>
-            <p:nvPr>
-              <p:extLst>
-                <p:ext uri="{386F3935-93C4-4BCD-93E2-E3B085C9AB24}">
-                  <p16:designElem xmlns:p16="http://schemas.microsoft.com/office/powerpoint/2015/main" val="1"/>
-                </p:ext>
-              </p:extLst>
-            </p:nvPr>
-          </p:nvSpPr>
-          <p:spPr>
-            <a:xfrm>
-              <a:off x="0" y="0"/>
-              <a:ext cx="12188824" cy="6858001"/>
-            </a:xfrm>
-            <a:prstGeom prst="rect">
-              <a:avLst/>
-            </a:prstGeom>
-            <a:ln>
-              <a:noFill/>
-            </a:ln>
-          </p:spPr>
-          <p:style>
-            <a:lnRef idx="2">
-              <a:schemeClr val="accent1">
-                <a:shade val="50000"/>
-              </a:schemeClr>
-            </a:lnRef>
-            <a:fillRef idx="1">
-              <a:schemeClr val="accent1"/>
-            </a:fillRef>
-            <a:effectRef idx="0">
-              <a:schemeClr val="accent1"/>
-            </a:effectRef>
-            <a:fontRef idx="minor">
-              <a:schemeClr val="lt1"/>
-            </a:fontRef>
-          </p:style>
-          <p:txBody>
-            <a:bodyPr rtlCol="0" anchor="ctr"/>
-            <a:lstStyle/>
-            <a:p>
-              <a:pPr algn="ctr"/>
-              <a:endParaRPr lang="en-US"/>
-            </a:p>
-          </p:txBody>
-        </p:sp>
-        <p:pic>
-          <p:nvPicPr>
-            <p:cNvPr id="73" name="Picture 72">
-              <a:extLst>
-                <a:ext uri="{FF2B5EF4-FFF2-40B4-BE49-F238E27FC236}">
-                  <a16:creationId xmlns:a16="http://schemas.microsoft.com/office/drawing/2014/main" id="{80BDE80E-ADE0-4E16-8F80-306A15F4D3FB}"/>
-                </a:ext>
-                <a:ext uri="{C183D7F6-B498-43B3-948B-1728B52AA6E4}">
-                  <adec:decorative xmlns:adec="http://schemas.microsoft.com/office/drawing/2017/decorative" val="1"/>
-                </a:ext>
-              </a:extLst>
-            </p:cNvPr>
-            <p:cNvPicPr>
-              <a:picLocks noChangeAspect="1"/>
-            </p:cNvPicPr>
-            <p:nvPr>
-              <p:extLst>
-                <p:ext uri="{386F3935-93C4-4BCD-93E2-E3B085C9AB24}">
-                  <p16:designElem xmlns:p16="http://schemas.microsoft.com/office/powerpoint/2015/main" val="1"/>
-                </p:ext>
-              </p:extLst>
-            </p:nvPr>
-          </p:nvPicPr>
-          <p:blipFill>
-            <a:blip r:embed="rId3">
-              <a:alphaModFix amt="10000"/>
-              <a:extLst>
-                <a:ext uri="{28A0092B-C50C-407E-A947-70E740481C1C}">
-                  <a14:useLocalDpi xmlns:a14="http://schemas.microsoft.com/office/drawing/2010/main" val="0"/>
-                </a:ext>
-              </a:extLst>
-            </a:blip>
-            <a:stretch>
-              <a:fillRect/>
-            </a:stretch>
-          </p:blipFill>
-          <p:spPr>
-            <a:xfrm>
-              <a:off x="-3176" y="0"/>
-              <a:ext cx="12192000" cy="6858000"/>
-            </a:xfrm>
-            <a:prstGeom prst="rect">
-              <a:avLst/>
-            </a:prstGeom>
-          </p:spPr>
-        </p:pic>
-      </p:grpSp>
-      <p:sp>
-        <p:nvSpPr>
-          <p:cNvPr id="3" name="Symbol zastępczy zawartości 2">
+          <a:prstGeom prst="rect">
+            <a:avLst/>
+          </a:prstGeom>
+        </p:spPr>
+        <p:style>
+          <a:lnRef idx="2">
+            <a:schemeClr val="accent1">
+              <a:shade val="50000"/>
+            </a:schemeClr>
+          </a:lnRef>
+          <a:fillRef idx="1">
+            <a:schemeClr val="accent1"/>
+          </a:fillRef>
+          <a:effectRef idx="0">
+            <a:schemeClr val="accent1"/>
+          </a:effectRef>
+          <a:fontRef idx="minor">
+            <a:schemeClr val="lt1"/>
+          </a:fontRef>
+        </p:style>
+        <p:txBody>
+          <a:bodyPr rtlCol="0" anchor="ctr"/>
+          <a:lstStyle/>
+          <a:p>
+            <a:pPr algn="ctr"/>
+            <a:endParaRPr lang="en-US"/>
+          </a:p>
+        </p:txBody>
+      </p:sp>
+      <p:pic>
+        <p:nvPicPr>
+          <p:cNvPr id="3074" name="Picture 2" descr="Znalezione obrazy dla zapytania requirements">
             <a:extLst>
               <a:ext uri="{FF2B5EF4-FFF2-40B4-BE49-F238E27FC236}">
-                <a16:creationId xmlns:a16="http://schemas.microsoft.com/office/drawing/2014/main" id="{E72AAE86-30C6-49CF-893C-8F6277A6C4FB}"/>
-              </a:ext>
-            </a:extLst>
-          </p:cNvPr>
-          <p:cNvSpPr>
-            <a:spLocks noGrp="1"/>
-          </p:cNvSpPr>
-          <p:nvPr>
-            <p:ph idx="1"/>
-          </p:nvPr>
-        </p:nvSpPr>
-        <p:spPr>
-          <a:xfrm>
-            <a:off x="447302" y="3194806"/>
-            <a:ext cx="5507665" cy="3561907"/>
-          </a:xfrm>
-        </p:spPr>
-        <p:txBody>
-          <a:bodyPr>
-            <a:normAutofit/>
-          </a:bodyPr>
-          <a:lstStyle/>
-          <a:p>
-            <a:pPr marL="0" indent="0">
-              <a:buNone/>
-            </a:pPr>
-            <a:r>
-              <a:rPr lang="pl-PL" sz="2800" dirty="0"/>
-              <a:t>Produkt, który pozwoliłby zrozumieć klientowi ideę i sposób działania algorytmu UCT</a:t>
-            </a:r>
-          </a:p>
-        </p:txBody>
-      </p:sp>
-      <p:pic>
-        <p:nvPicPr>
-          <p:cNvPr id="2050" name="Picture 2" descr="Znalezione obrazy dla zapytania: business goal&quot;">
-            <a:extLst>
-              <a:ext uri="{FF2B5EF4-FFF2-40B4-BE49-F238E27FC236}">
-                <a16:creationId xmlns:a16="http://schemas.microsoft.com/office/drawing/2014/main" id="{3D1C3B48-48EE-44F4-BD11-0FD3ED08FF0A}"/>
+                <a16:creationId xmlns:a16="http://schemas.microsoft.com/office/drawing/2014/main" id="{D09A5F68-B4D9-45C1-8A8B-BE8805491C79}"/>
               </a:ext>
             </a:extLst>
           </p:cNvPr>
@@ -39558,29 +39497,25 @@
           <p:nvPr/>
         </p:nvPicPr>
         <p:blipFill rotWithShape="1">
-          <a:blip r:embed="rId4">
+          <a:blip r:embed="rId3">
             <a:extLst>
               <a:ext uri="{28A0092B-C50C-407E-A947-70E740481C1C}">
                 <a14:useLocalDpi xmlns:a14="http://schemas.microsoft.com/office/drawing/2010/main" val="0"/>
               </a:ext>
             </a:extLst>
           </a:blip>
-          <a:srcRect l="38458" r="20220"/>
+          <a:srcRect t="3199" b="3051"/>
           <a:stretch/>
         </p:blipFill>
         <p:spPr bwMode="auto">
           <a:xfrm>
-            <a:off x="6096000" y="10"/>
-            <a:ext cx="6092823" cy="6856310"/>
+            <a:off x="20" y="-1"/>
+            <a:ext cx="12191980" cy="6858001"/>
           </a:xfrm>
           <a:prstGeom prst="rect">
             <a:avLst/>
           </a:prstGeom>
           <a:noFill/>
-          <a:ln>
-            <a:noFill/>
-          </a:ln>
-          <a:effectLst/>
           <a:extLst>
             <a:ext uri="{909E8E84-426E-40DD-AFC4-6F175D3DCCD1}">
               <a14:hiddenFill xmlns:a14="http://schemas.microsoft.com/office/drawing/2010/main">
@@ -39594,13 +39529,13 @@
       </p:pic>
       <p:sp>
         <p:nvSpPr>
-          <p:cNvPr id="2054" name="Rectangle 74">
+          <p:cNvPr id="73" name="Rectangle 72">
             <a:extLst>
               <a:ext uri="{FF2B5EF4-FFF2-40B4-BE49-F238E27FC236}">
-                <a16:creationId xmlns:a16="http://schemas.microsoft.com/office/drawing/2014/main" id="{13BC1C09-8FD1-4619-B317-E9EED5E55DD8}"/>
+                <a16:creationId xmlns:a16="http://schemas.microsoft.com/office/drawing/2014/main" id="{3D0E302E-D9CD-4301-A67C-2F0F43791D81}"/>
               </a:ext>
               <a:ext uri="{C183D7F6-B498-43B3-948B-1728B52AA6E4}">
-                <adec:decorative xmlns:adec="http://schemas.microsoft.com/office/drawing/2017/decorative" val="1"/>
+                <adec:decorative xmlns:adec="http://schemas.microsoft.com/office/drawing/2017/decorative" xmlns="" val="1"/>
               </a:ext>
             </a:extLst>
           </p:cNvPr>
@@ -39617,16 +39552,17 @@
         </p:nvSpPr>
         <p:spPr bwMode="grayWhite">
           <a:xfrm>
-            <a:off x="2" y="609600"/>
-            <a:ext cx="6499753" cy="1368198"/>
+            <a:off x="0" y="2116667"/>
+            <a:ext cx="10439400" cy="3793206"/>
           </a:xfrm>
           <a:prstGeom prst="rect">
             <a:avLst/>
           </a:prstGeom>
           <a:solidFill>
             <a:schemeClr val="bg1">
-              <a:lumMod val="85000"/>
-              <a:lumOff val="15000"/>
+              <a:lumMod val="95000"/>
+              <a:lumOff val="5000"/>
+              <a:alpha val="85000"/>
             </a:schemeClr>
           </a:solidFill>
           <a:ln>
@@ -39650,50 +39586,15 @@
           </a:fontRef>
         </p:style>
       </p:sp>
-      <p:sp>
-        <p:nvSpPr>
-          <p:cNvPr id="2" name="Tytuł 1">
+      <p:pic>
+        <p:nvPicPr>
+          <p:cNvPr id="75" name="Picture 74">
             <a:extLst>
               <a:ext uri="{FF2B5EF4-FFF2-40B4-BE49-F238E27FC236}">
-                <a16:creationId xmlns:a16="http://schemas.microsoft.com/office/drawing/2014/main" id="{4279EEF8-C63E-4692-9E3B-EEB7874E7DC2}"/>
-              </a:ext>
-            </a:extLst>
-          </p:cNvPr>
-          <p:cNvSpPr>
-            <a:spLocks noGrp="1"/>
-          </p:cNvSpPr>
-          <p:nvPr>
-            <p:ph type="title"/>
-          </p:nvPr>
-        </p:nvSpPr>
-        <p:spPr>
-          <a:xfrm>
-            <a:off x="680321" y="753228"/>
-            <a:ext cx="5041629" cy="1080938"/>
-          </a:xfrm>
-        </p:spPr>
-        <p:txBody>
-          <a:bodyPr>
-            <a:normAutofit/>
-          </a:bodyPr>
-          <a:lstStyle/>
-          <a:p>
-            <a:r>
-              <a:rPr lang="pl-PL" sz="3200" dirty="0"/>
-              <a:t>Cel biznesowy – w skrócie</a:t>
-            </a:r>
-          </a:p>
-        </p:txBody>
-      </p:sp>
-      <p:pic>
-        <p:nvPicPr>
-          <p:cNvPr id="2055" name="Picture 76">
-            <a:extLst>
-              <a:ext uri="{FF2B5EF4-FFF2-40B4-BE49-F238E27FC236}">
-                <a16:creationId xmlns:a16="http://schemas.microsoft.com/office/drawing/2014/main" id="{D3143E80-C928-46DB-9299-0BD06348A928}"/>
+                <a16:creationId xmlns:a16="http://schemas.microsoft.com/office/drawing/2014/main" id="{CA457133-9802-4229-B919-FF91AE235CCB}"/>
               </a:ext>
               <a:ext uri="{C183D7F6-B498-43B3-948B-1728B52AA6E4}">
-                <adec:decorative xmlns:adec="http://schemas.microsoft.com/office/drawing/2017/decorative" val="1"/>
+                <adec:decorative xmlns:adec="http://schemas.microsoft.com/office/drawing/2017/decorative" xmlns="" val="1"/>
               </a:ext>
             </a:extLst>
           </p:cNvPr>
@@ -39709,7 +39610,7 @@
           </p:nvPr>
         </p:nvPicPr>
         <p:blipFill>
-          <a:blip r:embed="rId5">
+          <a:blip r:embed="rId4">
             <a:extLst>
               <a:ext uri="{28A0092B-C50C-407E-A947-70E740481C1C}">
                 <a14:useLocalDpi xmlns:a14="http://schemas.microsoft.com/office/drawing/2010/main" val="0"/>
@@ -39722,18 +39623,250 @@
         </p:blipFill>
         <p:spPr>
           <a:xfrm>
-            <a:off x="2" y="1970240"/>
-            <a:ext cx="6492240" cy="261714"/>
+            <a:off x="1" y="1970240"/>
+            <a:ext cx="10437812" cy="321164"/>
           </a:xfrm>
           <a:prstGeom prst="rect">
             <a:avLst/>
           </a:prstGeom>
         </p:spPr>
       </p:pic>
+      <p:sp>
+        <p:nvSpPr>
+          <p:cNvPr id="77" name="Rectangle 76">
+            <a:extLst>
+              <a:ext uri="{FF2B5EF4-FFF2-40B4-BE49-F238E27FC236}">
+                <a16:creationId xmlns:a16="http://schemas.microsoft.com/office/drawing/2014/main" id="{35174CBE-3C8C-4936-BADC-26BFB4F07FA9}"/>
+              </a:ext>
+              <a:ext uri="{C183D7F6-B498-43B3-948B-1728B52AA6E4}">
+                <adec:decorative xmlns:adec="http://schemas.microsoft.com/office/drawing/2017/decorative" xmlns="" val="1"/>
+              </a:ext>
+            </a:extLst>
+          </p:cNvPr>
+          <p:cNvSpPr>
+            <a:spLocks noGrp="1" noRot="1" noChangeAspect="1" noMove="1" noResize="1" noEditPoints="1" noAdjustHandles="1" noChangeArrowheads="1" noChangeShapeType="1" noTextEdit="1"/>
+          </p:cNvSpPr>
+          <p:nvPr>
+            <p:extLst>
+              <p:ext uri="{386F3935-93C4-4BCD-93E2-E3B085C9AB24}">
+                <p16:designElem xmlns:p16="http://schemas.microsoft.com/office/powerpoint/2015/main" val="1"/>
+              </p:ext>
+            </p:extLst>
+          </p:nvPr>
+        </p:nvSpPr>
+        <p:spPr bwMode="grayWhite">
+          <a:xfrm>
+            <a:off x="0" y="609600"/>
+            <a:ext cx="10437812" cy="1368198"/>
+          </a:xfrm>
+          <a:prstGeom prst="rect">
+            <a:avLst/>
+          </a:prstGeom>
+          <a:solidFill>
+            <a:schemeClr val="bg1">
+              <a:lumMod val="95000"/>
+              <a:lumOff val="5000"/>
+              <a:alpha val="90000"/>
+            </a:schemeClr>
+          </a:solidFill>
+          <a:ln>
+            <a:noFill/>
+          </a:ln>
+        </p:spPr>
+        <p:style>
+          <a:lnRef idx="2">
+            <a:schemeClr val="accent1">
+              <a:shade val="50000"/>
+            </a:schemeClr>
+          </a:lnRef>
+          <a:fillRef idx="1">
+            <a:schemeClr val="accent1"/>
+          </a:fillRef>
+          <a:effectRef idx="0">
+            <a:schemeClr val="accent1"/>
+          </a:effectRef>
+          <a:fontRef idx="minor">
+            <a:schemeClr val="lt1"/>
+          </a:fontRef>
+        </p:style>
+      </p:sp>
+      <p:sp>
+        <p:nvSpPr>
+          <p:cNvPr id="2" name="Tytuł 1">
+            <a:extLst>
+              <a:ext uri="{FF2B5EF4-FFF2-40B4-BE49-F238E27FC236}">
+                <a16:creationId xmlns:a16="http://schemas.microsoft.com/office/drawing/2014/main" id="{4279EEF8-C63E-4692-9E3B-EEB7874E7DC2}"/>
+              </a:ext>
+            </a:extLst>
+          </p:cNvPr>
+          <p:cNvSpPr>
+            <a:spLocks noGrp="1"/>
+          </p:cNvSpPr>
+          <p:nvPr>
+            <p:ph type="title"/>
+          </p:nvPr>
+        </p:nvSpPr>
+        <p:spPr>
+          <a:xfrm>
+            <a:off x="680321" y="753228"/>
+            <a:ext cx="9613861" cy="1080938"/>
+          </a:xfrm>
+        </p:spPr>
+        <p:txBody>
+          <a:bodyPr>
+            <a:normAutofit/>
+          </a:bodyPr>
+          <a:lstStyle/>
+          <a:p>
+            <a:r>
+              <a:rPr lang="pl-PL" dirty="0"/>
+              <a:t>Wymagania funkcjonalne</a:t>
+            </a:r>
+          </a:p>
+        </p:txBody>
+      </p:sp>
+      <p:pic>
+        <p:nvPicPr>
+          <p:cNvPr id="79" name="Picture 78">
+            <a:extLst>
+              <a:ext uri="{FF2B5EF4-FFF2-40B4-BE49-F238E27FC236}">
+                <a16:creationId xmlns:a16="http://schemas.microsoft.com/office/drawing/2014/main" id="{74CBD692-4D03-4764-98E3-F95783857866}"/>
+              </a:ext>
+              <a:ext uri="{C183D7F6-B498-43B3-948B-1728B52AA6E4}">
+                <adec:decorative xmlns:adec="http://schemas.microsoft.com/office/drawing/2017/decorative" xmlns="" val="1"/>
+              </a:ext>
+            </a:extLst>
+          </p:cNvPr>
+          <p:cNvPicPr>
+            <a:picLocks noGrp="1" noRot="1" noChangeAspect="1" noMove="1" noResize="1" noEditPoints="1" noAdjustHandles="1" noChangeArrowheads="1" noChangeShapeType="1" noCrop="1"/>
+          </p:cNvPicPr>
+          <p:nvPr>
+            <p:extLst>
+              <p:ext uri="{386F3935-93C4-4BCD-93E2-E3B085C9AB24}">
+                <p16:designElem xmlns:p16="http://schemas.microsoft.com/office/powerpoint/2015/main" val="1"/>
+              </p:ext>
+            </p:extLst>
+          </p:nvPr>
+        </p:nvPicPr>
+        <p:blipFill>
+          <a:blip r:embed="rId5" cstate="print">
+            <a:extLst>
+              <a:ext uri="{28A0092B-C50C-407E-A947-70E740481C1C}">
+                <a14:useLocalDpi xmlns:a14="http://schemas.microsoft.com/office/drawing/2010/main" val="0"/>
+              </a:ext>
+            </a:extLst>
+          </a:blip>
+          <a:stretch>
+            <a:fillRect/>
+          </a:stretch>
+        </p:blipFill>
+        <p:spPr>
+          <a:xfrm>
+            <a:off x="10585826" y="1971234"/>
+            <a:ext cx="1602997" cy="144270"/>
+          </a:xfrm>
+          <a:prstGeom prst="rect">
+            <a:avLst/>
+          </a:prstGeom>
+        </p:spPr>
+      </p:pic>
+      <p:sp>
+        <p:nvSpPr>
+          <p:cNvPr id="81" name="Rectangle 80">
+            <a:extLst>
+              <a:ext uri="{FF2B5EF4-FFF2-40B4-BE49-F238E27FC236}">
+                <a16:creationId xmlns:a16="http://schemas.microsoft.com/office/drawing/2014/main" id="{932BC668-4D51-4090-89E3-5613B832E4F8}"/>
+              </a:ext>
+              <a:ext uri="{C183D7F6-B498-43B3-948B-1728B52AA6E4}">
+                <adec:decorative xmlns:adec="http://schemas.microsoft.com/office/drawing/2017/decorative" xmlns="" val="1"/>
+              </a:ext>
+            </a:extLst>
+          </p:cNvPr>
+          <p:cNvSpPr>
+            <a:spLocks noGrp="1" noRot="1" noChangeAspect="1" noMove="1" noResize="1" noEditPoints="1" noAdjustHandles="1" noChangeArrowheads="1" noChangeShapeType="1" noTextEdit="1"/>
+          </p:cNvSpPr>
+          <p:nvPr>
+            <p:extLst>
+              <p:ext uri="{386F3935-93C4-4BCD-93E2-E3B085C9AB24}">
+                <p16:designElem xmlns:p16="http://schemas.microsoft.com/office/powerpoint/2015/main" val="1"/>
+              </p:ext>
+            </p:extLst>
+          </p:nvPr>
+        </p:nvSpPr>
+        <p:spPr>
+          <a:xfrm>
+            <a:off x="10585827" y="609600"/>
+            <a:ext cx="1602997" cy="1368198"/>
+          </a:xfrm>
+          <a:prstGeom prst="rect">
+            <a:avLst/>
+          </a:prstGeom>
+          <a:solidFill>
+            <a:schemeClr val="accent1"/>
+          </a:solidFill>
+          <a:ln>
+            <a:noFill/>
+          </a:ln>
+        </p:spPr>
+        <p:style>
+          <a:lnRef idx="2">
+            <a:schemeClr val="accent1">
+              <a:shade val="50000"/>
+            </a:schemeClr>
+          </a:lnRef>
+          <a:fillRef idx="1">
+            <a:schemeClr val="accent1"/>
+          </a:fillRef>
+          <a:effectRef idx="0">
+            <a:schemeClr val="accent1"/>
+          </a:effectRef>
+          <a:fontRef idx="minor">
+            <a:schemeClr val="lt1"/>
+          </a:fontRef>
+        </p:style>
+      </p:sp>
+      <p:sp>
+        <p:nvSpPr>
+          <p:cNvPr id="3" name="Symbol zastępczy zawartości 2">
+            <a:extLst>
+              <a:ext uri="{FF2B5EF4-FFF2-40B4-BE49-F238E27FC236}">
+                <a16:creationId xmlns:a16="http://schemas.microsoft.com/office/drawing/2014/main" id="{E72AAE86-30C6-49CF-893C-8F6277A6C4FB}"/>
+              </a:ext>
+            </a:extLst>
+          </p:cNvPr>
+          <p:cNvSpPr>
+            <a:spLocks noGrp="1"/>
+          </p:cNvSpPr>
+          <p:nvPr>
+            <p:ph idx="1"/>
+          </p:nvPr>
+        </p:nvSpPr>
+        <p:spPr>
+          <a:xfrm>
+            <a:off x="680321" y="2336873"/>
+            <a:ext cx="9613861" cy="3395060"/>
+          </a:xfrm>
+        </p:spPr>
+        <p:txBody>
+          <a:bodyPr anchor="t">
+            <a:normAutofit/>
+          </a:bodyPr>
+          <a:lstStyle/>
+          <a:p>
+            <a:pPr marL="457200" indent="-457200">
+              <a:buAutoNum type="arabicPeriod"/>
+            </a:pPr>
+            <a:r>
+              <a:rPr lang="pl-PL" sz="2000" dirty="0"/>
+              <a:t>Wybór jednej z dwóch gier</a:t>
+            </a:r>
+          </a:p>
+        </p:txBody>
+      </p:sp>
     </p:spTree>
     <p:extLst>
       <p:ext uri="{BB962C8B-B14F-4D97-AF65-F5344CB8AC3E}">
-        <p14:creationId xmlns:p14="http://schemas.microsoft.com/office/powerpoint/2010/main" val="3645223624"/>
+        <p14:creationId xmlns:p14="http://schemas.microsoft.com/office/powerpoint/2010/main" val="4175863647"/>
       </p:ext>
     </p:extLst>
   </p:cSld>
@@ -39815,7 +39948,7 @@
                 <a16:creationId xmlns:a16="http://schemas.microsoft.com/office/drawing/2014/main" id="{E4055289-E0C6-4BD3-83C1-D3C3059323A2}"/>
               </a:ext>
               <a:ext uri="{C183D7F6-B498-43B3-948B-1728B52AA6E4}">
-                <adec:decorative xmlns:adec="http://schemas.microsoft.com/office/drawing/2017/decorative" val="1"/>
+                <adec:decorative xmlns:adec="http://schemas.microsoft.com/office/drawing/2017/decorative" xmlns="" val="1"/>
               </a:ext>
             </a:extLst>
           </p:cNvPr>
@@ -39917,7 +40050,7 @@
                 <a16:creationId xmlns:a16="http://schemas.microsoft.com/office/drawing/2014/main" id="{3D0E302E-D9CD-4301-A67C-2F0F43791D81}"/>
               </a:ext>
               <a:ext uri="{C183D7F6-B498-43B3-948B-1728B52AA6E4}">
-                <adec:decorative xmlns:adec="http://schemas.microsoft.com/office/drawing/2017/decorative" val="1"/>
+                <adec:decorative xmlns:adec="http://schemas.microsoft.com/office/drawing/2017/decorative" xmlns="" val="1"/>
               </a:ext>
             </a:extLst>
           </p:cNvPr>
@@ -39976,7 +40109,7 @@
                 <a16:creationId xmlns:a16="http://schemas.microsoft.com/office/drawing/2014/main" id="{CA457133-9802-4229-B919-FF91AE235CCB}"/>
               </a:ext>
               <a:ext uri="{C183D7F6-B498-43B3-948B-1728B52AA6E4}">
-                <adec:decorative xmlns:adec="http://schemas.microsoft.com/office/drawing/2017/decorative" val="1"/>
+                <adec:decorative xmlns:adec="http://schemas.microsoft.com/office/drawing/2017/decorative" xmlns="" val="1"/>
               </a:ext>
             </a:extLst>
           </p:cNvPr>
@@ -40021,7 +40154,7 @@
                 <a16:creationId xmlns:a16="http://schemas.microsoft.com/office/drawing/2014/main" id="{35174CBE-3C8C-4936-BADC-26BFB4F07FA9}"/>
               </a:ext>
               <a:ext uri="{C183D7F6-B498-43B3-948B-1728B52AA6E4}">
-                <adec:decorative xmlns:adec="http://schemas.microsoft.com/office/drawing/2017/decorative" val="1"/>
+                <adec:decorative xmlns:adec="http://schemas.microsoft.com/office/drawing/2017/decorative" xmlns="" val="1"/>
               </a:ext>
             </a:extLst>
           </p:cNvPr>
@@ -40115,7 +40248,7 @@
                 <a16:creationId xmlns:a16="http://schemas.microsoft.com/office/drawing/2014/main" id="{74CBD692-4D03-4764-98E3-F95783857866}"/>
               </a:ext>
               <a:ext uri="{C183D7F6-B498-43B3-948B-1728B52AA6E4}">
-                <adec:decorative xmlns:adec="http://schemas.microsoft.com/office/drawing/2017/decorative" val="1"/>
+                <adec:decorative xmlns:adec="http://schemas.microsoft.com/office/drawing/2017/decorative" xmlns="" val="1"/>
               </a:ext>
             </a:extLst>
           </p:cNvPr>
@@ -40160,7 +40293,7 @@
                 <a16:creationId xmlns:a16="http://schemas.microsoft.com/office/drawing/2014/main" id="{932BC668-4D51-4090-89E3-5613B832E4F8}"/>
               </a:ext>
               <a:ext uri="{C183D7F6-B498-43B3-948B-1728B52AA6E4}">
-                <adec:decorative xmlns:adec="http://schemas.microsoft.com/office/drawing/2017/decorative" val="1"/>
+                <adec:decorative xmlns:adec="http://schemas.microsoft.com/office/drawing/2017/decorative" xmlns="" val="1"/>
               </a:ext>
             </a:extLst>
           </p:cNvPr>
@@ -40243,12 +40376,21 @@
               <a:t>Wybór jednej z dwóch gier</a:t>
             </a:r>
           </a:p>
+          <a:p>
+            <a:pPr marL="457200" indent="-457200">
+              <a:buAutoNum type="arabicPeriod"/>
+            </a:pPr>
+            <a:r>
+              <a:rPr lang="pl-PL" sz="2000" dirty="0"/>
+              <a:t>Wybór jednego z trzech trybów rozgrywki</a:t>
+            </a:r>
+          </a:p>
         </p:txBody>
       </p:sp>
     </p:spTree>
     <p:extLst>
       <p:ext uri="{BB962C8B-B14F-4D97-AF65-F5344CB8AC3E}">
-        <p14:creationId xmlns:p14="http://schemas.microsoft.com/office/powerpoint/2010/main" val="4175863647"/>
+        <p14:creationId xmlns:p14="http://schemas.microsoft.com/office/powerpoint/2010/main" val="2672989647"/>
       </p:ext>
     </p:extLst>
   </p:cSld>
@@ -40330,7 +40472,7 @@
                 <a16:creationId xmlns:a16="http://schemas.microsoft.com/office/drawing/2014/main" id="{E4055289-E0C6-4BD3-83C1-D3C3059323A2}"/>
               </a:ext>
               <a:ext uri="{C183D7F6-B498-43B3-948B-1728B52AA6E4}">
-                <adec:decorative xmlns:adec="http://schemas.microsoft.com/office/drawing/2017/decorative" val="1"/>
+                <adec:decorative xmlns:adec="http://schemas.microsoft.com/office/drawing/2017/decorative" xmlns="" val="1"/>
               </a:ext>
             </a:extLst>
           </p:cNvPr>
@@ -40432,7 +40574,7 @@
                 <a16:creationId xmlns:a16="http://schemas.microsoft.com/office/drawing/2014/main" id="{3D0E302E-D9CD-4301-A67C-2F0F43791D81}"/>
               </a:ext>
               <a:ext uri="{C183D7F6-B498-43B3-948B-1728B52AA6E4}">
-                <adec:decorative xmlns:adec="http://schemas.microsoft.com/office/drawing/2017/decorative" val="1"/>
+                <adec:decorative xmlns:adec="http://schemas.microsoft.com/office/drawing/2017/decorative" xmlns="" val="1"/>
               </a:ext>
             </a:extLst>
           </p:cNvPr>
@@ -40491,7 +40633,7 @@
                 <a16:creationId xmlns:a16="http://schemas.microsoft.com/office/drawing/2014/main" id="{CA457133-9802-4229-B919-FF91AE235CCB}"/>
               </a:ext>
               <a:ext uri="{C183D7F6-B498-43B3-948B-1728B52AA6E4}">
-                <adec:decorative xmlns:adec="http://schemas.microsoft.com/office/drawing/2017/decorative" val="1"/>
+                <adec:decorative xmlns:adec="http://schemas.microsoft.com/office/drawing/2017/decorative" xmlns="" val="1"/>
               </a:ext>
             </a:extLst>
           </p:cNvPr>
@@ -40536,7 +40678,7 @@
                 <a16:creationId xmlns:a16="http://schemas.microsoft.com/office/drawing/2014/main" id="{35174CBE-3C8C-4936-BADC-26BFB4F07FA9}"/>
               </a:ext>
               <a:ext uri="{C183D7F6-B498-43B3-948B-1728B52AA6E4}">
-                <adec:decorative xmlns:adec="http://schemas.microsoft.com/office/drawing/2017/decorative" val="1"/>
+                <adec:decorative xmlns:adec="http://schemas.microsoft.com/office/drawing/2017/decorative" xmlns="" val="1"/>
               </a:ext>
             </a:extLst>
           </p:cNvPr>
@@ -40630,7 +40772,7 @@
                 <a16:creationId xmlns:a16="http://schemas.microsoft.com/office/drawing/2014/main" id="{74CBD692-4D03-4764-98E3-F95783857866}"/>
               </a:ext>
               <a:ext uri="{C183D7F6-B498-43B3-948B-1728B52AA6E4}">
-                <adec:decorative xmlns:adec="http://schemas.microsoft.com/office/drawing/2017/decorative" val="1"/>
+                <adec:decorative xmlns:adec="http://schemas.microsoft.com/office/drawing/2017/decorative" xmlns="" val="1"/>
               </a:ext>
             </a:extLst>
           </p:cNvPr>
@@ -40675,7 +40817,7 @@
                 <a16:creationId xmlns:a16="http://schemas.microsoft.com/office/drawing/2014/main" id="{932BC668-4D51-4090-89E3-5613B832E4F8}"/>
               </a:ext>
               <a:ext uri="{C183D7F6-B498-43B3-948B-1728B52AA6E4}">
-                <adec:decorative xmlns:adec="http://schemas.microsoft.com/office/drawing/2017/decorative" val="1"/>
+                <adec:decorative xmlns:adec="http://schemas.microsoft.com/office/drawing/2017/decorative" xmlns="" val="1"/>
               </a:ext>
             </a:extLst>
           </p:cNvPr>
@@ -40767,12 +40909,21 @@
               <a:t>Wybór jednego z trzech trybów rozgrywki</a:t>
             </a:r>
           </a:p>
+          <a:p>
+            <a:pPr marL="457200" indent="-457200">
+              <a:buAutoNum type="arabicPeriod"/>
+            </a:pPr>
+            <a:r>
+              <a:rPr lang="pl-PL" sz="2000" dirty="0"/>
+              <a:t>Możliwość ustawienia parametrów rozgrywki</a:t>
+            </a:r>
+          </a:p>
         </p:txBody>
       </p:sp>
     </p:spTree>
     <p:extLst>
       <p:ext uri="{BB962C8B-B14F-4D97-AF65-F5344CB8AC3E}">
-        <p14:creationId xmlns:p14="http://schemas.microsoft.com/office/powerpoint/2010/main" val="2672989647"/>
+        <p14:creationId xmlns:p14="http://schemas.microsoft.com/office/powerpoint/2010/main" val="1696347328"/>
       </p:ext>
     </p:extLst>
   </p:cSld>
@@ -40854,7 +41005,7 @@
                 <a16:creationId xmlns:a16="http://schemas.microsoft.com/office/drawing/2014/main" id="{E4055289-E0C6-4BD3-83C1-D3C3059323A2}"/>
               </a:ext>
               <a:ext uri="{C183D7F6-B498-43B3-948B-1728B52AA6E4}">
-                <adec:decorative xmlns:adec="http://schemas.microsoft.com/office/drawing/2017/decorative" val="1"/>
+                <adec:decorative xmlns:adec="http://schemas.microsoft.com/office/drawing/2017/decorative" xmlns="" val="1"/>
               </a:ext>
             </a:extLst>
           </p:cNvPr>
@@ -40956,7 +41107,7 @@
                 <a16:creationId xmlns:a16="http://schemas.microsoft.com/office/drawing/2014/main" id="{3D0E302E-D9CD-4301-A67C-2F0F43791D81}"/>
               </a:ext>
               <a:ext uri="{C183D7F6-B498-43B3-948B-1728B52AA6E4}">
-                <adec:decorative xmlns:adec="http://schemas.microsoft.com/office/drawing/2017/decorative" val="1"/>
+                <adec:decorative xmlns:adec="http://schemas.microsoft.com/office/drawing/2017/decorative" xmlns="" val="1"/>
               </a:ext>
             </a:extLst>
           </p:cNvPr>
@@ -41015,7 +41166,7 @@
                 <a16:creationId xmlns:a16="http://schemas.microsoft.com/office/drawing/2014/main" id="{CA457133-9802-4229-B919-FF91AE235CCB}"/>
               </a:ext>
               <a:ext uri="{C183D7F6-B498-43B3-948B-1728B52AA6E4}">
-                <adec:decorative xmlns:adec="http://schemas.microsoft.com/office/drawing/2017/decorative" val="1"/>
+                <adec:decorative xmlns:adec="http://schemas.microsoft.com/office/drawing/2017/decorative" xmlns="" val="1"/>
               </a:ext>
             </a:extLst>
           </p:cNvPr>
@@ -41060,7 +41211,7 @@
                 <a16:creationId xmlns:a16="http://schemas.microsoft.com/office/drawing/2014/main" id="{35174CBE-3C8C-4936-BADC-26BFB4F07FA9}"/>
               </a:ext>
               <a:ext uri="{C183D7F6-B498-43B3-948B-1728B52AA6E4}">
-                <adec:decorative xmlns:adec="http://schemas.microsoft.com/office/drawing/2017/decorative" val="1"/>
+                <adec:decorative xmlns:adec="http://schemas.microsoft.com/office/drawing/2017/decorative" xmlns="" val="1"/>
               </a:ext>
             </a:extLst>
           </p:cNvPr>
@@ -41154,7 +41305,7 @@
                 <a16:creationId xmlns:a16="http://schemas.microsoft.com/office/drawing/2014/main" id="{74CBD692-4D03-4764-98E3-F95783857866}"/>
               </a:ext>
               <a:ext uri="{C183D7F6-B498-43B3-948B-1728B52AA6E4}">
-                <adec:decorative xmlns:adec="http://schemas.microsoft.com/office/drawing/2017/decorative" val="1"/>
+                <adec:decorative xmlns:adec="http://schemas.microsoft.com/office/drawing/2017/decorative" xmlns="" val="1"/>
               </a:ext>
             </a:extLst>
           </p:cNvPr>
@@ -41199,7 +41350,7 @@
                 <a16:creationId xmlns:a16="http://schemas.microsoft.com/office/drawing/2014/main" id="{932BC668-4D51-4090-89E3-5613B832E4F8}"/>
               </a:ext>
               <a:ext uri="{C183D7F6-B498-43B3-948B-1728B52AA6E4}">
-                <adec:decorative xmlns:adec="http://schemas.microsoft.com/office/drawing/2017/decorative" val="1"/>
+                <adec:decorative xmlns:adec="http://schemas.microsoft.com/office/drawing/2017/decorative" xmlns="" val="1"/>
               </a:ext>
             </a:extLst>
           </p:cNvPr>
@@ -41300,12 +41451,21 @@
               <a:t>Możliwość ustawienia parametrów rozgrywki</a:t>
             </a:r>
           </a:p>
+          <a:p>
+            <a:pPr marL="457200" indent="-457200">
+              <a:buAutoNum type="arabicPeriod"/>
+            </a:pPr>
+            <a:r>
+              <a:rPr lang="pl-PL" sz="2000" dirty="0"/>
+              <a:t>Możliwość wczytania drzewa w formacie CSV/binarnym</a:t>
+            </a:r>
+          </a:p>
         </p:txBody>
       </p:sp>
     </p:spTree>
     <p:extLst>
       <p:ext uri="{BB962C8B-B14F-4D97-AF65-F5344CB8AC3E}">
-        <p14:creationId xmlns:p14="http://schemas.microsoft.com/office/powerpoint/2010/main" val="1696347328"/>
+        <p14:creationId xmlns:p14="http://schemas.microsoft.com/office/powerpoint/2010/main" val="3006518636"/>
       </p:ext>
     </p:extLst>
   </p:cSld>

--- a/doc/prezentacja-01/UCT_visualization_presentation.pptx
+++ b/doc/prezentacja-01/UCT_visualization_presentation.pptx
@@ -2907,13 +2907,6 @@
         </dgm:presLayoutVars>
       </dgm:prSet>
       <dgm:spPr/>
-      <dgm:t>
-        <a:bodyPr/>
-        <a:lstStyle/>
-        <a:p>
-          <a:endParaRPr lang="en-US"/>
-        </a:p>
-      </dgm:t>
     </dgm:pt>
     <dgm:pt modelId="{1203B0D8-6E73-4F3F-8909-F7DD7DED4854}" type="pres">
       <dgm:prSet presAssocID="{1A5BEBB7-B935-415D-9BBF-814F54501A9B}" presName="compNode" presStyleCnt="0"/>
@@ -2933,7 +2926,7 @@
                 <a14:useLocalDpi xmlns:a14="http://schemas.microsoft.com/office/drawing/2010/main" val="0"/>
               </a:ext>
               <a:ext uri="{96DAC541-7B7A-43D3-8B79-37D633B846F1}">
-                <asvg:svgBlip xmlns="" xmlns:asvg="http://schemas.microsoft.com/office/drawing/2016/SVG/main" r:embed="rId2"/>
+                <asvg:svgBlip xmlns:asvg="http://schemas.microsoft.com/office/drawing/2016/SVG/main" r:embed="rId2"/>
               </a:ext>
             </a:extLst>
           </a:blip>
@@ -2945,13 +2938,6 @@
           <a:noFill/>
         </a:ln>
       </dgm:spPr>
-      <dgm:t>
-        <a:bodyPr/>
-        <a:lstStyle/>
-        <a:p>
-          <a:endParaRPr lang="en-US"/>
-        </a:p>
-      </dgm:t>
       <dgm:extLst>
         <a:ext uri="{E40237B7-FDA0-4F09-8148-C483321AD2D9}">
           <dgm14:cNvPr xmlns:dgm14="http://schemas.microsoft.com/office/drawing/2010/diagram" id="0" name="" descr="Skeleton"/>
@@ -2970,13 +2956,6 @@
         </dgm:presLayoutVars>
       </dgm:prSet>
       <dgm:spPr/>
-      <dgm:t>
-        <a:bodyPr/>
-        <a:lstStyle/>
-        <a:p>
-          <a:endParaRPr lang="en-US"/>
-        </a:p>
-      </dgm:t>
     </dgm:pt>
     <dgm:pt modelId="{E4237A14-35F7-4DBE-8E85-068325E2E2C5}" type="pres">
       <dgm:prSet presAssocID="{FF5C40AC-C066-4598-8CE9-724BE0371367}" presName="sibTrans" presStyleCnt="0"/>
@@ -3000,7 +2979,7 @@
                 <a14:useLocalDpi xmlns:a14="http://schemas.microsoft.com/office/drawing/2010/main" val="0"/>
               </a:ext>
               <a:ext uri="{96DAC541-7B7A-43D3-8B79-37D633B846F1}">
-                <asvg:svgBlip xmlns="" xmlns:asvg="http://schemas.microsoft.com/office/drawing/2016/SVG/main" r:embed="rId4"/>
+                <asvg:svgBlip xmlns:asvg="http://schemas.microsoft.com/office/drawing/2016/SVG/main" r:embed="rId4"/>
               </a:ext>
             </a:extLst>
           </a:blip>
@@ -3012,13 +2991,6 @@
           <a:noFill/>
         </a:ln>
       </dgm:spPr>
-      <dgm:t>
-        <a:bodyPr/>
-        <a:lstStyle/>
-        <a:p>
-          <a:endParaRPr lang="en-US"/>
-        </a:p>
-      </dgm:t>
       <dgm:extLst>
         <a:ext uri="{E40237B7-FDA0-4F09-8148-C483321AD2D9}">
           <dgm14:cNvPr xmlns:dgm14="http://schemas.microsoft.com/office/drawing/2010/diagram" id="0" name="" descr="Statistics"/>
@@ -3037,13 +3009,6 @@
         </dgm:presLayoutVars>
       </dgm:prSet>
       <dgm:spPr/>
-      <dgm:t>
-        <a:bodyPr/>
-        <a:lstStyle/>
-        <a:p>
-          <a:endParaRPr lang="en-US"/>
-        </a:p>
-      </dgm:t>
     </dgm:pt>
     <dgm:pt modelId="{120E6AF1-497D-4112-8CFC-48E700E9B365}" type="pres">
       <dgm:prSet presAssocID="{F1EA715B-AB64-4EDC-BC7C-1F6853831C30}" presName="sibTrans" presStyleCnt="0"/>
@@ -3067,7 +3032,7 @@
                 <a14:useLocalDpi xmlns:a14="http://schemas.microsoft.com/office/drawing/2010/main" val="0"/>
               </a:ext>
               <a:ext uri="{96DAC541-7B7A-43D3-8B79-37D633B846F1}">
-                <asvg:svgBlip xmlns="" xmlns:asvg="http://schemas.microsoft.com/office/drawing/2016/SVG/main" r:embed="rId6"/>
+                <asvg:svgBlip xmlns:asvg="http://schemas.microsoft.com/office/drawing/2016/SVG/main" r:embed="rId6"/>
               </a:ext>
             </a:extLst>
           </a:blip>
@@ -3079,13 +3044,6 @@
           <a:noFill/>
         </a:ln>
       </dgm:spPr>
-      <dgm:t>
-        <a:bodyPr/>
-        <a:lstStyle/>
-        <a:p>
-          <a:endParaRPr lang="en-US"/>
-        </a:p>
-      </dgm:t>
       <dgm:extLst>
         <a:ext uri="{E40237B7-FDA0-4F09-8148-C483321AD2D9}">
           <dgm14:cNvPr xmlns:dgm14="http://schemas.microsoft.com/office/drawing/2010/diagram" id="0" name="" descr="Pine Decoration"/>
@@ -3104,21 +3062,14 @@
         </dgm:presLayoutVars>
       </dgm:prSet>
       <dgm:spPr/>
-      <dgm:t>
-        <a:bodyPr/>
-        <a:lstStyle/>
-        <a:p>
-          <a:endParaRPr lang="en-US"/>
-        </a:p>
-      </dgm:t>
     </dgm:pt>
   </dgm:ptLst>
   <dgm:cxnLst>
+    <dgm:cxn modelId="{0F733C37-41AD-4AA2-A029-4AADA64BE1C1}" type="presOf" srcId="{B4923790-3F98-428A-89C9-B4A23F4016FC}" destId="{12B0EA34-AA24-4167-9BC9-D9FCFF9CDFF4}" srcOrd="0" destOrd="0" presId="urn:microsoft.com/office/officeart/2018/2/layout/IconVerticalSolidList"/>
+    <dgm:cxn modelId="{6D003A73-364F-4921-94E2-25AC8E6ED45B}" type="presOf" srcId="{BC9983E8-37C3-4D5B-938C-41099B389EA8}" destId="{F01F28B3-CDA1-4986-8BB3-97B77C90D691}" srcOrd="0" destOrd="0" presId="urn:microsoft.com/office/officeart/2018/2/layout/IconVerticalSolidList"/>
+    <dgm:cxn modelId="{DF4B9857-72EE-4504-95F0-4657D01F4311}" srcId="{BC9983E8-37C3-4D5B-938C-41099B389EA8}" destId="{1A5BEBB7-B935-415D-9BBF-814F54501A9B}" srcOrd="0" destOrd="0" parTransId="{7E25C743-4C55-4DB8-A8BF-DD5A7517B1BF}" sibTransId="{FF5C40AC-C066-4598-8CE9-724BE0371367}"/>
     <dgm:cxn modelId="{0DC91BE4-42F4-4BDF-AF40-120681DAC38F}" srcId="{BC9983E8-37C3-4D5B-938C-41099B389EA8}" destId="{B4923790-3F98-428A-89C9-B4A23F4016FC}" srcOrd="1" destOrd="0" parTransId="{C206B6A1-9292-427A-BD54-EA5260243998}" sibTransId="{F1EA715B-AB64-4EDC-BC7C-1F6853831C30}"/>
-    <dgm:cxn modelId="{0F733C37-41AD-4AA2-A029-4AADA64BE1C1}" type="presOf" srcId="{B4923790-3F98-428A-89C9-B4A23F4016FC}" destId="{12B0EA34-AA24-4167-9BC9-D9FCFF9CDFF4}" srcOrd="0" destOrd="0" presId="urn:microsoft.com/office/officeart/2018/2/layout/IconVerticalSolidList"/>
-    <dgm:cxn modelId="{DF4B9857-72EE-4504-95F0-4657D01F4311}" srcId="{BC9983E8-37C3-4D5B-938C-41099B389EA8}" destId="{1A5BEBB7-B935-415D-9BBF-814F54501A9B}" srcOrd="0" destOrd="0" parTransId="{7E25C743-4C55-4DB8-A8BF-DD5A7517B1BF}" sibTransId="{FF5C40AC-C066-4598-8CE9-724BE0371367}"/>
     <dgm:cxn modelId="{ECE3C9F2-F899-422D-9293-E37FA81AC2A0}" type="presOf" srcId="{1A5BEBB7-B935-415D-9BBF-814F54501A9B}" destId="{9C76D22B-DE91-49CF-8873-C76B9F1D4977}" srcOrd="0" destOrd="0" presId="urn:microsoft.com/office/officeart/2018/2/layout/IconVerticalSolidList"/>
-    <dgm:cxn modelId="{6D003A73-364F-4921-94E2-25AC8E6ED45B}" type="presOf" srcId="{BC9983E8-37C3-4D5B-938C-41099B389EA8}" destId="{F01F28B3-CDA1-4986-8BB3-97B77C90D691}" srcOrd="0" destOrd="0" presId="urn:microsoft.com/office/officeart/2018/2/layout/IconVerticalSolidList"/>
     <dgm:cxn modelId="{4684D9F4-231F-40A4-A72B-C7CE6C35337D}" srcId="{BC9983E8-37C3-4D5B-938C-41099B389EA8}" destId="{EE7C3DF6-8286-4204-8A9F-E318764E4FAF}" srcOrd="2" destOrd="0" parTransId="{8EC46AB4-8231-46ED-BA33-16A8BC16FD79}" sibTransId="{BBC55D47-B613-4E8E-9707-85660A901CF5}"/>
     <dgm:cxn modelId="{35B3D1F9-872A-4D39-A17A-80D3B4268B3F}" type="presOf" srcId="{EE7C3DF6-8286-4204-8A9F-E318764E4FAF}" destId="{56EAB0AB-ED42-423B-96E0-6561D0F2AD5D}" srcOrd="0" destOrd="0" presId="urn:microsoft.com/office/officeart/2018/2/layout/IconVerticalSolidList"/>
     <dgm:cxn modelId="{91939A01-2843-4A1C-A1F8-F7E55E8A6599}" type="presParOf" srcId="{F01F28B3-CDA1-4986-8BB3-97B77C90D691}" destId="{1203B0D8-6E73-4F3F-8909-F7DD7DED4854}" srcOrd="0" destOrd="0" presId="urn:microsoft.com/office/officeart/2018/2/layout/IconVerticalSolidList"/>
@@ -3297,13 +3248,6 @@
         </dgm:presLayoutVars>
       </dgm:prSet>
       <dgm:spPr/>
-      <dgm:t>
-        <a:bodyPr/>
-        <a:lstStyle/>
-        <a:p>
-          <a:endParaRPr lang="en-US"/>
-        </a:p>
-      </dgm:t>
     </dgm:pt>
     <dgm:pt modelId="{0BE4E80D-F6B0-44EA-BDEF-CFA5DD199465}" type="pres">
       <dgm:prSet presAssocID="{8B54C858-7579-4F01-A24A-B88ED79F260B}" presName="compNode" presStyleCnt="0"/>
@@ -3323,7 +3267,7 @@
                 <a14:useLocalDpi xmlns:a14="http://schemas.microsoft.com/office/drawing/2010/main" val="0"/>
               </a:ext>
               <a:ext uri="{96DAC541-7B7A-43D3-8B79-37D633B846F1}">
-                <asvg:svgBlip xmlns="" xmlns:asvg="http://schemas.microsoft.com/office/drawing/2016/SVG/main" r:embed="rId2"/>
+                <asvg:svgBlip xmlns:asvg="http://schemas.microsoft.com/office/drawing/2016/SVG/main" r:embed="rId2"/>
               </a:ext>
             </a:extLst>
           </a:blip>
@@ -3335,13 +3279,6 @@
           <a:noFill/>
         </a:ln>
       </dgm:spPr>
-      <dgm:t>
-        <a:bodyPr/>
-        <a:lstStyle/>
-        <a:p>
-          <a:endParaRPr lang="en-US"/>
-        </a:p>
-      </dgm:t>
       <dgm:extLst>
         <a:ext uri="{E40237B7-FDA0-4F09-8148-C483321AD2D9}">
           <dgm14:cNvPr xmlns:dgm14="http://schemas.microsoft.com/office/drawing/2010/diagram" id="0" name="" descr="Processor"/>
@@ -3360,13 +3297,6 @@
         </dgm:presLayoutVars>
       </dgm:prSet>
       <dgm:spPr/>
-      <dgm:t>
-        <a:bodyPr/>
-        <a:lstStyle/>
-        <a:p>
-          <a:endParaRPr lang="en-US"/>
-        </a:p>
-      </dgm:t>
     </dgm:pt>
     <dgm:pt modelId="{038157FA-2143-4342-AA32-536C431DFB22}" type="pres">
       <dgm:prSet presAssocID="{C0F2E635-A661-4649-A07C-B5AB1128FD5D}" presName="sibTrans" presStyleCnt="0"/>
@@ -3390,7 +3320,7 @@
                 <a14:useLocalDpi xmlns:a14="http://schemas.microsoft.com/office/drawing/2010/main" val="0"/>
               </a:ext>
               <a:ext uri="{96DAC541-7B7A-43D3-8B79-37D633B846F1}">
-                <asvg:svgBlip xmlns="" xmlns:asvg="http://schemas.microsoft.com/office/drawing/2016/SVG/main" r:embed="rId4"/>
+                <asvg:svgBlip xmlns:asvg="http://schemas.microsoft.com/office/drawing/2016/SVG/main" r:embed="rId4"/>
               </a:ext>
             </a:extLst>
           </a:blip>
@@ -3402,13 +3332,6 @@
           <a:noFill/>
         </a:ln>
       </dgm:spPr>
-      <dgm:t>
-        <a:bodyPr/>
-        <a:lstStyle/>
-        <a:p>
-          <a:endParaRPr lang="en-US"/>
-        </a:p>
-      </dgm:t>
       <dgm:extLst>
         <a:ext uri="{E40237B7-FDA0-4F09-8148-C483321AD2D9}">
           <dgm14:cNvPr xmlns:dgm14="http://schemas.microsoft.com/office/drawing/2010/diagram" id="0" name="" descr="Disconnected"/>
@@ -3427,13 +3350,6 @@
         </dgm:presLayoutVars>
       </dgm:prSet>
       <dgm:spPr/>
-      <dgm:t>
-        <a:bodyPr/>
-        <a:lstStyle/>
-        <a:p>
-          <a:endParaRPr lang="en-US"/>
-        </a:p>
-      </dgm:t>
     </dgm:pt>
     <dgm:pt modelId="{56FD0D40-1F56-44D4-94EC-1BB418B0C8F2}" type="pres">
       <dgm:prSet presAssocID="{1AA1E440-8797-48DC-A322-79F3F748F538}" presName="sibTrans" presStyleCnt="0"/>
@@ -3457,7 +3373,7 @@
                 <a14:useLocalDpi xmlns:a14="http://schemas.microsoft.com/office/drawing/2010/main" val="0"/>
               </a:ext>
               <a:ext uri="{96DAC541-7B7A-43D3-8B79-37D633B846F1}">
-                <asvg:svgBlip xmlns="" xmlns:asvg="http://schemas.microsoft.com/office/drawing/2016/SVG/main" r:embed="rId6"/>
+                <asvg:svgBlip xmlns:asvg="http://schemas.microsoft.com/office/drawing/2016/SVG/main" r:embed="rId6"/>
               </a:ext>
             </a:extLst>
           </a:blip>
@@ -3469,13 +3385,6 @@
           <a:noFill/>
         </a:ln>
       </dgm:spPr>
-      <dgm:t>
-        <a:bodyPr/>
-        <a:lstStyle/>
-        <a:p>
-          <a:endParaRPr lang="en-US"/>
-        </a:p>
-      </dgm:t>
       <dgm:extLst>
         <a:ext uri="{E40237B7-FDA0-4F09-8148-C483321AD2D9}">
           <dgm14:cNvPr xmlns:dgm14="http://schemas.microsoft.com/office/drawing/2010/diagram" id="0" name="" descr="Stopwatch"/>
@@ -3494,23 +3403,16 @@
         </dgm:presLayoutVars>
       </dgm:prSet>
       <dgm:spPr/>
-      <dgm:t>
-        <a:bodyPr/>
-        <a:lstStyle/>
-        <a:p>
-          <a:endParaRPr lang="en-US"/>
-        </a:p>
-      </dgm:t>
     </dgm:pt>
   </dgm:ptLst>
   <dgm:cxnLst>
+    <dgm:cxn modelId="{E086D641-D060-40EE-9600-8A2AF2C56599}" srcId="{FB80DE3C-0BE4-4E6B-925E-5C86A33C6C1E}" destId="{68D50E1A-8F6D-4AE7-9C14-F82252F55029}" srcOrd="2" destOrd="0" parTransId="{8B9B3272-5AA8-412D-AB6B-8B9D9E9CBC58}" sibTransId="{2C5A1888-2F0C-444B-9B5D-9A7C5B33BD8F}"/>
+    <dgm:cxn modelId="{16113146-FF69-4041-9F8C-418CDCC9AED9}" type="presOf" srcId="{68D50E1A-8F6D-4AE7-9C14-F82252F55029}" destId="{6B736EA0-C837-41C2-81C9-EBF304EFFE5F}" srcOrd="0" destOrd="0" presId="urn:microsoft.com/office/officeart/2018/2/layout/IconVerticalSolidList"/>
+    <dgm:cxn modelId="{DD29E76B-4C27-4BD4-9885-93AF2E27B0E4}" type="presOf" srcId="{D6DB26E8-921E-43C7-8D9E-24126512D906}" destId="{7C05F4F3-31CE-4911-B7AE-976768BB9B90}" srcOrd="0" destOrd="0" presId="urn:microsoft.com/office/officeart/2018/2/layout/IconVerticalSolidList"/>
     <dgm:cxn modelId="{0F79B07F-03A8-4D41-9A45-0B31C96C76E8}" srcId="{FB80DE3C-0BE4-4E6B-925E-5C86A33C6C1E}" destId="{D6DB26E8-921E-43C7-8D9E-24126512D906}" srcOrd="1" destOrd="0" parTransId="{55C30D86-2481-436D-8517-55F5635A71E0}" sibTransId="{1AA1E440-8797-48DC-A322-79F3F748F538}"/>
+    <dgm:cxn modelId="{38F729AC-2767-4435-A289-0453F76EEEBE}" type="presOf" srcId="{8B54C858-7579-4F01-A24A-B88ED79F260B}" destId="{C8C21B97-FFB3-45DA-A376-442D4016502F}" srcOrd="0" destOrd="0" presId="urn:microsoft.com/office/officeart/2018/2/layout/IconVerticalSolidList"/>
+    <dgm:cxn modelId="{6B58E6AD-B39B-4460-922F-42ED41A0EE81}" srcId="{FB80DE3C-0BE4-4E6B-925E-5C86A33C6C1E}" destId="{8B54C858-7579-4F01-A24A-B88ED79F260B}" srcOrd="0" destOrd="0" parTransId="{D138655A-2F8F-4978-B597-DAE6A7D9880B}" sibTransId="{C0F2E635-A661-4649-A07C-B5AB1128FD5D}"/>
     <dgm:cxn modelId="{7851BAF7-92B4-4AE2-9766-55B7FC192475}" type="presOf" srcId="{FB80DE3C-0BE4-4E6B-925E-5C86A33C6C1E}" destId="{33A2C04A-E702-41F4-95D7-5E2C67AA754F}" srcOrd="0" destOrd="0" presId="urn:microsoft.com/office/officeart/2018/2/layout/IconVerticalSolidList"/>
-    <dgm:cxn modelId="{E086D641-D060-40EE-9600-8A2AF2C56599}" srcId="{FB80DE3C-0BE4-4E6B-925E-5C86A33C6C1E}" destId="{68D50E1A-8F6D-4AE7-9C14-F82252F55029}" srcOrd="2" destOrd="0" parTransId="{8B9B3272-5AA8-412D-AB6B-8B9D9E9CBC58}" sibTransId="{2C5A1888-2F0C-444B-9B5D-9A7C5B33BD8F}"/>
-    <dgm:cxn modelId="{DD29E76B-4C27-4BD4-9885-93AF2E27B0E4}" type="presOf" srcId="{D6DB26E8-921E-43C7-8D9E-24126512D906}" destId="{7C05F4F3-31CE-4911-B7AE-976768BB9B90}" srcOrd="0" destOrd="0" presId="urn:microsoft.com/office/officeart/2018/2/layout/IconVerticalSolidList"/>
-    <dgm:cxn modelId="{6B58E6AD-B39B-4460-922F-42ED41A0EE81}" srcId="{FB80DE3C-0BE4-4E6B-925E-5C86A33C6C1E}" destId="{8B54C858-7579-4F01-A24A-B88ED79F260B}" srcOrd="0" destOrd="0" parTransId="{D138655A-2F8F-4978-B597-DAE6A7D9880B}" sibTransId="{C0F2E635-A661-4649-A07C-B5AB1128FD5D}"/>
-    <dgm:cxn modelId="{38F729AC-2767-4435-A289-0453F76EEEBE}" type="presOf" srcId="{8B54C858-7579-4F01-A24A-B88ED79F260B}" destId="{C8C21B97-FFB3-45DA-A376-442D4016502F}" srcOrd="0" destOrd="0" presId="urn:microsoft.com/office/officeart/2018/2/layout/IconVerticalSolidList"/>
-    <dgm:cxn modelId="{16113146-FF69-4041-9F8C-418CDCC9AED9}" type="presOf" srcId="{68D50E1A-8F6D-4AE7-9C14-F82252F55029}" destId="{6B736EA0-C837-41C2-81C9-EBF304EFFE5F}" srcOrd="0" destOrd="0" presId="urn:microsoft.com/office/officeart/2018/2/layout/IconVerticalSolidList"/>
     <dgm:cxn modelId="{56548D60-C129-4C65-8C8C-57DDAF308F01}" type="presParOf" srcId="{33A2C04A-E702-41F4-95D7-5E2C67AA754F}" destId="{0BE4E80D-F6B0-44EA-BDEF-CFA5DD199465}" srcOrd="0" destOrd="0" presId="urn:microsoft.com/office/officeart/2018/2/layout/IconVerticalSolidList"/>
     <dgm:cxn modelId="{81C8484D-95E0-4C50-A18E-10A0F001A27F}" type="presParOf" srcId="{0BE4E80D-F6B0-44EA-BDEF-CFA5DD199465}" destId="{E56955FA-00A8-4C5E-96E5-3DDDC75CB821}" srcOrd="0" destOrd="0" presId="urn:microsoft.com/office/officeart/2018/2/layout/IconVerticalSolidList"/>
     <dgm:cxn modelId="{40CB8B1C-A257-4671-9259-0E1B900E9FC1}" type="presParOf" srcId="{0BE4E80D-F6B0-44EA-BDEF-CFA5DD199465}" destId="{2ECA9146-CA41-4CBA-89F2-587CF1748C69}" srcOrd="1" destOrd="0" presId="urn:microsoft.com/office/officeart/2018/2/layout/IconVerticalSolidList"/>
@@ -3657,13 +3559,6 @@
         </dgm:presLayoutVars>
       </dgm:prSet>
       <dgm:spPr/>
-      <dgm:t>
-        <a:bodyPr/>
-        <a:lstStyle/>
-        <a:p>
-          <a:endParaRPr lang="en-US"/>
-        </a:p>
-      </dgm:t>
     </dgm:pt>
     <dgm:pt modelId="{9ECF1E4B-5234-4D0B-B455-93FFB6D9A820}" type="pres">
       <dgm:prSet presAssocID="{8FE6C44C-4BA6-4B9B-8CEA-DB9939BCA297}" presName="compNode" presStyleCnt="0"/>
@@ -3683,7 +3578,7 @@
                 <a14:useLocalDpi xmlns:a14="http://schemas.microsoft.com/office/drawing/2010/main" val="0"/>
               </a:ext>
               <a:ext uri="{96DAC541-7B7A-43D3-8B79-37D633B846F1}">
-                <asvg:svgBlip xmlns="" xmlns:asvg="http://schemas.microsoft.com/office/drawing/2016/SVG/main" r:embed="rId2"/>
+                <asvg:svgBlip xmlns:asvg="http://schemas.microsoft.com/office/drawing/2016/SVG/main" r:embed="rId2"/>
               </a:ext>
             </a:extLst>
           </a:blip>
@@ -3695,13 +3590,6 @@
           <a:noFill/>
         </a:ln>
       </dgm:spPr>
-      <dgm:t>
-        <a:bodyPr/>
-        <a:lstStyle/>
-        <a:p>
-          <a:endParaRPr lang="en-US"/>
-        </a:p>
-      </dgm:t>
       <dgm:extLst>
         <a:ext uri="{E40237B7-FDA0-4F09-8148-C483321AD2D9}">
           <dgm14:cNvPr xmlns:dgm14="http://schemas.microsoft.com/office/drawing/2010/diagram" id="0" name="" descr="Computer"/>
@@ -3720,13 +3608,6 @@
         </dgm:presLayoutVars>
       </dgm:prSet>
       <dgm:spPr/>
-      <dgm:t>
-        <a:bodyPr/>
-        <a:lstStyle/>
-        <a:p>
-          <a:endParaRPr lang="en-US"/>
-        </a:p>
-      </dgm:t>
     </dgm:pt>
     <dgm:pt modelId="{B152DDD9-8B69-4C3F-8C74-DB1E9C69CDD7}" type="pres">
       <dgm:prSet presAssocID="{362F717D-77B2-42C0-98D8-2DDA8D81CECE}" presName="sibTrans" presStyleCnt="0"/>
@@ -3750,7 +3631,7 @@
                 <a14:useLocalDpi xmlns:a14="http://schemas.microsoft.com/office/drawing/2010/main" val="0"/>
               </a:ext>
               <a:ext uri="{96DAC541-7B7A-43D3-8B79-37D633B846F1}">
-                <asvg:svgBlip xmlns="" xmlns:asvg="http://schemas.microsoft.com/office/drawing/2016/SVG/main" r:embed="rId4"/>
+                <asvg:svgBlip xmlns:asvg="http://schemas.microsoft.com/office/drawing/2016/SVG/main" r:embed="rId4"/>
               </a:ext>
             </a:extLst>
           </a:blip>
@@ -3762,13 +3643,6 @@
           <a:noFill/>
         </a:ln>
       </dgm:spPr>
-      <dgm:t>
-        <a:bodyPr/>
-        <a:lstStyle/>
-        <a:p>
-          <a:endParaRPr lang="en-US"/>
-        </a:p>
-      </dgm:t>
       <dgm:extLst>
         <a:ext uri="{E40237B7-FDA0-4F09-8148-C483321AD2D9}">
           <dgm14:cNvPr xmlns:dgm14="http://schemas.microsoft.com/office/drawing/2010/diagram" id="0" name="" descr="Calculator"/>
@@ -3787,21 +3661,14 @@
         </dgm:presLayoutVars>
       </dgm:prSet>
       <dgm:spPr/>
-      <dgm:t>
-        <a:bodyPr/>
-        <a:lstStyle/>
-        <a:p>
-          <a:endParaRPr lang="en-US"/>
-        </a:p>
-      </dgm:t>
     </dgm:pt>
   </dgm:ptLst>
   <dgm:cxnLst>
     <dgm:cxn modelId="{1218642C-D22E-454A-9207-DDF706A69699}" type="presOf" srcId="{8FE6C44C-4BA6-4B9B-8CEA-DB9939BCA297}" destId="{45F2687A-10EB-4022-9591-1BAC23BE007E}" srcOrd="0" destOrd="0" presId="urn:microsoft.com/office/officeart/2018/5/layout/IconCircleLabelList"/>
     <dgm:cxn modelId="{E520CC44-5E25-4EE9-BDF1-BBE506A42B18}" srcId="{1B37C8DF-74B0-4C78-AD46-3E36AFCA218E}" destId="{8FE6C44C-4BA6-4B9B-8CEA-DB9939BCA297}" srcOrd="0" destOrd="0" parTransId="{81FF6ED0-E990-42BA-8129-D0E58555D163}" sibTransId="{362F717D-77B2-42C0-98D8-2DDA8D81CECE}"/>
+    <dgm:cxn modelId="{15F2BBA6-7FDD-4325-AC32-69A912AF8AB8}" type="presOf" srcId="{1B37C8DF-74B0-4C78-AD46-3E36AFCA218E}" destId="{8C228348-1344-44A4-9991-A316EA5F65AD}" srcOrd="0" destOrd="0" presId="urn:microsoft.com/office/officeart/2018/5/layout/IconCircleLabelList"/>
+    <dgm:cxn modelId="{22D971B1-004B-4DB8-B27C-19F8DC65B851}" type="presOf" srcId="{0A05D464-CB56-43D8-A3CB-9E75D9992097}" destId="{57998005-CA7C-4C20-9F42-775CF0951D01}" srcOrd="0" destOrd="0" presId="urn:microsoft.com/office/officeart/2018/5/layout/IconCircleLabelList"/>
     <dgm:cxn modelId="{BAF07EFA-BBEB-4580-A5BA-6B432863CE74}" srcId="{1B37C8DF-74B0-4C78-AD46-3E36AFCA218E}" destId="{0A05D464-CB56-43D8-A3CB-9E75D9992097}" srcOrd="1" destOrd="0" parTransId="{A40AAC1A-FFBA-4BB3-9BB7-FBC5AB437717}" sibTransId="{4EBC3F62-BCBF-430A-AC7E-EAF25C815881}"/>
-    <dgm:cxn modelId="{22D971B1-004B-4DB8-B27C-19F8DC65B851}" type="presOf" srcId="{0A05D464-CB56-43D8-A3CB-9E75D9992097}" destId="{57998005-CA7C-4C20-9F42-775CF0951D01}" srcOrd="0" destOrd="0" presId="urn:microsoft.com/office/officeart/2018/5/layout/IconCircleLabelList"/>
-    <dgm:cxn modelId="{15F2BBA6-7FDD-4325-AC32-69A912AF8AB8}" type="presOf" srcId="{1B37C8DF-74B0-4C78-AD46-3E36AFCA218E}" destId="{8C228348-1344-44A4-9991-A316EA5F65AD}" srcOrd="0" destOrd="0" presId="urn:microsoft.com/office/officeart/2018/5/layout/IconCircleLabelList"/>
     <dgm:cxn modelId="{146A8A09-B5B3-4F2E-B911-FA27FFFE75CA}" type="presParOf" srcId="{8C228348-1344-44A4-9991-A316EA5F65AD}" destId="{9ECF1E4B-5234-4D0B-B455-93FFB6D9A820}" srcOrd="0" destOrd="0" presId="urn:microsoft.com/office/officeart/2018/5/layout/IconCircleLabelList"/>
     <dgm:cxn modelId="{39E630A0-9053-4A50-8CC0-B0E466026795}" type="presParOf" srcId="{9ECF1E4B-5234-4D0B-B455-93FFB6D9A820}" destId="{DA917198-7223-4DC2-9751-E21FBB4E1C44}" srcOrd="0" destOrd="0" presId="urn:microsoft.com/office/officeart/2018/5/layout/IconCircleLabelList"/>
     <dgm:cxn modelId="{29F8A2D5-306D-4306-9BF7-F8294352DAA1}" type="presParOf" srcId="{9ECF1E4B-5234-4D0B-B455-93FFB6D9A820}" destId="{F453175D-B889-422C-99BC-6AA3EB68C2B5}" srcOrd="1" destOrd="0" presId="urn:microsoft.com/office/officeart/2018/5/layout/IconCircleLabelList"/>
@@ -3893,7 +3760,7 @@
                 <a14:useLocalDpi xmlns:a14="http://schemas.microsoft.com/office/drawing/2010/main" val="0"/>
               </a:ext>
               <a:ext uri="{96DAC541-7B7A-43D3-8B79-37D633B846F1}">
-                <asvg:svgBlip xmlns="" xmlns:asvg="http://schemas.microsoft.com/office/drawing/2016/SVG/main" r:embed="rId2"/>
+                <asvg:svgBlip xmlns:asvg="http://schemas.microsoft.com/office/drawing/2016/SVG/main" r:embed="rId2"/>
               </a:ext>
             </a:extLst>
           </a:blip>
@@ -3959,7 +3826,7 @@
         </a:bodyPr>
         <a:lstStyle/>
         <a:p>
-          <a:pPr lvl="0" algn="l" defTabSz="889000">
+          <a:pPr marL="0" lvl="0" indent="0" algn="l" defTabSz="889000">
             <a:lnSpc>
               <a:spcPct val="90000"/>
             </a:lnSpc>
@@ -3969,6 +3836,7 @@
             <a:spcAft>
               <a:spcPct val="35000"/>
             </a:spcAft>
+            <a:buNone/>
           </a:pPr>
           <a:r>
             <a:rPr lang="pl-PL" sz="2000" kern="1200"/>
@@ -4043,7 +3911,7 @@
                 <a14:useLocalDpi xmlns:a14="http://schemas.microsoft.com/office/drawing/2010/main" val="0"/>
               </a:ext>
               <a:ext uri="{96DAC541-7B7A-43D3-8B79-37D633B846F1}">
-                <asvg:svgBlip xmlns="" xmlns:asvg="http://schemas.microsoft.com/office/drawing/2016/SVG/main" r:embed="rId4"/>
+                <asvg:svgBlip xmlns:asvg="http://schemas.microsoft.com/office/drawing/2016/SVG/main" r:embed="rId4"/>
               </a:ext>
             </a:extLst>
           </a:blip>
@@ -4109,7 +3977,7 @@
         </a:bodyPr>
         <a:lstStyle/>
         <a:p>
-          <a:pPr lvl="0" algn="l" defTabSz="889000">
+          <a:pPr marL="0" lvl="0" indent="0" algn="l" defTabSz="889000">
             <a:lnSpc>
               <a:spcPct val="90000"/>
             </a:lnSpc>
@@ -4119,6 +3987,7 @@
             <a:spcAft>
               <a:spcPct val="35000"/>
             </a:spcAft>
+            <a:buNone/>
           </a:pPr>
           <a:r>
             <a:rPr lang="pl-PL" sz="2000" kern="1200"/>
@@ -4193,7 +4062,7 @@
                 <a14:useLocalDpi xmlns:a14="http://schemas.microsoft.com/office/drawing/2010/main" val="0"/>
               </a:ext>
               <a:ext uri="{96DAC541-7B7A-43D3-8B79-37D633B846F1}">
-                <asvg:svgBlip xmlns="" xmlns:asvg="http://schemas.microsoft.com/office/drawing/2016/SVG/main" r:embed="rId6"/>
+                <asvg:svgBlip xmlns:asvg="http://schemas.microsoft.com/office/drawing/2016/SVG/main" r:embed="rId6"/>
               </a:ext>
             </a:extLst>
           </a:blip>
@@ -4259,7 +4128,7 @@
         </a:bodyPr>
         <a:lstStyle/>
         <a:p>
-          <a:pPr lvl="0" algn="l" defTabSz="889000">
+          <a:pPr marL="0" lvl="0" indent="0" algn="l" defTabSz="889000">
             <a:lnSpc>
               <a:spcPct val="90000"/>
             </a:lnSpc>
@@ -4269,6 +4138,7 @@
             <a:spcAft>
               <a:spcPct val="35000"/>
             </a:spcAft>
+            <a:buNone/>
           </a:pPr>
           <a:r>
             <a:rPr lang="pl-PL" sz="2000" kern="1200"/>
@@ -4367,7 +4237,7 @@
                 <a14:useLocalDpi xmlns:a14="http://schemas.microsoft.com/office/drawing/2010/main" val="0"/>
               </a:ext>
               <a:ext uri="{96DAC541-7B7A-43D3-8B79-37D633B846F1}">
-                <asvg:svgBlip xmlns="" xmlns:asvg="http://schemas.microsoft.com/office/drawing/2016/SVG/main" r:embed="rId2"/>
+                <asvg:svgBlip xmlns:asvg="http://schemas.microsoft.com/office/drawing/2016/SVG/main" r:embed="rId2"/>
               </a:ext>
             </a:extLst>
           </a:blip>
@@ -4433,7 +4303,7 @@
         </a:bodyPr>
         <a:lstStyle/>
         <a:p>
-          <a:pPr lvl="0" algn="l" defTabSz="889000">
+          <a:pPr marL="0" lvl="0" indent="0" algn="l" defTabSz="889000">
             <a:lnSpc>
               <a:spcPct val="100000"/>
             </a:lnSpc>
@@ -4443,6 +4313,7 @@
             <a:spcAft>
               <a:spcPct val="35000"/>
             </a:spcAft>
+            <a:buNone/>
           </a:pPr>
           <a:r>
             <a:rPr lang="pl-PL" sz="2000" kern="1200" dirty="0"/>
@@ -4517,7 +4388,7 @@
                 <a14:useLocalDpi xmlns:a14="http://schemas.microsoft.com/office/drawing/2010/main" val="0"/>
               </a:ext>
               <a:ext uri="{96DAC541-7B7A-43D3-8B79-37D633B846F1}">
-                <asvg:svgBlip xmlns="" xmlns:asvg="http://schemas.microsoft.com/office/drawing/2016/SVG/main" r:embed="rId4"/>
+                <asvg:svgBlip xmlns:asvg="http://schemas.microsoft.com/office/drawing/2016/SVG/main" r:embed="rId4"/>
               </a:ext>
             </a:extLst>
           </a:blip>
@@ -4583,7 +4454,7 @@
         </a:bodyPr>
         <a:lstStyle/>
         <a:p>
-          <a:pPr lvl="0" algn="l" defTabSz="889000">
+          <a:pPr marL="0" lvl="0" indent="0" algn="l" defTabSz="889000">
             <a:lnSpc>
               <a:spcPct val="100000"/>
             </a:lnSpc>
@@ -4593,6 +4464,7 @@
             <a:spcAft>
               <a:spcPct val="35000"/>
             </a:spcAft>
+            <a:buNone/>
           </a:pPr>
           <a:r>
             <a:rPr lang="pl-PL" sz="2000" kern="1200" dirty="0"/>
@@ -4667,7 +4539,7 @@
                 <a14:useLocalDpi xmlns:a14="http://schemas.microsoft.com/office/drawing/2010/main" val="0"/>
               </a:ext>
               <a:ext uri="{96DAC541-7B7A-43D3-8B79-37D633B846F1}">
-                <asvg:svgBlip xmlns="" xmlns:asvg="http://schemas.microsoft.com/office/drawing/2016/SVG/main" r:embed="rId6"/>
+                <asvg:svgBlip xmlns:asvg="http://schemas.microsoft.com/office/drawing/2016/SVG/main" r:embed="rId6"/>
               </a:ext>
             </a:extLst>
           </a:blip>
@@ -4733,7 +4605,7 @@
         </a:bodyPr>
         <a:lstStyle/>
         <a:p>
-          <a:pPr lvl="0" algn="l" defTabSz="889000">
+          <a:pPr marL="0" lvl="0" indent="0" algn="l" defTabSz="889000">
             <a:lnSpc>
               <a:spcPct val="100000"/>
             </a:lnSpc>
@@ -4743,6 +4615,7 @@
             <a:spcAft>
               <a:spcPct val="35000"/>
             </a:spcAft>
+            <a:buNone/>
           </a:pPr>
           <a:r>
             <a:rPr lang="pl-PL" sz="2000" kern="1200"/>
@@ -4828,7 +4701,7 @@
                 <a14:useLocalDpi xmlns:a14="http://schemas.microsoft.com/office/drawing/2010/main" val="0"/>
               </a:ext>
               <a:ext uri="{96DAC541-7B7A-43D3-8B79-37D633B846F1}">
-                <asvg:svgBlip xmlns="" xmlns:asvg="http://schemas.microsoft.com/office/drawing/2016/SVG/main" r:embed="rId2"/>
+                <asvg:svgBlip xmlns:asvg="http://schemas.microsoft.com/office/drawing/2016/SVG/main" r:embed="rId2"/>
               </a:ext>
             </a:extLst>
           </a:blip>
@@ -4894,7 +4767,7 @@
         </a:bodyPr>
         <a:lstStyle/>
         <a:p>
-          <a:pPr lvl="0" algn="ctr" defTabSz="889000">
+          <a:pPr marL="0" lvl="0" indent="0" algn="ctr" defTabSz="889000">
             <a:lnSpc>
               <a:spcPct val="90000"/>
             </a:lnSpc>
@@ -4904,6 +4777,7 @@
             <a:spcAft>
               <a:spcPct val="35000"/>
             </a:spcAft>
+            <a:buNone/>
             <a:defRPr cap="all"/>
           </a:pPr>
           <a:r>
@@ -4986,7 +4860,7 @@
                 <a14:useLocalDpi xmlns:a14="http://schemas.microsoft.com/office/drawing/2010/main" val="0"/>
               </a:ext>
               <a:ext uri="{96DAC541-7B7A-43D3-8B79-37D633B846F1}">
-                <asvg:svgBlip xmlns="" xmlns:asvg="http://schemas.microsoft.com/office/drawing/2016/SVG/main" r:embed="rId4"/>
+                <asvg:svgBlip xmlns:asvg="http://schemas.microsoft.com/office/drawing/2016/SVG/main" r:embed="rId4"/>
               </a:ext>
             </a:extLst>
           </a:blip>
@@ -5052,7 +4926,7 @@
         </a:bodyPr>
         <a:lstStyle/>
         <a:p>
-          <a:pPr lvl="0" algn="ctr" defTabSz="889000">
+          <a:pPr marL="0" lvl="0" indent="0" algn="ctr" defTabSz="889000">
             <a:lnSpc>
               <a:spcPct val="90000"/>
             </a:lnSpc>
@@ -5062,6 +4936,7 @@
             <a:spcAft>
               <a:spcPct val="35000"/>
             </a:spcAft>
+            <a:buNone/>
             <a:defRPr cap="all"/>
           </a:pPr>
           <a:r>
@@ -5365,7 +5240,7 @@
   </dgm:layoutNode>
   <dgm:extLst>
     <a:ext uri="{68A01E43-0DF5-4B5B-8FA6-DAF915123BFB}">
-      <dgm1612:lstStyle xmlns="" xmlns:dgm1612="http://schemas.microsoft.com/office/drawing/2016/12/diagram">
+      <dgm1612:lstStyle xmlns:dgm1612="http://schemas.microsoft.com/office/drawing/2016/12/diagram">
         <a:lvl1pPr>
           <a:lnSpc>
             <a:spcPct val="100000"/>
@@ -5659,7 +5534,7 @@
   </dgm:layoutNode>
   <dgm:extLst>
     <a:ext uri="{68A01E43-0DF5-4B5B-8FA6-DAF915123BFB}">
-      <dgm1612:lstStyle xmlns="" xmlns:dgm1612="http://schemas.microsoft.com/office/drawing/2016/12/diagram">
+      <dgm1612:lstStyle xmlns:dgm1612="http://schemas.microsoft.com/office/drawing/2016/12/diagram">
         <a:lvl1pPr>
           <a:lnSpc>
             <a:spcPct val="100000"/>
@@ -5878,7 +5753,7 @@
   </dgm:layoutNode>
   <dgm:extLst>
     <a:ext uri="{68A01E43-0DF5-4B5B-8FA6-DAF915123BFB}">
-      <dgm1612:lstStyle xmlns="" xmlns:dgm1612="http://schemas.microsoft.com/office/drawing/2016/12/diagram">
+      <dgm1612:lstStyle xmlns:dgm1612="http://schemas.microsoft.com/office/drawing/2016/12/diagram">
         <a:lvl1pPr>
           <a:lnSpc>
             <a:spcPct val="100000"/>
@@ -9075,7 +8950,7 @@
           <a:p>
             <a:fld id="{7F68DFA0-A708-4187-90DA-E47D5F053D0F}" type="datetimeFigureOut">
               <a:rPr lang="pl-PL" smtClean="0"/>
-              <a:t>25.11.2019</a:t>
+              <a:t>26.11.2019</a:t>
             </a:fld>
             <a:endParaRPr lang="pl-PL"/>
           </a:p>
@@ -11333,6 +11208,16 @@
           <a:p>
             <a:endParaRPr lang="pl-PL" dirty="0"/>
           </a:p>
+          <a:p>
+            <a:r>
+              <a:rPr lang="pl-PL" dirty="0" err="1"/>
+              <a:t>Glowny</a:t>
+            </a:r>
+            <a:r>
+              <a:rPr lang="pl-PL" dirty="0"/>
+              <a:t> cel: wizualizacja, a szachy się do tego dobrze nadają</a:t>
+            </a:r>
+          </a:p>
         </p:txBody>
       </p:sp>
       <p:sp>
@@ -11417,7 +11302,15 @@
           <a:p>
             <a:r>
               <a:rPr lang="pl-PL" dirty="0"/>
-              <a:t>AD 1: bicie w przelocie tylko raz jest szansa po postawieniu, roszada nie może być spod szacha i gdy figura jakaś przecina pola przejścia</a:t>
+              <a:t>AD 1: bicie w przelocie tylko raz jest szansa po postawieniu (</a:t>
+            </a:r>
+            <a:r>
+              <a:rPr lang="pl-PL" dirty="0" err="1"/>
+              <a:t>bug</a:t>
+            </a:r>
+            <a:r>
+              <a:rPr lang="pl-PL" dirty="0"/>
+              <a:t> odkryty po miesiącu), roszada nie może być spod szacha i gdy figura jakaś przecina pola przejścia</a:t>
             </a:r>
           </a:p>
           <a:p>
@@ -15032,7 +14925,7 @@
           <a:p>
             <a:fld id="{1324B145-9795-4C17-94CE-20DE88E02DBF}" type="datetimeFigureOut">
               <a:rPr lang="pl-PL" smtClean="0"/>
-              <a:t>25.11.2019</a:t>
+              <a:t>26.11.2019</a:t>
             </a:fld>
             <a:endParaRPr lang="pl-PL"/>
           </a:p>
@@ -15446,7 +15339,7 @@
           <a:p>
             <a:fld id="{1324B145-9795-4C17-94CE-20DE88E02DBF}" type="datetimeFigureOut">
               <a:rPr lang="pl-PL" smtClean="0"/>
-              <a:t>25.11.2019</a:t>
+              <a:t>26.11.2019</a:t>
             </a:fld>
             <a:endParaRPr lang="pl-PL"/>
           </a:p>
@@ -15782,7 +15675,7 @@
           <a:p>
             <a:fld id="{1324B145-9795-4C17-94CE-20DE88E02DBF}" type="datetimeFigureOut">
               <a:rPr lang="pl-PL" smtClean="0"/>
-              <a:t>25.11.2019</a:t>
+              <a:t>26.11.2019</a:t>
             </a:fld>
             <a:endParaRPr lang="pl-PL"/>
           </a:p>
@@ -16187,7 +16080,7 @@
           <a:p>
             <a:fld id="{1324B145-9795-4C17-94CE-20DE88E02DBF}" type="datetimeFigureOut">
               <a:rPr lang="pl-PL" smtClean="0"/>
-              <a:t>25.11.2019</a:t>
+              <a:t>26.11.2019</a:t>
             </a:fld>
             <a:endParaRPr lang="pl-PL"/>
           </a:p>
@@ -16755,7 +16648,7 @@
           <a:p>
             <a:fld id="{1324B145-9795-4C17-94CE-20DE88E02DBF}" type="datetimeFigureOut">
               <a:rPr lang="pl-PL" smtClean="0"/>
-              <a:t>25.11.2019</a:t>
+              <a:t>26.11.2019</a:t>
             </a:fld>
             <a:endParaRPr lang="pl-PL"/>
           </a:p>
@@ -17436,7 +17329,7 @@
           <a:p>
             <a:fld id="{1324B145-9795-4C17-94CE-20DE88E02DBF}" type="datetimeFigureOut">
               <a:rPr lang="pl-PL" smtClean="0"/>
-              <a:t>25.11.2019</a:t>
+              <a:t>26.11.2019</a:t>
             </a:fld>
             <a:endParaRPr lang="pl-PL"/>
           </a:p>
@@ -18349,7 +18242,7 @@
           <a:p>
             <a:fld id="{1324B145-9795-4C17-94CE-20DE88E02DBF}" type="datetimeFigureOut">
               <a:rPr lang="pl-PL" smtClean="0"/>
-              <a:t>25.11.2019</a:t>
+              <a:t>26.11.2019</a:t>
             </a:fld>
             <a:endParaRPr lang="pl-PL"/>
           </a:p>
@@ -18662,7 +18555,7 @@
           <a:p>
             <a:fld id="{1324B145-9795-4C17-94CE-20DE88E02DBF}" type="datetimeFigureOut">
               <a:rPr lang="pl-PL" smtClean="0"/>
-              <a:t>25.11.2019</a:t>
+              <a:t>26.11.2019</a:t>
             </a:fld>
             <a:endParaRPr lang="pl-PL"/>
           </a:p>
@@ -18926,7 +18819,7 @@
           <a:p>
             <a:fld id="{1324B145-9795-4C17-94CE-20DE88E02DBF}" type="datetimeFigureOut">
               <a:rPr lang="pl-PL" smtClean="0"/>
-              <a:t>25.11.2019</a:t>
+              <a:t>26.11.2019</a:t>
             </a:fld>
             <a:endParaRPr lang="pl-PL"/>
           </a:p>
@@ -19249,7 +19142,7 @@
           <a:p>
             <a:fld id="{1324B145-9795-4C17-94CE-20DE88E02DBF}" type="datetimeFigureOut">
               <a:rPr lang="pl-PL" smtClean="0"/>
-              <a:t>25.11.2019</a:t>
+              <a:t>26.11.2019</a:t>
             </a:fld>
             <a:endParaRPr lang="pl-PL"/>
           </a:p>
@@ -19638,7 +19531,7 @@
           <a:p>
             <a:fld id="{1324B145-9795-4C17-94CE-20DE88E02DBF}" type="datetimeFigureOut">
               <a:rPr lang="pl-PL" smtClean="0"/>
-              <a:t>25.11.2019</a:t>
+              <a:t>26.11.2019</a:t>
             </a:fld>
             <a:endParaRPr lang="pl-PL"/>
           </a:p>
@@ -20014,7 +19907,7 @@
           <a:p>
             <a:fld id="{1324B145-9795-4C17-94CE-20DE88E02DBF}" type="datetimeFigureOut">
               <a:rPr lang="pl-PL" smtClean="0"/>
-              <a:t>25.11.2019</a:t>
+              <a:t>26.11.2019</a:t>
             </a:fld>
             <a:endParaRPr lang="pl-PL"/>
           </a:p>
@@ -20525,7 +20418,7 @@
           <a:p>
             <a:fld id="{1324B145-9795-4C17-94CE-20DE88E02DBF}" type="datetimeFigureOut">
               <a:rPr lang="pl-PL" smtClean="0"/>
-              <a:t>25.11.2019</a:t>
+              <a:t>26.11.2019</a:t>
             </a:fld>
             <a:endParaRPr lang="pl-PL"/>
           </a:p>
@@ -20787,7 +20680,7 @@
           <a:p>
             <a:fld id="{1324B145-9795-4C17-94CE-20DE88E02DBF}" type="datetimeFigureOut">
               <a:rPr lang="pl-PL" smtClean="0"/>
-              <a:t>25.11.2019</a:t>
+              <a:t>26.11.2019</a:t>
             </a:fld>
             <a:endParaRPr lang="pl-PL"/>
           </a:p>
@@ -20950,7 +20843,7 @@
           <a:p>
             <a:fld id="{1324B145-9795-4C17-94CE-20DE88E02DBF}" type="datetimeFigureOut">
               <a:rPr lang="pl-PL" smtClean="0"/>
-              <a:t>25.11.2019</a:t>
+              <a:t>26.11.2019</a:t>
             </a:fld>
             <a:endParaRPr lang="pl-PL"/>
           </a:p>
@@ -21340,7 +21233,7 @@
           <a:p>
             <a:fld id="{1324B145-9795-4C17-94CE-20DE88E02DBF}" type="datetimeFigureOut">
               <a:rPr lang="pl-PL" smtClean="0"/>
-              <a:t>25.11.2019</a:t>
+              <a:t>26.11.2019</a:t>
             </a:fld>
             <a:endParaRPr lang="pl-PL"/>
           </a:p>
@@ -21754,7 +21647,7 @@
           <a:p>
             <a:fld id="{1324B145-9795-4C17-94CE-20DE88E02DBF}" type="datetimeFigureOut">
               <a:rPr lang="pl-PL" smtClean="0"/>
-              <a:t>25.11.2019</a:t>
+              <a:t>26.11.2019</a:t>
             </a:fld>
             <a:endParaRPr lang="pl-PL"/>
           </a:p>
@@ -21998,7 +21891,7 @@
           <a:p>
             <a:fld id="{1324B145-9795-4C17-94CE-20DE88E02DBF}" type="datetimeFigureOut">
               <a:rPr lang="pl-PL" smtClean="0"/>
-              <a:t>25.11.2019</a:t>
+              <a:t>26.11.2019</a:t>
             </a:fld>
             <a:endParaRPr lang="pl-PL"/>
           </a:p>
@@ -22465,7 +22358,9 @@
         </p:nvSpPr>
         <p:spPr/>
         <p:txBody>
-          <a:bodyPr/>
+          <a:bodyPr>
+            <a:normAutofit lnSpcReduction="10000"/>
+          </a:bodyPr>
           <a:lstStyle/>
           <a:p>
             <a:r>
@@ -22477,6 +22372,12 @@
             <a:r>
               <a:rPr lang="pl-PL" dirty="0"/>
               <a:t>Grzegorz Kacprowicz</a:t>
+            </a:r>
+          </a:p>
+          <a:p>
+            <a:r>
+              <a:rPr lang="pl-PL" dirty="0"/>
+              <a:t>Promotor: mgr inż. Jan Karwowski</a:t>
             </a:r>
           </a:p>
         </p:txBody>
@@ -22503,13 +22404,6 @@
       </p:transition>
     </mc:Fallback>
   </mc:AlternateContent>
-  <p:timing>
-    <p:tnLst>
-      <p:par>
-        <p:cTn id="1" dur="indefinite" restart="never" nodeType="tmRoot"/>
-      </p:par>
-    </p:tnLst>
-  </p:timing>
 </p:sld>
 </file>
 
@@ -22573,7 +22467,7 @@
                 <a16:creationId xmlns:a16="http://schemas.microsoft.com/office/drawing/2014/main" id="{7A865E47-4365-4F21-B8EA-13B2C12BCB98}"/>
               </a:ext>
               <a:ext uri="{C183D7F6-B498-43B3-948B-1728B52AA6E4}">
-                <adec:decorative xmlns="" xmlns:adec="http://schemas.microsoft.com/office/drawing/2017/decorative" val="1"/>
+                <adec:decorative xmlns:adec="http://schemas.microsoft.com/office/drawing/2017/decorative" val="1"/>
               </a:ext>
             </a:extLst>
           </p:cNvPr>
@@ -22604,7 +22498,7 @@
                   <a16:creationId xmlns:a16="http://schemas.microsoft.com/office/drawing/2014/main" id="{0CE24988-BB27-40E5-A961-9FA7ED0DB9B3}"/>
                 </a:ext>
                 <a:ext uri="{C183D7F6-B498-43B3-948B-1728B52AA6E4}">
-                  <adec:decorative xmlns="" xmlns:adec="http://schemas.microsoft.com/office/drawing/2017/decorative" val="1"/>
+                  <adec:decorative xmlns:adec="http://schemas.microsoft.com/office/drawing/2017/decorative" val="1"/>
                 </a:ext>
               </a:extLst>
             </p:cNvPr>
@@ -22662,7 +22556,7 @@
                   <a16:creationId xmlns:a16="http://schemas.microsoft.com/office/drawing/2014/main" id="{80BDE80E-ADE0-4E16-8F80-306A15F4D3FB}"/>
                 </a:ext>
                 <a:ext uri="{C183D7F6-B498-43B3-948B-1728B52AA6E4}">
-                  <adec:decorative xmlns="" xmlns:adec="http://schemas.microsoft.com/office/drawing/2017/decorative" val="1"/>
+                  <adec:decorative xmlns:adec="http://schemas.microsoft.com/office/drawing/2017/decorative" val="1"/>
                 </a:ext>
               </a:extLst>
             </p:cNvPr>
@@ -22814,7 +22708,7 @@
                 <a16:creationId xmlns:a16="http://schemas.microsoft.com/office/drawing/2014/main" id="{13BC1C09-8FD1-4619-B317-E9EED5E55DD8}"/>
               </a:ext>
               <a:ext uri="{C183D7F6-B498-43B3-948B-1728B52AA6E4}">
-                <adec:decorative xmlns="" xmlns:adec="http://schemas.microsoft.com/office/drawing/2017/decorative" val="1"/>
+                <adec:decorative xmlns:adec="http://schemas.microsoft.com/office/drawing/2017/decorative" val="1"/>
               </a:ext>
             </a:extLst>
           </p:cNvPr>
@@ -22907,7 +22801,7 @@
                 <a16:creationId xmlns:a16="http://schemas.microsoft.com/office/drawing/2014/main" id="{D3143E80-C928-46DB-9299-0BD06348A928}"/>
               </a:ext>
               <a:ext uri="{C183D7F6-B498-43B3-948B-1728B52AA6E4}">
-                <adec:decorative xmlns="" xmlns:adec="http://schemas.microsoft.com/office/drawing/2017/decorative" val="1"/>
+                <adec:decorative xmlns:adec="http://schemas.microsoft.com/office/drawing/2017/decorative" val="1"/>
               </a:ext>
             </a:extLst>
           </p:cNvPr>
@@ -22966,13 +22860,6 @@
       </p:transition>
     </mc:Fallback>
   </mc:AlternateContent>
-  <p:timing>
-    <p:tnLst>
-      <p:par>
-        <p:cTn id="1" dur="indefinite" restart="never" nodeType="tmRoot"/>
-      </p:par>
-    </p:tnLst>
-  </p:timing>
 </p:sld>
 </file>
 
@@ -23036,7 +22923,7 @@
                 <a16:creationId xmlns:a16="http://schemas.microsoft.com/office/drawing/2014/main" id="{7A865E47-4365-4F21-B8EA-13B2C12BCB98}"/>
               </a:ext>
               <a:ext uri="{C183D7F6-B498-43B3-948B-1728B52AA6E4}">
-                <adec:decorative xmlns="" xmlns:adec="http://schemas.microsoft.com/office/drawing/2017/decorative" val="1"/>
+                <adec:decorative xmlns:adec="http://schemas.microsoft.com/office/drawing/2017/decorative" val="1"/>
               </a:ext>
             </a:extLst>
           </p:cNvPr>
@@ -23067,7 +22954,7 @@
                   <a16:creationId xmlns:a16="http://schemas.microsoft.com/office/drawing/2014/main" id="{0CE24988-BB27-40E5-A961-9FA7ED0DB9B3}"/>
                 </a:ext>
                 <a:ext uri="{C183D7F6-B498-43B3-948B-1728B52AA6E4}">
-                  <adec:decorative xmlns="" xmlns:adec="http://schemas.microsoft.com/office/drawing/2017/decorative" val="1"/>
+                  <adec:decorative xmlns:adec="http://schemas.microsoft.com/office/drawing/2017/decorative" val="1"/>
                 </a:ext>
               </a:extLst>
             </p:cNvPr>
@@ -23125,7 +23012,7 @@
                   <a16:creationId xmlns:a16="http://schemas.microsoft.com/office/drawing/2014/main" id="{80BDE80E-ADE0-4E16-8F80-306A15F4D3FB}"/>
                 </a:ext>
                 <a:ext uri="{C183D7F6-B498-43B3-948B-1728B52AA6E4}">
-                  <adec:decorative xmlns="" xmlns:adec="http://schemas.microsoft.com/office/drawing/2017/decorative" val="1"/>
+                  <adec:decorative xmlns:adec="http://schemas.microsoft.com/office/drawing/2017/decorative" val="1"/>
                 </a:ext>
               </a:extLst>
             </p:cNvPr>
@@ -23259,7 +23146,7 @@
                 <a16:creationId xmlns:a16="http://schemas.microsoft.com/office/drawing/2014/main" id="{13BC1C09-8FD1-4619-B317-E9EED5E55DD8}"/>
               </a:ext>
               <a:ext uri="{C183D7F6-B498-43B3-948B-1728B52AA6E4}">
-                <adec:decorative xmlns="" xmlns:adec="http://schemas.microsoft.com/office/drawing/2017/decorative" val="1"/>
+                <adec:decorative xmlns:adec="http://schemas.microsoft.com/office/drawing/2017/decorative" val="1"/>
               </a:ext>
             </a:extLst>
           </p:cNvPr>
@@ -23352,7 +23239,7 @@
                 <a16:creationId xmlns:a16="http://schemas.microsoft.com/office/drawing/2014/main" id="{D3143E80-C928-46DB-9299-0BD06348A928}"/>
               </a:ext>
               <a:ext uri="{C183D7F6-B498-43B3-948B-1728B52AA6E4}">
-                <adec:decorative xmlns="" xmlns:adec="http://schemas.microsoft.com/office/drawing/2017/decorative" val="1"/>
+                <adec:decorative xmlns:adec="http://schemas.microsoft.com/office/drawing/2017/decorative" val="1"/>
               </a:ext>
             </a:extLst>
           </p:cNvPr>
@@ -23411,13 +23298,6 @@
       </p:transition>
     </mc:Fallback>
   </mc:AlternateContent>
-  <p:timing>
-    <p:tnLst>
-      <p:par>
-        <p:cTn id="1" dur="indefinite" restart="never" nodeType="tmRoot"/>
-      </p:par>
-    </p:tnLst>
-  </p:timing>
 </p:sld>
 </file>
 
@@ -23481,7 +23361,7 @@
                 <a16:creationId xmlns:a16="http://schemas.microsoft.com/office/drawing/2014/main" id="{E4055289-E0C6-4BD3-83C1-D3C3059323A2}"/>
               </a:ext>
               <a:ext uri="{C183D7F6-B498-43B3-948B-1728B52AA6E4}">
-                <adec:decorative xmlns="" xmlns:adec="http://schemas.microsoft.com/office/drawing/2017/decorative" val="1"/>
+                <adec:decorative xmlns:adec="http://schemas.microsoft.com/office/drawing/2017/decorative" val="1"/>
               </a:ext>
             </a:extLst>
           </p:cNvPr>
@@ -23583,7 +23463,7 @@
                 <a16:creationId xmlns:a16="http://schemas.microsoft.com/office/drawing/2014/main" id="{3D0E302E-D9CD-4301-A67C-2F0F43791D81}"/>
               </a:ext>
               <a:ext uri="{C183D7F6-B498-43B3-948B-1728B52AA6E4}">
-                <adec:decorative xmlns="" xmlns:adec="http://schemas.microsoft.com/office/drawing/2017/decorative" val="1"/>
+                <adec:decorative xmlns:adec="http://schemas.microsoft.com/office/drawing/2017/decorative" val="1"/>
               </a:ext>
             </a:extLst>
           </p:cNvPr>
@@ -23642,7 +23522,7 @@
                 <a16:creationId xmlns:a16="http://schemas.microsoft.com/office/drawing/2014/main" id="{CA457133-9802-4229-B919-FF91AE235CCB}"/>
               </a:ext>
               <a:ext uri="{C183D7F6-B498-43B3-948B-1728B52AA6E4}">
-                <adec:decorative xmlns="" xmlns:adec="http://schemas.microsoft.com/office/drawing/2017/decorative" val="1"/>
+                <adec:decorative xmlns:adec="http://schemas.microsoft.com/office/drawing/2017/decorative" val="1"/>
               </a:ext>
             </a:extLst>
           </p:cNvPr>
@@ -23687,7 +23567,7 @@
                 <a16:creationId xmlns:a16="http://schemas.microsoft.com/office/drawing/2014/main" id="{35174CBE-3C8C-4936-BADC-26BFB4F07FA9}"/>
               </a:ext>
               <a:ext uri="{C183D7F6-B498-43B3-948B-1728B52AA6E4}">
-                <adec:decorative xmlns="" xmlns:adec="http://schemas.microsoft.com/office/drawing/2017/decorative" val="1"/>
+                <adec:decorative xmlns:adec="http://schemas.microsoft.com/office/drawing/2017/decorative" val="1"/>
               </a:ext>
             </a:extLst>
           </p:cNvPr>
@@ -23781,7 +23661,7 @@
                 <a16:creationId xmlns:a16="http://schemas.microsoft.com/office/drawing/2014/main" id="{74CBD692-4D03-4764-98E3-F95783857866}"/>
               </a:ext>
               <a:ext uri="{C183D7F6-B498-43B3-948B-1728B52AA6E4}">
-                <adec:decorative xmlns="" xmlns:adec="http://schemas.microsoft.com/office/drawing/2017/decorative" val="1"/>
+                <adec:decorative xmlns:adec="http://schemas.microsoft.com/office/drawing/2017/decorative" val="1"/>
               </a:ext>
             </a:extLst>
           </p:cNvPr>
@@ -23826,7 +23706,7 @@
                 <a16:creationId xmlns:a16="http://schemas.microsoft.com/office/drawing/2014/main" id="{932BC668-4D51-4090-89E3-5613B832E4F8}"/>
               </a:ext>
               <a:ext uri="{C183D7F6-B498-43B3-948B-1728B52AA6E4}">
-                <adec:decorative xmlns="" xmlns:adec="http://schemas.microsoft.com/office/drawing/2017/decorative" val="1"/>
+                <adec:decorative xmlns:adec="http://schemas.microsoft.com/office/drawing/2017/decorative" val="1"/>
               </a:ext>
             </a:extLst>
           </p:cNvPr>
@@ -23933,13 +23813,6 @@
       </p:transition>
     </mc:Fallback>
   </mc:AlternateContent>
-  <p:timing>
-    <p:tnLst>
-      <p:par>
-        <p:cTn id="1" dur="indefinite" restart="never" nodeType="tmRoot"/>
-      </p:par>
-    </p:tnLst>
-  </p:timing>
 </p:sld>
 </file>
 
@@ -24003,7 +23876,7 @@
                 <a16:creationId xmlns:a16="http://schemas.microsoft.com/office/drawing/2014/main" id="{E4055289-E0C6-4BD3-83C1-D3C3059323A2}"/>
               </a:ext>
               <a:ext uri="{C183D7F6-B498-43B3-948B-1728B52AA6E4}">
-                <adec:decorative xmlns="" xmlns:adec="http://schemas.microsoft.com/office/drawing/2017/decorative" val="1"/>
+                <adec:decorative xmlns:adec="http://schemas.microsoft.com/office/drawing/2017/decorative" val="1"/>
               </a:ext>
             </a:extLst>
           </p:cNvPr>
@@ -24105,7 +23978,7 @@
                 <a16:creationId xmlns:a16="http://schemas.microsoft.com/office/drawing/2014/main" id="{3D0E302E-D9CD-4301-A67C-2F0F43791D81}"/>
               </a:ext>
               <a:ext uri="{C183D7F6-B498-43B3-948B-1728B52AA6E4}">
-                <adec:decorative xmlns="" xmlns:adec="http://schemas.microsoft.com/office/drawing/2017/decorative" val="1"/>
+                <adec:decorative xmlns:adec="http://schemas.microsoft.com/office/drawing/2017/decorative" val="1"/>
               </a:ext>
             </a:extLst>
           </p:cNvPr>
@@ -24164,7 +24037,7 @@
                 <a16:creationId xmlns:a16="http://schemas.microsoft.com/office/drawing/2014/main" id="{CA457133-9802-4229-B919-FF91AE235CCB}"/>
               </a:ext>
               <a:ext uri="{C183D7F6-B498-43B3-948B-1728B52AA6E4}">
-                <adec:decorative xmlns="" xmlns:adec="http://schemas.microsoft.com/office/drawing/2017/decorative" val="1"/>
+                <adec:decorative xmlns:adec="http://schemas.microsoft.com/office/drawing/2017/decorative" val="1"/>
               </a:ext>
             </a:extLst>
           </p:cNvPr>
@@ -24209,7 +24082,7 @@
                 <a16:creationId xmlns:a16="http://schemas.microsoft.com/office/drawing/2014/main" id="{35174CBE-3C8C-4936-BADC-26BFB4F07FA9}"/>
               </a:ext>
               <a:ext uri="{C183D7F6-B498-43B3-948B-1728B52AA6E4}">
-                <adec:decorative xmlns="" xmlns:adec="http://schemas.microsoft.com/office/drawing/2017/decorative" val="1"/>
+                <adec:decorative xmlns:adec="http://schemas.microsoft.com/office/drawing/2017/decorative" val="1"/>
               </a:ext>
             </a:extLst>
           </p:cNvPr>
@@ -24303,7 +24176,7 @@
                 <a16:creationId xmlns:a16="http://schemas.microsoft.com/office/drawing/2014/main" id="{74CBD692-4D03-4764-98E3-F95783857866}"/>
               </a:ext>
               <a:ext uri="{C183D7F6-B498-43B3-948B-1728B52AA6E4}">
-                <adec:decorative xmlns="" xmlns:adec="http://schemas.microsoft.com/office/drawing/2017/decorative" val="1"/>
+                <adec:decorative xmlns:adec="http://schemas.microsoft.com/office/drawing/2017/decorative" val="1"/>
               </a:ext>
             </a:extLst>
           </p:cNvPr>
@@ -24348,7 +24221,7 @@
                 <a16:creationId xmlns:a16="http://schemas.microsoft.com/office/drawing/2014/main" id="{932BC668-4D51-4090-89E3-5613B832E4F8}"/>
               </a:ext>
               <a:ext uri="{C183D7F6-B498-43B3-948B-1728B52AA6E4}">
-                <adec:decorative xmlns="" xmlns:adec="http://schemas.microsoft.com/office/drawing/2017/decorative" val="1"/>
+                <adec:decorative xmlns:adec="http://schemas.microsoft.com/office/drawing/2017/decorative" val="1"/>
               </a:ext>
             </a:extLst>
           </p:cNvPr>
@@ -24464,13 +24337,6 @@
       </p:transition>
     </mc:Fallback>
   </mc:AlternateContent>
-  <p:timing>
-    <p:tnLst>
-      <p:par>
-        <p:cTn id="1" dur="indefinite" restart="never" nodeType="tmRoot"/>
-      </p:par>
-    </p:tnLst>
-  </p:timing>
 </p:sld>
 </file>
 
@@ -24534,7 +24400,7 @@
                 <a16:creationId xmlns:a16="http://schemas.microsoft.com/office/drawing/2014/main" id="{E4055289-E0C6-4BD3-83C1-D3C3059323A2}"/>
               </a:ext>
               <a:ext uri="{C183D7F6-B498-43B3-948B-1728B52AA6E4}">
-                <adec:decorative xmlns="" xmlns:adec="http://schemas.microsoft.com/office/drawing/2017/decorative" val="1"/>
+                <adec:decorative xmlns:adec="http://schemas.microsoft.com/office/drawing/2017/decorative" val="1"/>
               </a:ext>
             </a:extLst>
           </p:cNvPr>
@@ -24636,7 +24502,7 @@
                 <a16:creationId xmlns:a16="http://schemas.microsoft.com/office/drawing/2014/main" id="{3D0E302E-D9CD-4301-A67C-2F0F43791D81}"/>
               </a:ext>
               <a:ext uri="{C183D7F6-B498-43B3-948B-1728B52AA6E4}">
-                <adec:decorative xmlns="" xmlns:adec="http://schemas.microsoft.com/office/drawing/2017/decorative" val="1"/>
+                <adec:decorative xmlns:adec="http://schemas.microsoft.com/office/drawing/2017/decorative" val="1"/>
               </a:ext>
             </a:extLst>
           </p:cNvPr>
@@ -24695,7 +24561,7 @@
                 <a16:creationId xmlns:a16="http://schemas.microsoft.com/office/drawing/2014/main" id="{CA457133-9802-4229-B919-FF91AE235CCB}"/>
               </a:ext>
               <a:ext uri="{C183D7F6-B498-43B3-948B-1728B52AA6E4}">
-                <adec:decorative xmlns="" xmlns:adec="http://schemas.microsoft.com/office/drawing/2017/decorative" val="1"/>
+                <adec:decorative xmlns:adec="http://schemas.microsoft.com/office/drawing/2017/decorative" val="1"/>
               </a:ext>
             </a:extLst>
           </p:cNvPr>
@@ -24740,7 +24606,7 @@
                 <a16:creationId xmlns:a16="http://schemas.microsoft.com/office/drawing/2014/main" id="{35174CBE-3C8C-4936-BADC-26BFB4F07FA9}"/>
               </a:ext>
               <a:ext uri="{C183D7F6-B498-43B3-948B-1728B52AA6E4}">
-                <adec:decorative xmlns="" xmlns:adec="http://schemas.microsoft.com/office/drawing/2017/decorative" val="1"/>
+                <adec:decorative xmlns:adec="http://schemas.microsoft.com/office/drawing/2017/decorative" val="1"/>
               </a:ext>
             </a:extLst>
           </p:cNvPr>
@@ -24834,7 +24700,7 @@
                 <a16:creationId xmlns:a16="http://schemas.microsoft.com/office/drawing/2014/main" id="{74CBD692-4D03-4764-98E3-F95783857866}"/>
               </a:ext>
               <a:ext uri="{C183D7F6-B498-43B3-948B-1728B52AA6E4}">
-                <adec:decorative xmlns="" xmlns:adec="http://schemas.microsoft.com/office/drawing/2017/decorative" val="1"/>
+                <adec:decorative xmlns:adec="http://schemas.microsoft.com/office/drawing/2017/decorative" val="1"/>
               </a:ext>
             </a:extLst>
           </p:cNvPr>
@@ -24879,7 +24745,7 @@
                 <a16:creationId xmlns:a16="http://schemas.microsoft.com/office/drawing/2014/main" id="{932BC668-4D51-4090-89E3-5613B832E4F8}"/>
               </a:ext>
               <a:ext uri="{C183D7F6-B498-43B3-948B-1728B52AA6E4}">
-                <adec:decorative xmlns="" xmlns:adec="http://schemas.microsoft.com/office/drawing/2017/decorative" val="1"/>
+                <adec:decorative xmlns:adec="http://schemas.microsoft.com/office/drawing/2017/decorative" val="1"/>
               </a:ext>
             </a:extLst>
           </p:cNvPr>
@@ -25004,13 +24870,6 @@
       </p:transition>
     </mc:Fallback>
   </mc:AlternateContent>
-  <p:timing>
-    <p:tnLst>
-      <p:par>
-        <p:cTn id="1" dur="indefinite" restart="never" nodeType="tmRoot"/>
-      </p:par>
-    </p:tnLst>
-  </p:timing>
 </p:sld>
 </file>
 
@@ -25074,7 +24933,7 @@
                 <a16:creationId xmlns:a16="http://schemas.microsoft.com/office/drawing/2014/main" id="{E4055289-E0C6-4BD3-83C1-D3C3059323A2}"/>
               </a:ext>
               <a:ext uri="{C183D7F6-B498-43B3-948B-1728B52AA6E4}">
-                <adec:decorative xmlns="" xmlns:adec="http://schemas.microsoft.com/office/drawing/2017/decorative" val="1"/>
+                <adec:decorative xmlns:adec="http://schemas.microsoft.com/office/drawing/2017/decorative" val="1"/>
               </a:ext>
             </a:extLst>
           </p:cNvPr>
@@ -25176,7 +25035,7 @@
                 <a16:creationId xmlns:a16="http://schemas.microsoft.com/office/drawing/2014/main" id="{3D0E302E-D9CD-4301-A67C-2F0F43791D81}"/>
               </a:ext>
               <a:ext uri="{C183D7F6-B498-43B3-948B-1728B52AA6E4}">
-                <adec:decorative xmlns="" xmlns:adec="http://schemas.microsoft.com/office/drawing/2017/decorative" val="1"/>
+                <adec:decorative xmlns:adec="http://schemas.microsoft.com/office/drawing/2017/decorative" val="1"/>
               </a:ext>
             </a:extLst>
           </p:cNvPr>
@@ -25235,7 +25094,7 @@
                 <a16:creationId xmlns:a16="http://schemas.microsoft.com/office/drawing/2014/main" id="{CA457133-9802-4229-B919-FF91AE235CCB}"/>
               </a:ext>
               <a:ext uri="{C183D7F6-B498-43B3-948B-1728B52AA6E4}">
-                <adec:decorative xmlns="" xmlns:adec="http://schemas.microsoft.com/office/drawing/2017/decorative" val="1"/>
+                <adec:decorative xmlns:adec="http://schemas.microsoft.com/office/drawing/2017/decorative" val="1"/>
               </a:ext>
             </a:extLst>
           </p:cNvPr>
@@ -25280,7 +25139,7 @@
                 <a16:creationId xmlns:a16="http://schemas.microsoft.com/office/drawing/2014/main" id="{35174CBE-3C8C-4936-BADC-26BFB4F07FA9}"/>
               </a:ext>
               <a:ext uri="{C183D7F6-B498-43B3-948B-1728B52AA6E4}">
-                <adec:decorative xmlns="" xmlns:adec="http://schemas.microsoft.com/office/drawing/2017/decorative" val="1"/>
+                <adec:decorative xmlns:adec="http://schemas.microsoft.com/office/drawing/2017/decorative" val="1"/>
               </a:ext>
             </a:extLst>
           </p:cNvPr>
@@ -25374,7 +25233,7 @@
                 <a16:creationId xmlns:a16="http://schemas.microsoft.com/office/drawing/2014/main" id="{74CBD692-4D03-4764-98E3-F95783857866}"/>
               </a:ext>
               <a:ext uri="{C183D7F6-B498-43B3-948B-1728B52AA6E4}">
-                <adec:decorative xmlns="" xmlns:adec="http://schemas.microsoft.com/office/drawing/2017/decorative" val="1"/>
+                <adec:decorative xmlns:adec="http://schemas.microsoft.com/office/drawing/2017/decorative" val="1"/>
               </a:ext>
             </a:extLst>
           </p:cNvPr>
@@ -25419,7 +25278,7 @@
                 <a16:creationId xmlns:a16="http://schemas.microsoft.com/office/drawing/2014/main" id="{932BC668-4D51-4090-89E3-5613B832E4F8}"/>
               </a:ext>
               <a:ext uri="{C183D7F6-B498-43B3-948B-1728B52AA6E4}">
-                <adec:decorative xmlns="" xmlns:adec="http://schemas.microsoft.com/office/drawing/2017/decorative" val="1"/>
+                <adec:decorative xmlns:adec="http://schemas.microsoft.com/office/drawing/2017/decorative" val="1"/>
               </a:ext>
             </a:extLst>
           </p:cNvPr>
@@ -25553,13 +25412,6 @@
       </p:transition>
     </mc:Fallback>
   </mc:AlternateContent>
-  <p:timing>
-    <p:tnLst>
-      <p:par>
-        <p:cTn id="1" dur="indefinite" restart="never" nodeType="tmRoot"/>
-      </p:par>
-    </p:tnLst>
-  </p:timing>
 </p:sld>
 </file>
 
@@ -25623,7 +25475,7 @@
                 <a16:creationId xmlns:a16="http://schemas.microsoft.com/office/drawing/2014/main" id="{E4055289-E0C6-4BD3-83C1-D3C3059323A2}"/>
               </a:ext>
               <a:ext uri="{C183D7F6-B498-43B3-948B-1728B52AA6E4}">
-                <adec:decorative xmlns="" xmlns:adec="http://schemas.microsoft.com/office/drawing/2017/decorative" val="1"/>
+                <adec:decorative xmlns:adec="http://schemas.microsoft.com/office/drawing/2017/decorative" val="1"/>
               </a:ext>
             </a:extLst>
           </p:cNvPr>
@@ -25725,7 +25577,7 @@
                 <a16:creationId xmlns:a16="http://schemas.microsoft.com/office/drawing/2014/main" id="{3D0E302E-D9CD-4301-A67C-2F0F43791D81}"/>
               </a:ext>
               <a:ext uri="{C183D7F6-B498-43B3-948B-1728B52AA6E4}">
-                <adec:decorative xmlns="" xmlns:adec="http://schemas.microsoft.com/office/drawing/2017/decorative" val="1"/>
+                <adec:decorative xmlns:adec="http://schemas.microsoft.com/office/drawing/2017/decorative" val="1"/>
               </a:ext>
             </a:extLst>
           </p:cNvPr>
@@ -25784,7 +25636,7 @@
                 <a16:creationId xmlns:a16="http://schemas.microsoft.com/office/drawing/2014/main" id="{CA457133-9802-4229-B919-FF91AE235CCB}"/>
               </a:ext>
               <a:ext uri="{C183D7F6-B498-43B3-948B-1728B52AA6E4}">
-                <adec:decorative xmlns="" xmlns:adec="http://schemas.microsoft.com/office/drawing/2017/decorative" val="1"/>
+                <adec:decorative xmlns:adec="http://schemas.microsoft.com/office/drawing/2017/decorative" val="1"/>
               </a:ext>
             </a:extLst>
           </p:cNvPr>
@@ -25829,7 +25681,7 @@
                 <a16:creationId xmlns:a16="http://schemas.microsoft.com/office/drawing/2014/main" id="{35174CBE-3C8C-4936-BADC-26BFB4F07FA9}"/>
               </a:ext>
               <a:ext uri="{C183D7F6-B498-43B3-948B-1728B52AA6E4}">
-                <adec:decorative xmlns="" xmlns:adec="http://schemas.microsoft.com/office/drawing/2017/decorative" val="1"/>
+                <adec:decorative xmlns:adec="http://schemas.microsoft.com/office/drawing/2017/decorative" val="1"/>
               </a:ext>
             </a:extLst>
           </p:cNvPr>
@@ -25923,7 +25775,7 @@
                 <a16:creationId xmlns:a16="http://schemas.microsoft.com/office/drawing/2014/main" id="{74CBD692-4D03-4764-98E3-F95783857866}"/>
               </a:ext>
               <a:ext uri="{C183D7F6-B498-43B3-948B-1728B52AA6E4}">
-                <adec:decorative xmlns="" xmlns:adec="http://schemas.microsoft.com/office/drawing/2017/decorative" val="1"/>
+                <adec:decorative xmlns:adec="http://schemas.microsoft.com/office/drawing/2017/decorative" val="1"/>
               </a:ext>
             </a:extLst>
           </p:cNvPr>
@@ -25968,7 +25820,7 @@
                 <a16:creationId xmlns:a16="http://schemas.microsoft.com/office/drawing/2014/main" id="{932BC668-4D51-4090-89E3-5613B832E4F8}"/>
               </a:ext>
               <a:ext uri="{C183D7F6-B498-43B3-948B-1728B52AA6E4}">
-                <adec:decorative xmlns="" xmlns:adec="http://schemas.microsoft.com/office/drawing/2017/decorative" val="1"/>
+                <adec:decorative xmlns:adec="http://schemas.microsoft.com/office/drawing/2017/decorative" val="1"/>
               </a:ext>
             </a:extLst>
           </p:cNvPr>
@@ -26111,13 +25963,6 @@
       </p:transition>
     </mc:Fallback>
   </mc:AlternateContent>
-  <p:timing>
-    <p:tnLst>
-      <p:par>
-        <p:cTn id="1" dur="indefinite" restart="never" nodeType="tmRoot"/>
-      </p:par>
-    </p:tnLst>
-  </p:timing>
 </p:sld>
 </file>
 
@@ -26181,7 +26026,7 @@
                 <a16:creationId xmlns:a16="http://schemas.microsoft.com/office/drawing/2014/main" id="{E4055289-E0C6-4BD3-83C1-D3C3059323A2}"/>
               </a:ext>
               <a:ext uri="{C183D7F6-B498-43B3-948B-1728B52AA6E4}">
-                <adec:decorative xmlns="" xmlns:adec="http://schemas.microsoft.com/office/drawing/2017/decorative" val="1"/>
+                <adec:decorative xmlns:adec="http://schemas.microsoft.com/office/drawing/2017/decorative" val="1"/>
               </a:ext>
             </a:extLst>
           </p:cNvPr>
@@ -26283,7 +26128,7 @@
                 <a16:creationId xmlns:a16="http://schemas.microsoft.com/office/drawing/2014/main" id="{3D0E302E-D9CD-4301-A67C-2F0F43791D81}"/>
               </a:ext>
               <a:ext uri="{C183D7F6-B498-43B3-948B-1728B52AA6E4}">
-                <adec:decorative xmlns="" xmlns:adec="http://schemas.microsoft.com/office/drawing/2017/decorative" val="1"/>
+                <adec:decorative xmlns:adec="http://schemas.microsoft.com/office/drawing/2017/decorative" val="1"/>
               </a:ext>
             </a:extLst>
           </p:cNvPr>
@@ -26342,7 +26187,7 @@
                 <a16:creationId xmlns:a16="http://schemas.microsoft.com/office/drawing/2014/main" id="{CA457133-9802-4229-B919-FF91AE235CCB}"/>
               </a:ext>
               <a:ext uri="{C183D7F6-B498-43B3-948B-1728B52AA6E4}">
-                <adec:decorative xmlns="" xmlns:adec="http://schemas.microsoft.com/office/drawing/2017/decorative" val="1"/>
+                <adec:decorative xmlns:adec="http://schemas.microsoft.com/office/drawing/2017/decorative" val="1"/>
               </a:ext>
             </a:extLst>
           </p:cNvPr>
@@ -26387,7 +26232,7 @@
                 <a16:creationId xmlns:a16="http://schemas.microsoft.com/office/drawing/2014/main" id="{35174CBE-3C8C-4936-BADC-26BFB4F07FA9}"/>
               </a:ext>
               <a:ext uri="{C183D7F6-B498-43B3-948B-1728B52AA6E4}">
-                <adec:decorative xmlns="" xmlns:adec="http://schemas.microsoft.com/office/drawing/2017/decorative" val="1"/>
+                <adec:decorative xmlns:adec="http://schemas.microsoft.com/office/drawing/2017/decorative" val="1"/>
               </a:ext>
             </a:extLst>
           </p:cNvPr>
@@ -26481,7 +26326,7 @@
                 <a16:creationId xmlns:a16="http://schemas.microsoft.com/office/drawing/2014/main" id="{74CBD692-4D03-4764-98E3-F95783857866}"/>
               </a:ext>
               <a:ext uri="{C183D7F6-B498-43B3-948B-1728B52AA6E4}">
-                <adec:decorative xmlns="" xmlns:adec="http://schemas.microsoft.com/office/drawing/2017/decorative" val="1"/>
+                <adec:decorative xmlns:adec="http://schemas.microsoft.com/office/drawing/2017/decorative" val="1"/>
               </a:ext>
             </a:extLst>
           </p:cNvPr>
@@ -26526,7 +26371,7 @@
                 <a16:creationId xmlns:a16="http://schemas.microsoft.com/office/drawing/2014/main" id="{932BC668-4D51-4090-89E3-5613B832E4F8}"/>
               </a:ext>
               <a:ext uri="{C183D7F6-B498-43B3-948B-1728B52AA6E4}">
-                <adec:decorative xmlns="" xmlns:adec="http://schemas.microsoft.com/office/drawing/2017/decorative" val="1"/>
+                <adec:decorative xmlns:adec="http://schemas.microsoft.com/office/drawing/2017/decorative" val="1"/>
               </a:ext>
             </a:extLst>
           </p:cNvPr>
@@ -26678,13 +26523,6 @@
       </p:transition>
     </mc:Fallback>
   </mc:AlternateContent>
-  <p:timing>
-    <p:tnLst>
-      <p:par>
-        <p:cTn id="1" dur="indefinite" restart="never" nodeType="tmRoot"/>
-      </p:par>
-    </p:tnLst>
-  </p:timing>
 </p:sld>
 </file>
 
@@ -26748,7 +26586,7 @@
                 <a16:creationId xmlns:a16="http://schemas.microsoft.com/office/drawing/2014/main" id="{E4055289-E0C6-4BD3-83C1-D3C3059323A2}"/>
               </a:ext>
               <a:ext uri="{C183D7F6-B498-43B3-948B-1728B52AA6E4}">
-                <adec:decorative xmlns="" xmlns:adec="http://schemas.microsoft.com/office/drawing/2017/decorative" val="1"/>
+                <adec:decorative xmlns:adec="http://schemas.microsoft.com/office/drawing/2017/decorative" val="1"/>
               </a:ext>
             </a:extLst>
           </p:cNvPr>
@@ -26850,7 +26688,7 @@
                 <a16:creationId xmlns:a16="http://schemas.microsoft.com/office/drawing/2014/main" id="{3D0E302E-D9CD-4301-A67C-2F0F43791D81}"/>
               </a:ext>
               <a:ext uri="{C183D7F6-B498-43B3-948B-1728B52AA6E4}">
-                <adec:decorative xmlns="" xmlns:adec="http://schemas.microsoft.com/office/drawing/2017/decorative" val="1"/>
+                <adec:decorative xmlns:adec="http://schemas.microsoft.com/office/drawing/2017/decorative" val="1"/>
               </a:ext>
             </a:extLst>
           </p:cNvPr>
@@ -26909,7 +26747,7 @@
                 <a16:creationId xmlns:a16="http://schemas.microsoft.com/office/drawing/2014/main" id="{CA457133-9802-4229-B919-FF91AE235CCB}"/>
               </a:ext>
               <a:ext uri="{C183D7F6-B498-43B3-948B-1728B52AA6E4}">
-                <adec:decorative xmlns="" xmlns:adec="http://schemas.microsoft.com/office/drawing/2017/decorative" val="1"/>
+                <adec:decorative xmlns:adec="http://schemas.microsoft.com/office/drawing/2017/decorative" val="1"/>
               </a:ext>
             </a:extLst>
           </p:cNvPr>
@@ -26954,7 +26792,7 @@
                 <a16:creationId xmlns:a16="http://schemas.microsoft.com/office/drawing/2014/main" id="{35174CBE-3C8C-4936-BADC-26BFB4F07FA9}"/>
               </a:ext>
               <a:ext uri="{C183D7F6-B498-43B3-948B-1728B52AA6E4}">
-                <adec:decorative xmlns="" xmlns:adec="http://schemas.microsoft.com/office/drawing/2017/decorative" val="1"/>
+                <adec:decorative xmlns:adec="http://schemas.microsoft.com/office/drawing/2017/decorative" val="1"/>
               </a:ext>
             </a:extLst>
           </p:cNvPr>
@@ -27048,7 +26886,7 @@
                 <a16:creationId xmlns:a16="http://schemas.microsoft.com/office/drawing/2014/main" id="{74CBD692-4D03-4764-98E3-F95783857866}"/>
               </a:ext>
               <a:ext uri="{C183D7F6-B498-43B3-948B-1728B52AA6E4}">
-                <adec:decorative xmlns="" xmlns:adec="http://schemas.microsoft.com/office/drawing/2017/decorative" val="1"/>
+                <adec:decorative xmlns:adec="http://schemas.microsoft.com/office/drawing/2017/decorative" val="1"/>
               </a:ext>
             </a:extLst>
           </p:cNvPr>
@@ -27093,7 +26931,7 @@
                 <a16:creationId xmlns:a16="http://schemas.microsoft.com/office/drawing/2014/main" id="{932BC668-4D51-4090-89E3-5613B832E4F8}"/>
               </a:ext>
               <a:ext uri="{C183D7F6-B498-43B3-948B-1728B52AA6E4}">
-                <adec:decorative xmlns="" xmlns:adec="http://schemas.microsoft.com/office/drawing/2017/decorative" val="1"/>
+                <adec:decorative xmlns:adec="http://schemas.microsoft.com/office/drawing/2017/decorative" val="1"/>
               </a:ext>
             </a:extLst>
           </p:cNvPr>
@@ -27254,13 +27092,6 @@
       </p:transition>
     </mc:Fallback>
   </mc:AlternateContent>
-  <p:timing>
-    <p:tnLst>
-      <p:par>
-        <p:cTn id="1" dur="indefinite" restart="never" nodeType="tmRoot"/>
-      </p:par>
-    </p:tnLst>
-  </p:timing>
 </p:sld>
 </file>
 
@@ -27324,7 +27155,7 @@
                 <a16:creationId xmlns:a16="http://schemas.microsoft.com/office/drawing/2014/main" id="{E4055289-E0C6-4BD3-83C1-D3C3059323A2}"/>
               </a:ext>
               <a:ext uri="{C183D7F6-B498-43B3-948B-1728B52AA6E4}">
-                <adec:decorative xmlns="" xmlns:adec="http://schemas.microsoft.com/office/drawing/2017/decorative" val="1"/>
+                <adec:decorative xmlns:adec="http://schemas.microsoft.com/office/drawing/2017/decorative" val="1"/>
               </a:ext>
             </a:extLst>
           </p:cNvPr>
@@ -27426,7 +27257,7 @@
                 <a16:creationId xmlns:a16="http://schemas.microsoft.com/office/drawing/2014/main" id="{3D0E302E-D9CD-4301-A67C-2F0F43791D81}"/>
               </a:ext>
               <a:ext uri="{C183D7F6-B498-43B3-948B-1728B52AA6E4}">
-                <adec:decorative xmlns="" xmlns:adec="http://schemas.microsoft.com/office/drawing/2017/decorative" val="1"/>
+                <adec:decorative xmlns:adec="http://schemas.microsoft.com/office/drawing/2017/decorative" val="1"/>
               </a:ext>
             </a:extLst>
           </p:cNvPr>
@@ -27485,7 +27316,7 @@
                 <a16:creationId xmlns:a16="http://schemas.microsoft.com/office/drawing/2014/main" id="{CA457133-9802-4229-B919-FF91AE235CCB}"/>
               </a:ext>
               <a:ext uri="{C183D7F6-B498-43B3-948B-1728B52AA6E4}">
-                <adec:decorative xmlns="" xmlns:adec="http://schemas.microsoft.com/office/drawing/2017/decorative" val="1"/>
+                <adec:decorative xmlns:adec="http://schemas.microsoft.com/office/drawing/2017/decorative" val="1"/>
               </a:ext>
             </a:extLst>
           </p:cNvPr>
@@ -27530,7 +27361,7 @@
                 <a16:creationId xmlns:a16="http://schemas.microsoft.com/office/drawing/2014/main" id="{35174CBE-3C8C-4936-BADC-26BFB4F07FA9}"/>
               </a:ext>
               <a:ext uri="{C183D7F6-B498-43B3-948B-1728B52AA6E4}">
-                <adec:decorative xmlns="" xmlns:adec="http://schemas.microsoft.com/office/drawing/2017/decorative" val="1"/>
+                <adec:decorative xmlns:adec="http://schemas.microsoft.com/office/drawing/2017/decorative" val="1"/>
               </a:ext>
             </a:extLst>
           </p:cNvPr>
@@ -27624,7 +27455,7 @@
                 <a16:creationId xmlns:a16="http://schemas.microsoft.com/office/drawing/2014/main" id="{74CBD692-4D03-4764-98E3-F95783857866}"/>
               </a:ext>
               <a:ext uri="{C183D7F6-B498-43B3-948B-1728B52AA6E4}">
-                <adec:decorative xmlns="" xmlns:adec="http://schemas.microsoft.com/office/drawing/2017/decorative" val="1"/>
+                <adec:decorative xmlns:adec="http://schemas.microsoft.com/office/drawing/2017/decorative" val="1"/>
               </a:ext>
             </a:extLst>
           </p:cNvPr>
@@ -27669,7 +27500,7 @@
                 <a16:creationId xmlns:a16="http://schemas.microsoft.com/office/drawing/2014/main" id="{932BC668-4D51-4090-89E3-5613B832E4F8}"/>
               </a:ext>
               <a:ext uri="{C183D7F6-B498-43B3-948B-1728B52AA6E4}">
-                <adec:decorative xmlns="" xmlns:adec="http://schemas.microsoft.com/office/drawing/2017/decorative" val="1"/>
+                <adec:decorative xmlns:adec="http://schemas.microsoft.com/office/drawing/2017/decorative" val="1"/>
               </a:ext>
             </a:extLst>
           </p:cNvPr>
@@ -27839,13 +27670,6 @@
       </p:transition>
     </mc:Fallback>
   </mc:AlternateContent>
-  <p:timing>
-    <p:tnLst>
-      <p:par>
-        <p:cTn id="1" dur="indefinite" restart="never" nodeType="tmRoot"/>
-      </p:par>
-    </p:tnLst>
-  </p:timing>
 </p:sld>
 </file>
 
@@ -27909,7 +27733,7 @@
                 <a16:creationId xmlns:a16="http://schemas.microsoft.com/office/drawing/2014/main" id="{B2A773CA-28F4-49C2-BFA3-49A5867C7AFB}"/>
               </a:ext>
               <a:ext uri="{C183D7F6-B498-43B3-948B-1728B52AA6E4}">
-                <adec:decorative xmlns="" xmlns:adec="http://schemas.microsoft.com/office/drawing/2017/decorative" val="1"/>
+                <adec:decorative xmlns:adec="http://schemas.microsoft.com/office/drawing/2017/decorative" val="1"/>
               </a:ext>
             </a:extLst>
           </p:cNvPr>
@@ -27969,7 +27793,7 @@
                 <a16:creationId xmlns:a16="http://schemas.microsoft.com/office/drawing/2014/main" id="{5D7C72BA-4476-4E4B-BC37-9A75FD0C5951}"/>
               </a:ext>
               <a:ext uri="{C183D7F6-B498-43B3-948B-1728B52AA6E4}">
-                <adec:decorative xmlns="" xmlns:adec="http://schemas.microsoft.com/office/drawing/2017/decorative" val="1"/>
+                <adec:decorative xmlns:adec="http://schemas.microsoft.com/office/drawing/2017/decorative" val="1"/>
               </a:ext>
             </a:extLst>
           </p:cNvPr>
@@ -28015,7 +27839,7 @@
                 <a16:creationId xmlns:a16="http://schemas.microsoft.com/office/drawing/2014/main" id="{3009A16D-868B-4145-BBC6-555098537EC2}"/>
               </a:ext>
               <a:ext uri="{C183D7F6-B498-43B3-948B-1728B52AA6E4}">
-                <adec:decorative xmlns="" xmlns:adec="http://schemas.microsoft.com/office/drawing/2017/decorative" val="1"/>
+                <adec:decorative xmlns:adec="http://schemas.microsoft.com/office/drawing/2017/decorative" val="1"/>
               </a:ext>
             </a:extLst>
           </p:cNvPr>
@@ -28075,7 +27899,7 @@
                 <a16:creationId xmlns:a16="http://schemas.microsoft.com/office/drawing/2014/main" id="{3992EB33-38E1-4175-8EE2-9BB8CC159C7B}"/>
               </a:ext>
               <a:ext uri="{C183D7F6-B498-43B3-948B-1728B52AA6E4}">
-                <adec:decorative xmlns="" xmlns:adec="http://schemas.microsoft.com/office/drawing/2017/decorative" val="1"/>
+                <adec:decorative xmlns:adec="http://schemas.microsoft.com/office/drawing/2017/decorative" val="1"/>
               </a:ext>
             </a:extLst>
           </p:cNvPr>
@@ -28120,7 +27944,7 @@
                 <a16:creationId xmlns:a16="http://schemas.microsoft.com/office/drawing/2014/main" id="{2DCAE5CF-5D29-4779-83E1-BDB64E4F30E5}"/>
               </a:ext>
               <a:ext uri="{C183D7F6-B498-43B3-948B-1728B52AA6E4}">
-                <adec:decorative xmlns="" xmlns:adec="http://schemas.microsoft.com/office/drawing/2017/decorative" val="1"/>
+                <adec:decorative xmlns:adec="http://schemas.microsoft.com/office/drawing/2017/decorative" val="1"/>
               </a:ext>
             </a:extLst>
           </p:cNvPr>
@@ -28259,13 +28083,6 @@
       </p:transition>
     </mc:Fallback>
   </mc:AlternateContent>
-  <p:timing>
-    <p:tnLst>
-      <p:par>
-        <p:cTn id="1" dur="indefinite" restart="never" nodeType="tmRoot"/>
-      </p:par>
-    </p:tnLst>
-  </p:timing>
 </p:sld>
 </file>
 
@@ -28442,13 +28259,6 @@
       </p:transition>
     </mc:Fallback>
   </mc:AlternateContent>
-  <p:timing>
-    <p:tnLst>
-      <p:par>
-        <p:cTn id="1" dur="indefinite" restart="never" nodeType="tmRoot"/>
-      </p:par>
-    </p:tnLst>
-  </p:timing>
 </p:sld>
 </file>
 
@@ -28641,13 +28451,6 @@
       </p:transition>
     </mc:Fallback>
   </mc:AlternateContent>
-  <p:timing>
-    <p:tnLst>
-      <p:par>
-        <p:cTn id="1" dur="indefinite" restart="never" nodeType="tmRoot"/>
-      </p:par>
-    </p:tnLst>
-  </p:timing>
 </p:sld>
 </file>
 
@@ -28711,7 +28514,7 @@
                 <a16:creationId xmlns:a16="http://schemas.microsoft.com/office/drawing/2014/main" id="{CDBCB3D0-62EC-4D8A-A9E7-991AF662DC1B}"/>
               </a:ext>
               <a:ext uri="{C183D7F6-B498-43B3-948B-1728B52AA6E4}">
-                <adec:decorative xmlns="" xmlns:adec="http://schemas.microsoft.com/office/drawing/2017/decorative" val="1"/>
+                <adec:decorative xmlns:adec="http://schemas.microsoft.com/office/drawing/2017/decorative" val="1"/>
               </a:ext>
             </a:extLst>
           </p:cNvPr>
@@ -28771,7 +28574,7 @@
                 <a16:creationId xmlns:a16="http://schemas.microsoft.com/office/drawing/2014/main" id="{62C758D7-9BCC-44AD-98FB-A68CA52677FA}"/>
               </a:ext>
               <a:ext uri="{C183D7F6-B498-43B3-948B-1728B52AA6E4}">
-                <adec:decorative xmlns="" xmlns:adec="http://schemas.microsoft.com/office/drawing/2017/decorative" val="1"/>
+                <adec:decorative xmlns:adec="http://schemas.microsoft.com/office/drawing/2017/decorative" val="1"/>
               </a:ext>
             </a:extLst>
           </p:cNvPr>
@@ -28817,7 +28620,7 @@
                 <a16:creationId xmlns:a16="http://schemas.microsoft.com/office/drawing/2014/main" id="{A890917F-0A64-4C0A-91F8-E4F6BE6AB857}"/>
               </a:ext>
               <a:ext uri="{C183D7F6-B498-43B3-948B-1728B52AA6E4}">
-                <adec:decorative xmlns="" xmlns:adec="http://schemas.microsoft.com/office/drawing/2017/decorative" val="1"/>
+                <adec:decorative xmlns:adec="http://schemas.microsoft.com/office/drawing/2017/decorative" val="1"/>
               </a:ext>
             </a:extLst>
           </p:cNvPr>
@@ -28877,7 +28680,7 @@
                 <a16:creationId xmlns:a16="http://schemas.microsoft.com/office/drawing/2014/main" id="{938C8E05-3629-4B19-A965-0C926F9DE4F3}"/>
               </a:ext>
               <a:ext uri="{C183D7F6-B498-43B3-948B-1728B52AA6E4}">
-                <adec:decorative xmlns="" xmlns:adec="http://schemas.microsoft.com/office/drawing/2017/decorative" val="1"/>
+                <adec:decorative xmlns:adec="http://schemas.microsoft.com/office/drawing/2017/decorative" val="1"/>
               </a:ext>
             </a:extLst>
           </p:cNvPr>
@@ -28922,7 +28725,7 @@
                 <a16:creationId xmlns:a16="http://schemas.microsoft.com/office/drawing/2014/main" id="{9044F20B-3F79-4BBD-A9B8-33672B6A4A84}"/>
               </a:ext>
               <a:ext uri="{C183D7F6-B498-43B3-948B-1728B52AA6E4}">
-                <adec:decorative xmlns="" xmlns:adec="http://schemas.microsoft.com/office/drawing/2017/decorative" val="1"/>
+                <adec:decorative xmlns:adec="http://schemas.microsoft.com/office/drawing/2017/decorative" val="1"/>
               </a:ext>
             </a:extLst>
           </p:cNvPr>
@@ -29061,13 +28864,6 @@
       </p:transition>
     </mc:Fallback>
   </mc:AlternateContent>
-  <p:timing>
-    <p:tnLst>
-      <p:par>
-        <p:cTn id="1" dur="indefinite" restart="never" nodeType="tmRoot"/>
-      </p:par>
-    </p:tnLst>
-  </p:timing>
 </p:sld>
 </file>
 
@@ -29131,7 +28927,7 @@
                 <a16:creationId xmlns:a16="http://schemas.microsoft.com/office/drawing/2014/main" id="{CDBCB3D0-62EC-4D8A-A9E7-991AF662DC1B}"/>
               </a:ext>
               <a:ext uri="{C183D7F6-B498-43B3-948B-1728B52AA6E4}">
-                <adec:decorative xmlns="" xmlns:adec="http://schemas.microsoft.com/office/drawing/2017/decorative" val="1"/>
+                <adec:decorative xmlns:adec="http://schemas.microsoft.com/office/drawing/2017/decorative" val="1"/>
               </a:ext>
             </a:extLst>
           </p:cNvPr>
@@ -29191,7 +28987,7 @@
                 <a16:creationId xmlns:a16="http://schemas.microsoft.com/office/drawing/2014/main" id="{62C758D7-9BCC-44AD-98FB-A68CA52677FA}"/>
               </a:ext>
               <a:ext uri="{C183D7F6-B498-43B3-948B-1728B52AA6E4}">
-                <adec:decorative xmlns="" xmlns:adec="http://schemas.microsoft.com/office/drawing/2017/decorative" val="1"/>
+                <adec:decorative xmlns:adec="http://schemas.microsoft.com/office/drawing/2017/decorative" val="1"/>
               </a:ext>
             </a:extLst>
           </p:cNvPr>
@@ -29237,7 +29033,7 @@
                 <a16:creationId xmlns:a16="http://schemas.microsoft.com/office/drawing/2014/main" id="{A890917F-0A64-4C0A-91F8-E4F6BE6AB857}"/>
               </a:ext>
               <a:ext uri="{C183D7F6-B498-43B3-948B-1728B52AA6E4}">
-                <adec:decorative xmlns="" xmlns:adec="http://schemas.microsoft.com/office/drawing/2017/decorative" val="1"/>
+                <adec:decorative xmlns:adec="http://schemas.microsoft.com/office/drawing/2017/decorative" val="1"/>
               </a:ext>
             </a:extLst>
           </p:cNvPr>
@@ -29297,7 +29093,7 @@
                 <a16:creationId xmlns:a16="http://schemas.microsoft.com/office/drawing/2014/main" id="{938C8E05-3629-4B19-A965-0C926F9DE4F3}"/>
               </a:ext>
               <a:ext uri="{C183D7F6-B498-43B3-948B-1728B52AA6E4}">
-                <adec:decorative xmlns="" xmlns:adec="http://schemas.microsoft.com/office/drawing/2017/decorative" val="1"/>
+                <adec:decorative xmlns:adec="http://schemas.microsoft.com/office/drawing/2017/decorative" val="1"/>
               </a:ext>
             </a:extLst>
           </p:cNvPr>
@@ -29342,7 +29138,7 @@
                 <a16:creationId xmlns:a16="http://schemas.microsoft.com/office/drawing/2014/main" id="{9044F20B-3F79-4BBD-A9B8-33672B6A4A84}"/>
               </a:ext>
               <a:ext uri="{C183D7F6-B498-43B3-948B-1728B52AA6E4}">
-                <adec:decorative xmlns="" xmlns:adec="http://schemas.microsoft.com/office/drawing/2017/decorative" val="1"/>
+                <adec:decorative xmlns:adec="http://schemas.microsoft.com/office/drawing/2017/decorative" val="1"/>
               </a:ext>
             </a:extLst>
           </p:cNvPr>
@@ -29481,13 +29277,6 @@
       </p:transition>
     </mc:Fallback>
   </mc:AlternateContent>
-  <p:timing>
-    <p:tnLst>
-      <p:par>
-        <p:cTn id="1" dur="indefinite" restart="never" nodeType="tmRoot"/>
-      </p:par>
-    </p:tnLst>
-  </p:timing>
 </p:sld>
 </file>
 
@@ -29551,7 +29340,7 @@
                 <a16:creationId xmlns:a16="http://schemas.microsoft.com/office/drawing/2014/main" id="{2F74CD13-E6E2-4BA1-A746-26D1A485D405}"/>
               </a:ext>
               <a:ext uri="{C183D7F6-B498-43B3-948B-1728B52AA6E4}">
-                <adec:decorative xmlns="" xmlns:adec="http://schemas.microsoft.com/office/drawing/2017/decorative" val="1"/>
+                <adec:decorative xmlns:adec="http://schemas.microsoft.com/office/drawing/2017/decorative" val="1"/>
               </a:ext>
             </a:extLst>
           </p:cNvPr>
@@ -29597,7 +29386,7 @@
                 <a16:creationId xmlns:a16="http://schemas.microsoft.com/office/drawing/2014/main" id="{B346EC20-981A-4C3D-BE3E-545E9E7AA984}"/>
               </a:ext>
               <a:ext uri="{C183D7F6-B498-43B3-948B-1728B52AA6E4}">
-                <adec:decorative xmlns="" xmlns:adec="http://schemas.microsoft.com/office/drawing/2017/decorative" val="1"/>
+                <adec:decorative xmlns:adec="http://schemas.microsoft.com/office/drawing/2017/decorative" val="1"/>
               </a:ext>
             </a:extLst>
           </p:cNvPr>
@@ -29642,7 +29431,7 @@
                 <a16:creationId xmlns:a16="http://schemas.microsoft.com/office/drawing/2014/main" id="{1679C49F-A469-46CB-BDFA-0DD516D5A43D}"/>
               </a:ext>
               <a:ext uri="{C183D7F6-B498-43B3-948B-1728B52AA6E4}">
-                <adec:decorative xmlns="" xmlns:adec="http://schemas.microsoft.com/office/drawing/2017/decorative" val="1"/>
+                <adec:decorative xmlns:adec="http://schemas.microsoft.com/office/drawing/2017/decorative" val="1"/>
               </a:ext>
             </a:extLst>
           </p:cNvPr>
@@ -29687,7 +29476,7 @@
                 <a16:creationId xmlns:a16="http://schemas.microsoft.com/office/drawing/2014/main" id="{2EF22102-83EB-49F5-99EC-1534C57EED31}"/>
               </a:ext>
               <a:ext uri="{C183D7F6-B498-43B3-948B-1728B52AA6E4}">
-                <adec:decorative xmlns="" xmlns:adec="http://schemas.microsoft.com/office/drawing/2017/decorative" val="1"/>
+                <adec:decorative xmlns:adec="http://schemas.microsoft.com/office/drawing/2017/decorative" val="1"/>
               </a:ext>
             </a:extLst>
           </p:cNvPr>
@@ -29745,7 +29534,7 @@
                 <a16:creationId xmlns:a16="http://schemas.microsoft.com/office/drawing/2014/main" id="{0EC250B3-686F-4E97-8FFD-8AE8ECD5DE37}"/>
               </a:ext>
               <a:ext uri="{C183D7F6-B498-43B3-948B-1728B52AA6E4}">
-                <adec:decorative xmlns="" xmlns:adec="http://schemas.microsoft.com/office/drawing/2017/decorative" val="1"/>
+                <adec:decorative xmlns:adec="http://schemas.microsoft.com/office/drawing/2017/decorative" val="1"/>
               </a:ext>
             </a:extLst>
           </p:cNvPr>
@@ -29800,7 +29589,7 @@
                 <a16:creationId xmlns:a16="http://schemas.microsoft.com/office/drawing/2014/main" id="{CF42E396-F955-4F53-80B2-FF908491C60B}"/>
               </a:ext>
               <a:ext uri="{C183D7F6-B498-43B3-948B-1728B52AA6E4}">
-                <adec:decorative xmlns="" xmlns:adec="http://schemas.microsoft.com/office/drawing/2017/decorative" val="1"/>
+                <adec:decorative xmlns:adec="http://schemas.microsoft.com/office/drawing/2017/decorative" val="1"/>
               </a:ext>
             </a:extLst>
           </p:cNvPr>
@@ -29831,7 +29620,7 @@
                   <a16:creationId xmlns:a16="http://schemas.microsoft.com/office/drawing/2014/main" id="{98660BC7-84CF-4366-8AE1-CA4B95B63F1A}"/>
                 </a:ext>
                 <a:ext uri="{C183D7F6-B498-43B3-948B-1728B52AA6E4}">
-                  <adec:decorative xmlns="" xmlns:adec="http://schemas.microsoft.com/office/drawing/2017/decorative" val="1"/>
+                  <adec:decorative xmlns:adec="http://schemas.microsoft.com/office/drawing/2017/decorative" val="1"/>
                 </a:ext>
               </a:extLst>
             </p:cNvPr>
@@ -29889,7 +29678,7 @@
                   <a16:creationId xmlns:a16="http://schemas.microsoft.com/office/drawing/2014/main" id="{9E2949B7-65E9-4707-AEA1-02995F1B6DE9}"/>
                 </a:ext>
                 <a:ext uri="{C183D7F6-B498-43B3-948B-1728B52AA6E4}">
-                  <adec:decorative xmlns="" xmlns:adec="http://schemas.microsoft.com/office/drawing/2017/decorative" val="1"/>
+                  <adec:decorative xmlns:adec="http://schemas.microsoft.com/office/drawing/2017/decorative" val="1"/>
                 </a:ext>
               </a:extLst>
             </p:cNvPr>
@@ -29936,7 +29725,7 @@
                 <a16:creationId xmlns:a16="http://schemas.microsoft.com/office/drawing/2014/main" id="{1612490C-320F-455C-9DFD-2C5F49D1880D}"/>
               </a:ext>
               <a:ext uri="{C183D7F6-B498-43B3-948B-1728B52AA6E4}">
-                <adec:decorative xmlns="" xmlns:adec="http://schemas.microsoft.com/office/drawing/2017/decorative" val="1"/>
+                <adec:decorative xmlns:adec="http://schemas.microsoft.com/office/drawing/2017/decorative" val="1"/>
               </a:ext>
             </a:extLst>
           </p:cNvPr>
@@ -30255,7 +30044,7 @@
                 <a16:creationId xmlns:a16="http://schemas.microsoft.com/office/drawing/2014/main" id="{B39E2C89-5187-4320-B1A5-215C041696E3}"/>
               </a:ext>
               <a:ext uri="{C183D7F6-B498-43B3-948B-1728B52AA6E4}">
-                <adec:decorative xmlns="" xmlns:adec="http://schemas.microsoft.com/office/drawing/2017/decorative" val="1"/>
+                <adec:decorative xmlns:adec="http://schemas.microsoft.com/office/drawing/2017/decorative" val="1"/>
               </a:ext>
             </a:extLst>
           </p:cNvPr>
@@ -30310,7 +30099,7 @@
                 <a16:creationId xmlns:a16="http://schemas.microsoft.com/office/drawing/2014/main" id="{54E171C8-1D58-447C-8CEC-BFF90B3A50B8}"/>
               </a:ext>
               <a:ext uri="{C183D7F6-B498-43B3-948B-1728B52AA6E4}">
-                <adec:decorative xmlns="" xmlns:adec="http://schemas.microsoft.com/office/drawing/2017/decorative" val="1"/>
+                <adec:decorative xmlns:adec="http://schemas.microsoft.com/office/drawing/2017/decorative" val="1"/>
               </a:ext>
             </a:extLst>
           </p:cNvPr>
@@ -30376,7 +30165,7 @@
                 <a16:creationId xmlns:a16="http://schemas.microsoft.com/office/drawing/2014/main" id="{08E38096-6C03-4FF0-923F-13504759F698}"/>
               </a:ext>
               <a:ext uri="{C183D7F6-B498-43B3-948B-1728B52AA6E4}">
-                <adec:decorative xmlns="" xmlns:adec="http://schemas.microsoft.com/office/drawing/2017/decorative" val="1"/>
+                <adec:decorative xmlns:adec="http://schemas.microsoft.com/office/drawing/2017/decorative" val="1"/>
               </a:ext>
             </a:extLst>
           </p:cNvPr>
@@ -30456,13 +30245,6 @@
       </p:transition>
     </mc:Fallback>
   </mc:AlternateContent>
-  <p:timing>
-    <p:tnLst>
-      <p:par>
-        <p:cTn id="1" dur="indefinite" restart="never" nodeType="tmRoot"/>
-      </p:par>
-    </p:tnLst>
-  </p:timing>
 </p:sld>
 </file>
 
@@ -30526,7 +30308,7 @@
                 <a16:creationId xmlns:a16="http://schemas.microsoft.com/office/drawing/2014/main" id="{7A865E47-4365-4F21-B8EA-13B2C12BCB98}"/>
               </a:ext>
               <a:ext uri="{C183D7F6-B498-43B3-948B-1728B52AA6E4}">
-                <adec:decorative xmlns="" xmlns:adec="http://schemas.microsoft.com/office/drawing/2017/decorative" val="1"/>
+                <adec:decorative xmlns:adec="http://schemas.microsoft.com/office/drawing/2017/decorative" val="1"/>
               </a:ext>
             </a:extLst>
           </p:cNvPr>
@@ -30557,7 +30339,7 @@
                   <a16:creationId xmlns:a16="http://schemas.microsoft.com/office/drawing/2014/main" id="{0CE24988-BB27-40E5-A961-9FA7ED0DB9B3}"/>
                 </a:ext>
                 <a:ext uri="{C183D7F6-B498-43B3-948B-1728B52AA6E4}">
-                  <adec:decorative xmlns="" xmlns:adec="http://schemas.microsoft.com/office/drawing/2017/decorative" val="1"/>
+                  <adec:decorative xmlns:adec="http://schemas.microsoft.com/office/drawing/2017/decorative" val="1"/>
                 </a:ext>
               </a:extLst>
             </p:cNvPr>
@@ -30615,7 +30397,7 @@
                   <a16:creationId xmlns:a16="http://schemas.microsoft.com/office/drawing/2014/main" id="{80BDE80E-ADE0-4E16-8F80-306A15F4D3FB}"/>
                 </a:ext>
                 <a:ext uri="{C183D7F6-B498-43B3-948B-1728B52AA6E4}">
-                  <adec:decorative xmlns="" xmlns:adec="http://schemas.microsoft.com/office/drawing/2017/decorative" val="1"/>
+                  <adec:decorative xmlns:adec="http://schemas.microsoft.com/office/drawing/2017/decorative" val="1"/>
                 </a:ext>
               </a:extLst>
             </p:cNvPr>
@@ -30761,7 +30543,7 @@
                 <a16:creationId xmlns:a16="http://schemas.microsoft.com/office/drawing/2014/main" id="{13BC1C09-8FD1-4619-B317-E9EED5E55DD8}"/>
               </a:ext>
               <a:ext uri="{C183D7F6-B498-43B3-948B-1728B52AA6E4}">
-                <adec:decorative xmlns="" xmlns:adec="http://schemas.microsoft.com/office/drawing/2017/decorative" val="1"/>
+                <adec:decorative xmlns:adec="http://schemas.microsoft.com/office/drawing/2017/decorative" val="1"/>
               </a:ext>
             </a:extLst>
           </p:cNvPr>
@@ -30855,7 +30637,7 @@
                 <a16:creationId xmlns:a16="http://schemas.microsoft.com/office/drawing/2014/main" id="{D3143E80-C928-46DB-9299-0BD06348A928}"/>
               </a:ext>
               <a:ext uri="{C183D7F6-B498-43B3-948B-1728B52AA6E4}">
-                <adec:decorative xmlns="" xmlns:adec="http://schemas.microsoft.com/office/drawing/2017/decorative" val="1"/>
+                <adec:decorative xmlns:adec="http://schemas.microsoft.com/office/drawing/2017/decorative" val="1"/>
               </a:ext>
             </a:extLst>
           </p:cNvPr>
@@ -30914,13 +30696,6 @@
       </p:transition>
     </mc:Fallback>
   </mc:AlternateContent>
-  <p:timing>
-    <p:tnLst>
-      <p:par>
-        <p:cTn id="1" dur="indefinite" restart="never" nodeType="tmRoot"/>
-      </p:par>
-    </p:tnLst>
-  </p:timing>
 </p:sld>
 </file>
 
@@ -30984,7 +30759,7 @@
                 <a16:creationId xmlns:a16="http://schemas.microsoft.com/office/drawing/2014/main" id="{7A865E47-4365-4F21-B8EA-13B2C12BCB98}"/>
               </a:ext>
               <a:ext uri="{C183D7F6-B498-43B3-948B-1728B52AA6E4}">
-                <adec:decorative xmlns="" xmlns:adec="http://schemas.microsoft.com/office/drawing/2017/decorative" val="1"/>
+                <adec:decorative xmlns:adec="http://schemas.microsoft.com/office/drawing/2017/decorative" val="1"/>
               </a:ext>
             </a:extLst>
           </p:cNvPr>
@@ -31015,7 +30790,7 @@
                   <a16:creationId xmlns:a16="http://schemas.microsoft.com/office/drawing/2014/main" id="{0CE24988-BB27-40E5-A961-9FA7ED0DB9B3}"/>
                 </a:ext>
                 <a:ext uri="{C183D7F6-B498-43B3-948B-1728B52AA6E4}">
-                  <adec:decorative xmlns="" xmlns:adec="http://schemas.microsoft.com/office/drawing/2017/decorative" val="1"/>
+                  <adec:decorative xmlns:adec="http://schemas.microsoft.com/office/drawing/2017/decorative" val="1"/>
                 </a:ext>
               </a:extLst>
             </p:cNvPr>
@@ -31073,7 +30848,7 @@
                   <a16:creationId xmlns:a16="http://schemas.microsoft.com/office/drawing/2014/main" id="{80BDE80E-ADE0-4E16-8F80-306A15F4D3FB}"/>
                 </a:ext>
                 <a:ext uri="{C183D7F6-B498-43B3-948B-1728B52AA6E4}">
-                  <adec:decorative xmlns="" xmlns:adec="http://schemas.microsoft.com/office/drawing/2017/decorative" val="1"/>
+                  <adec:decorative xmlns:adec="http://schemas.microsoft.com/office/drawing/2017/decorative" val="1"/>
                 </a:ext>
               </a:extLst>
             </p:cNvPr>
@@ -31234,7 +31009,7 @@
                 <a16:creationId xmlns:a16="http://schemas.microsoft.com/office/drawing/2014/main" id="{13BC1C09-8FD1-4619-B317-E9EED5E55DD8}"/>
               </a:ext>
               <a:ext uri="{C183D7F6-B498-43B3-948B-1728B52AA6E4}">
-                <adec:decorative xmlns="" xmlns:adec="http://schemas.microsoft.com/office/drawing/2017/decorative" val="1"/>
+                <adec:decorative xmlns:adec="http://schemas.microsoft.com/office/drawing/2017/decorative" val="1"/>
               </a:ext>
             </a:extLst>
           </p:cNvPr>
@@ -31328,7 +31103,7 @@
                 <a16:creationId xmlns:a16="http://schemas.microsoft.com/office/drawing/2014/main" id="{D3143E80-C928-46DB-9299-0BD06348A928}"/>
               </a:ext>
               <a:ext uri="{C183D7F6-B498-43B3-948B-1728B52AA6E4}">
-                <adec:decorative xmlns="" xmlns:adec="http://schemas.microsoft.com/office/drawing/2017/decorative" val="1"/>
+                <adec:decorative xmlns:adec="http://schemas.microsoft.com/office/drawing/2017/decorative" val="1"/>
               </a:ext>
             </a:extLst>
           </p:cNvPr>
@@ -31387,13 +31162,6 @@
       </p:transition>
     </mc:Fallback>
   </mc:AlternateContent>
-  <p:timing>
-    <p:tnLst>
-      <p:par>
-        <p:cTn id="1" dur="indefinite" restart="never" nodeType="tmRoot"/>
-      </p:par>
-    </p:tnLst>
-  </p:timing>
 </p:sld>
 </file>
 
@@ -31457,7 +31225,7 @@
                 <a16:creationId xmlns:a16="http://schemas.microsoft.com/office/drawing/2014/main" id="{7A865E47-4365-4F21-B8EA-13B2C12BCB98}"/>
               </a:ext>
               <a:ext uri="{C183D7F6-B498-43B3-948B-1728B52AA6E4}">
-                <adec:decorative xmlns="" xmlns:adec="http://schemas.microsoft.com/office/drawing/2017/decorative" val="1"/>
+                <adec:decorative xmlns:adec="http://schemas.microsoft.com/office/drawing/2017/decorative" val="1"/>
               </a:ext>
             </a:extLst>
           </p:cNvPr>
@@ -31488,7 +31256,7 @@
                   <a16:creationId xmlns:a16="http://schemas.microsoft.com/office/drawing/2014/main" id="{0CE24988-BB27-40E5-A961-9FA7ED0DB9B3}"/>
                 </a:ext>
                 <a:ext uri="{C183D7F6-B498-43B3-948B-1728B52AA6E4}">
-                  <adec:decorative xmlns="" xmlns:adec="http://schemas.microsoft.com/office/drawing/2017/decorative" val="1"/>
+                  <adec:decorative xmlns:adec="http://schemas.microsoft.com/office/drawing/2017/decorative" val="1"/>
                 </a:ext>
               </a:extLst>
             </p:cNvPr>
@@ -31546,7 +31314,7 @@
                   <a16:creationId xmlns:a16="http://schemas.microsoft.com/office/drawing/2014/main" id="{80BDE80E-ADE0-4E16-8F80-306A15F4D3FB}"/>
                 </a:ext>
                 <a:ext uri="{C183D7F6-B498-43B3-948B-1728B52AA6E4}">
-                  <adec:decorative xmlns="" xmlns:adec="http://schemas.microsoft.com/office/drawing/2017/decorative" val="1"/>
+                  <adec:decorative xmlns:adec="http://schemas.microsoft.com/office/drawing/2017/decorative" val="1"/>
                 </a:ext>
               </a:extLst>
             </p:cNvPr>
@@ -31722,7 +31490,7 @@
                 <a16:creationId xmlns:a16="http://schemas.microsoft.com/office/drawing/2014/main" id="{13BC1C09-8FD1-4619-B317-E9EED5E55DD8}"/>
               </a:ext>
               <a:ext uri="{C183D7F6-B498-43B3-948B-1728B52AA6E4}">
-                <adec:decorative xmlns="" xmlns:adec="http://schemas.microsoft.com/office/drawing/2017/decorative" val="1"/>
+                <adec:decorative xmlns:adec="http://schemas.microsoft.com/office/drawing/2017/decorative" val="1"/>
               </a:ext>
             </a:extLst>
           </p:cNvPr>
@@ -31816,7 +31584,7 @@
                 <a16:creationId xmlns:a16="http://schemas.microsoft.com/office/drawing/2014/main" id="{D3143E80-C928-46DB-9299-0BD06348A928}"/>
               </a:ext>
               <a:ext uri="{C183D7F6-B498-43B3-948B-1728B52AA6E4}">
-                <adec:decorative xmlns="" xmlns:adec="http://schemas.microsoft.com/office/drawing/2017/decorative" val="1"/>
+                <adec:decorative xmlns:adec="http://schemas.microsoft.com/office/drawing/2017/decorative" val="1"/>
               </a:ext>
             </a:extLst>
           </p:cNvPr>
@@ -31875,13 +31643,6 @@
       </p:transition>
     </mc:Fallback>
   </mc:AlternateContent>
-  <p:timing>
-    <p:tnLst>
-      <p:par>
-        <p:cTn id="1" dur="indefinite" restart="never" nodeType="tmRoot"/>
-      </p:par>
-    </p:tnLst>
-  </p:timing>
 </p:sld>
 </file>
 
@@ -31952,13 +31713,6 @@
       </p:transition>
     </mc:Fallback>
   </mc:AlternateContent>
-  <p:timing>
-    <p:tnLst>
-      <p:par>
-        <p:cTn id="1" dur="indefinite" restart="never" nodeType="tmRoot"/>
-      </p:par>
-    </p:tnLst>
-  </p:timing>
 </p:sld>
 </file>
 
@@ -32022,7 +31776,7 @@
                 <a16:creationId xmlns:a16="http://schemas.microsoft.com/office/drawing/2014/main" id="{3FECAD23-900F-4F1B-A441-6A68749F88D4}"/>
               </a:ext>
               <a:ext uri="{C183D7F6-B498-43B3-948B-1728B52AA6E4}">
-                <adec:decorative xmlns="" xmlns:adec="http://schemas.microsoft.com/office/drawing/2017/decorative" val="1"/>
+                <adec:decorative xmlns:adec="http://schemas.microsoft.com/office/drawing/2017/decorative" val="1"/>
               </a:ext>
             </a:extLst>
           </p:cNvPr>
@@ -32082,7 +31836,7 @@
                 <a16:creationId xmlns:a16="http://schemas.microsoft.com/office/drawing/2014/main" id="{57943801-CAEC-4F98-9332-2A4D9128463E}"/>
               </a:ext>
               <a:ext uri="{C183D7F6-B498-43B3-948B-1728B52AA6E4}">
-                <adec:decorative xmlns="" xmlns:adec="http://schemas.microsoft.com/office/drawing/2017/decorative" val="1"/>
+                <adec:decorative xmlns:adec="http://schemas.microsoft.com/office/drawing/2017/decorative" val="1"/>
               </a:ext>
             </a:extLst>
           </p:cNvPr>
@@ -32128,7 +31882,7 @@
                 <a16:creationId xmlns:a16="http://schemas.microsoft.com/office/drawing/2014/main" id="{8A233090-6C39-4F59-8A0F-86F011A7EEEB}"/>
               </a:ext>
               <a:ext uri="{C183D7F6-B498-43B3-948B-1728B52AA6E4}">
-                <adec:decorative xmlns="" xmlns:adec="http://schemas.microsoft.com/office/drawing/2017/decorative" val="1"/>
+                <adec:decorative xmlns:adec="http://schemas.microsoft.com/office/drawing/2017/decorative" val="1"/>
               </a:ext>
             </a:extLst>
           </p:cNvPr>
@@ -32188,7 +31942,7 @@
                 <a16:creationId xmlns:a16="http://schemas.microsoft.com/office/drawing/2014/main" id="{484DCAA0-4BF1-4FB9-97BA-D6BA630419A0}"/>
               </a:ext>
               <a:ext uri="{C183D7F6-B498-43B3-948B-1728B52AA6E4}">
-                <adec:decorative xmlns="" xmlns:adec="http://schemas.microsoft.com/office/drawing/2017/decorative" val="1"/>
+                <adec:decorative xmlns:adec="http://schemas.microsoft.com/office/drawing/2017/decorative" val="1"/>
               </a:ext>
             </a:extLst>
           </p:cNvPr>
@@ -32282,7 +32036,7 @@
                 <a16:creationId xmlns:a16="http://schemas.microsoft.com/office/drawing/2014/main" id="{9BC2FEA5-B399-458A-8393-E06CE40DB89C}"/>
               </a:ext>
               <a:ext uri="{C183D7F6-B498-43B3-948B-1728B52AA6E4}">
-                <adec:decorative xmlns="" xmlns:adec="http://schemas.microsoft.com/office/drawing/2017/decorative" val="1"/>
+                <adec:decorative xmlns:adec="http://schemas.microsoft.com/office/drawing/2017/decorative" val="1"/>
               </a:ext>
             </a:extLst>
           </p:cNvPr>
@@ -32464,13 +32218,6 @@
       </p:transition>
     </mc:Fallback>
   </mc:AlternateContent>
-  <p:timing>
-    <p:tnLst>
-      <p:par>
-        <p:cTn id="1" dur="indefinite" restart="never" nodeType="tmRoot"/>
-      </p:par>
-    </p:tnLst>
-  </p:timing>
 </p:sld>
 </file>
 
@@ -32634,13 +32381,6 @@
       </p:transition>
     </mc:Fallback>
   </mc:AlternateContent>
-  <p:timing>
-    <p:tnLst>
-      <p:par>
-        <p:cTn id="1" dur="indefinite" restart="never" nodeType="tmRoot"/>
-      </p:par>
-    </p:tnLst>
-  </p:timing>
 </p:sld>
 </file>
 
@@ -32704,7 +32444,7 @@
                 <a16:creationId xmlns:a16="http://schemas.microsoft.com/office/drawing/2014/main" id="{7A865E47-4365-4F21-B8EA-13B2C12BCB98}"/>
               </a:ext>
               <a:ext uri="{C183D7F6-B498-43B3-948B-1728B52AA6E4}">
-                <adec:decorative xmlns="" xmlns:adec="http://schemas.microsoft.com/office/drawing/2017/decorative" val="1"/>
+                <adec:decorative xmlns:adec="http://schemas.microsoft.com/office/drawing/2017/decorative" val="1"/>
               </a:ext>
             </a:extLst>
           </p:cNvPr>
@@ -32735,7 +32475,7 @@
                   <a16:creationId xmlns:a16="http://schemas.microsoft.com/office/drawing/2014/main" id="{0CE24988-BB27-40E5-A961-9FA7ED0DB9B3}"/>
                 </a:ext>
                 <a:ext uri="{C183D7F6-B498-43B3-948B-1728B52AA6E4}">
-                  <adec:decorative xmlns="" xmlns:adec="http://schemas.microsoft.com/office/drawing/2017/decorative" val="1"/>
+                  <adec:decorative xmlns:adec="http://schemas.microsoft.com/office/drawing/2017/decorative" val="1"/>
                 </a:ext>
               </a:extLst>
             </p:cNvPr>
@@ -32793,7 +32533,7 @@
                   <a16:creationId xmlns:a16="http://schemas.microsoft.com/office/drawing/2014/main" id="{80BDE80E-ADE0-4E16-8F80-306A15F4D3FB}"/>
                 </a:ext>
                 <a:ext uri="{C183D7F6-B498-43B3-948B-1728B52AA6E4}">
-                  <adec:decorative xmlns="" xmlns:adec="http://schemas.microsoft.com/office/drawing/2017/decorative" val="1"/>
+                  <adec:decorative xmlns:adec="http://schemas.microsoft.com/office/drawing/2017/decorative" val="1"/>
                 </a:ext>
               </a:extLst>
             </p:cNvPr>
@@ -32944,7 +32684,7 @@
                 <a16:creationId xmlns:a16="http://schemas.microsoft.com/office/drawing/2014/main" id="{13BC1C09-8FD1-4619-B317-E9EED5E55DD8}"/>
               </a:ext>
               <a:ext uri="{C183D7F6-B498-43B3-948B-1728B52AA6E4}">
-                <adec:decorative xmlns="" xmlns:adec="http://schemas.microsoft.com/office/drawing/2017/decorative" val="1"/>
+                <adec:decorative xmlns:adec="http://schemas.microsoft.com/office/drawing/2017/decorative" val="1"/>
               </a:ext>
             </a:extLst>
           </p:cNvPr>
@@ -33050,7 +32790,7 @@
                 <a16:creationId xmlns:a16="http://schemas.microsoft.com/office/drawing/2014/main" id="{D3143E80-C928-46DB-9299-0BD06348A928}"/>
               </a:ext>
               <a:ext uri="{C183D7F6-B498-43B3-948B-1728B52AA6E4}">
-                <adec:decorative xmlns="" xmlns:adec="http://schemas.microsoft.com/office/drawing/2017/decorative" val="1"/>
+                <adec:decorative xmlns:adec="http://schemas.microsoft.com/office/drawing/2017/decorative" val="1"/>
               </a:ext>
             </a:extLst>
           </p:cNvPr>
@@ -33109,13 +32849,6 @@
       </p:transition>
     </mc:Fallback>
   </mc:AlternateContent>
-  <p:timing>
-    <p:tnLst>
-      <p:par>
-        <p:cTn id="1" dur="indefinite" restart="never" nodeType="tmRoot"/>
-      </p:par>
-    </p:tnLst>
-  </p:timing>
 </p:sld>
 </file>
 
@@ -33179,7 +32912,7 @@
                 <a16:creationId xmlns:a16="http://schemas.microsoft.com/office/drawing/2014/main" id="{7A865E47-4365-4F21-B8EA-13B2C12BCB98}"/>
               </a:ext>
               <a:ext uri="{C183D7F6-B498-43B3-948B-1728B52AA6E4}">
-                <adec:decorative xmlns="" xmlns:adec="http://schemas.microsoft.com/office/drawing/2017/decorative" val="1"/>
+                <adec:decorative xmlns:adec="http://schemas.microsoft.com/office/drawing/2017/decorative" val="1"/>
               </a:ext>
             </a:extLst>
           </p:cNvPr>
@@ -33210,7 +32943,7 @@
                   <a16:creationId xmlns:a16="http://schemas.microsoft.com/office/drawing/2014/main" id="{0CE24988-BB27-40E5-A961-9FA7ED0DB9B3}"/>
                 </a:ext>
                 <a:ext uri="{C183D7F6-B498-43B3-948B-1728B52AA6E4}">
-                  <adec:decorative xmlns="" xmlns:adec="http://schemas.microsoft.com/office/drawing/2017/decorative" val="1"/>
+                  <adec:decorative xmlns:adec="http://schemas.microsoft.com/office/drawing/2017/decorative" val="1"/>
                 </a:ext>
               </a:extLst>
             </p:cNvPr>
@@ -33268,7 +33001,7 @@
                   <a16:creationId xmlns:a16="http://schemas.microsoft.com/office/drawing/2014/main" id="{80BDE80E-ADE0-4E16-8F80-306A15F4D3FB}"/>
                 </a:ext>
                 <a:ext uri="{C183D7F6-B498-43B3-948B-1728B52AA6E4}">
-                  <adec:decorative xmlns="" xmlns:adec="http://schemas.microsoft.com/office/drawing/2017/decorative" val="1"/>
+                  <adec:decorative xmlns:adec="http://schemas.microsoft.com/office/drawing/2017/decorative" val="1"/>
                 </a:ext>
               </a:extLst>
             </p:cNvPr>
@@ -33448,7 +33181,7 @@
                 <a16:creationId xmlns:a16="http://schemas.microsoft.com/office/drawing/2014/main" id="{13BC1C09-8FD1-4619-B317-E9EED5E55DD8}"/>
               </a:ext>
               <a:ext uri="{C183D7F6-B498-43B3-948B-1728B52AA6E4}">
-                <adec:decorative xmlns="" xmlns:adec="http://schemas.microsoft.com/office/drawing/2017/decorative" val="1"/>
+                <adec:decorative xmlns:adec="http://schemas.microsoft.com/office/drawing/2017/decorative" val="1"/>
               </a:ext>
             </a:extLst>
           </p:cNvPr>
@@ -33554,7 +33287,7 @@
                 <a16:creationId xmlns:a16="http://schemas.microsoft.com/office/drawing/2014/main" id="{D3143E80-C928-46DB-9299-0BD06348A928}"/>
               </a:ext>
               <a:ext uri="{C183D7F6-B498-43B3-948B-1728B52AA6E4}">
-                <adec:decorative xmlns="" xmlns:adec="http://schemas.microsoft.com/office/drawing/2017/decorative" val="1"/>
+                <adec:decorative xmlns:adec="http://schemas.microsoft.com/office/drawing/2017/decorative" val="1"/>
               </a:ext>
             </a:extLst>
           </p:cNvPr>
@@ -33613,13 +33346,6 @@
       </p:transition>
     </mc:Fallback>
   </mc:AlternateContent>
-  <p:timing>
-    <p:tnLst>
-      <p:par>
-        <p:cTn id="1" dur="indefinite" restart="never" nodeType="tmRoot"/>
-      </p:par>
-    </p:tnLst>
-  </p:timing>
 </p:sld>
 </file>
 
@@ -33683,7 +33409,7 @@
                 <a16:creationId xmlns:a16="http://schemas.microsoft.com/office/drawing/2014/main" id="{5321D838-2C7E-4177-9DD3-DAC78324A2B2}"/>
               </a:ext>
               <a:ext uri="{C183D7F6-B498-43B3-948B-1728B52AA6E4}">
-                <adec:decorative xmlns="" xmlns:adec="http://schemas.microsoft.com/office/drawing/2017/decorative" val="1"/>
+                <adec:decorative xmlns:adec="http://schemas.microsoft.com/office/drawing/2017/decorative" val="1"/>
               </a:ext>
             </a:extLst>
           </p:cNvPr>
@@ -33729,7 +33455,7 @@
                 <a16:creationId xmlns:a16="http://schemas.microsoft.com/office/drawing/2014/main" id="{0146E45C-1450-4186-B501-74F221F897A8}"/>
               </a:ext>
               <a:ext uri="{C183D7F6-B498-43B3-948B-1728B52AA6E4}">
-                <adec:decorative xmlns="" xmlns:adec="http://schemas.microsoft.com/office/drawing/2017/decorative" val="1"/>
+                <adec:decorative xmlns:adec="http://schemas.microsoft.com/office/drawing/2017/decorative" val="1"/>
               </a:ext>
             </a:extLst>
           </p:cNvPr>
@@ -33774,7 +33500,7 @@
                 <a16:creationId xmlns:a16="http://schemas.microsoft.com/office/drawing/2014/main" id="{EEDDA48B-BC04-4915-ADA3-A1A9522EB0D1}"/>
               </a:ext>
               <a:ext uri="{C183D7F6-B498-43B3-948B-1728B52AA6E4}">
-                <adec:decorative xmlns="" xmlns:adec="http://schemas.microsoft.com/office/drawing/2017/decorative" val="1"/>
+                <adec:decorative xmlns:adec="http://schemas.microsoft.com/office/drawing/2017/decorative" val="1"/>
               </a:ext>
             </a:extLst>
           </p:cNvPr>
@@ -33819,7 +33545,7 @@
                 <a16:creationId xmlns:a16="http://schemas.microsoft.com/office/drawing/2014/main" id="{78C9D07A-5A22-4E55-B18A-47CF07E5080D}"/>
               </a:ext>
               <a:ext uri="{C183D7F6-B498-43B3-948B-1728B52AA6E4}">
-                <adec:decorative xmlns="" xmlns:adec="http://schemas.microsoft.com/office/drawing/2017/decorative" val="1"/>
+                <adec:decorative xmlns:adec="http://schemas.microsoft.com/office/drawing/2017/decorative" val="1"/>
               </a:ext>
             </a:extLst>
           </p:cNvPr>
@@ -33877,7 +33603,7 @@
                 <a16:creationId xmlns:a16="http://schemas.microsoft.com/office/drawing/2014/main" id="{3D71E629-0739-4A59-972B-A9E9A4500E31}"/>
               </a:ext>
               <a:ext uri="{C183D7F6-B498-43B3-948B-1728B52AA6E4}">
-                <adec:decorative xmlns="" xmlns:adec="http://schemas.microsoft.com/office/drawing/2017/decorative" val="1"/>
+                <adec:decorative xmlns:adec="http://schemas.microsoft.com/office/drawing/2017/decorative" val="1"/>
               </a:ext>
             </a:extLst>
           </p:cNvPr>
@@ -33932,7 +33658,7 @@
                 <a16:creationId xmlns:a16="http://schemas.microsoft.com/office/drawing/2014/main" id="{2F84762E-7FCC-4EAF-B9E7-CE7214491E0D}"/>
               </a:ext>
               <a:ext uri="{C183D7F6-B498-43B3-948B-1728B52AA6E4}">
-                <adec:decorative xmlns="" xmlns:adec="http://schemas.microsoft.com/office/drawing/2017/decorative" val="1"/>
+                <adec:decorative xmlns:adec="http://schemas.microsoft.com/office/drawing/2017/decorative" val="1"/>
               </a:ext>
             </a:extLst>
           </p:cNvPr>
@@ -33992,7 +33718,7 @@
                 <a16:creationId xmlns:a16="http://schemas.microsoft.com/office/drawing/2014/main" id="{927A1389-2A5D-4886-AD82-F213767E673F}"/>
               </a:ext>
               <a:ext uri="{C183D7F6-B498-43B3-948B-1728B52AA6E4}">
-                <adec:decorative xmlns="" xmlns:adec="http://schemas.microsoft.com/office/drawing/2017/decorative" val="1"/>
+                <adec:decorative xmlns:adec="http://schemas.microsoft.com/office/drawing/2017/decorative" val="1"/>
               </a:ext>
             </a:extLst>
           </p:cNvPr>
@@ -34038,7 +33764,7 @@
                 <a16:creationId xmlns:a16="http://schemas.microsoft.com/office/drawing/2014/main" id="{A1038667-0C3F-4764-A24D-DA9D9B474851}"/>
               </a:ext>
               <a:ext uri="{C183D7F6-B498-43B3-948B-1728B52AA6E4}">
-                <adec:decorative xmlns="" xmlns:adec="http://schemas.microsoft.com/office/drawing/2017/decorative" val="1"/>
+                <adec:decorative xmlns:adec="http://schemas.microsoft.com/office/drawing/2017/decorative" val="1"/>
               </a:ext>
             </a:extLst>
           </p:cNvPr>
@@ -34098,7 +33824,7 @@
                 <a16:creationId xmlns:a16="http://schemas.microsoft.com/office/drawing/2014/main" id="{6AC2195B-895A-4535-8ECD-9F5B669C5CA5}"/>
               </a:ext>
               <a:ext uri="{C183D7F6-B498-43B3-948B-1728B52AA6E4}">
-                <adec:decorative xmlns="" xmlns:adec="http://schemas.microsoft.com/office/drawing/2017/decorative" val="1"/>
+                <adec:decorative xmlns:adec="http://schemas.microsoft.com/office/drawing/2017/decorative" val="1"/>
               </a:ext>
             </a:extLst>
           </p:cNvPr>
@@ -34143,7 +33869,7 @@
                 <a16:creationId xmlns:a16="http://schemas.microsoft.com/office/drawing/2014/main" id="{571EEFCA-9235-4BC2-85C3-A4EC6EE57AC4}"/>
               </a:ext>
               <a:ext uri="{C183D7F6-B498-43B3-948B-1728B52AA6E4}">
-                <adec:decorative xmlns="" xmlns:adec="http://schemas.microsoft.com/office/drawing/2017/decorative" val="1"/>
+                <adec:decorative xmlns:adec="http://schemas.microsoft.com/office/drawing/2017/decorative" val="1"/>
               </a:ext>
             </a:extLst>
           </p:cNvPr>
@@ -34291,13 +34017,6 @@
       </p:transition>
     </mc:Fallback>
   </mc:AlternateContent>
-  <p:timing>
-    <p:tnLst>
-      <p:par>
-        <p:cTn id="1" dur="indefinite" restart="never" nodeType="tmRoot"/>
-      </p:par>
-    </p:tnLst>
-  </p:timing>
 </p:sld>
 </file>
 
@@ -34361,7 +34080,7 @@
                 <a16:creationId xmlns:a16="http://schemas.microsoft.com/office/drawing/2014/main" id="{C610D2AE-07EF-436A-9755-AA8DF4B933A4}"/>
               </a:ext>
               <a:ext uri="{C183D7F6-B498-43B3-948B-1728B52AA6E4}">
-                <adec:decorative xmlns="" xmlns:adec="http://schemas.microsoft.com/office/drawing/2017/decorative" val="1"/>
+                <adec:decorative xmlns:adec="http://schemas.microsoft.com/office/drawing/2017/decorative" val="1"/>
               </a:ext>
             </a:extLst>
           </p:cNvPr>
@@ -34421,7 +34140,7 @@
                 <a16:creationId xmlns:a16="http://schemas.microsoft.com/office/drawing/2014/main" id="{6CACDD17-9043-46DF-882D-420365B79C18}"/>
               </a:ext>
               <a:ext uri="{C183D7F6-B498-43B3-948B-1728B52AA6E4}">
-                <adec:decorative xmlns="" xmlns:adec="http://schemas.microsoft.com/office/drawing/2017/decorative" val="1"/>
+                <adec:decorative xmlns:adec="http://schemas.microsoft.com/office/drawing/2017/decorative" val="1"/>
               </a:ext>
             </a:extLst>
           </p:cNvPr>
@@ -34467,7 +34186,7 @@
                 <a16:creationId xmlns:a16="http://schemas.microsoft.com/office/drawing/2014/main" id="{CF2D8AD5-434A-4C0E-9F5B-C1AFD645F364}"/>
               </a:ext>
               <a:ext uri="{C183D7F6-B498-43B3-948B-1728B52AA6E4}">
-                <adec:decorative xmlns="" xmlns:adec="http://schemas.microsoft.com/office/drawing/2017/decorative" val="1"/>
+                <adec:decorative xmlns:adec="http://schemas.microsoft.com/office/drawing/2017/decorative" val="1"/>
               </a:ext>
             </a:extLst>
           </p:cNvPr>
@@ -34560,7 +34279,7 @@
                 <a16:creationId xmlns:a16="http://schemas.microsoft.com/office/drawing/2014/main" id="{E92B246D-47CC-40F8-8DE7-B65D409E945E}"/>
               </a:ext>
               <a:ext uri="{C183D7F6-B498-43B3-948B-1728B52AA6E4}">
-                <adec:decorative xmlns="" xmlns:adec="http://schemas.microsoft.com/office/drawing/2017/decorative" val="1"/>
+                <adec:decorative xmlns:adec="http://schemas.microsoft.com/office/drawing/2017/decorative" val="1"/>
               </a:ext>
             </a:extLst>
           </p:cNvPr>
@@ -34755,13 +34474,6 @@
       </p:transition>
     </mc:Fallback>
   </mc:AlternateContent>
-  <p:timing>
-    <p:tnLst>
-      <p:par>
-        <p:cTn id="1" dur="indefinite" restart="never" nodeType="tmRoot"/>
-      </p:par>
-    </p:tnLst>
-  </p:timing>
 </p:sld>
 </file>
 
@@ -34925,13 +34637,6 @@
       </p:transition>
     </mc:Fallback>
   </mc:AlternateContent>
-  <p:timing>
-    <p:tnLst>
-      <p:par>
-        <p:cTn id="1" dur="indefinite" restart="never" nodeType="tmRoot"/>
-      </p:par>
-    </p:tnLst>
-  </p:timing>
 </p:sld>
 </file>
 
@@ -35110,13 +34815,6 @@
       </p:transition>
     </mc:Fallback>
   </mc:AlternateContent>
-  <p:timing>
-    <p:tnLst>
-      <p:par>
-        <p:cTn id="1" dur="indefinite" restart="never" nodeType="tmRoot"/>
-      </p:par>
-    </p:tnLst>
-  </p:timing>
 </p:sld>
 </file>
 
@@ -35313,13 +35011,6 @@
       </p:transition>
     </mc:Fallback>
   </mc:AlternateContent>
-  <p:timing>
-    <p:tnLst>
-      <p:par>
-        <p:cTn id="1" dur="indefinite" restart="never" nodeType="tmRoot"/>
-      </p:par>
-    </p:tnLst>
-  </p:timing>
 </p:sld>
 </file>
 
@@ -35481,13 +35172,6 @@
       </p:transition>
     </mc:Fallback>
   </mc:AlternateContent>
-  <p:timing>
-    <p:tnLst>
-      <p:par>
-        <p:cTn id="1" dur="indefinite" restart="never" nodeType="tmRoot"/>
-      </p:par>
-    </p:tnLst>
-  </p:timing>
 </p:sld>
 </file>
 
@@ -35670,13 +35354,6 @@
       </p:transition>
     </mc:Fallback>
   </mc:AlternateContent>
-  <p:timing>
-    <p:tnLst>
-      <p:par>
-        <p:cTn id="1" dur="indefinite" restart="never" nodeType="tmRoot"/>
-      </p:par>
-    </p:tnLst>
-  </p:timing>
 </p:sld>
 </file>
 
@@ -35868,13 +35545,6 @@
       </p:transition>
     </mc:Fallback>
   </mc:AlternateContent>
-  <p:timing>
-    <p:tnLst>
-      <p:par>
-        <p:cTn id="1" dur="indefinite" restart="never" nodeType="tmRoot"/>
-      </p:par>
-    </p:tnLst>
-  </p:timing>
 </p:sld>
 </file>
 
@@ -36008,13 +35678,6 @@
       </p:transition>
     </mc:Fallback>
   </mc:AlternateContent>
-  <p:timing>
-    <p:tnLst>
-      <p:par>
-        <p:cTn id="1" dur="indefinite" restart="never" nodeType="tmRoot"/>
-      </p:par>
-    </p:tnLst>
-  </p:timing>
 </p:sld>
 </file>
 
@@ -36143,13 +35806,6 @@
       </p:transition>
     </mc:Fallback>
   </mc:AlternateContent>
-  <p:timing>
-    <p:tnLst>
-      <p:par>
-        <p:cTn id="1" dur="indefinite" restart="never" nodeType="tmRoot"/>
-      </p:par>
-    </p:tnLst>
-  </p:timing>
 </p:sld>
 </file>
 
@@ -36335,13 +35991,6 @@
       </p:transition>
     </mc:Fallback>
   </mc:AlternateContent>
-  <p:timing>
-    <p:tnLst>
-      <p:par>
-        <p:cTn id="1" dur="indefinite" restart="never" nodeType="tmRoot"/>
-      </p:par>
-    </p:tnLst>
-  </p:timing>
 </p:sld>
 </file>
 
@@ -36542,13 +36191,6 @@
       </p:transition>
     </mc:Fallback>
   </mc:AlternateContent>
-  <p:timing>
-    <p:tnLst>
-      <p:par>
-        <p:cTn id="1" dur="indefinite" restart="never" nodeType="tmRoot"/>
-      </p:par>
-    </p:tnLst>
-  </p:timing>
 </p:sld>
 </file>
 
@@ -36772,13 +36414,6 @@
       </p:transition>
     </mc:Fallback>
   </mc:AlternateContent>
-  <p:timing>
-    <p:tnLst>
-      <p:par>
-        <p:cTn id="1" dur="indefinite" restart="never" nodeType="tmRoot"/>
-      </p:par>
-    </p:tnLst>
-  </p:timing>
 </p:sld>
 </file>
 
@@ -37011,13 +36646,6 @@
       </p:transition>
     </mc:Fallback>
   </mc:AlternateContent>
-  <p:timing>
-    <p:tnLst>
-      <p:par>
-        <p:cTn id="1" dur="indefinite" restart="never" nodeType="tmRoot"/>
-      </p:par>
-    </p:tnLst>
-  </p:timing>
 </p:sld>
 </file>
 
@@ -37081,7 +36709,7 @@
                 <a16:creationId xmlns:a16="http://schemas.microsoft.com/office/drawing/2014/main" id="{5321D838-2C7E-4177-9DD3-DAC78324A2B2}"/>
               </a:ext>
               <a:ext uri="{C183D7F6-B498-43B3-948B-1728B52AA6E4}">
-                <adec:decorative xmlns="" xmlns:adec="http://schemas.microsoft.com/office/drawing/2017/decorative" val="1"/>
+                <adec:decorative xmlns:adec="http://schemas.microsoft.com/office/drawing/2017/decorative" val="1"/>
               </a:ext>
             </a:extLst>
           </p:cNvPr>
@@ -37127,7 +36755,7 @@
                 <a16:creationId xmlns:a16="http://schemas.microsoft.com/office/drawing/2014/main" id="{0146E45C-1450-4186-B501-74F221F897A8}"/>
               </a:ext>
               <a:ext uri="{C183D7F6-B498-43B3-948B-1728B52AA6E4}">
-                <adec:decorative xmlns="" xmlns:adec="http://schemas.microsoft.com/office/drawing/2017/decorative" val="1"/>
+                <adec:decorative xmlns:adec="http://schemas.microsoft.com/office/drawing/2017/decorative" val="1"/>
               </a:ext>
             </a:extLst>
           </p:cNvPr>
@@ -37172,7 +36800,7 @@
                 <a16:creationId xmlns:a16="http://schemas.microsoft.com/office/drawing/2014/main" id="{EEDDA48B-BC04-4915-ADA3-A1A9522EB0D1}"/>
               </a:ext>
               <a:ext uri="{C183D7F6-B498-43B3-948B-1728B52AA6E4}">
-                <adec:decorative xmlns="" xmlns:adec="http://schemas.microsoft.com/office/drawing/2017/decorative" val="1"/>
+                <adec:decorative xmlns:adec="http://schemas.microsoft.com/office/drawing/2017/decorative" val="1"/>
               </a:ext>
             </a:extLst>
           </p:cNvPr>
@@ -37217,7 +36845,7 @@
                 <a16:creationId xmlns:a16="http://schemas.microsoft.com/office/drawing/2014/main" id="{78C9D07A-5A22-4E55-B18A-47CF07E5080D}"/>
               </a:ext>
               <a:ext uri="{C183D7F6-B498-43B3-948B-1728B52AA6E4}">
-                <adec:decorative xmlns="" xmlns:adec="http://schemas.microsoft.com/office/drawing/2017/decorative" val="1"/>
+                <adec:decorative xmlns:adec="http://schemas.microsoft.com/office/drawing/2017/decorative" val="1"/>
               </a:ext>
             </a:extLst>
           </p:cNvPr>
@@ -37275,7 +36903,7 @@
                 <a16:creationId xmlns:a16="http://schemas.microsoft.com/office/drawing/2014/main" id="{3D71E629-0739-4A59-972B-A9E9A4500E31}"/>
               </a:ext>
               <a:ext uri="{C183D7F6-B498-43B3-948B-1728B52AA6E4}">
-                <adec:decorative xmlns="" xmlns:adec="http://schemas.microsoft.com/office/drawing/2017/decorative" val="1"/>
+                <adec:decorative xmlns:adec="http://schemas.microsoft.com/office/drawing/2017/decorative" val="1"/>
               </a:ext>
             </a:extLst>
           </p:cNvPr>
@@ -37330,7 +36958,7 @@
                 <a16:creationId xmlns:a16="http://schemas.microsoft.com/office/drawing/2014/main" id="{068A8980-5323-4E32-9817-A14D0B9184F2}"/>
               </a:ext>
               <a:ext uri="{C183D7F6-B498-43B3-948B-1728B52AA6E4}">
-                <adec:decorative xmlns="" xmlns:adec="http://schemas.microsoft.com/office/drawing/2017/decorative" val="1"/>
+                <adec:decorative xmlns:adec="http://schemas.microsoft.com/office/drawing/2017/decorative" val="1"/>
               </a:ext>
             </a:extLst>
           </p:cNvPr>
@@ -37390,7 +37018,7 @@
                 <a16:creationId xmlns:a16="http://schemas.microsoft.com/office/drawing/2014/main" id="{C1A37955-21EA-4810-9AED-24CF25E26010}"/>
               </a:ext>
               <a:ext uri="{C183D7F6-B498-43B3-948B-1728B52AA6E4}">
-                <adec:decorative xmlns="" xmlns:adec="http://schemas.microsoft.com/office/drawing/2017/decorative" val="1"/>
+                <adec:decorative xmlns:adec="http://schemas.microsoft.com/office/drawing/2017/decorative" val="1"/>
               </a:ext>
             </a:extLst>
           </p:cNvPr>
@@ -37436,7 +37064,7 @@
                 <a16:creationId xmlns:a16="http://schemas.microsoft.com/office/drawing/2014/main" id="{8B79A499-6023-4495-8687-96680A5E9597}"/>
               </a:ext>
               <a:ext uri="{C183D7F6-B498-43B3-948B-1728B52AA6E4}">
-                <adec:decorative xmlns="" xmlns:adec="http://schemas.microsoft.com/office/drawing/2017/decorative" val="1"/>
+                <adec:decorative xmlns:adec="http://schemas.microsoft.com/office/drawing/2017/decorative" val="1"/>
               </a:ext>
             </a:extLst>
           </p:cNvPr>
@@ -37577,7 +37205,7 @@
                 <a16:creationId xmlns:a16="http://schemas.microsoft.com/office/drawing/2014/main" id="{BAA1CC66-52B7-4B1A-83B9-4473DABF8A84}"/>
               </a:ext>
               <a:ext uri="{C183D7F6-B498-43B3-948B-1728B52AA6E4}">
-                <adec:decorative xmlns="" xmlns:adec="http://schemas.microsoft.com/office/drawing/2017/decorative" val="1"/>
+                <adec:decorative xmlns:adec="http://schemas.microsoft.com/office/drawing/2017/decorative" val="1"/>
               </a:ext>
             </a:extLst>
           </p:cNvPr>
@@ -37632,7 +37260,7 @@
                 <a16:creationId xmlns:a16="http://schemas.microsoft.com/office/drawing/2014/main" id="{427A1B02-0BC3-4123-A27E-111F26354A77}"/>
               </a:ext>
               <a:ext uri="{C183D7F6-B498-43B3-948B-1728B52AA6E4}">
-                <adec:decorative xmlns="" xmlns:adec="http://schemas.microsoft.com/office/drawing/2017/decorative" val="1"/>
+                <adec:decorative xmlns:adec="http://schemas.microsoft.com/office/drawing/2017/decorative" val="1"/>
               </a:ext>
             </a:extLst>
           </p:cNvPr>
@@ -37698,7 +37326,7 @@
                 <a16:creationId xmlns:a16="http://schemas.microsoft.com/office/drawing/2014/main" id="{846EBDA5-97CE-4375-BC99-C7365D1CC66B}"/>
               </a:ext>
               <a:ext uri="{C183D7F6-B498-43B3-948B-1728B52AA6E4}">
-                <adec:decorative xmlns="" xmlns:adec="http://schemas.microsoft.com/office/drawing/2017/decorative" val="1"/>
+                <adec:decorative xmlns:adec="http://schemas.microsoft.com/office/drawing/2017/decorative" val="1"/>
               </a:ext>
             </a:extLst>
           </p:cNvPr>
@@ -37778,13 +37406,6 @@
       </p:transition>
     </mc:Fallback>
   </mc:AlternateContent>
-  <p:timing>
-    <p:tnLst>
-      <p:par>
-        <p:cTn id="1" dur="indefinite" restart="never" nodeType="tmRoot"/>
-      </p:par>
-    </p:tnLst>
-  </p:timing>
 </p:sld>
 </file>
 
@@ -37964,13 +37585,6 @@
       </p:transition>
     </mc:Fallback>
   </mc:AlternateContent>
-  <p:timing>
-    <p:tnLst>
-      <p:par>
-        <p:cTn id="1" dur="indefinite" restart="never" nodeType="tmRoot"/>
-      </p:par>
-    </p:tnLst>
-  </p:timing>
 </p:sld>
 </file>
 
@@ -38162,13 +37776,6 @@
       </p:transition>
     </mc:Fallback>
   </mc:AlternateContent>
-  <p:timing>
-    <p:tnLst>
-      <p:par>
-        <p:cTn id="1" dur="indefinite" restart="never" nodeType="tmRoot"/>
-      </p:par>
-    </p:tnLst>
-  </p:timing>
 </p:sld>
 </file>
 
@@ -38372,13 +37979,6 @@
       </p:transition>
     </mc:Fallback>
   </mc:AlternateContent>
-  <p:timing>
-    <p:tnLst>
-      <p:par>
-        <p:cTn id="1" dur="indefinite" restart="never" nodeType="tmRoot"/>
-      </p:par>
-    </p:tnLst>
-  </p:timing>
 </p:sld>
 </file>
 
@@ -38594,13 +38194,6 @@
       </p:transition>
     </mc:Fallback>
   </mc:AlternateContent>
-  <p:timing>
-    <p:tnLst>
-      <p:par>
-        <p:cTn id="1" dur="indefinite" restart="never" nodeType="tmRoot"/>
-      </p:par>
-    </p:tnLst>
-  </p:timing>
 </p:sld>
 </file>
 
@@ -38759,13 +38352,6 @@
       </p:transition>
     </mc:Fallback>
   </mc:AlternateContent>
-  <p:timing>
-    <p:tnLst>
-      <p:par>
-        <p:cTn id="1" dur="indefinite" restart="never" nodeType="tmRoot"/>
-      </p:par>
-    </p:tnLst>
-  </p:timing>
 </p:sld>
 </file>
 
@@ -38993,13 +38579,6 @@
       </p:transition>
     </mc:Fallback>
   </mc:AlternateContent>
-  <p:timing>
-    <p:tnLst>
-      <p:par>
-        <p:cTn id="1" dur="indefinite" restart="never" nodeType="tmRoot"/>
-      </p:par>
-    </p:tnLst>
-  </p:timing>
 </p:sld>
 </file>
 
@@ -39239,13 +38818,6 @@
       </p:transition>
     </mc:Fallback>
   </mc:AlternateContent>
-  <p:timing>
-    <p:tnLst>
-      <p:par>
-        <p:cTn id="1" dur="indefinite" restart="never" nodeType="tmRoot"/>
-      </p:par>
-    </p:tnLst>
-  </p:timing>
 </p:sld>
 </file>
 
@@ -39475,13 +39047,6 @@
       </p:transition>
     </mc:Fallback>
   </mc:AlternateContent>
-  <p:timing>
-    <p:tnLst>
-      <p:par>
-        <p:cTn id="1" dur="indefinite" restart="never" nodeType="tmRoot"/>
-      </p:par>
-    </p:tnLst>
-  </p:timing>
 </p:sld>
 </file>
 
@@ -39594,13 +39159,6 @@
       </p:transition>
     </mc:Fallback>
   </mc:AlternateContent>
-  <p:timing>
-    <p:tnLst>
-      <p:par>
-        <p:cTn id="1" dur="indefinite" restart="never" nodeType="tmRoot"/>
-      </p:par>
-    </p:tnLst>
-  </p:timing>
 </p:sld>
 </file>
 
@@ -39671,13 +39229,6 @@
       </p:transition>
     </mc:Fallback>
   </mc:AlternateContent>
-  <p:timing>
-    <p:tnLst>
-      <p:par>
-        <p:cTn id="1" dur="indefinite" restart="never" nodeType="tmRoot"/>
-      </p:par>
-    </p:tnLst>
-  </p:timing>
 </p:sld>
 </file>
 
@@ -39831,13 +39382,6 @@
       </p:transition>
     </mc:Fallback>
   </mc:AlternateContent>
-  <p:timing>
-    <p:tnLst>
-      <p:par>
-        <p:cTn id="1" dur="indefinite" restart="never" nodeType="tmRoot"/>
-      </p:par>
-    </p:tnLst>
-  </p:timing>
 </p:sld>
 </file>
 
@@ -40009,13 +39553,6 @@
       </p:transition>
     </mc:Fallback>
   </mc:AlternateContent>
-  <p:timing>
-    <p:tnLst>
-      <p:par>
-        <p:cTn id="1" dur="indefinite" restart="never" nodeType="tmRoot"/>
-      </p:par>
-    </p:tnLst>
-  </p:timing>
 </p:sld>
 </file>
 
@@ -40092,13 +39629,6 @@
       </p:transition>
     </mc:Fallback>
   </mc:AlternateContent>
-  <p:timing>
-    <p:tnLst>
-      <p:par>
-        <p:cTn id="1" dur="indefinite" restart="never" nodeType="tmRoot"/>
-      </p:par>
-    </p:tnLst>
-  </p:timing>
 </p:sld>
 </file>
 
@@ -40278,13 +39808,6 @@
       </p:transition>
     </mc:Fallback>
   </mc:AlternateContent>
-  <p:timing>
-    <p:tnLst>
-      <p:par>
-        <p:cTn id="1" dur="indefinite" restart="never" nodeType="tmRoot"/>
-      </p:par>
-    </p:tnLst>
-  </p:timing>
 </p:sld>
 </file>
 
@@ -40942,13 +40465,6 @@
       </p:transition>
     </mc:Fallback>
   </mc:AlternateContent>
-  <p:timing>
-    <p:tnLst>
-      <p:par>
-        <p:cTn id="1" dur="indefinite" restart="never" nodeType="tmRoot"/>
-      </p:par>
-    </p:tnLst>
-  </p:timing>
 </p:sld>
 </file>
 
@@ -41012,7 +40528,7 @@
                 <a16:creationId xmlns:a16="http://schemas.microsoft.com/office/drawing/2014/main" id="{7A865E47-4365-4F21-B8EA-13B2C12BCB98}"/>
               </a:ext>
               <a:ext uri="{C183D7F6-B498-43B3-948B-1728B52AA6E4}">
-                <adec:decorative xmlns="" xmlns:adec="http://schemas.microsoft.com/office/drawing/2017/decorative" val="1"/>
+                <adec:decorative xmlns:adec="http://schemas.microsoft.com/office/drawing/2017/decorative" val="1"/>
               </a:ext>
             </a:extLst>
           </p:cNvPr>
@@ -41043,7 +40559,7 @@
                   <a16:creationId xmlns:a16="http://schemas.microsoft.com/office/drawing/2014/main" id="{0CE24988-BB27-40E5-A961-9FA7ED0DB9B3}"/>
                 </a:ext>
                 <a:ext uri="{C183D7F6-B498-43B3-948B-1728B52AA6E4}">
-                  <adec:decorative xmlns="" xmlns:adec="http://schemas.microsoft.com/office/drawing/2017/decorative" val="1"/>
+                  <adec:decorative xmlns:adec="http://schemas.microsoft.com/office/drawing/2017/decorative" val="1"/>
                 </a:ext>
               </a:extLst>
             </p:cNvPr>
@@ -41101,7 +40617,7 @@
                   <a16:creationId xmlns:a16="http://schemas.microsoft.com/office/drawing/2014/main" id="{80BDE80E-ADE0-4E16-8F80-306A15F4D3FB}"/>
                 </a:ext>
                 <a:ext uri="{C183D7F6-B498-43B3-948B-1728B52AA6E4}">
-                  <adec:decorative xmlns="" xmlns:adec="http://schemas.microsoft.com/office/drawing/2017/decorative" val="1"/>
+                  <adec:decorative xmlns:adec="http://schemas.microsoft.com/office/drawing/2017/decorative" val="1"/>
                 </a:ext>
               </a:extLst>
             </p:cNvPr>
@@ -41235,7 +40751,7 @@
                 <a16:creationId xmlns:a16="http://schemas.microsoft.com/office/drawing/2014/main" id="{13BC1C09-8FD1-4619-B317-E9EED5E55DD8}"/>
               </a:ext>
               <a:ext uri="{C183D7F6-B498-43B3-948B-1728B52AA6E4}">
-                <adec:decorative xmlns="" xmlns:adec="http://schemas.microsoft.com/office/drawing/2017/decorative" val="1"/>
+                <adec:decorative xmlns:adec="http://schemas.microsoft.com/office/drawing/2017/decorative" val="1"/>
               </a:ext>
             </a:extLst>
           </p:cNvPr>
@@ -41328,7 +40844,7 @@
                 <a16:creationId xmlns:a16="http://schemas.microsoft.com/office/drawing/2014/main" id="{D3143E80-C928-46DB-9299-0BD06348A928}"/>
               </a:ext>
               <a:ext uri="{C183D7F6-B498-43B3-948B-1728B52AA6E4}">
-                <adec:decorative xmlns="" xmlns:adec="http://schemas.microsoft.com/office/drawing/2017/decorative" val="1"/>
+                <adec:decorative xmlns:adec="http://schemas.microsoft.com/office/drawing/2017/decorative" val="1"/>
               </a:ext>
             </a:extLst>
           </p:cNvPr>
@@ -41387,13 +40903,6 @@
       </p:transition>
     </mc:Fallback>
   </mc:AlternateContent>
-  <p:timing>
-    <p:tnLst>
-      <p:par>
-        <p:cTn id="1" dur="indefinite" restart="never" nodeType="tmRoot"/>
-      </p:par>
-    </p:tnLst>
-  </p:timing>
 </p:sld>
 </file>
 
@@ -41457,7 +40966,7 @@
                 <a16:creationId xmlns:a16="http://schemas.microsoft.com/office/drawing/2014/main" id="{7A865E47-4365-4F21-B8EA-13B2C12BCB98}"/>
               </a:ext>
               <a:ext uri="{C183D7F6-B498-43B3-948B-1728B52AA6E4}">
-                <adec:decorative xmlns="" xmlns:adec="http://schemas.microsoft.com/office/drawing/2017/decorative" val="1"/>
+                <adec:decorative xmlns:adec="http://schemas.microsoft.com/office/drawing/2017/decorative" val="1"/>
               </a:ext>
             </a:extLst>
           </p:cNvPr>
@@ -41488,7 +40997,7 @@
                   <a16:creationId xmlns:a16="http://schemas.microsoft.com/office/drawing/2014/main" id="{0CE24988-BB27-40E5-A961-9FA7ED0DB9B3}"/>
                 </a:ext>
                 <a:ext uri="{C183D7F6-B498-43B3-948B-1728B52AA6E4}">
-                  <adec:decorative xmlns="" xmlns:adec="http://schemas.microsoft.com/office/drawing/2017/decorative" val="1"/>
+                  <adec:decorative xmlns:adec="http://schemas.microsoft.com/office/drawing/2017/decorative" val="1"/>
                 </a:ext>
               </a:extLst>
             </p:cNvPr>
@@ -41546,7 +41055,7 @@
                   <a16:creationId xmlns:a16="http://schemas.microsoft.com/office/drawing/2014/main" id="{80BDE80E-ADE0-4E16-8F80-306A15F4D3FB}"/>
                 </a:ext>
                 <a:ext uri="{C183D7F6-B498-43B3-948B-1728B52AA6E4}">
-                  <adec:decorative xmlns="" xmlns:adec="http://schemas.microsoft.com/office/drawing/2017/decorative" val="1"/>
+                  <adec:decorative xmlns:adec="http://schemas.microsoft.com/office/drawing/2017/decorative" val="1"/>
                 </a:ext>
               </a:extLst>
             </p:cNvPr>
@@ -41689,7 +41198,7 @@
                 <a16:creationId xmlns:a16="http://schemas.microsoft.com/office/drawing/2014/main" id="{13BC1C09-8FD1-4619-B317-E9EED5E55DD8}"/>
               </a:ext>
               <a:ext uri="{C183D7F6-B498-43B3-948B-1728B52AA6E4}">
-                <adec:decorative xmlns="" xmlns:adec="http://schemas.microsoft.com/office/drawing/2017/decorative" val="1"/>
+                <adec:decorative xmlns:adec="http://schemas.microsoft.com/office/drawing/2017/decorative" val="1"/>
               </a:ext>
             </a:extLst>
           </p:cNvPr>
@@ -41782,7 +41291,7 @@
                 <a16:creationId xmlns:a16="http://schemas.microsoft.com/office/drawing/2014/main" id="{D3143E80-C928-46DB-9299-0BD06348A928}"/>
               </a:ext>
               <a:ext uri="{C183D7F6-B498-43B3-948B-1728B52AA6E4}">
-                <adec:decorative xmlns="" xmlns:adec="http://schemas.microsoft.com/office/drawing/2017/decorative" val="1"/>
+                <adec:decorative xmlns:adec="http://schemas.microsoft.com/office/drawing/2017/decorative" val="1"/>
               </a:ext>
             </a:extLst>
           </p:cNvPr>
@@ -41841,13 +41350,6 @@
       </p:transition>
     </mc:Fallback>
   </mc:AlternateContent>
-  <p:timing>
-    <p:tnLst>
-      <p:par>
-        <p:cTn id="1" dur="indefinite" restart="never" nodeType="tmRoot"/>
-      </p:par>
-    </p:tnLst>
-  </p:timing>
 </p:sld>
 </file>
 
